--- a/presentations/CodeReview.pptx
+++ b/presentations/CodeReview.pptx
@@ -5,7 +5,7 @@
     <p:sldMasterId id="2147483648" r:id="rId1"/>
   </p:sldMasterIdLst>
   <p:notesMasterIdLst>
-    <p:notesMasterId r:id="rId25"/>
+    <p:notesMasterId r:id="rId29"/>
   </p:notesMasterIdLst>
   <p:sldIdLst>
     <p:sldId id="257" r:id="rId2"/>
@@ -21,16 +21,20 @@
     <p:sldId id="382" r:id="rId12"/>
     <p:sldId id="377" r:id="rId13"/>
     <p:sldId id="379" r:id="rId14"/>
-    <p:sldId id="380" r:id="rId15"/>
-    <p:sldId id="263" r:id="rId16"/>
-    <p:sldId id="264" r:id="rId17"/>
-    <p:sldId id="266" r:id="rId18"/>
-    <p:sldId id="291" r:id="rId19"/>
-    <p:sldId id="383" r:id="rId20"/>
-    <p:sldId id="381" r:id="rId21"/>
+    <p:sldId id="263" r:id="rId15"/>
+    <p:sldId id="264" r:id="rId16"/>
+    <p:sldId id="266" r:id="rId17"/>
+    <p:sldId id="381" r:id="rId18"/>
+    <p:sldId id="380" r:id="rId19"/>
+    <p:sldId id="291" r:id="rId20"/>
+    <p:sldId id="383" r:id="rId21"/>
     <p:sldId id="378" r:id="rId22"/>
-    <p:sldId id="299" r:id="rId23"/>
-    <p:sldId id="298" r:id="rId24"/>
+    <p:sldId id="385" r:id="rId23"/>
+    <p:sldId id="386" r:id="rId24"/>
+    <p:sldId id="387" r:id="rId25"/>
+    <p:sldId id="388" r:id="rId26"/>
+    <p:sldId id="299" r:id="rId27"/>
+    <p:sldId id="298" r:id="rId28"/>
   </p:sldIdLst>
   <p:sldSz cx="12192000" cy="6858000"/>
   <p:notesSz cx="6858000" cy="9144000"/>
@@ -3886,7 +3890,7 @@
           <a:p>
             <a:fld id="{A776913D-A4F5-F444-9971-553A5E7763A0}" type="datetimeFigureOut">
               <a:rPr lang="ru-RU" smtClean="0"/>
-              <a:t>04.10.2023</a:t>
+              <a:t>08.10.2023</a:t>
             </a:fld>
             <a:endParaRPr lang="ru-RU"/>
           </a:p>
@@ -4227,7 +4231,7 @@
           <a:p>
             <a:fld id="{77669088-726E-B347-BDED-3A10A6F76EA6}" type="slidenum">
               <a:rPr lang="ru-RU" smtClean="0"/>
-              <a:t>20</a:t>
+              <a:t>17</a:t>
             </a:fld>
             <a:endParaRPr lang="ru-RU"/>
           </a:p>
@@ -4393,7 +4397,7 @@
           <a:p>
             <a:fld id="{F59E3287-5037-7C4F-A23B-1B38E54AB8A2}" type="datetimeFigureOut">
               <a:rPr lang="ru-RU" smtClean="0"/>
-              <a:t>04.10.2023</a:t>
+              <a:t>08.10.2023</a:t>
             </a:fld>
             <a:endParaRPr lang="ru-RU"/>
           </a:p>
@@ -4591,7 +4595,7 @@
           <a:p>
             <a:fld id="{F59E3287-5037-7C4F-A23B-1B38E54AB8A2}" type="datetimeFigureOut">
               <a:rPr lang="ru-RU" smtClean="0"/>
-              <a:t>04.10.2023</a:t>
+              <a:t>08.10.2023</a:t>
             </a:fld>
             <a:endParaRPr lang="ru-RU"/>
           </a:p>
@@ -4799,7 +4803,7 @@
           <a:p>
             <a:fld id="{F59E3287-5037-7C4F-A23B-1B38E54AB8A2}" type="datetimeFigureOut">
               <a:rPr lang="ru-RU" smtClean="0"/>
-              <a:t>04.10.2023</a:t>
+              <a:t>08.10.2023</a:t>
             </a:fld>
             <a:endParaRPr lang="ru-RU"/>
           </a:p>
@@ -5653,7 +5657,7 @@
           <a:p>
             <a:fld id="{F59E3287-5037-7C4F-A23B-1B38E54AB8A2}" type="datetimeFigureOut">
               <a:rPr lang="ru-RU" smtClean="0"/>
-              <a:t>04.10.2023</a:t>
+              <a:t>08.10.2023</a:t>
             </a:fld>
             <a:endParaRPr lang="ru-RU"/>
           </a:p>
@@ -5928,7 +5932,7 @@
           <a:p>
             <a:fld id="{F59E3287-5037-7C4F-A23B-1B38E54AB8A2}" type="datetimeFigureOut">
               <a:rPr lang="ru-RU" smtClean="0"/>
-              <a:t>04.10.2023</a:t>
+              <a:t>08.10.2023</a:t>
             </a:fld>
             <a:endParaRPr lang="ru-RU"/>
           </a:p>
@@ -6193,7 +6197,7 @@
           <a:p>
             <a:fld id="{F59E3287-5037-7C4F-A23B-1B38E54AB8A2}" type="datetimeFigureOut">
               <a:rPr lang="ru-RU" smtClean="0"/>
-              <a:t>04.10.2023</a:t>
+              <a:t>08.10.2023</a:t>
             </a:fld>
             <a:endParaRPr lang="ru-RU"/>
           </a:p>
@@ -6605,7 +6609,7 @@
           <a:p>
             <a:fld id="{F59E3287-5037-7C4F-A23B-1B38E54AB8A2}" type="datetimeFigureOut">
               <a:rPr lang="ru-RU" smtClean="0"/>
-              <a:t>04.10.2023</a:t>
+              <a:t>08.10.2023</a:t>
             </a:fld>
             <a:endParaRPr lang="ru-RU"/>
           </a:p>
@@ -6746,7 +6750,7 @@
           <a:p>
             <a:fld id="{F59E3287-5037-7C4F-A23B-1B38E54AB8A2}" type="datetimeFigureOut">
               <a:rPr lang="ru-RU" smtClean="0"/>
-              <a:t>04.10.2023</a:t>
+              <a:t>08.10.2023</a:t>
             </a:fld>
             <a:endParaRPr lang="ru-RU"/>
           </a:p>
@@ -6859,7 +6863,7 @@
           <a:p>
             <a:fld id="{F59E3287-5037-7C4F-A23B-1B38E54AB8A2}" type="datetimeFigureOut">
               <a:rPr lang="ru-RU" smtClean="0"/>
-              <a:t>04.10.2023</a:t>
+              <a:t>08.10.2023</a:t>
             </a:fld>
             <a:endParaRPr lang="ru-RU"/>
           </a:p>
@@ -7170,7 +7174,7 @@
           <a:p>
             <a:fld id="{F59E3287-5037-7C4F-A23B-1B38E54AB8A2}" type="datetimeFigureOut">
               <a:rPr lang="ru-RU" smtClean="0"/>
-              <a:t>04.10.2023</a:t>
+              <a:t>08.10.2023</a:t>
             </a:fld>
             <a:endParaRPr lang="ru-RU"/>
           </a:p>
@@ -7458,7 +7462,7 @@
           <a:p>
             <a:fld id="{F59E3287-5037-7C4F-A23B-1B38E54AB8A2}" type="datetimeFigureOut">
               <a:rPr lang="ru-RU" smtClean="0"/>
-              <a:t>04.10.2023</a:t>
+              <a:t>08.10.2023</a:t>
             </a:fld>
             <a:endParaRPr lang="ru-RU"/>
           </a:p>
@@ -7699,7 +7703,7 @@
           <a:p>
             <a:fld id="{F59E3287-5037-7C4F-A23B-1B38E54AB8A2}" type="datetimeFigureOut">
               <a:rPr lang="ru-RU" smtClean="0"/>
-              <a:t>04.10.2023</a:t>
+              <a:t>08.10.2023</a:t>
             </a:fld>
             <a:endParaRPr lang="ru-RU"/>
           </a:p>
@@ -8148,7 +8152,7 @@
           <a:lstStyle/>
           <a:p>
             <a:r>
-              <a:rPr lang="en-US" dirty="0">
+              <a:rPr lang="en-US" sz="6600" dirty="0">
                 <a:solidFill>
                   <a:schemeClr val="accent1">
                     <a:lumMod val="50000"/>
@@ -8158,14 +8162,14 @@
               <a:t>Code </a:t>
             </a:r>
             <a:r>
-              <a:rPr lang="en-US" dirty="0">
+              <a:rPr lang="en-US" sz="6600" dirty="0">
                 <a:solidFill>
                   <a:srgbClr val="7030A0"/>
                 </a:solidFill>
               </a:rPr>
               <a:t>Review</a:t>
             </a:r>
-            <a:endParaRPr lang="ru-RU" dirty="0">
+            <a:endParaRPr lang="ru-RU" sz="6600" dirty="0">
               <a:solidFill>
                 <a:srgbClr val="7030A0"/>
               </a:solidFill>
@@ -8459,8 +8463,8 @@
         </p:nvSpPr>
         <p:spPr>
           <a:xfrm>
-            <a:off x="838200" y="1025911"/>
-            <a:ext cx="10515600" cy="5768045"/>
+            <a:off x="838199" y="1025911"/>
+            <a:ext cx="11112795" cy="5832089"/>
           </a:xfrm>
         </p:spPr>
         <p:txBody>
@@ -8473,6 +8477,9 @@
               <a:lnSpc>
                 <a:spcPct val="120000"/>
               </a:lnSpc>
+              <a:spcBef>
+                <a:spcPts val="400"/>
+              </a:spcBef>
             </a:pPr>
             <a:r>
               <a:rPr lang="ru-RU" dirty="0"/>
@@ -8541,12 +8548,26 @@
                 <a:spcPct val="120000"/>
               </a:lnSpc>
               <a:spcBef>
-                <a:spcPts val="700"/>
+                <a:spcPts val="400"/>
               </a:spcBef>
             </a:pPr>
             <a:r>
               <a:rPr lang="ru-RU" dirty="0"/>
               <a:t>Участвуют все члены команды (не только самые опытные)</a:t>
+            </a:r>
+          </a:p>
+          <a:p>
+            <a:pPr lvl="1">
+              <a:lnSpc>
+                <a:spcPct val="120000"/>
+              </a:lnSpc>
+              <a:spcBef>
+                <a:spcPts val="400"/>
+              </a:spcBef>
+            </a:pPr>
+            <a:r>
+              <a:rPr lang="ru-RU" dirty="0"/>
+              <a:t>Из других команд тоже могут участвовать, особенно если используется концепция общего кода.</a:t>
             </a:r>
           </a:p>
           <a:p>
@@ -8555,7 +8576,7 @@
                 <a:spcPct val="120000"/>
               </a:lnSpc>
               <a:spcBef>
-                <a:spcPts val="700"/>
+                <a:spcPts val="400"/>
               </a:spcBef>
             </a:pPr>
             <a:r>
@@ -8583,7 +8604,7 @@
                 <a:spcPct val="120000"/>
               </a:lnSpc>
               <a:spcBef>
-                <a:spcPts val="700"/>
+                <a:spcPts val="400"/>
               </a:spcBef>
             </a:pPr>
             <a:r>
@@ -8611,7 +8632,7 @@
                 <a:spcPct val="120000"/>
               </a:lnSpc>
               <a:spcBef>
-                <a:spcPts val="700"/>
+                <a:spcPts val="400"/>
               </a:spcBef>
             </a:pPr>
             <a:r>
@@ -8639,7 +8660,7 @@
                 <a:spcPct val="120000"/>
               </a:lnSpc>
               <a:spcBef>
-                <a:spcPts val="700"/>
+                <a:spcPts val="400"/>
               </a:spcBef>
             </a:pPr>
             <a:r>
@@ -8667,7 +8688,7 @@
                 <a:spcPct val="120000"/>
               </a:lnSpc>
               <a:spcBef>
-                <a:spcPts val="700"/>
+                <a:spcPts val="500"/>
               </a:spcBef>
             </a:pPr>
             <a:r>
@@ -9585,155 +9606,6 @@
           <p:cNvPr id="2" name="Заголовок 1">
             <a:extLst>
               <a:ext uri="{FF2B5EF4-FFF2-40B4-BE49-F238E27FC236}">
-                <a16:creationId xmlns:a16="http://schemas.microsoft.com/office/drawing/2014/main" id="{D26DDAFE-01DB-CE17-1B2B-5D5E3BC126A5}"/>
-              </a:ext>
-            </a:extLst>
-          </p:cNvPr>
-          <p:cNvSpPr>
-            <a:spLocks noGrp="1"/>
-          </p:cNvSpPr>
-          <p:nvPr>
-            <p:ph type="title"/>
-          </p:nvPr>
-        </p:nvSpPr>
-        <p:spPr>
-          <a:xfrm>
-            <a:off x="838200" y="365125"/>
-            <a:ext cx="10515600" cy="839207"/>
-          </a:xfrm>
-        </p:spPr>
-        <p:txBody>
-          <a:bodyPr/>
-          <a:lstStyle/>
-          <a:p>
-            <a:r>
-              <a:rPr lang="ru-RU" dirty="0"/>
-              <a:t>Не надо из плохого кода делать идеальный</a:t>
-            </a:r>
-          </a:p>
-        </p:txBody>
-      </p:sp>
-      <p:sp>
-        <p:nvSpPr>
-          <p:cNvPr id="3" name="Объект 2">
-            <a:extLst>
-              <a:ext uri="{FF2B5EF4-FFF2-40B4-BE49-F238E27FC236}">
-                <a16:creationId xmlns:a16="http://schemas.microsoft.com/office/drawing/2014/main" id="{4CF151A4-69BF-7E36-7577-4791403718E8}"/>
-              </a:ext>
-            </a:extLst>
-          </p:cNvPr>
-          <p:cNvSpPr>
-            <a:spLocks noGrp="1"/>
-          </p:cNvSpPr>
-          <p:nvPr>
-            <p:ph idx="1"/>
-          </p:nvPr>
-        </p:nvSpPr>
-        <p:spPr>
-          <a:xfrm>
-            <a:off x="838199" y="1368425"/>
-            <a:ext cx="10926337" cy="2746375"/>
-          </a:xfrm>
-        </p:spPr>
-        <p:txBody>
-          <a:bodyPr/>
-          <a:lstStyle/>
-          <a:p>
-            <a:r>
-              <a:rPr lang="ru-RU" dirty="0"/>
-              <a:t>Это отнимает очень много времени</a:t>
-            </a:r>
-          </a:p>
-          <a:p>
-            <a:r>
-              <a:rPr lang="ru-RU" dirty="0"/>
-              <a:t>Слишком демотивирует разработчика</a:t>
-            </a:r>
-          </a:p>
-          <a:p>
-            <a:r>
-              <a:rPr lang="ru-RU" dirty="0"/>
-              <a:t>За большим валом малозначительных замечаний могут затеряться действительно важные (разработчик может их проигнорировать)</a:t>
-            </a:r>
-          </a:p>
-          <a:p>
-            <a:r>
-              <a:rPr lang="en-US" dirty="0"/>
-              <a:t>«Good Enough»</a:t>
-            </a:r>
-            <a:r>
-              <a:rPr lang="ru-RU" dirty="0"/>
-              <a:t> в противовес перфекционизму</a:t>
-            </a:r>
-            <a:endParaRPr lang="en-US" dirty="0"/>
-          </a:p>
-        </p:txBody>
-      </p:sp>
-      <p:pic>
-        <p:nvPicPr>
-          <p:cNvPr id="5" name="Рисунок 4">
-            <a:extLst>
-              <a:ext uri="{FF2B5EF4-FFF2-40B4-BE49-F238E27FC236}">
-                <a16:creationId xmlns:a16="http://schemas.microsoft.com/office/drawing/2014/main" id="{451D3443-5A9A-A841-D15B-C2EB8845D34E}"/>
-              </a:ext>
-            </a:extLst>
-          </p:cNvPr>
-          <p:cNvPicPr>
-            <a:picLocks noChangeAspect="1"/>
-          </p:cNvPicPr>
-          <p:nvPr/>
-        </p:nvPicPr>
-        <p:blipFill>
-          <a:blip r:embed="rId2"/>
-          <a:stretch>
-            <a:fillRect/>
-          </a:stretch>
-        </p:blipFill>
-        <p:spPr>
-          <a:xfrm>
-            <a:off x="4813300" y="3886200"/>
-            <a:ext cx="7378700" cy="2971800"/>
-          </a:xfrm>
-          <a:prstGeom prst="rect">
-            <a:avLst/>
-          </a:prstGeom>
-        </p:spPr>
-      </p:pic>
-    </p:spTree>
-    <p:extLst>
-      <p:ext uri="{BB962C8B-B14F-4D97-AF65-F5344CB8AC3E}">
-        <p14:creationId xmlns:p14="http://schemas.microsoft.com/office/powerpoint/2010/main" val="2905495158"/>
-      </p:ext>
-    </p:extLst>
-  </p:cSld>
-  <p:clrMapOvr>
-    <a:masterClrMapping/>
-  </p:clrMapOvr>
-</p:sld>
-</file>
-
-<file path=ppt/slides/slide15.xml><?xml version="1.0" encoding="utf-8"?>
-<p:sld xmlns:a="http://schemas.openxmlformats.org/drawingml/2006/main" xmlns:r="http://schemas.openxmlformats.org/officeDocument/2006/relationships" xmlns:p="http://schemas.openxmlformats.org/presentationml/2006/main">
-  <p:cSld>
-    <p:spTree>
-      <p:nvGrpSpPr>
-        <p:cNvPr id="1" name=""/>
-        <p:cNvGrpSpPr/>
-        <p:nvPr/>
-      </p:nvGrpSpPr>
-      <p:grpSpPr>
-        <a:xfrm>
-          <a:off x="0" y="0"/>
-          <a:ext cx="0" cy="0"/>
-          <a:chOff x="0" y="0"/>
-          <a:chExt cx="0" cy="0"/>
-        </a:xfrm>
-      </p:grpSpPr>
-      <p:sp>
-        <p:nvSpPr>
-          <p:cNvPr id="2" name="Заголовок 1">
-            <a:extLst>
-              <a:ext uri="{FF2B5EF4-FFF2-40B4-BE49-F238E27FC236}">
                 <a16:creationId xmlns:a16="http://schemas.microsoft.com/office/drawing/2014/main" id="{7A13BE31-7A78-18BF-CBDE-3CB2C9278A04}"/>
               </a:ext>
             </a:extLst>
@@ -9956,7 +9828,7 @@
 </p:sld>
 </file>
 
-<file path=ppt/slides/slide16.xml><?xml version="1.0" encoding="utf-8"?>
+<file path=ppt/slides/slide15.xml><?xml version="1.0" encoding="utf-8"?>
 <p:sld xmlns:a="http://schemas.openxmlformats.org/drawingml/2006/main" xmlns:r="http://schemas.openxmlformats.org/officeDocument/2006/relationships" xmlns:p="http://schemas.openxmlformats.org/presentationml/2006/main">
   <p:cSld>
     <p:spTree>
@@ -10168,7 +10040,7 @@
 </p:sld>
 </file>
 
-<file path=ppt/slides/slide17.xml><?xml version="1.0" encoding="utf-8"?>
+<file path=ppt/slides/slide16.xml><?xml version="1.0" encoding="utf-8"?>
 <p:sld xmlns:a="http://schemas.openxmlformats.org/drawingml/2006/main" xmlns:r="http://schemas.openxmlformats.org/officeDocument/2006/relationships" xmlns:p="http://schemas.openxmlformats.org/presentationml/2006/main">
   <p:cSld>
     <p:spTree>
@@ -10473,7 +10345,805 @@
 </p:sld>
 </file>
 
+<file path=ppt/slides/slide17.xml><?xml version="1.0" encoding="utf-8"?>
+<p:sld xmlns:a="http://schemas.openxmlformats.org/drawingml/2006/main" xmlns:r="http://schemas.openxmlformats.org/officeDocument/2006/relationships" xmlns:p="http://schemas.openxmlformats.org/presentationml/2006/main">
+  <p:cSld>
+    <p:spTree>
+      <p:nvGrpSpPr>
+        <p:cNvPr id="1" name=""/>
+        <p:cNvGrpSpPr/>
+        <p:nvPr/>
+      </p:nvGrpSpPr>
+      <p:grpSpPr>
+        <a:xfrm>
+          <a:off x="0" y="0"/>
+          <a:ext cx="0" cy="0"/>
+          <a:chOff x="0" y="0"/>
+          <a:chExt cx="0" cy="0"/>
+        </a:xfrm>
+      </p:grpSpPr>
+      <p:sp>
+        <p:nvSpPr>
+          <p:cNvPr id="2" name="Заголовок 1">
+            <a:extLst>
+              <a:ext uri="{FF2B5EF4-FFF2-40B4-BE49-F238E27FC236}">
+                <a16:creationId xmlns:a16="http://schemas.microsoft.com/office/drawing/2014/main" id="{EDB52A51-419E-F7F4-A81C-1877EF30B6D5}"/>
+              </a:ext>
+            </a:extLst>
+          </p:cNvPr>
+          <p:cNvSpPr>
+            <a:spLocks noGrp="1"/>
+          </p:cNvSpPr>
+          <p:nvPr>
+            <p:ph type="title"/>
+          </p:nvPr>
+        </p:nvSpPr>
+        <p:spPr>
+          <a:xfrm>
+            <a:off x="838200" y="365125"/>
+            <a:ext cx="10515600" cy="853285"/>
+          </a:xfrm>
+        </p:spPr>
+        <p:txBody>
+          <a:bodyPr/>
+          <a:lstStyle/>
+          <a:p>
+            <a:r>
+              <a:rPr lang="ru-RU" dirty="0"/>
+              <a:t>Классификация замечаний</a:t>
+            </a:r>
+          </a:p>
+        </p:txBody>
+      </p:sp>
+      <p:graphicFrame>
+        <p:nvGraphicFramePr>
+          <p:cNvPr id="4" name="Объект 3">
+            <a:extLst>
+              <a:ext uri="{FF2B5EF4-FFF2-40B4-BE49-F238E27FC236}">
+                <a16:creationId xmlns:a16="http://schemas.microsoft.com/office/drawing/2014/main" id="{85408436-8549-13C7-F6EA-CDEBD6270DA0}"/>
+              </a:ext>
+            </a:extLst>
+          </p:cNvPr>
+          <p:cNvGraphicFramePr>
+            <a:graphicFrameLocks noGrp="1"/>
+          </p:cNvGraphicFramePr>
+          <p:nvPr>
+            <p:ph idx="1"/>
+            <p:extLst>
+              <p:ext uri="{D42A27DB-BD31-4B8C-83A1-F6EECF244321}">
+                <p14:modId xmlns:p14="http://schemas.microsoft.com/office/powerpoint/2010/main" val="3739023000"/>
+              </p:ext>
+            </p:extLst>
+          </p:nvPr>
+        </p:nvGraphicFramePr>
+        <p:xfrm>
+          <a:off x="1567869" y="1825624"/>
+          <a:ext cx="10515600" cy="5032375"/>
+        </p:xfrm>
+        <a:graphic>
+          <a:graphicData uri="http://schemas.openxmlformats.org/drawingml/2006/diagram">
+            <dgm:relIds xmlns:dgm="http://schemas.openxmlformats.org/drawingml/2006/diagram" xmlns:r="http://schemas.openxmlformats.org/officeDocument/2006/relationships" r:dm="rId3" r:lo="rId4" r:qs="rId5" r:cs="rId6"/>
+          </a:graphicData>
+        </a:graphic>
+      </p:graphicFrame>
+      <p:sp>
+        <p:nvSpPr>
+          <p:cNvPr id="5" name="TextBox 4">
+            <a:extLst>
+              <a:ext uri="{FF2B5EF4-FFF2-40B4-BE49-F238E27FC236}">
+                <a16:creationId xmlns:a16="http://schemas.microsoft.com/office/drawing/2014/main" id="{0550C149-9854-D8D9-BC1D-80B6FDC6E22A}"/>
+              </a:ext>
+            </a:extLst>
+          </p:cNvPr>
+          <p:cNvSpPr txBox="1"/>
+          <p:nvPr/>
+        </p:nvSpPr>
+        <p:spPr>
+          <a:xfrm>
+            <a:off x="5813669" y="1388824"/>
+            <a:ext cx="1728439" cy="369332"/>
+          </a:xfrm>
+          <a:prstGeom prst="rect">
+            <a:avLst/>
+          </a:prstGeom>
+          <a:noFill/>
+        </p:spPr>
+        <p:txBody>
+          <a:bodyPr wrap="square" rtlCol="0">
+            <a:spAutoFit/>
+          </a:bodyPr>
+          <a:lstStyle/>
+          <a:p>
+            <a:r>
+              <a:rPr lang="ru-RU" dirty="0"/>
+              <a:t>Конфликтность</a:t>
+            </a:r>
+          </a:p>
+        </p:txBody>
+      </p:sp>
+      <p:sp>
+        <p:nvSpPr>
+          <p:cNvPr id="6" name="TextBox 5">
+            <a:extLst>
+              <a:ext uri="{FF2B5EF4-FFF2-40B4-BE49-F238E27FC236}">
+                <a16:creationId xmlns:a16="http://schemas.microsoft.com/office/drawing/2014/main" id="{2091C661-5AFF-0636-288F-D4448B33F1AB}"/>
+              </a:ext>
+            </a:extLst>
+          </p:cNvPr>
+          <p:cNvSpPr txBox="1"/>
+          <p:nvPr/>
+        </p:nvSpPr>
+        <p:spPr>
+          <a:xfrm>
+            <a:off x="9258493" y="4157145"/>
+            <a:ext cx="1728439" cy="369332"/>
+          </a:xfrm>
+          <a:prstGeom prst="rect">
+            <a:avLst/>
+          </a:prstGeom>
+          <a:noFill/>
+        </p:spPr>
+        <p:txBody>
+          <a:bodyPr wrap="square" rtlCol="0">
+            <a:spAutoFit/>
+          </a:bodyPr>
+          <a:lstStyle/>
+          <a:p>
+            <a:r>
+              <a:rPr lang="ru-RU" dirty="0"/>
+              <a:t>Важность</a:t>
+            </a:r>
+          </a:p>
+        </p:txBody>
+      </p:sp>
+      <p:sp>
+        <p:nvSpPr>
+          <p:cNvPr id="7" name="TextBox 6">
+            <a:extLst>
+              <a:ext uri="{FF2B5EF4-FFF2-40B4-BE49-F238E27FC236}">
+                <a16:creationId xmlns:a16="http://schemas.microsoft.com/office/drawing/2014/main" id="{0C18E5F0-8A44-8F13-E1C7-6C4057521E2B}"/>
+              </a:ext>
+            </a:extLst>
+          </p:cNvPr>
+          <p:cNvSpPr txBox="1"/>
+          <p:nvPr/>
+        </p:nvSpPr>
+        <p:spPr>
+          <a:xfrm flipV="1">
+            <a:off x="9386732" y="2112151"/>
+            <a:ext cx="531542" cy="400110"/>
+          </a:xfrm>
+          <a:prstGeom prst="rect">
+            <a:avLst/>
+          </a:prstGeom>
+          <a:noFill/>
+        </p:spPr>
+        <p:txBody>
+          <a:bodyPr wrap="square" rtlCol="0">
+            <a:spAutoFit/>
+          </a:bodyPr>
+          <a:lstStyle/>
+          <a:p>
+            <a:r>
+              <a:rPr lang="ru-RU" sz="2000" b="1" dirty="0">
+                <a:solidFill>
+                  <a:srgbClr val="0070C0"/>
+                </a:solidFill>
+              </a:rPr>
+              <a:t>I</a:t>
+            </a:r>
+          </a:p>
+        </p:txBody>
+      </p:sp>
+      <p:sp>
+        <p:nvSpPr>
+          <p:cNvPr id="8" name="TextBox 7">
+            <a:extLst>
+              <a:ext uri="{FF2B5EF4-FFF2-40B4-BE49-F238E27FC236}">
+                <a16:creationId xmlns:a16="http://schemas.microsoft.com/office/drawing/2014/main" id="{2D278C55-B703-0886-F640-3D872F1FA6AA}"/>
+              </a:ext>
+            </a:extLst>
+          </p:cNvPr>
+          <p:cNvSpPr txBox="1"/>
+          <p:nvPr/>
+        </p:nvSpPr>
+        <p:spPr>
+          <a:xfrm flipV="1">
+            <a:off x="3049122" y="2066881"/>
+            <a:ext cx="713678" cy="400110"/>
+          </a:xfrm>
+          <a:prstGeom prst="rect">
+            <a:avLst/>
+          </a:prstGeom>
+          <a:noFill/>
+        </p:spPr>
+        <p:txBody>
+          <a:bodyPr wrap="square" rtlCol="0">
+            <a:spAutoFit/>
+          </a:bodyPr>
+          <a:lstStyle/>
+          <a:p>
+            <a:r>
+              <a:rPr lang="ru-RU" sz="2000" b="1" dirty="0">
+                <a:solidFill>
+                  <a:srgbClr val="0070C0"/>
+                </a:solidFill>
+              </a:rPr>
+              <a:t>I</a:t>
+            </a:r>
+            <a:r>
+              <a:rPr lang="en-US" sz="2000" b="1" dirty="0">
+                <a:solidFill>
+                  <a:srgbClr val="0070C0"/>
+                </a:solidFill>
+              </a:rPr>
+              <a:t>I</a:t>
+            </a:r>
+            <a:endParaRPr lang="ru-RU" sz="2000" b="1" dirty="0">
+              <a:solidFill>
+                <a:srgbClr val="0070C0"/>
+              </a:solidFill>
+            </a:endParaRPr>
+          </a:p>
+        </p:txBody>
+      </p:sp>
+      <p:sp>
+        <p:nvSpPr>
+          <p:cNvPr id="9" name="TextBox 8">
+            <a:extLst>
+              <a:ext uri="{FF2B5EF4-FFF2-40B4-BE49-F238E27FC236}">
+                <a16:creationId xmlns:a16="http://schemas.microsoft.com/office/drawing/2014/main" id="{74BFCFAF-346F-36F1-7996-6D00F45D3B6A}"/>
+              </a:ext>
+            </a:extLst>
+          </p:cNvPr>
+          <p:cNvSpPr txBox="1"/>
+          <p:nvPr/>
+        </p:nvSpPr>
+        <p:spPr>
+          <a:xfrm rot="10800000" flipV="1">
+            <a:off x="9572586" y="6092765"/>
+            <a:ext cx="713678" cy="400110"/>
+          </a:xfrm>
+          <a:prstGeom prst="rect">
+            <a:avLst/>
+          </a:prstGeom>
+          <a:noFill/>
+        </p:spPr>
+        <p:txBody>
+          <a:bodyPr wrap="square" rtlCol="0">
+            <a:spAutoFit/>
+          </a:bodyPr>
+          <a:lstStyle/>
+          <a:p>
+            <a:r>
+              <a:rPr lang="en-US" sz="2000" b="1" dirty="0">
+                <a:solidFill>
+                  <a:srgbClr val="0070C0"/>
+                </a:solidFill>
+              </a:rPr>
+              <a:t>IV</a:t>
+            </a:r>
+            <a:endParaRPr lang="ru-RU" sz="2000" b="1" dirty="0">
+              <a:solidFill>
+                <a:srgbClr val="0070C0"/>
+              </a:solidFill>
+            </a:endParaRPr>
+          </a:p>
+        </p:txBody>
+      </p:sp>
+      <p:sp>
+        <p:nvSpPr>
+          <p:cNvPr id="10" name="TextBox 9">
+            <a:extLst>
+              <a:ext uri="{FF2B5EF4-FFF2-40B4-BE49-F238E27FC236}">
+                <a16:creationId xmlns:a16="http://schemas.microsoft.com/office/drawing/2014/main" id="{20005EF0-2F29-79BC-E7CA-2B8E9DEFAEC5}"/>
+              </a:ext>
+            </a:extLst>
+          </p:cNvPr>
+          <p:cNvSpPr txBox="1"/>
+          <p:nvPr/>
+        </p:nvSpPr>
+        <p:spPr>
+          <a:xfrm flipV="1">
+            <a:off x="3049122" y="6092765"/>
+            <a:ext cx="713678" cy="400110"/>
+          </a:xfrm>
+          <a:prstGeom prst="rect">
+            <a:avLst/>
+          </a:prstGeom>
+          <a:noFill/>
+        </p:spPr>
+        <p:txBody>
+          <a:bodyPr wrap="square" rtlCol="0">
+            <a:spAutoFit/>
+          </a:bodyPr>
+          <a:lstStyle/>
+          <a:p>
+            <a:r>
+              <a:rPr lang="ru-RU" sz="2000" b="1" dirty="0">
+                <a:solidFill>
+                  <a:srgbClr val="0070C0"/>
+                </a:solidFill>
+              </a:rPr>
+              <a:t>I</a:t>
+            </a:r>
+            <a:r>
+              <a:rPr lang="en-US" sz="2000" b="1" dirty="0">
+                <a:solidFill>
+                  <a:srgbClr val="0070C0"/>
+                </a:solidFill>
+              </a:rPr>
+              <a:t>II</a:t>
+            </a:r>
+            <a:endParaRPr lang="ru-RU" sz="2000" b="1" dirty="0">
+              <a:solidFill>
+                <a:srgbClr val="0070C0"/>
+              </a:solidFill>
+            </a:endParaRPr>
+          </a:p>
+        </p:txBody>
+      </p:sp>
+      <p:sp>
+        <p:nvSpPr>
+          <p:cNvPr id="15" name="Выгнутая влево стрелка 14">
+            <a:extLst>
+              <a:ext uri="{FF2B5EF4-FFF2-40B4-BE49-F238E27FC236}">
+                <a16:creationId xmlns:a16="http://schemas.microsoft.com/office/drawing/2014/main" id="{803C8BB3-C270-348F-1DB9-6F9D7DEAE92A}"/>
+              </a:ext>
+            </a:extLst>
+          </p:cNvPr>
+          <p:cNvSpPr/>
+          <p:nvPr/>
+        </p:nvSpPr>
+        <p:spPr>
+          <a:xfrm>
+            <a:off x="1978605" y="2859669"/>
+            <a:ext cx="1070517" cy="3062682"/>
+          </a:xfrm>
+          <a:prstGeom prst="curvedRightArrow">
+            <a:avLst/>
+          </a:prstGeom>
+        </p:spPr>
+        <p:style>
+          <a:lnRef idx="2">
+            <a:schemeClr val="accent1">
+              <a:shade val="15000"/>
+            </a:schemeClr>
+          </a:lnRef>
+          <a:fillRef idx="1">
+            <a:schemeClr val="accent1"/>
+          </a:fillRef>
+          <a:effectRef idx="0">
+            <a:schemeClr val="accent1"/>
+          </a:effectRef>
+          <a:fontRef idx="minor">
+            <a:schemeClr val="lt1"/>
+          </a:fontRef>
+        </p:style>
+        <p:txBody>
+          <a:bodyPr rtlCol="0" anchor="ctr"/>
+          <a:lstStyle/>
+          <a:p>
+            <a:pPr algn="ctr"/>
+            <a:endParaRPr lang="ru-RU">
+              <a:solidFill>
+                <a:schemeClr val="tx1"/>
+              </a:solidFill>
+            </a:endParaRPr>
+          </a:p>
+        </p:txBody>
+      </p:sp>
+      <p:sp>
+        <p:nvSpPr>
+          <p:cNvPr id="3" name="TextBox 2">
+            <a:extLst>
+              <a:ext uri="{FF2B5EF4-FFF2-40B4-BE49-F238E27FC236}">
+                <a16:creationId xmlns:a16="http://schemas.microsoft.com/office/drawing/2014/main" id="{47D01813-91CB-64E8-68FF-DF0BEDCFEAEE}"/>
+              </a:ext>
+            </a:extLst>
+          </p:cNvPr>
+          <p:cNvSpPr txBox="1"/>
+          <p:nvPr/>
+        </p:nvSpPr>
+        <p:spPr>
+          <a:xfrm>
+            <a:off x="313891" y="3418481"/>
+            <a:ext cx="1921164" cy="1477328"/>
+          </a:xfrm>
+          <a:prstGeom prst="rect">
+            <a:avLst/>
+          </a:prstGeom>
+          <a:noFill/>
+        </p:spPr>
+        <p:txBody>
+          <a:bodyPr wrap="square" rtlCol="0">
+            <a:spAutoFit/>
+          </a:bodyPr>
+          <a:lstStyle/>
+          <a:p>
+            <a:r>
+              <a:rPr lang="ru-RU" dirty="0"/>
+              <a:t>Договариваемся о стандартах кодирования.</a:t>
+            </a:r>
+          </a:p>
+          <a:p>
+            <a:r>
+              <a:rPr lang="ru-RU" dirty="0"/>
+              <a:t>Избегаем вкусовщины!</a:t>
+            </a:r>
+          </a:p>
+        </p:txBody>
+      </p:sp>
+    </p:spTree>
+    <p:extLst>
+      <p:ext uri="{BB962C8B-B14F-4D97-AF65-F5344CB8AC3E}">
+        <p14:creationId xmlns:p14="http://schemas.microsoft.com/office/powerpoint/2010/main" val="1720778505"/>
+      </p:ext>
+    </p:extLst>
+  </p:cSld>
+  <p:clrMapOvr>
+    <a:masterClrMapping/>
+  </p:clrMapOvr>
+</p:sld>
+</file>
+
 <file path=ppt/slides/slide18.xml><?xml version="1.0" encoding="utf-8"?>
+<p:sld xmlns:a="http://schemas.openxmlformats.org/drawingml/2006/main" xmlns:r="http://schemas.openxmlformats.org/officeDocument/2006/relationships" xmlns:p="http://schemas.openxmlformats.org/presentationml/2006/main">
+  <p:cSld>
+    <p:spTree>
+      <p:nvGrpSpPr>
+        <p:cNvPr id="1" name=""/>
+        <p:cNvGrpSpPr/>
+        <p:nvPr/>
+      </p:nvGrpSpPr>
+      <p:grpSpPr>
+        <a:xfrm>
+          <a:off x="0" y="0"/>
+          <a:ext cx="0" cy="0"/>
+          <a:chOff x="0" y="0"/>
+          <a:chExt cx="0" cy="0"/>
+        </a:xfrm>
+      </p:grpSpPr>
+      <p:sp>
+        <p:nvSpPr>
+          <p:cNvPr id="2" name="Заголовок 1">
+            <a:extLst>
+              <a:ext uri="{FF2B5EF4-FFF2-40B4-BE49-F238E27FC236}">
+                <a16:creationId xmlns:a16="http://schemas.microsoft.com/office/drawing/2014/main" id="{D26DDAFE-01DB-CE17-1B2B-5D5E3BC126A5}"/>
+              </a:ext>
+            </a:extLst>
+          </p:cNvPr>
+          <p:cNvSpPr>
+            <a:spLocks noGrp="1"/>
+          </p:cNvSpPr>
+          <p:nvPr>
+            <p:ph type="title"/>
+          </p:nvPr>
+        </p:nvSpPr>
+        <p:spPr>
+          <a:xfrm>
+            <a:off x="838200" y="195002"/>
+            <a:ext cx="10515600" cy="839207"/>
+          </a:xfrm>
+        </p:spPr>
+        <p:txBody>
+          <a:bodyPr/>
+          <a:lstStyle/>
+          <a:p>
+            <a:r>
+              <a:rPr lang="ru-RU" dirty="0"/>
+              <a:t>Не надо из плохого кода делать идеальный</a:t>
+            </a:r>
+          </a:p>
+        </p:txBody>
+      </p:sp>
+      <p:sp>
+        <p:nvSpPr>
+          <p:cNvPr id="3" name="Объект 2">
+            <a:extLst>
+              <a:ext uri="{FF2B5EF4-FFF2-40B4-BE49-F238E27FC236}">
+                <a16:creationId xmlns:a16="http://schemas.microsoft.com/office/drawing/2014/main" id="{4CF151A4-69BF-7E36-7577-4791403718E8}"/>
+              </a:ext>
+            </a:extLst>
+          </p:cNvPr>
+          <p:cNvSpPr>
+            <a:spLocks noGrp="1"/>
+          </p:cNvSpPr>
+          <p:nvPr>
+            <p:ph idx="1"/>
+          </p:nvPr>
+        </p:nvSpPr>
+        <p:spPr>
+          <a:xfrm>
+            <a:off x="838199" y="1116419"/>
+            <a:ext cx="10926337" cy="2922362"/>
+          </a:xfrm>
+        </p:spPr>
+        <p:txBody>
+          <a:bodyPr>
+            <a:normAutofit fontScale="70000" lnSpcReduction="20000"/>
+          </a:bodyPr>
+          <a:lstStyle/>
+          <a:p>
+            <a:pPr marL="0" indent="0">
+              <a:lnSpc>
+                <a:spcPct val="120000"/>
+              </a:lnSpc>
+              <a:buNone/>
+            </a:pPr>
+            <a:r>
+              <a:rPr lang="ru-RU" b="0" i="0" dirty="0">
+                <a:solidFill>
+                  <a:srgbClr val="333333"/>
+                </a:solidFill>
+                <a:effectLst/>
+                <a:latin typeface="-apple-system"/>
+              </a:rPr>
+              <a:t>На практике можно встретить различные крайности при рассмотрении </a:t>
+            </a:r>
+            <a:r>
+              <a:rPr lang="en" b="0" i="0" dirty="0">
+                <a:solidFill>
+                  <a:srgbClr val="333333"/>
+                </a:solidFill>
+                <a:effectLst/>
+                <a:latin typeface="-apple-system"/>
+              </a:rPr>
+              <a:t>MR.</a:t>
+            </a:r>
+            <a:br>
+              <a:rPr lang="ru-RU" b="0" i="0" dirty="0">
+                <a:solidFill>
+                  <a:srgbClr val="333333"/>
+                </a:solidFill>
+                <a:effectLst/>
+                <a:latin typeface="-apple-system"/>
+              </a:rPr>
+            </a:br>
+            <a:r>
+              <a:rPr lang="ru-RU" b="0" i="0" dirty="0">
+                <a:solidFill>
+                  <a:srgbClr val="333333"/>
+                </a:solidFill>
+                <a:effectLst/>
+                <a:latin typeface="-apple-system"/>
+              </a:rPr>
+              <a:t>Кто-то поверхностно смотрит логику и жмёт "апрув".</a:t>
+            </a:r>
+            <a:br>
+              <a:rPr lang="ru-RU" dirty="0"/>
+            </a:br>
+            <a:r>
+              <a:rPr lang="ru-RU" b="0" i="0" dirty="0">
+                <a:solidFill>
+                  <a:srgbClr val="333333"/>
+                </a:solidFill>
+                <a:effectLst/>
+                <a:latin typeface="-apple-system"/>
+              </a:rPr>
+              <a:t>Кто-то всей командой задалбывает замечаниями, пока всё до мелочей не будет исправлено:</a:t>
+            </a:r>
+          </a:p>
+          <a:p>
+            <a:pPr>
+              <a:lnSpc>
+                <a:spcPct val="120000"/>
+              </a:lnSpc>
+              <a:spcBef>
+                <a:spcPts val="500"/>
+              </a:spcBef>
+            </a:pPr>
+            <a:r>
+              <a:rPr lang="ru-RU" dirty="0"/>
+              <a:t>Это отнимает очень много времени </a:t>
+            </a:r>
+          </a:p>
+          <a:p>
+            <a:pPr>
+              <a:lnSpc>
+                <a:spcPct val="120000"/>
+              </a:lnSpc>
+              <a:spcBef>
+                <a:spcPts val="500"/>
+              </a:spcBef>
+            </a:pPr>
+            <a:r>
+              <a:rPr lang="ru-RU" dirty="0"/>
+              <a:t>Слишком демотивирует разработчика</a:t>
+            </a:r>
+          </a:p>
+          <a:p>
+            <a:pPr>
+              <a:lnSpc>
+                <a:spcPct val="120000"/>
+              </a:lnSpc>
+              <a:spcBef>
+                <a:spcPts val="500"/>
+              </a:spcBef>
+            </a:pPr>
+            <a:r>
+              <a:rPr lang="ru-RU" dirty="0"/>
+              <a:t>За большим валом малозначительных замечаний могут затеряться действительно важные (разработчик может их проигнорировать)</a:t>
+            </a:r>
+          </a:p>
+          <a:p>
+            <a:pPr>
+              <a:lnSpc>
+                <a:spcPct val="120000"/>
+              </a:lnSpc>
+              <a:spcBef>
+                <a:spcPts val="500"/>
+              </a:spcBef>
+            </a:pPr>
+            <a:r>
+              <a:rPr lang="en-US" dirty="0"/>
+              <a:t>«Good Enough»</a:t>
+            </a:r>
+            <a:r>
+              <a:rPr lang="ru-RU" dirty="0"/>
+              <a:t> в противовес перфекционизму</a:t>
+            </a:r>
+          </a:p>
+          <a:p>
+            <a:pPr marL="0" indent="0">
+              <a:buNone/>
+            </a:pPr>
+            <a:endParaRPr lang="ru-RU" dirty="0"/>
+          </a:p>
+        </p:txBody>
+      </p:sp>
+      <p:pic>
+        <p:nvPicPr>
+          <p:cNvPr id="5" name="Рисунок 4">
+            <a:extLst>
+              <a:ext uri="{FF2B5EF4-FFF2-40B4-BE49-F238E27FC236}">
+                <a16:creationId xmlns:a16="http://schemas.microsoft.com/office/drawing/2014/main" id="{451D3443-5A9A-A841-D15B-C2EB8845D34E}"/>
+              </a:ext>
+            </a:extLst>
+          </p:cNvPr>
+          <p:cNvPicPr>
+            <a:picLocks noChangeAspect="1"/>
+          </p:cNvPicPr>
+          <p:nvPr/>
+        </p:nvPicPr>
+        <p:blipFill>
+          <a:blip r:embed="rId2"/>
+          <a:stretch>
+            <a:fillRect/>
+          </a:stretch>
+        </p:blipFill>
+        <p:spPr>
+          <a:xfrm>
+            <a:off x="6648075" y="4167964"/>
+            <a:ext cx="5543924" cy="2232837"/>
+          </a:xfrm>
+          <a:prstGeom prst="rect">
+            <a:avLst/>
+          </a:prstGeom>
+        </p:spPr>
+      </p:pic>
+      <p:sp>
+        <p:nvSpPr>
+          <p:cNvPr id="6" name="TextBox 5">
+            <a:extLst>
+              <a:ext uri="{FF2B5EF4-FFF2-40B4-BE49-F238E27FC236}">
+                <a16:creationId xmlns:a16="http://schemas.microsoft.com/office/drawing/2014/main" id="{FA87C8B3-2AE2-CC56-57EB-64B3A173C314}"/>
+              </a:ext>
+            </a:extLst>
+          </p:cNvPr>
+          <p:cNvSpPr txBox="1"/>
+          <p:nvPr/>
+        </p:nvSpPr>
+        <p:spPr>
+          <a:xfrm>
+            <a:off x="80092" y="4070680"/>
+            <a:ext cx="6537251" cy="2436564"/>
+          </a:xfrm>
+          <a:prstGeom prst="rect">
+            <a:avLst/>
+          </a:prstGeom>
+          <a:solidFill>
+            <a:schemeClr val="accent5">
+              <a:lumMod val="20000"/>
+              <a:lumOff val="80000"/>
+            </a:schemeClr>
+          </a:solidFill>
+        </p:spPr>
+        <p:txBody>
+          <a:bodyPr wrap="square" rtlCol="0">
+            <a:spAutoFit/>
+          </a:bodyPr>
+          <a:lstStyle/>
+          <a:p>
+            <a:r>
+              <a:rPr lang="ru-RU" b="1" dirty="0"/>
+              <a:t>Подход </a:t>
+            </a:r>
+            <a:r>
+              <a:rPr lang="en-US" b="1" dirty="0"/>
+              <a:t>Google:</a:t>
+            </a:r>
+            <a:r>
+              <a:rPr lang="ru-RU" dirty="0"/>
+              <a:t> </a:t>
+            </a:r>
+            <a:r>
+              <a:rPr lang="en" dirty="0"/>
+              <a:t>MR </a:t>
+            </a:r>
+            <a:r>
+              <a:rPr lang="ru-RU" dirty="0"/>
+              <a:t>не должен быть идеальным, но он должен улучшать кодовую базу. Т.</a:t>
+            </a:r>
+            <a:r>
+              <a:rPr lang="en-US" dirty="0"/>
+              <a:t> </a:t>
+            </a:r>
+            <a:r>
+              <a:rPr lang="ru-RU" dirty="0"/>
+              <a:t>е</a:t>
+            </a:r>
+            <a:r>
+              <a:rPr lang="en-US" dirty="0"/>
+              <a:t>.</a:t>
+            </a:r>
+            <a:r>
+              <a:rPr lang="ru-RU" dirty="0"/>
+              <a:t> с каждым привносимым изменением код должен становиться лучше и лучше. И если </a:t>
+            </a:r>
+            <a:r>
+              <a:rPr lang="en" dirty="0"/>
+              <a:t>MR </a:t>
+            </a:r>
+            <a:r>
+              <a:rPr lang="ru-RU" dirty="0"/>
+              <a:t>добавляет много хорошего, то не надо придираться к мелочам; выгоднее, чтобы это улучшение попало в код побыстрее.</a:t>
+            </a:r>
+            <a:endParaRPr lang="en-US" dirty="0"/>
+          </a:p>
+          <a:p>
+            <a:pPr>
+              <a:spcBef>
+                <a:spcPts val="1000"/>
+              </a:spcBef>
+            </a:pPr>
+            <a:r>
+              <a:rPr lang="ru-RU" dirty="0"/>
+              <a:t>Никакой </a:t>
+            </a:r>
+            <a:r>
+              <a:rPr lang="en" dirty="0"/>
+              <a:t>MR </a:t>
+            </a:r>
+            <a:r>
+              <a:rPr lang="ru-RU" dirty="0"/>
+              <a:t>не должен делать код хуже. Единственное исключение — это если </a:t>
+            </a:r>
+            <a:r>
+              <a:rPr lang="en" dirty="0"/>
+              <a:t>MR </a:t>
+            </a:r>
+            <a:r>
+              <a:rPr lang="ru-RU" dirty="0"/>
+              <a:t>является срочным фиксом чего-нибудь.</a:t>
+            </a:r>
+          </a:p>
+        </p:txBody>
+      </p:sp>
+    </p:spTree>
+    <p:extLst>
+      <p:ext uri="{BB962C8B-B14F-4D97-AF65-F5344CB8AC3E}">
+        <p14:creationId xmlns:p14="http://schemas.microsoft.com/office/powerpoint/2010/main" val="2905495158"/>
+      </p:ext>
+    </p:extLst>
+  </p:cSld>
+  <p:clrMapOvr>
+    <a:masterClrMapping/>
+  </p:clrMapOvr>
+</p:sld>
+</file>
+
+<file path=ppt/slides/slide19.xml><?xml version="1.0" encoding="utf-8"?>
 <p:sld xmlns:a="http://schemas.openxmlformats.org/drawingml/2006/main" xmlns:r="http://schemas.openxmlformats.org/officeDocument/2006/relationships" xmlns:p="http://schemas.openxmlformats.org/presentationml/2006/main">
   <p:cSld>
     <p:spTree>
@@ -10620,114 +11290,6 @@
         </p:txBody>
       </p:sp>
     </p:spTree>
-  </p:cSld>
-  <p:clrMapOvr>
-    <a:masterClrMapping/>
-  </p:clrMapOvr>
-</p:sld>
-</file>
-
-<file path=ppt/slides/slide19.xml><?xml version="1.0" encoding="utf-8"?>
-<p:sld xmlns:a="http://schemas.openxmlformats.org/drawingml/2006/main" xmlns:r="http://schemas.openxmlformats.org/officeDocument/2006/relationships" xmlns:p="http://schemas.openxmlformats.org/presentationml/2006/main">
-  <p:cSld>
-    <p:spTree>
-      <p:nvGrpSpPr>
-        <p:cNvPr id="1" name=""/>
-        <p:cNvGrpSpPr/>
-        <p:nvPr/>
-      </p:nvGrpSpPr>
-      <p:grpSpPr>
-        <a:xfrm>
-          <a:off x="0" y="0"/>
-          <a:ext cx="0" cy="0"/>
-          <a:chOff x="0" y="0"/>
-          <a:chExt cx="0" cy="0"/>
-        </a:xfrm>
-      </p:grpSpPr>
-      <p:sp>
-        <p:nvSpPr>
-          <p:cNvPr id="2" name="Заголовок 1">
-            <a:extLst>
-              <a:ext uri="{FF2B5EF4-FFF2-40B4-BE49-F238E27FC236}">
-                <a16:creationId xmlns:a16="http://schemas.microsoft.com/office/drawing/2014/main" id="{5F9D75FA-CB93-CE21-037A-25948AB12802}"/>
-              </a:ext>
-            </a:extLst>
-          </p:cNvPr>
-          <p:cNvSpPr>
-            <a:spLocks noGrp="1"/>
-          </p:cNvSpPr>
-          <p:nvPr>
-            <p:ph type="title"/>
-          </p:nvPr>
-        </p:nvSpPr>
-        <p:spPr/>
-        <p:txBody>
-          <a:bodyPr/>
-          <a:lstStyle/>
-          <a:p>
-            <a:r>
-              <a:rPr lang="ru-RU" dirty="0"/>
-              <a:t>Как отвечать ревьюеру</a:t>
-            </a:r>
-          </a:p>
-        </p:txBody>
-      </p:sp>
-      <p:sp>
-        <p:nvSpPr>
-          <p:cNvPr id="3" name="Объект 2">
-            <a:extLst>
-              <a:ext uri="{FF2B5EF4-FFF2-40B4-BE49-F238E27FC236}">
-                <a16:creationId xmlns:a16="http://schemas.microsoft.com/office/drawing/2014/main" id="{2EACF74C-4C2D-5C76-D45B-56C2BD282EC7}"/>
-              </a:ext>
-            </a:extLst>
-          </p:cNvPr>
-          <p:cNvSpPr>
-            <a:spLocks noGrp="1"/>
-          </p:cNvSpPr>
-          <p:nvPr>
-            <p:ph idx="1"/>
-          </p:nvPr>
-        </p:nvSpPr>
-        <p:spPr/>
-        <p:txBody>
-          <a:bodyPr/>
-          <a:lstStyle/>
-          <a:p>
-            <a:r>
-              <a:rPr lang="ru-RU" dirty="0"/>
-              <a:t>Поправил — ответь в тред</a:t>
-            </a:r>
-          </a:p>
-          <a:p>
-            <a:r>
-              <a:rPr lang="ru-RU" dirty="0"/>
-              <a:t>Если изменение очевидное — ответь с флажком </a:t>
-            </a:r>
-            <a:r>
-              <a:rPr lang="en-US" dirty="0"/>
-              <a:t>resolve</a:t>
-            </a:r>
-          </a:p>
-          <a:p>
-            <a:r>
-              <a:rPr lang="ru-RU" dirty="0"/>
-              <a:t>Если требуется обсуждение — обсудите голосом, зафиксируйте решение в треде</a:t>
-            </a:r>
-          </a:p>
-          <a:p>
-            <a:r>
-              <a:rPr lang="ru-RU" dirty="0"/>
-              <a:t>Если не согласны — аргументируйте</a:t>
-            </a:r>
-          </a:p>
-        </p:txBody>
-      </p:sp>
-    </p:spTree>
-    <p:extLst>
-      <p:ext uri="{BB962C8B-B14F-4D97-AF65-F5344CB8AC3E}">
-        <p14:creationId xmlns:p14="http://schemas.microsoft.com/office/powerpoint/2010/main" val="1279199168"/>
-      </p:ext>
-    </p:extLst>
   </p:cSld>
   <p:clrMapOvr>
     <a:masterClrMapping/>
@@ -11018,7 +11580,7 @@
           <p:cNvPr id="2" name="Заголовок 1">
             <a:extLst>
               <a:ext uri="{FF2B5EF4-FFF2-40B4-BE49-F238E27FC236}">
-                <a16:creationId xmlns:a16="http://schemas.microsoft.com/office/drawing/2014/main" id="{EDB52A51-419E-F7F4-A81C-1877EF30B6D5}"/>
+                <a16:creationId xmlns:a16="http://schemas.microsoft.com/office/drawing/2014/main" id="{5F9D75FA-CB93-CE21-037A-25948AB12802}"/>
               </a:ext>
             </a:extLst>
           </p:cNvPr>
@@ -11029,398 +11591,64 @@
             <p:ph type="title"/>
           </p:nvPr>
         </p:nvSpPr>
-        <p:spPr>
-          <a:xfrm>
-            <a:off x="838200" y="365125"/>
-            <a:ext cx="10515600" cy="853285"/>
-          </a:xfrm>
-        </p:spPr>
+        <p:spPr/>
         <p:txBody>
           <a:bodyPr/>
           <a:lstStyle/>
           <a:p>
             <a:r>
               <a:rPr lang="ru-RU" dirty="0"/>
-              <a:t>Классификация замечаний</a:t>
-            </a:r>
-          </a:p>
-        </p:txBody>
-      </p:sp>
-      <p:graphicFrame>
-        <p:nvGraphicFramePr>
-          <p:cNvPr id="4" name="Объект 3">
-            <a:extLst>
-              <a:ext uri="{FF2B5EF4-FFF2-40B4-BE49-F238E27FC236}">
-                <a16:creationId xmlns:a16="http://schemas.microsoft.com/office/drawing/2014/main" id="{85408436-8549-13C7-F6EA-CDEBD6270DA0}"/>
-              </a:ext>
-            </a:extLst>
-          </p:cNvPr>
-          <p:cNvGraphicFramePr>
-            <a:graphicFrameLocks noGrp="1"/>
-          </p:cNvGraphicFramePr>
-          <p:nvPr>
-            <p:ph idx="1"/>
-            <p:extLst>
-              <p:ext uri="{D42A27DB-BD31-4B8C-83A1-F6EECF244321}">
-                <p14:modId xmlns:p14="http://schemas.microsoft.com/office/powerpoint/2010/main" val="3739023000"/>
-              </p:ext>
-            </p:extLst>
-          </p:nvPr>
-        </p:nvGraphicFramePr>
-        <p:xfrm>
-          <a:off x="1567869" y="1825624"/>
-          <a:ext cx="10515600" cy="5032375"/>
-        </p:xfrm>
-        <a:graphic>
-          <a:graphicData uri="http://schemas.openxmlformats.org/drawingml/2006/diagram">
-            <dgm:relIds xmlns:dgm="http://schemas.openxmlformats.org/drawingml/2006/diagram" xmlns:r="http://schemas.openxmlformats.org/officeDocument/2006/relationships" r:dm="rId3" r:lo="rId4" r:qs="rId5" r:cs="rId6"/>
-          </a:graphicData>
-        </a:graphic>
-      </p:graphicFrame>
-      <p:sp>
-        <p:nvSpPr>
-          <p:cNvPr id="5" name="TextBox 4">
-            <a:extLst>
-              <a:ext uri="{FF2B5EF4-FFF2-40B4-BE49-F238E27FC236}">
-                <a16:creationId xmlns:a16="http://schemas.microsoft.com/office/drawing/2014/main" id="{0550C149-9854-D8D9-BC1D-80B6FDC6E22A}"/>
-              </a:ext>
-            </a:extLst>
-          </p:cNvPr>
-          <p:cNvSpPr txBox="1"/>
-          <p:nvPr/>
-        </p:nvSpPr>
-        <p:spPr>
-          <a:xfrm>
-            <a:off x="5813669" y="1388824"/>
-            <a:ext cx="1728439" cy="369332"/>
-          </a:xfrm>
-          <a:prstGeom prst="rect">
-            <a:avLst/>
-          </a:prstGeom>
-          <a:noFill/>
-        </p:spPr>
-        <p:txBody>
-          <a:bodyPr wrap="square" rtlCol="0">
-            <a:spAutoFit/>
-          </a:bodyPr>
-          <a:lstStyle/>
-          <a:p>
-            <a:r>
-              <a:rPr lang="ru-RU" dirty="0"/>
-              <a:t>Конфликтность</a:t>
+              <a:t>Как отвечать ревьюеру</a:t>
             </a:r>
           </a:p>
         </p:txBody>
       </p:sp>
       <p:sp>
         <p:nvSpPr>
-          <p:cNvPr id="6" name="TextBox 5">
+          <p:cNvPr id="3" name="Объект 2">
             <a:extLst>
               <a:ext uri="{FF2B5EF4-FFF2-40B4-BE49-F238E27FC236}">
-                <a16:creationId xmlns:a16="http://schemas.microsoft.com/office/drawing/2014/main" id="{2091C661-5AFF-0636-288F-D4448B33F1AB}"/>
+                <a16:creationId xmlns:a16="http://schemas.microsoft.com/office/drawing/2014/main" id="{2EACF74C-4C2D-5C76-D45B-56C2BD282EC7}"/>
               </a:ext>
             </a:extLst>
           </p:cNvPr>
-          <p:cNvSpPr txBox="1"/>
-          <p:nvPr/>
+          <p:cNvSpPr>
+            <a:spLocks noGrp="1"/>
+          </p:cNvSpPr>
+          <p:nvPr>
+            <p:ph idx="1"/>
+          </p:nvPr>
         </p:nvSpPr>
-        <p:spPr>
-          <a:xfrm>
-            <a:off x="9258493" y="4157145"/>
-            <a:ext cx="1728439" cy="369332"/>
-          </a:xfrm>
-          <a:prstGeom prst="rect">
-            <a:avLst/>
-          </a:prstGeom>
-          <a:noFill/>
-        </p:spPr>
+        <p:spPr/>
         <p:txBody>
-          <a:bodyPr wrap="square" rtlCol="0">
-            <a:spAutoFit/>
-          </a:bodyPr>
+          <a:bodyPr/>
           <a:lstStyle/>
           <a:p>
             <a:r>
               <a:rPr lang="ru-RU" dirty="0"/>
-              <a:t>Важность</a:t>
-            </a:r>
-          </a:p>
-        </p:txBody>
-      </p:sp>
-      <p:sp>
-        <p:nvSpPr>
-          <p:cNvPr id="7" name="TextBox 6">
-            <a:extLst>
-              <a:ext uri="{FF2B5EF4-FFF2-40B4-BE49-F238E27FC236}">
-                <a16:creationId xmlns:a16="http://schemas.microsoft.com/office/drawing/2014/main" id="{0C18E5F0-8A44-8F13-E1C7-6C4057521E2B}"/>
-              </a:ext>
-            </a:extLst>
-          </p:cNvPr>
-          <p:cNvSpPr txBox="1"/>
-          <p:nvPr/>
-        </p:nvSpPr>
-        <p:spPr>
-          <a:xfrm flipV="1">
-            <a:off x="9386732" y="2112151"/>
-            <a:ext cx="531542" cy="400110"/>
-          </a:xfrm>
-          <a:prstGeom prst="rect">
-            <a:avLst/>
-          </a:prstGeom>
-          <a:noFill/>
-        </p:spPr>
-        <p:txBody>
-          <a:bodyPr wrap="square" rtlCol="0">
-            <a:spAutoFit/>
-          </a:bodyPr>
-          <a:lstStyle/>
-          <a:p>
-            <a:r>
-              <a:rPr lang="ru-RU" sz="2000" b="1" dirty="0">
-                <a:solidFill>
-                  <a:srgbClr val="0070C0"/>
-                </a:solidFill>
-              </a:rPr>
-              <a:t>I</a:t>
-            </a:r>
-          </a:p>
-        </p:txBody>
-      </p:sp>
-      <p:sp>
-        <p:nvSpPr>
-          <p:cNvPr id="8" name="TextBox 7">
-            <a:extLst>
-              <a:ext uri="{FF2B5EF4-FFF2-40B4-BE49-F238E27FC236}">
-                <a16:creationId xmlns:a16="http://schemas.microsoft.com/office/drawing/2014/main" id="{2D278C55-B703-0886-F640-3D872F1FA6AA}"/>
-              </a:ext>
-            </a:extLst>
-          </p:cNvPr>
-          <p:cNvSpPr txBox="1"/>
-          <p:nvPr/>
-        </p:nvSpPr>
-        <p:spPr>
-          <a:xfrm flipV="1">
-            <a:off x="3049122" y="2066881"/>
-            <a:ext cx="713678" cy="400110"/>
-          </a:xfrm>
-          <a:prstGeom prst="rect">
-            <a:avLst/>
-          </a:prstGeom>
-          <a:noFill/>
-        </p:spPr>
-        <p:txBody>
-          <a:bodyPr wrap="square" rtlCol="0">
-            <a:spAutoFit/>
-          </a:bodyPr>
-          <a:lstStyle/>
-          <a:p>
-            <a:r>
-              <a:rPr lang="ru-RU" sz="2000" b="1" dirty="0">
-                <a:solidFill>
-                  <a:srgbClr val="0070C0"/>
-                </a:solidFill>
-              </a:rPr>
-              <a:t>I</a:t>
-            </a:r>
-            <a:r>
-              <a:rPr lang="en-US" sz="2000" b="1" dirty="0">
-                <a:solidFill>
-                  <a:srgbClr val="0070C0"/>
-                </a:solidFill>
-              </a:rPr>
-              <a:t>I</a:t>
-            </a:r>
-            <a:endParaRPr lang="ru-RU" sz="2000" b="1" dirty="0">
-              <a:solidFill>
-                <a:srgbClr val="0070C0"/>
-              </a:solidFill>
-            </a:endParaRPr>
-          </a:p>
-        </p:txBody>
-      </p:sp>
-      <p:sp>
-        <p:nvSpPr>
-          <p:cNvPr id="9" name="TextBox 8">
-            <a:extLst>
-              <a:ext uri="{FF2B5EF4-FFF2-40B4-BE49-F238E27FC236}">
-                <a16:creationId xmlns:a16="http://schemas.microsoft.com/office/drawing/2014/main" id="{74BFCFAF-346F-36F1-7996-6D00F45D3B6A}"/>
-              </a:ext>
-            </a:extLst>
-          </p:cNvPr>
-          <p:cNvSpPr txBox="1"/>
-          <p:nvPr/>
-        </p:nvSpPr>
-        <p:spPr>
-          <a:xfrm rot="10800000" flipV="1">
-            <a:off x="9572586" y="6092765"/>
-            <a:ext cx="713678" cy="400110"/>
-          </a:xfrm>
-          <a:prstGeom prst="rect">
-            <a:avLst/>
-          </a:prstGeom>
-          <a:noFill/>
-        </p:spPr>
-        <p:txBody>
-          <a:bodyPr wrap="square" rtlCol="0">
-            <a:spAutoFit/>
-          </a:bodyPr>
-          <a:lstStyle/>
-          <a:p>
-            <a:r>
-              <a:rPr lang="en-US" sz="2000" b="1" dirty="0">
-                <a:solidFill>
-                  <a:srgbClr val="0070C0"/>
-                </a:solidFill>
-              </a:rPr>
-              <a:t>IV</a:t>
-            </a:r>
-            <a:endParaRPr lang="ru-RU" sz="2000" b="1" dirty="0">
-              <a:solidFill>
-                <a:srgbClr val="0070C0"/>
-              </a:solidFill>
-            </a:endParaRPr>
-          </a:p>
-        </p:txBody>
-      </p:sp>
-      <p:sp>
-        <p:nvSpPr>
-          <p:cNvPr id="10" name="TextBox 9">
-            <a:extLst>
-              <a:ext uri="{FF2B5EF4-FFF2-40B4-BE49-F238E27FC236}">
-                <a16:creationId xmlns:a16="http://schemas.microsoft.com/office/drawing/2014/main" id="{20005EF0-2F29-79BC-E7CA-2B8E9DEFAEC5}"/>
-              </a:ext>
-            </a:extLst>
-          </p:cNvPr>
-          <p:cNvSpPr txBox="1"/>
-          <p:nvPr/>
-        </p:nvSpPr>
-        <p:spPr>
-          <a:xfrm flipV="1">
-            <a:off x="3049122" y="6092765"/>
-            <a:ext cx="713678" cy="400110"/>
-          </a:xfrm>
-          <a:prstGeom prst="rect">
-            <a:avLst/>
-          </a:prstGeom>
-          <a:noFill/>
-        </p:spPr>
-        <p:txBody>
-          <a:bodyPr wrap="square" rtlCol="0">
-            <a:spAutoFit/>
-          </a:bodyPr>
-          <a:lstStyle/>
-          <a:p>
-            <a:r>
-              <a:rPr lang="ru-RU" sz="2000" b="1" dirty="0">
-                <a:solidFill>
-                  <a:srgbClr val="0070C0"/>
-                </a:solidFill>
-              </a:rPr>
-              <a:t>I</a:t>
-            </a:r>
-            <a:r>
-              <a:rPr lang="en-US" sz="2000" b="1" dirty="0">
-                <a:solidFill>
-                  <a:srgbClr val="0070C0"/>
-                </a:solidFill>
-              </a:rPr>
-              <a:t>II</a:t>
-            </a:r>
-            <a:endParaRPr lang="ru-RU" sz="2000" b="1" dirty="0">
-              <a:solidFill>
-                <a:srgbClr val="0070C0"/>
-              </a:solidFill>
-            </a:endParaRPr>
-          </a:p>
-        </p:txBody>
-      </p:sp>
-      <p:sp>
-        <p:nvSpPr>
-          <p:cNvPr id="15" name="Выгнутая влево стрелка 14">
-            <a:extLst>
-              <a:ext uri="{FF2B5EF4-FFF2-40B4-BE49-F238E27FC236}">
-                <a16:creationId xmlns:a16="http://schemas.microsoft.com/office/drawing/2014/main" id="{803C8BB3-C270-348F-1DB9-6F9D7DEAE92A}"/>
-              </a:ext>
-            </a:extLst>
-          </p:cNvPr>
-          <p:cNvSpPr/>
-          <p:nvPr/>
-        </p:nvSpPr>
-        <p:spPr>
-          <a:xfrm>
-            <a:off x="1978605" y="2859669"/>
-            <a:ext cx="1070517" cy="3062682"/>
-          </a:xfrm>
-          <a:prstGeom prst="curvedRightArrow">
-            <a:avLst/>
-          </a:prstGeom>
-        </p:spPr>
-        <p:style>
-          <a:lnRef idx="2">
-            <a:schemeClr val="accent1">
-              <a:shade val="15000"/>
-            </a:schemeClr>
-          </a:lnRef>
-          <a:fillRef idx="1">
-            <a:schemeClr val="accent1"/>
-          </a:fillRef>
-          <a:effectRef idx="0">
-            <a:schemeClr val="accent1"/>
-          </a:effectRef>
-          <a:fontRef idx="minor">
-            <a:schemeClr val="lt1"/>
-          </a:fontRef>
-        </p:style>
-        <p:txBody>
-          <a:bodyPr rtlCol="0" anchor="ctr"/>
-          <a:lstStyle/>
-          <a:p>
-            <a:pPr algn="ctr"/>
-            <a:endParaRPr lang="ru-RU">
-              <a:solidFill>
-                <a:schemeClr val="tx1"/>
-              </a:solidFill>
-            </a:endParaRPr>
-          </a:p>
-        </p:txBody>
-      </p:sp>
-      <p:sp>
-        <p:nvSpPr>
-          <p:cNvPr id="3" name="TextBox 2">
-            <a:extLst>
-              <a:ext uri="{FF2B5EF4-FFF2-40B4-BE49-F238E27FC236}">
-                <a16:creationId xmlns:a16="http://schemas.microsoft.com/office/drawing/2014/main" id="{47D01813-91CB-64E8-68FF-DF0BEDCFEAEE}"/>
-              </a:ext>
-            </a:extLst>
-          </p:cNvPr>
-          <p:cNvSpPr txBox="1"/>
-          <p:nvPr/>
-        </p:nvSpPr>
-        <p:spPr>
-          <a:xfrm>
-            <a:off x="313891" y="3418481"/>
-            <a:ext cx="1921164" cy="1477328"/>
-          </a:xfrm>
-          <a:prstGeom prst="rect">
-            <a:avLst/>
-          </a:prstGeom>
-          <a:noFill/>
-        </p:spPr>
-        <p:txBody>
-          <a:bodyPr wrap="square" rtlCol="0">
-            <a:spAutoFit/>
-          </a:bodyPr>
-          <a:lstStyle/>
-          <a:p>
-            <a:r>
-              <a:rPr lang="ru-RU" dirty="0"/>
-              <a:t>Договариваемся о стандартах кодирования.</a:t>
-            </a:r>
-          </a:p>
-          <a:p>
-            <a:r>
-              <a:rPr lang="ru-RU" dirty="0"/>
-              <a:t>Избегаем вкусовщины!</a:t>
+              <a:t>Поправил — ответь в тред</a:t>
+            </a:r>
+          </a:p>
+          <a:p>
+            <a:r>
+              <a:rPr lang="ru-RU" dirty="0"/>
+              <a:t>Если изменение очевидное — ответь с флажком </a:t>
+            </a:r>
+            <a:r>
+              <a:rPr lang="en-US" dirty="0"/>
+              <a:t>resolve</a:t>
+            </a:r>
+          </a:p>
+          <a:p>
+            <a:r>
+              <a:rPr lang="ru-RU" dirty="0"/>
+              <a:t>Если требуется обсуждение — обсудите голосом, зафиксируйте решение в треде</a:t>
+            </a:r>
+          </a:p>
+          <a:p>
+            <a:r>
+              <a:rPr lang="ru-RU" dirty="0"/>
+              <a:t>Если не согласны — аргументируйте</a:t>
             </a:r>
           </a:p>
         </p:txBody>
@@ -11428,7 +11656,7 @@
     </p:spTree>
     <p:extLst>
       <p:ext uri="{BB962C8B-B14F-4D97-AF65-F5344CB8AC3E}">
-        <p14:creationId xmlns:p14="http://schemas.microsoft.com/office/powerpoint/2010/main" val="1720778505"/>
+        <p14:creationId xmlns:p14="http://schemas.microsoft.com/office/powerpoint/2010/main" val="1279199168"/>
       </p:ext>
     </p:extLst>
   </p:cSld>
@@ -11681,6 +11909,1334 @@
           <p:cNvPr id="2" name="Заголовок 1">
             <a:extLst>
               <a:ext uri="{FF2B5EF4-FFF2-40B4-BE49-F238E27FC236}">
+                <a16:creationId xmlns:a16="http://schemas.microsoft.com/office/drawing/2014/main" id="{4FF6ACC3-F5C5-45F4-C544-D69F12273E74}"/>
+              </a:ext>
+            </a:extLst>
+          </p:cNvPr>
+          <p:cNvSpPr>
+            <a:spLocks noGrp="1"/>
+          </p:cNvSpPr>
+          <p:nvPr>
+            <p:ph type="title"/>
+          </p:nvPr>
+        </p:nvSpPr>
+        <p:spPr>
+          <a:xfrm>
+            <a:off x="838200" y="365125"/>
+            <a:ext cx="10515600" cy="828055"/>
+          </a:xfrm>
+        </p:spPr>
+        <p:txBody>
+          <a:bodyPr/>
+          <a:lstStyle/>
+          <a:p>
+            <a:r>
+              <a:rPr lang="ru-RU" dirty="0"/>
+              <a:t>Подход </a:t>
+            </a:r>
+            <a:r>
+              <a:rPr lang="en-US" dirty="0">
+                <a:solidFill>
+                  <a:srgbClr val="0070C0"/>
+                </a:solidFill>
+              </a:rPr>
+              <a:t>G</a:t>
+            </a:r>
+            <a:r>
+              <a:rPr lang="en-US" dirty="0">
+                <a:solidFill>
+                  <a:srgbClr val="C00000"/>
+                </a:solidFill>
+              </a:rPr>
+              <a:t>o</a:t>
+            </a:r>
+            <a:r>
+              <a:rPr lang="en-US" dirty="0">
+                <a:solidFill>
+                  <a:srgbClr val="FFC000"/>
+                </a:solidFill>
+              </a:rPr>
+              <a:t>o</a:t>
+            </a:r>
+            <a:r>
+              <a:rPr lang="en-US" dirty="0">
+                <a:solidFill>
+                  <a:srgbClr val="0070C0"/>
+                </a:solidFill>
+              </a:rPr>
+              <a:t>g</a:t>
+            </a:r>
+            <a:r>
+              <a:rPr lang="en-US" dirty="0">
+                <a:solidFill>
+                  <a:schemeClr val="accent6">
+                    <a:lumMod val="75000"/>
+                  </a:schemeClr>
+                </a:solidFill>
+              </a:rPr>
+              <a:t>l</a:t>
+            </a:r>
+            <a:r>
+              <a:rPr lang="en-US" dirty="0">
+                <a:solidFill>
+                  <a:srgbClr val="C00000"/>
+                </a:solidFill>
+              </a:rPr>
+              <a:t>e</a:t>
+            </a:r>
+            <a:endParaRPr lang="ru-RU" dirty="0">
+              <a:solidFill>
+                <a:srgbClr val="C00000"/>
+              </a:solidFill>
+            </a:endParaRPr>
+          </a:p>
+        </p:txBody>
+      </p:sp>
+      <p:sp>
+        <p:nvSpPr>
+          <p:cNvPr id="3" name="Объект 2">
+            <a:extLst>
+              <a:ext uri="{FF2B5EF4-FFF2-40B4-BE49-F238E27FC236}">
+                <a16:creationId xmlns:a16="http://schemas.microsoft.com/office/drawing/2014/main" id="{3082EC01-E041-BD7B-0B4F-D65064F3F03A}"/>
+              </a:ext>
+            </a:extLst>
+          </p:cNvPr>
+          <p:cNvSpPr>
+            <a:spLocks noGrp="1"/>
+          </p:cNvSpPr>
+          <p:nvPr>
+            <p:ph idx="1"/>
+          </p:nvPr>
+        </p:nvSpPr>
+        <p:spPr>
+          <a:xfrm>
+            <a:off x="838200" y="1293541"/>
+            <a:ext cx="10515600" cy="4883422"/>
+          </a:xfrm>
+        </p:spPr>
+        <p:txBody>
+          <a:bodyPr>
+            <a:normAutofit fontScale="70000" lnSpcReduction="20000"/>
+          </a:bodyPr>
+          <a:lstStyle/>
+          <a:p>
+            <a:pPr algn="l">
+              <a:lnSpc>
+                <a:spcPct val="120000"/>
+              </a:lnSpc>
+            </a:pPr>
+            <a:r>
+              <a:rPr lang="en" dirty="0"/>
+              <a:t>MR </a:t>
+            </a:r>
+            <a:r>
+              <a:rPr lang="ru-RU" dirty="0"/>
+              <a:t>не должен быть идеальным, но он должен улучшать кодовую базу.</a:t>
+            </a:r>
+            <a:endParaRPr lang="en-US" dirty="0"/>
+          </a:p>
+          <a:p>
+            <a:pPr algn="l">
+              <a:lnSpc>
+                <a:spcPct val="120000"/>
+              </a:lnSpc>
+            </a:pPr>
+            <a:r>
+              <a:rPr lang="ru-RU" dirty="0"/>
+              <a:t>Свобода делать замечания</a:t>
+            </a:r>
+          </a:p>
+          <a:p>
+            <a:pPr marL="457200" lvl="1" indent="0">
+              <a:lnSpc>
+                <a:spcPct val="120000"/>
+              </a:lnSpc>
+              <a:spcBef>
+                <a:spcPts val="0"/>
+              </a:spcBef>
+              <a:buNone/>
+            </a:pPr>
+            <a:r>
+              <a:rPr lang="ru-RU" dirty="0"/>
+              <a:t>Несмотря на то, что нельзя задалбывать мелочами, тем не менее можно свободно эти мелочи писать хоть к каждой строчке. Противоречие с предыдущим пунктом решается просто: мелочи и придирки ревьювер помечает префиксом "</a:t>
+            </a:r>
+            <a:r>
+              <a:rPr lang="en" dirty="0"/>
+              <a:t>nit:" </a:t>
+            </a:r>
+            <a:r>
+              <a:rPr lang="ru-RU" dirty="0"/>
+              <a:t>от англ. </a:t>
+            </a:r>
+            <a:r>
+              <a:rPr lang="en" dirty="0"/>
+              <a:t>nitpick (</a:t>
+            </a:r>
+            <a:r>
+              <a:rPr lang="ru-RU" dirty="0"/>
+              <a:t>придирка).</a:t>
+            </a:r>
+            <a:br>
+              <a:rPr lang="en-US" dirty="0"/>
+            </a:br>
+            <a:r>
+              <a:rPr lang="ru-RU" dirty="0"/>
+              <a:t>Такие замечания фиксить необязательно, однако автор </a:t>
+            </a:r>
+            <a:r>
+              <a:rPr lang="en" dirty="0"/>
+              <a:t>MR </a:t>
+            </a:r>
+            <a:r>
+              <a:rPr lang="ru-RU" dirty="0"/>
+              <a:t>может захотеть что-то исправить или, даже если нет, учесть на будущее некоторые моменты.</a:t>
+            </a:r>
+            <a:endParaRPr lang="en-US" dirty="0"/>
+          </a:p>
+          <a:p>
+            <a:pPr>
+              <a:lnSpc>
+                <a:spcPct val="120000"/>
+              </a:lnSpc>
+            </a:pPr>
+            <a:r>
+              <a:rPr lang="ru-RU" dirty="0"/>
+              <a:t>Если ревьювер и автор </a:t>
+            </a:r>
+            <a:r>
+              <a:rPr lang="en" dirty="0"/>
+              <a:t>MR </a:t>
+            </a:r>
+            <a:r>
+              <a:rPr lang="ru-RU" dirty="0"/>
+              <a:t>не согласны друг с другом</a:t>
+            </a:r>
+          </a:p>
+          <a:p>
+            <a:pPr marL="457200" lvl="1" indent="0">
+              <a:lnSpc>
+                <a:spcPct val="120000"/>
+              </a:lnSpc>
+              <a:spcBef>
+                <a:spcPts val="0"/>
+              </a:spcBef>
+              <a:buNone/>
+            </a:pPr>
+            <a:r>
+              <a:rPr lang="ru-RU" dirty="0"/>
+              <a:t>Сначала идет попытка достигнуть консенсуса в комментариях к </a:t>
+            </a:r>
+            <a:r>
+              <a:rPr lang="en" dirty="0"/>
+              <a:t>MR. </a:t>
+            </a:r>
+            <a:r>
+              <a:rPr lang="ru-RU" dirty="0"/>
+              <a:t>Если это не получается, то личное обсуждение. Если все равно не пришли к единому мнению, то привлекать членов команды. Но главное, </a:t>
+            </a:r>
+            <a:r>
+              <a:rPr lang="en" dirty="0"/>
+              <a:t>MR </a:t>
+            </a:r>
+            <a:r>
+              <a:rPr lang="ru-RU" dirty="0"/>
+              <a:t>не должен застревать надолго из-за несогласия двух человек.</a:t>
+            </a:r>
+            <a:br>
+              <a:rPr lang="en-US" dirty="0"/>
+            </a:br>
+            <a:r>
+              <a:rPr lang="ru-RU" dirty="0"/>
+              <a:t>Обсудили в комментах → Обсудили лично → Обсудили в команде → Двигаемся дальше</a:t>
+            </a:r>
+          </a:p>
+          <a:p>
+            <a:pPr>
+              <a:lnSpc>
+                <a:spcPct val="120000"/>
+              </a:lnSpc>
+            </a:pPr>
+            <a:r>
+              <a:rPr lang="ru-RU" dirty="0"/>
+              <a:t>Скорость проверки </a:t>
+            </a:r>
+            <a:r>
+              <a:rPr lang="en" dirty="0"/>
+              <a:t>MR</a:t>
+            </a:r>
+            <a:endParaRPr lang="ru-RU" dirty="0"/>
+          </a:p>
+          <a:p>
+            <a:pPr lvl="1">
+              <a:lnSpc>
+                <a:spcPct val="120000"/>
+              </a:lnSpc>
+              <a:spcBef>
+                <a:spcPts val="0"/>
+              </a:spcBef>
+            </a:pPr>
+            <a:r>
+              <a:rPr lang="ru-RU" dirty="0"/>
+              <a:t>Скорость очень важна. В то же время в </a:t>
+            </a:r>
+            <a:r>
+              <a:rPr lang="en-US" dirty="0"/>
+              <a:t>Google</a:t>
+            </a:r>
+            <a:r>
+              <a:rPr lang="ru-RU" dirty="0"/>
+              <a:t> советуют не отвлекаться от фокусировки над своей задачей, но если уж отвлеклись, то просмотреть, нет ли чего-то поревьювить. Например, вернулся с обеда — поревьювил. Пришел на работу — поревьювил.</a:t>
+            </a:r>
+            <a:endParaRPr lang="en" dirty="0"/>
+          </a:p>
+        </p:txBody>
+      </p:sp>
+    </p:spTree>
+    <p:extLst>
+      <p:ext uri="{BB962C8B-B14F-4D97-AF65-F5344CB8AC3E}">
+        <p14:creationId xmlns:p14="http://schemas.microsoft.com/office/powerpoint/2010/main" val="3853989548"/>
+      </p:ext>
+    </p:extLst>
+  </p:cSld>
+  <p:clrMapOvr>
+    <a:masterClrMapping/>
+  </p:clrMapOvr>
+</p:sld>
+</file>
+
+<file path=ppt/slides/slide23.xml><?xml version="1.0" encoding="utf-8"?>
+<p:sld xmlns:a="http://schemas.openxmlformats.org/drawingml/2006/main" xmlns:r="http://schemas.openxmlformats.org/officeDocument/2006/relationships" xmlns:p="http://schemas.openxmlformats.org/presentationml/2006/main">
+  <p:cSld>
+    <p:spTree>
+      <p:nvGrpSpPr>
+        <p:cNvPr id="1" name=""/>
+        <p:cNvGrpSpPr/>
+        <p:nvPr/>
+      </p:nvGrpSpPr>
+      <p:grpSpPr>
+        <a:xfrm>
+          <a:off x="0" y="0"/>
+          <a:ext cx="0" cy="0"/>
+          <a:chOff x="0" y="0"/>
+          <a:chExt cx="0" cy="0"/>
+        </a:xfrm>
+      </p:grpSpPr>
+      <p:sp>
+        <p:nvSpPr>
+          <p:cNvPr id="2" name="Заголовок 1">
+            <a:extLst>
+              <a:ext uri="{FF2B5EF4-FFF2-40B4-BE49-F238E27FC236}">
+                <a16:creationId xmlns:a16="http://schemas.microsoft.com/office/drawing/2014/main" id="{4FF6ACC3-F5C5-45F4-C544-D69F12273E74}"/>
+              </a:ext>
+            </a:extLst>
+          </p:cNvPr>
+          <p:cNvSpPr>
+            <a:spLocks noGrp="1"/>
+          </p:cNvSpPr>
+          <p:nvPr>
+            <p:ph type="title"/>
+          </p:nvPr>
+        </p:nvSpPr>
+        <p:spPr>
+          <a:xfrm>
+            <a:off x="838200" y="365125"/>
+            <a:ext cx="10515600" cy="828055"/>
+          </a:xfrm>
+        </p:spPr>
+        <p:txBody>
+          <a:bodyPr>
+            <a:normAutofit/>
+          </a:bodyPr>
+          <a:lstStyle/>
+          <a:p>
+            <a:r>
+              <a:rPr lang="ru-RU" dirty="0"/>
+              <a:t>Подход </a:t>
+            </a:r>
+            <a:r>
+              <a:rPr lang="en-US" dirty="0">
+                <a:solidFill>
+                  <a:srgbClr val="0070C0"/>
+                </a:solidFill>
+              </a:rPr>
+              <a:t>G</a:t>
+            </a:r>
+            <a:r>
+              <a:rPr lang="en-US" dirty="0">
+                <a:solidFill>
+                  <a:srgbClr val="C00000"/>
+                </a:solidFill>
+              </a:rPr>
+              <a:t>o</a:t>
+            </a:r>
+            <a:r>
+              <a:rPr lang="en-US" dirty="0">
+                <a:solidFill>
+                  <a:srgbClr val="FFC000"/>
+                </a:solidFill>
+              </a:rPr>
+              <a:t>o</a:t>
+            </a:r>
+            <a:r>
+              <a:rPr lang="en-US" dirty="0">
+                <a:solidFill>
+                  <a:srgbClr val="0070C0"/>
+                </a:solidFill>
+              </a:rPr>
+              <a:t>g</a:t>
+            </a:r>
+            <a:r>
+              <a:rPr lang="en-US" dirty="0">
+                <a:solidFill>
+                  <a:schemeClr val="accent6">
+                    <a:lumMod val="75000"/>
+                  </a:schemeClr>
+                </a:solidFill>
+              </a:rPr>
+              <a:t>l</a:t>
+            </a:r>
+            <a:r>
+              <a:rPr lang="en-US" dirty="0">
+                <a:solidFill>
+                  <a:srgbClr val="C00000"/>
+                </a:solidFill>
+              </a:rPr>
+              <a:t>e</a:t>
+            </a:r>
+            <a:r>
+              <a:rPr lang="ru-RU" dirty="0"/>
+              <a:t>: Порядок просмотра </a:t>
+            </a:r>
+            <a:r>
+              <a:rPr lang="en" dirty="0"/>
+              <a:t>MR</a:t>
+            </a:r>
+            <a:endParaRPr lang="ru-RU" dirty="0"/>
+          </a:p>
+        </p:txBody>
+      </p:sp>
+      <p:sp>
+        <p:nvSpPr>
+          <p:cNvPr id="3" name="Объект 2">
+            <a:extLst>
+              <a:ext uri="{FF2B5EF4-FFF2-40B4-BE49-F238E27FC236}">
+                <a16:creationId xmlns:a16="http://schemas.microsoft.com/office/drawing/2014/main" id="{3082EC01-E041-BD7B-0B4F-D65064F3F03A}"/>
+              </a:ext>
+            </a:extLst>
+          </p:cNvPr>
+          <p:cNvSpPr>
+            <a:spLocks noGrp="1"/>
+          </p:cNvSpPr>
+          <p:nvPr>
+            <p:ph idx="1"/>
+          </p:nvPr>
+        </p:nvSpPr>
+        <p:spPr>
+          <a:xfrm>
+            <a:off x="838200" y="1293541"/>
+            <a:ext cx="10515600" cy="4883422"/>
+          </a:xfrm>
+        </p:spPr>
+        <p:txBody>
+          <a:bodyPr>
+            <a:normAutofit fontScale="85000" lnSpcReduction="20000"/>
+          </a:bodyPr>
+          <a:lstStyle/>
+          <a:p>
+            <a:pPr algn="l">
+              <a:lnSpc>
+                <a:spcPct val="120000"/>
+              </a:lnSpc>
+            </a:pPr>
+            <a:r>
+              <a:rPr lang="ru-RU" dirty="0"/>
+              <a:t>Вначале просмотреть </a:t>
+            </a:r>
+            <a:r>
+              <a:rPr lang="en" dirty="0"/>
+              <a:t>MR </a:t>
+            </a:r>
+            <a:r>
+              <a:rPr lang="ru-RU" dirty="0"/>
+              <a:t>в целом.</a:t>
+            </a:r>
+          </a:p>
+          <a:p>
+            <a:pPr lvl="1">
+              <a:lnSpc>
+                <a:spcPct val="120000"/>
+              </a:lnSpc>
+            </a:pPr>
+            <a:r>
+              <a:rPr lang="ru-RU" dirty="0"/>
+              <a:t>Надо ли это вообще,</a:t>
+            </a:r>
+          </a:p>
+          <a:p>
+            <a:pPr lvl="1">
+              <a:lnSpc>
+                <a:spcPct val="120000"/>
+              </a:lnSpc>
+            </a:pPr>
+            <a:r>
+              <a:rPr lang="ru-RU" dirty="0"/>
+              <a:t>В правильном ли месте код (или это должно быть в отдельной библиотеке),</a:t>
+            </a:r>
+          </a:p>
+          <a:p>
+            <a:pPr lvl="1">
+              <a:lnSpc>
+                <a:spcPct val="120000"/>
+              </a:lnSpc>
+            </a:pPr>
+            <a:r>
+              <a:rPr lang="ru-RU" dirty="0"/>
+              <a:t>Есть ли какие-то глобальные проблемы.</a:t>
+            </a:r>
+          </a:p>
+          <a:p>
+            <a:pPr marL="457200" lvl="1" indent="0">
+              <a:lnSpc>
+                <a:spcPct val="120000"/>
+              </a:lnSpc>
+              <a:buNone/>
+            </a:pPr>
+            <a:r>
+              <a:rPr lang="ru-RU" dirty="0"/>
+              <a:t>Т.е. нет смысла смотреть какие-то детали реализации, если код вообще не туда и не для того.</a:t>
+            </a:r>
+          </a:p>
+          <a:p>
+            <a:pPr>
+              <a:lnSpc>
+                <a:spcPct val="120000"/>
+              </a:lnSpc>
+            </a:pPr>
+            <a:r>
+              <a:rPr lang="ru-RU" dirty="0"/>
+              <a:t>Пройтись по основным файлам, т.е. проверить самое главное</a:t>
+            </a:r>
+          </a:p>
+          <a:p>
+            <a:pPr lvl="1">
+              <a:lnSpc>
+                <a:spcPct val="120000"/>
+              </a:lnSpc>
+            </a:pPr>
+            <a:r>
+              <a:rPr lang="ru-RU" dirty="0"/>
+              <a:t>Если непонятно, что самое главное, можно спросить у разработчика.</a:t>
+            </a:r>
+          </a:p>
+          <a:p>
+            <a:pPr lvl="1">
+              <a:lnSpc>
+                <a:spcPct val="120000"/>
+              </a:lnSpc>
+            </a:pPr>
+            <a:r>
+              <a:rPr lang="ru-RU" dirty="0"/>
+              <a:t>Опять же, о любых проблемах нужно сообщать сразу, даже если вы еще не досмотрели </a:t>
+            </a:r>
+            <a:r>
+              <a:rPr lang="en" dirty="0"/>
+              <a:t>MR </a:t>
+            </a:r>
+            <a:r>
+              <a:rPr lang="ru-RU" dirty="0"/>
+              <a:t>и решили вообще досмотреть его позже.</a:t>
+            </a:r>
+          </a:p>
+          <a:p>
+            <a:pPr>
+              <a:lnSpc>
+                <a:spcPct val="120000"/>
+              </a:lnSpc>
+            </a:pPr>
+            <a:r>
+              <a:rPr lang="ru-RU" dirty="0"/>
+              <a:t>Проверить все остальные файлы</a:t>
+            </a:r>
+          </a:p>
+          <a:p>
+            <a:pPr lvl="1">
+              <a:lnSpc>
+                <a:spcPct val="120000"/>
+              </a:lnSpc>
+              <a:spcBef>
+                <a:spcPts val="0"/>
+              </a:spcBef>
+            </a:pPr>
+            <a:r>
+              <a:rPr lang="ru-RU" dirty="0"/>
+              <a:t>Ни один файл не должен быть пропущен.</a:t>
+            </a:r>
+            <a:endParaRPr lang="en" dirty="0"/>
+          </a:p>
+        </p:txBody>
+      </p:sp>
+    </p:spTree>
+    <p:extLst>
+      <p:ext uri="{BB962C8B-B14F-4D97-AF65-F5344CB8AC3E}">
+        <p14:creationId xmlns:p14="http://schemas.microsoft.com/office/powerpoint/2010/main" val="2069534675"/>
+      </p:ext>
+    </p:extLst>
+  </p:cSld>
+  <p:clrMapOvr>
+    <a:masterClrMapping/>
+  </p:clrMapOvr>
+</p:sld>
+</file>
+
+<file path=ppt/slides/slide24.xml><?xml version="1.0" encoding="utf-8"?>
+<p:sld xmlns:a="http://schemas.openxmlformats.org/drawingml/2006/main" xmlns:r="http://schemas.openxmlformats.org/officeDocument/2006/relationships" xmlns:p="http://schemas.openxmlformats.org/presentationml/2006/main">
+  <p:cSld>
+    <p:spTree>
+      <p:nvGrpSpPr>
+        <p:cNvPr id="1" name=""/>
+        <p:cNvGrpSpPr/>
+        <p:nvPr/>
+      </p:nvGrpSpPr>
+      <p:grpSpPr>
+        <a:xfrm>
+          <a:off x="0" y="0"/>
+          <a:ext cx="0" cy="0"/>
+          <a:chOff x="0" y="0"/>
+          <a:chExt cx="0" cy="0"/>
+        </a:xfrm>
+      </p:grpSpPr>
+      <p:sp>
+        <p:nvSpPr>
+          <p:cNvPr id="2" name="Заголовок 1">
+            <a:extLst>
+              <a:ext uri="{FF2B5EF4-FFF2-40B4-BE49-F238E27FC236}">
+                <a16:creationId xmlns:a16="http://schemas.microsoft.com/office/drawing/2014/main" id="{03A9DBDE-00FB-766A-7F88-6B2C01AFB980}"/>
+              </a:ext>
+            </a:extLst>
+          </p:cNvPr>
+          <p:cNvSpPr>
+            <a:spLocks noGrp="1"/>
+          </p:cNvSpPr>
+          <p:nvPr>
+            <p:ph type="title"/>
+          </p:nvPr>
+        </p:nvSpPr>
+        <p:spPr>
+          <a:xfrm>
+            <a:off x="838199" y="298220"/>
+            <a:ext cx="11260874" cy="1006474"/>
+          </a:xfrm>
+        </p:spPr>
+        <p:txBody>
+          <a:bodyPr>
+            <a:noAutofit/>
+          </a:bodyPr>
+          <a:lstStyle/>
+          <a:p>
+            <a:r>
+              <a:rPr lang="en-US" sz="4000" dirty="0">
+                <a:solidFill>
+                  <a:srgbClr val="0070C0"/>
+                </a:solidFill>
+              </a:rPr>
+              <a:t>G</a:t>
+            </a:r>
+            <a:r>
+              <a:rPr lang="en-US" sz="4000" dirty="0">
+                <a:solidFill>
+                  <a:srgbClr val="C00000"/>
+                </a:solidFill>
+              </a:rPr>
+              <a:t>o</a:t>
+            </a:r>
+            <a:r>
+              <a:rPr lang="en-US" sz="4000" dirty="0">
+                <a:solidFill>
+                  <a:srgbClr val="FFC000"/>
+                </a:solidFill>
+              </a:rPr>
+              <a:t>o</a:t>
+            </a:r>
+            <a:r>
+              <a:rPr lang="en-US" sz="4000" dirty="0">
+                <a:solidFill>
+                  <a:srgbClr val="0070C0"/>
+                </a:solidFill>
+              </a:rPr>
+              <a:t>g</a:t>
+            </a:r>
+            <a:r>
+              <a:rPr lang="en-US" sz="4000" dirty="0">
+                <a:solidFill>
+                  <a:schemeClr val="accent6">
+                    <a:lumMod val="75000"/>
+                  </a:schemeClr>
+                </a:solidFill>
+              </a:rPr>
+              <a:t>l</a:t>
+            </a:r>
+            <a:r>
+              <a:rPr lang="en-US" sz="4000" dirty="0">
+                <a:solidFill>
+                  <a:srgbClr val="C00000"/>
+                </a:solidFill>
+              </a:rPr>
+              <a:t>e</a:t>
+            </a:r>
+            <a:r>
+              <a:rPr lang="ru-RU" sz="3600" dirty="0"/>
+              <a:t>: На что обращать внимание при просмотре</a:t>
+            </a:r>
+          </a:p>
+        </p:txBody>
+      </p:sp>
+      <p:sp>
+        <p:nvSpPr>
+          <p:cNvPr id="3" name="Объект 2">
+            <a:extLst>
+              <a:ext uri="{FF2B5EF4-FFF2-40B4-BE49-F238E27FC236}">
+                <a16:creationId xmlns:a16="http://schemas.microsoft.com/office/drawing/2014/main" id="{0F0F5563-F57B-55FE-001B-B4E3800634EC}"/>
+              </a:ext>
+            </a:extLst>
+          </p:cNvPr>
+          <p:cNvSpPr>
+            <a:spLocks noGrp="1"/>
+          </p:cNvSpPr>
+          <p:nvPr>
+            <p:ph idx="1"/>
+          </p:nvPr>
+        </p:nvSpPr>
+        <p:spPr>
+          <a:xfrm>
+            <a:off x="838200" y="1538869"/>
+            <a:ext cx="10515600" cy="4742134"/>
+          </a:xfrm>
+        </p:spPr>
+        <p:txBody>
+          <a:bodyPr>
+            <a:normAutofit fontScale="77500" lnSpcReduction="20000"/>
+          </a:bodyPr>
+          <a:lstStyle/>
+          <a:p>
+            <a:pPr algn="l">
+              <a:lnSpc>
+                <a:spcPct val="120000"/>
+              </a:lnSpc>
+              <a:spcBef>
+                <a:spcPts val="800"/>
+              </a:spcBef>
+              <a:buFont typeface="Arial" panose="020B0604020202020204" pitchFamily="34" charset="0"/>
+              <a:buChar char="•"/>
+            </a:pPr>
+            <a:r>
+              <a:rPr lang="ru-RU" dirty="0"/>
+              <a:t>Код хорошо </a:t>
+            </a:r>
+            <a:r>
+              <a:rPr lang="ru-RU" b="1" dirty="0"/>
+              <a:t>спроектирован</a:t>
+            </a:r>
+          </a:p>
+          <a:p>
+            <a:pPr algn="l">
+              <a:lnSpc>
+                <a:spcPct val="120000"/>
+              </a:lnSpc>
+              <a:spcBef>
+                <a:spcPts val="800"/>
+              </a:spcBef>
+              <a:buFont typeface="Arial" panose="020B0604020202020204" pitchFamily="34" charset="0"/>
+              <a:buChar char="•"/>
+            </a:pPr>
+            <a:r>
+              <a:rPr lang="ru-RU" dirty="0"/>
+              <a:t>Функциональность: </a:t>
+            </a:r>
+            <a:r>
+              <a:rPr lang="ru-RU" b="1" dirty="0"/>
+              <a:t>удобен</a:t>
+            </a:r>
+            <a:r>
+              <a:rPr lang="ru-RU" dirty="0"/>
+              <a:t> с точки зрения пользователей, кем бы они ни были.</a:t>
+            </a:r>
+          </a:p>
+          <a:p>
+            <a:pPr algn="l">
+              <a:lnSpc>
+                <a:spcPct val="120000"/>
+              </a:lnSpc>
+              <a:spcBef>
+                <a:spcPts val="800"/>
+              </a:spcBef>
+              <a:buFont typeface="Arial" panose="020B0604020202020204" pitchFamily="34" charset="0"/>
+              <a:buChar char="•"/>
+            </a:pPr>
+            <a:r>
+              <a:rPr lang="ru-RU" b="1" dirty="0"/>
+              <a:t>Внешний вид </a:t>
+            </a:r>
+            <a:r>
+              <a:rPr lang="ru-RU" dirty="0"/>
+              <a:t>(если есть) должен быть хорошим</a:t>
+            </a:r>
+          </a:p>
+          <a:p>
+            <a:pPr algn="l">
+              <a:lnSpc>
+                <a:spcPct val="120000"/>
+              </a:lnSpc>
+              <a:spcBef>
+                <a:spcPts val="800"/>
+              </a:spcBef>
+              <a:buFont typeface="Arial" panose="020B0604020202020204" pitchFamily="34" charset="0"/>
+              <a:buChar char="•"/>
+            </a:pPr>
+            <a:r>
+              <a:rPr lang="ru-RU" dirty="0"/>
+              <a:t>Код </a:t>
+            </a:r>
+            <a:r>
+              <a:rPr lang="ru-RU" b="1" dirty="0"/>
+              <a:t>не переусложнен</a:t>
+            </a:r>
+          </a:p>
+          <a:p>
+            <a:pPr algn="l">
+              <a:lnSpc>
+                <a:spcPct val="120000"/>
+              </a:lnSpc>
+              <a:spcBef>
+                <a:spcPts val="800"/>
+              </a:spcBef>
+              <a:buFont typeface="Arial" panose="020B0604020202020204" pitchFamily="34" charset="0"/>
+              <a:buChar char="•"/>
+            </a:pPr>
+            <a:r>
+              <a:rPr lang="ru-RU" b="1" dirty="0"/>
+              <a:t>Отсутствие оверинжениринга</a:t>
+            </a:r>
+            <a:r>
+              <a:rPr lang="ru-RU" dirty="0"/>
+              <a:t>: нет переусложнения и лишних абстракций</a:t>
+            </a:r>
+          </a:p>
+          <a:p>
+            <a:pPr algn="l">
+              <a:lnSpc>
+                <a:spcPct val="120000"/>
+              </a:lnSpc>
+              <a:spcBef>
+                <a:spcPts val="800"/>
+              </a:spcBef>
+              <a:buFont typeface="Arial" panose="020B0604020202020204" pitchFamily="34" charset="0"/>
+              <a:buChar char="•"/>
+            </a:pPr>
+            <a:r>
+              <a:rPr lang="ru-RU" dirty="0"/>
+              <a:t>Есть </a:t>
+            </a:r>
+            <a:r>
+              <a:rPr lang="ru-RU" b="1" dirty="0"/>
+              <a:t>модульные тесты, </a:t>
+            </a:r>
+            <a:r>
+              <a:rPr lang="ru-RU" dirty="0"/>
+              <a:t>тесты хорошо спроектированы</a:t>
+            </a:r>
+          </a:p>
+          <a:p>
+            <a:pPr algn="l">
+              <a:lnSpc>
+                <a:spcPct val="120000"/>
+              </a:lnSpc>
+              <a:spcBef>
+                <a:spcPts val="800"/>
+              </a:spcBef>
+              <a:buFont typeface="Arial" panose="020B0604020202020204" pitchFamily="34" charset="0"/>
+              <a:buChar char="•"/>
+            </a:pPr>
+            <a:r>
+              <a:rPr lang="ru-RU" b="1" dirty="0"/>
+              <a:t>Наименования</a:t>
+            </a:r>
+            <a:r>
+              <a:rPr lang="ru-RU" dirty="0"/>
+              <a:t> (для всего) выбраны хорошо</a:t>
+            </a:r>
+          </a:p>
+          <a:p>
+            <a:pPr algn="l">
+              <a:lnSpc>
+                <a:spcPct val="120000"/>
+              </a:lnSpc>
+              <a:spcBef>
+                <a:spcPts val="800"/>
+              </a:spcBef>
+              <a:buFont typeface="Arial" panose="020B0604020202020204" pitchFamily="34" charset="0"/>
+              <a:buChar char="•"/>
+            </a:pPr>
+            <a:r>
+              <a:rPr lang="ru-RU" b="1" dirty="0"/>
+              <a:t>Комментарии</a:t>
+            </a:r>
+            <a:r>
+              <a:rPr lang="ru-RU" dirty="0"/>
+              <a:t> к коду понятны и необходимы.</a:t>
+            </a:r>
+            <a:br>
+              <a:rPr lang="ru-RU" dirty="0"/>
+            </a:br>
+            <a:r>
+              <a:rPr lang="ru-RU" dirty="0"/>
+              <a:t>Они должны объяснять, почему так сделано, а не как это сделано.</a:t>
+            </a:r>
+          </a:p>
+          <a:p>
+            <a:pPr algn="l">
+              <a:lnSpc>
+                <a:spcPct val="120000"/>
+              </a:lnSpc>
+              <a:spcBef>
+                <a:spcPts val="800"/>
+              </a:spcBef>
+              <a:buFont typeface="Arial" panose="020B0604020202020204" pitchFamily="34" charset="0"/>
+              <a:buChar char="•"/>
+            </a:pPr>
+            <a:r>
+              <a:rPr lang="ru-RU" dirty="0"/>
+              <a:t>Добавлена </a:t>
+            </a:r>
+            <a:r>
+              <a:rPr lang="ru-RU" b="1" dirty="0"/>
+              <a:t>документация</a:t>
+            </a:r>
+            <a:r>
+              <a:rPr lang="ru-RU" dirty="0"/>
+              <a:t>.</a:t>
+            </a:r>
+          </a:p>
+          <a:p>
+            <a:pPr algn="l">
+              <a:lnSpc>
+                <a:spcPct val="120000"/>
+              </a:lnSpc>
+              <a:spcBef>
+                <a:spcPts val="800"/>
+              </a:spcBef>
+              <a:buFont typeface="Arial" panose="020B0604020202020204" pitchFamily="34" charset="0"/>
+              <a:buChar char="•"/>
+            </a:pPr>
+            <a:r>
+              <a:rPr lang="ru-RU" dirty="0"/>
+              <a:t>Код соответствует </a:t>
+            </a:r>
+            <a:r>
+              <a:rPr lang="ru-RU" b="1" dirty="0"/>
+              <a:t>стайл гайдам</a:t>
+            </a:r>
+            <a:r>
+              <a:rPr lang="ru-RU" dirty="0"/>
+              <a:t>.</a:t>
+            </a:r>
+          </a:p>
+        </p:txBody>
+      </p:sp>
+    </p:spTree>
+    <p:extLst>
+      <p:ext uri="{BB962C8B-B14F-4D97-AF65-F5344CB8AC3E}">
+        <p14:creationId xmlns:p14="http://schemas.microsoft.com/office/powerpoint/2010/main" val="1796952623"/>
+      </p:ext>
+    </p:extLst>
+  </p:cSld>
+  <p:clrMapOvr>
+    <a:masterClrMapping/>
+  </p:clrMapOvr>
+</p:sld>
+</file>
+
+<file path=ppt/slides/slide25.xml><?xml version="1.0" encoding="utf-8"?>
+<p:sld xmlns:a="http://schemas.openxmlformats.org/drawingml/2006/main" xmlns:r="http://schemas.openxmlformats.org/officeDocument/2006/relationships" xmlns:p="http://schemas.openxmlformats.org/presentationml/2006/main">
+  <p:cSld>
+    <p:spTree>
+      <p:nvGrpSpPr>
+        <p:cNvPr id="1" name=""/>
+        <p:cNvGrpSpPr/>
+        <p:nvPr/>
+      </p:nvGrpSpPr>
+      <p:grpSpPr>
+        <a:xfrm>
+          <a:off x="0" y="0"/>
+          <a:ext cx="0" cy="0"/>
+          <a:chOff x="0" y="0"/>
+          <a:chExt cx="0" cy="0"/>
+        </a:xfrm>
+      </p:grpSpPr>
+      <p:sp>
+        <p:nvSpPr>
+          <p:cNvPr id="2" name="Заголовок 1">
+            <a:extLst>
+              <a:ext uri="{FF2B5EF4-FFF2-40B4-BE49-F238E27FC236}">
+                <a16:creationId xmlns:a16="http://schemas.microsoft.com/office/drawing/2014/main" id="{D66D4960-6EE8-5DA6-ADED-49D54054A276}"/>
+              </a:ext>
+            </a:extLst>
+          </p:cNvPr>
+          <p:cNvSpPr>
+            <a:spLocks noGrp="1"/>
+          </p:cNvSpPr>
+          <p:nvPr>
+            <p:ph type="title"/>
+          </p:nvPr>
+        </p:nvSpPr>
+        <p:spPr>
+          <a:xfrm>
+            <a:off x="838200" y="365125"/>
+            <a:ext cx="10515600" cy="984173"/>
+          </a:xfrm>
+        </p:spPr>
+        <p:txBody>
+          <a:bodyPr>
+            <a:normAutofit fontScale="90000"/>
+          </a:bodyPr>
+          <a:lstStyle/>
+          <a:p>
+            <a:r>
+              <a:rPr lang="en-US" sz="4800" dirty="0">
+                <a:solidFill>
+                  <a:srgbClr val="0070C0"/>
+                </a:solidFill>
+              </a:rPr>
+              <a:t>G</a:t>
+            </a:r>
+            <a:r>
+              <a:rPr lang="en-US" sz="4800" dirty="0">
+                <a:solidFill>
+                  <a:srgbClr val="C00000"/>
+                </a:solidFill>
+              </a:rPr>
+              <a:t>o</a:t>
+            </a:r>
+            <a:r>
+              <a:rPr lang="en-US" sz="4800" dirty="0">
+                <a:solidFill>
+                  <a:srgbClr val="FFC000"/>
+                </a:solidFill>
+              </a:rPr>
+              <a:t>o</a:t>
+            </a:r>
+            <a:r>
+              <a:rPr lang="en-US" sz="4800" dirty="0">
+                <a:solidFill>
+                  <a:srgbClr val="0070C0"/>
+                </a:solidFill>
+              </a:rPr>
+              <a:t>g</a:t>
+            </a:r>
+            <a:r>
+              <a:rPr lang="en-US" sz="4800" dirty="0">
+                <a:solidFill>
+                  <a:schemeClr val="accent6">
+                    <a:lumMod val="75000"/>
+                  </a:schemeClr>
+                </a:solidFill>
+              </a:rPr>
+              <a:t>l</a:t>
+            </a:r>
+            <a:r>
+              <a:rPr lang="en-US" sz="4800" dirty="0">
+                <a:solidFill>
+                  <a:srgbClr val="C00000"/>
+                </a:solidFill>
+              </a:rPr>
+              <a:t>e</a:t>
+            </a:r>
+            <a:r>
+              <a:rPr lang="ru-RU" sz="4400" dirty="0"/>
+              <a:t>: </a:t>
+            </a:r>
+            <a:r>
+              <a:rPr lang="ru-RU" dirty="0"/>
+              <a:t>Как писать комментарии на код ревью</a:t>
+            </a:r>
+          </a:p>
+        </p:txBody>
+      </p:sp>
+      <p:sp>
+        <p:nvSpPr>
+          <p:cNvPr id="3" name="Объект 2">
+            <a:extLst>
+              <a:ext uri="{FF2B5EF4-FFF2-40B4-BE49-F238E27FC236}">
+                <a16:creationId xmlns:a16="http://schemas.microsoft.com/office/drawing/2014/main" id="{9A369AB7-EF5F-62FC-109D-F403364C9512}"/>
+              </a:ext>
+            </a:extLst>
+          </p:cNvPr>
+          <p:cNvSpPr>
+            <a:spLocks noGrp="1"/>
+          </p:cNvSpPr>
+          <p:nvPr>
+            <p:ph idx="1"/>
+          </p:nvPr>
+        </p:nvSpPr>
+        <p:spPr/>
+        <p:txBody>
+          <a:bodyPr>
+            <a:normAutofit/>
+          </a:bodyPr>
+          <a:lstStyle/>
+          <a:p>
+            <a:pPr algn="l">
+              <a:lnSpc>
+                <a:spcPct val="100000"/>
+              </a:lnSpc>
+              <a:buFont typeface="Arial" panose="020B0604020202020204" pitchFamily="34" charset="0"/>
+              <a:buChar char="•"/>
+            </a:pPr>
+            <a:r>
+              <a:rPr lang="ru-RU" sz="2000" b="0" i="0" dirty="0">
+                <a:solidFill>
+                  <a:srgbClr val="333333"/>
+                </a:solidFill>
+                <a:effectLst/>
+                <a:latin typeface="-apple-system"/>
+              </a:rPr>
+              <a:t>Нужно быть вежливым, не переходить на личности. Обсуждать код, а не кодера.</a:t>
+            </a:r>
+          </a:p>
+          <a:p>
+            <a:pPr algn="l">
+              <a:lnSpc>
+                <a:spcPct val="100000"/>
+              </a:lnSpc>
+              <a:buFont typeface="Arial" panose="020B0604020202020204" pitchFamily="34" charset="0"/>
+              <a:buChar char="•"/>
+            </a:pPr>
+            <a:r>
+              <a:rPr lang="ru-RU" sz="2000" b="0" i="0" dirty="0">
+                <a:solidFill>
+                  <a:srgbClr val="333333"/>
+                </a:solidFill>
+                <a:effectLst/>
+                <a:latin typeface="-apple-system"/>
+              </a:rPr>
+              <a:t>Не просто </a:t>
+            </a:r>
+            <a:r>
+              <a:rPr lang="ru-RU" sz="2000" b="0" i="0" dirty="0">
+                <a:solidFill>
+                  <a:srgbClr val="C00000"/>
+                </a:solidFill>
+                <a:effectLst/>
+                <a:latin typeface="-apple-system"/>
+              </a:rPr>
+              <a:t>выдавать директивы к исправлениям</a:t>
+            </a:r>
+            <a:r>
+              <a:rPr lang="ru-RU" sz="2000" b="0" i="0" dirty="0">
+                <a:solidFill>
+                  <a:srgbClr val="333333"/>
+                </a:solidFill>
+                <a:effectLst/>
+                <a:latin typeface="-apple-system"/>
+              </a:rPr>
+              <a:t>,</a:t>
+            </a:r>
+            <a:br>
+              <a:rPr lang="ru-RU" sz="2000" b="0" i="0" dirty="0">
+                <a:solidFill>
+                  <a:srgbClr val="333333"/>
+                </a:solidFill>
+                <a:effectLst/>
+                <a:latin typeface="-apple-system"/>
+              </a:rPr>
+            </a:br>
+            <a:r>
+              <a:rPr lang="ru-RU" sz="2000" b="0" i="0" dirty="0">
+                <a:solidFill>
+                  <a:srgbClr val="333333"/>
+                </a:solidFill>
+                <a:effectLst/>
+                <a:latin typeface="-apple-system"/>
+              </a:rPr>
+              <a:t>а </a:t>
+            </a:r>
+            <a:r>
+              <a:rPr lang="ru-RU" sz="2000" b="1" i="0" dirty="0">
+                <a:solidFill>
+                  <a:schemeClr val="accent6">
+                    <a:lumMod val="50000"/>
+                  </a:schemeClr>
+                </a:solidFill>
+                <a:effectLst/>
+                <a:latin typeface="-apple-system"/>
+              </a:rPr>
+              <a:t>объяснять</a:t>
+            </a:r>
+            <a:r>
+              <a:rPr lang="ru-RU" sz="2000" b="0" i="0" dirty="0">
+                <a:solidFill>
+                  <a:srgbClr val="333333"/>
+                </a:solidFill>
+                <a:effectLst/>
+                <a:latin typeface="-apple-system"/>
+              </a:rPr>
+              <a:t>, почему нужно исправить.</a:t>
+            </a:r>
+          </a:p>
+          <a:p>
+            <a:pPr algn="l">
+              <a:lnSpc>
+                <a:spcPct val="100000"/>
+              </a:lnSpc>
+              <a:buFont typeface="Arial" panose="020B0604020202020204" pitchFamily="34" charset="0"/>
+              <a:buChar char="•"/>
+            </a:pPr>
+            <a:r>
+              <a:rPr lang="ru-RU" sz="2000" b="0" i="0" dirty="0">
+                <a:solidFill>
+                  <a:srgbClr val="333333"/>
+                </a:solidFill>
+                <a:effectLst/>
+                <a:latin typeface="-apple-system"/>
+              </a:rPr>
+              <a:t>Соблюдать баланс:</a:t>
+            </a:r>
+            <a:endParaRPr lang="ru-RU" sz="2000" dirty="0">
+              <a:solidFill>
+                <a:srgbClr val="333333"/>
+              </a:solidFill>
+              <a:latin typeface="-apple-system"/>
+            </a:endParaRPr>
+          </a:p>
+          <a:p>
+            <a:pPr lvl="1">
+              <a:lnSpc>
+                <a:spcPct val="100000"/>
+              </a:lnSpc>
+              <a:spcBef>
+                <a:spcPts val="300"/>
+              </a:spcBef>
+            </a:pPr>
+            <a:r>
+              <a:rPr lang="ru-RU" sz="2000" dirty="0"/>
+              <a:t>обозначить проблему и подтолкнуть разработчика, чтобы он сам понял, как лучше ее решить — развивает разработчика + меньше конфликтов (стратегическая выгода);</a:t>
+            </a:r>
+          </a:p>
+          <a:p>
+            <a:pPr lvl="1">
+              <a:lnSpc>
+                <a:spcPct val="100000"/>
+              </a:lnSpc>
+              <a:spcBef>
+                <a:spcPts val="300"/>
+              </a:spcBef>
+            </a:pPr>
+            <a:r>
+              <a:rPr lang="ru-RU" sz="2000" dirty="0"/>
+              <a:t>сразу выдать готовое решение — ускоряет </a:t>
+            </a:r>
+            <a:r>
+              <a:rPr lang="en" sz="2000" dirty="0"/>
+              <a:t>MR (</a:t>
+            </a:r>
+            <a:r>
+              <a:rPr lang="ru-RU" sz="2000" dirty="0"/>
+              <a:t>тактическая выгода).</a:t>
+            </a:r>
+            <a:endParaRPr lang="ru-RU" sz="1600" b="0" i="0" dirty="0">
+              <a:solidFill>
+                <a:srgbClr val="333333"/>
+              </a:solidFill>
+              <a:effectLst/>
+              <a:latin typeface="-apple-system"/>
+            </a:endParaRPr>
+          </a:p>
+          <a:p>
+            <a:pPr algn="l">
+              <a:lnSpc>
+                <a:spcPct val="100000"/>
+              </a:lnSpc>
+              <a:buFont typeface="Arial" panose="020B0604020202020204" pitchFamily="34" charset="0"/>
+              <a:buChar char="•"/>
+            </a:pPr>
+            <a:r>
+              <a:rPr lang="ru-RU" sz="2000" dirty="0">
+                <a:solidFill>
+                  <a:srgbClr val="0070C0"/>
+                </a:solidFill>
+              </a:rPr>
+              <a:t>Если ревьювер не понял</a:t>
+            </a:r>
+            <a:r>
+              <a:rPr lang="ru-RU" sz="2000" dirty="0"/>
+              <a:t> какой-то момент в коде и просит автора объяснить, что к чему, то </a:t>
+            </a:r>
+            <a:r>
+              <a:rPr lang="ru-RU" sz="2000" dirty="0">
+                <a:solidFill>
+                  <a:schemeClr val="accent6">
+                    <a:lumMod val="50000"/>
+                  </a:schemeClr>
+                </a:solidFill>
+              </a:rPr>
+              <a:t>лучшим ответом будет изменение кода</a:t>
+            </a:r>
+            <a:r>
+              <a:rPr lang="ru-RU" sz="2000" dirty="0"/>
+              <a:t>.</a:t>
+            </a:r>
+            <a:br>
+              <a:rPr lang="ru-RU" sz="2000" dirty="0"/>
+            </a:br>
+            <a:r>
+              <a:rPr lang="ru-RU" sz="2000" dirty="0"/>
+              <a:t>Так, чтобы было по коду все было понятно без вопросов.</a:t>
+            </a:r>
+          </a:p>
+          <a:p>
+            <a:pPr>
+              <a:lnSpc>
+                <a:spcPct val="100000"/>
+              </a:lnSpc>
+            </a:pPr>
+            <a:endParaRPr lang="ru-RU" sz="2000" dirty="0"/>
+          </a:p>
+        </p:txBody>
+      </p:sp>
+    </p:spTree>
+    <p:extLst>
+      <p:ext uri="{BB962C8B-B14F-4D97-AF65-F5344CB8AC3E}">
+        <p14:creationId xmlns:p14="http://schemas.microsoft.com/office/powerpoint/2010/main" val="948573978"/>
+      </p:ext>
+    </p:extLst>
+  </p:cSld>
+  <p:clrMapOvr>
+    <a:masterClrMapping/>
+  </p:clrMapOvr>
+</p:sld>
+</file>
+
+<file path=ppt/slides/slide26.xml><?xml version="1.0" encoding="utf-8"?>
+<p:sld xmlns:a="http://schemas.openxmlformats.org/drawingml/2006/main" xmlns:r="http://schemas.openxmlformats.org/officeDocument/2006/relationships" xmlns:p="http://schemas.openxmlformats.org/presentationml/2006/main">
+  <p:cSld>
+    <p:spTree>
+      <p:nvGrpSpPr>
+        <p:cNvPr id="1" name=""/>
+        <p:cNvGrpSpPr/>
+        <p:nvPr/>
+      </p:nvGrpSpPr>
+      <p:grpSpPr>
+        <a:xfrm>
+          <a:off x="0" y="0"/>
+          <a:ext cx="0" cy="0"/>
+          <a:chOff x="0" y="0"/>
+          <a:chExt cx="0" cy="0"/>
+        </a:xfrm>
+      </p:grpSpPr>
+      <p:sp>
+        <p:nvSpPr>
+          <p:cNvPr id="2" name="Заголовок 1">
+            <a:extLst>
+              <a:ext uri="{FF2B5EF4-FFF2-40B4-BE49-F238E27FC236}">
                 <a16:creationId xmlns:a16="http://schemas.microsoft.com/office/drawing/2014/main" id="{13A9B023-1100-AD29-6FFA-15BC8080A29D}"/>
               </a:ext>
             </a:extLst>
@@ -11833,7 +13389,7 @@
 </p:sld>
 </file>
 
-<file path=ppt/slides/slide23.xml><?xml version="1.0" encoding="utf-8"?>
+<file path=ppt/slides/slide27.xml><?xml version="1.0" encoding="utf-8"?>
 <p:sld xmlns:a="http://schemas.openxmlformats.org/drawingml/2006/main" xmlns:r="http://schemas.openxmlformats.org/officeDocument/2006/relationships" xmlns:p="http://schemas.openxmlformats.org/presentationml/2006/main">
   <p:cSld>
     <p:spTree>
@@ -12601,8 +14157,8 @@
         </p:blipFill>
         <p:spPr>
           <a:xfrm>
-            <a:off x="2728164" y="3746302"/>
-            <a:ext cx="5609967" cy="2662096"/>
+            <a:off x="2621838" y="3429000"/>
+            <a:ext cx="6715561" cy="3186733"/>
           </a:xfrm>
           <a:prstGeom prst="rect">
             <a:avLst/>

--- a/presentations/CodeReview.pptx
+++ b/presentations/CodeReview.pptx
@@ -5,36 +5,43 @@
     <p:sldMasterId id="2147483648" r:id="rId1"/>
   </p:sldMasterIdLst>
   <p:notesMasterIdLst>
-    <p:notesMasterId r:id="rId29"/>
+    <p:notesMasterId r:id="rId36"/>
   </p:notesMasterIdLst>
   <p:sldIdLst>
     <p:sldId id="257" r:id="rId2"/>
     <p:sldId id="272" r:id="rId3"/>
     <p:sldId id="371" r:id="rId4"/>
-    <p:sldId id="271" r:id="rId5"/>
+    <p:sldId id="374" r:id="rId5"/>
     <p:sldId id="301" r:id="rId6"/>
     <p:sldId id="300" r:id="rId7"/>
     <p:sldId id="297" r:id="rId8"/>
-    <p:sldId id="376" r:id="rId9"/>
-    <p:sldId id="384" r:id="rId10"/>
-    <p:sldId id="373" r:id="rId11"/>
-    <p:sldId id="382" r:id="rId12"/>
-    <p:sldId id="377" r:id="rId13"/>
-    <p:sldId id="379" r:id="rId14"/>
-    <p:sldId id="263" r:id="rId15"/>
-    <p:sldId id="264" r:id="rId16"/>
-    <p:sldId id="266" r:id="rId17"/>
-    <p:sldId id="381" r:id="rId18"/>
-    <p:sldId id="380" r:id="rId19"/>
-    <p:sldId id="291" r:id="rId20"/>
-    <p:sldId id="383" r:id="rId21"/>
-    <p:sldId id="378" r:id="rId22"/>
-    <p:sldId id="385" r:id="rId23"/>
-    <p:sldId id="386" r:id="rId24"/>
-    <p:sldId id="387" r:id="rId25"/>
-    <p:sldId id="388" r:id="rId26"/>
-    <p:sldId id="299" r:id="rId27"/>
-    <p:sldId id="298" r:id="rId28"/>
+    <p:sldId id="394" r:id="rId9"/>
+    <p:sldId id="376" r:id="rId10"/>
+    <p:sldId id="384" r:id="rId11"/>
+    <p:sldId id="373" r:id="rId12"/>
+    <p:sldId id="263" r:id="rId13"/>
+    <p:sldId id="264" r:id="rId14"/>
+    <p:sldId id="266" r:id="rId15"/>
+    <p:sldId id="382" r:id="rId16"/>
+    <p:sldId id="377" r:id="rId17"/>
+    <p:sldId id="389" r:id="rId18"/>
+    <p:sldId id="383" r:id="rId19"/>
+    <p:sldId id="379" r:id="rId20"/>
+    <p:sldId id="381" r:id="rId21"/>
+    <p:sldId id="380" r:id="rId22"/>
+    <p:sldId id="392" r:id="rId23"/>
+    <p:sldId id="291" r:id="rId24"/>
+    <p:sldId id="378" r:id="rId25"/>
+    <p:sldId id="385" r:id="rId26"/>
+    <p:sldId id="386" r:id="rId27"/>
+    <p:sldId id="387" r:id="rId28"/>
+    <p:sldId id="388" r:id="rId29"/>
+    <p:sldId id="390" r:id="rId30"/>
+    <p:sldId id="299" r:id="rId31"/>
+    <p:sldId id="393" r:id="rId32"/>
+    <p:sldId id="391" r:id="rId33"/>
+    <p:sldId id="395" r:id="rId34"/>
+    <p:sldId id="298" r:id="rId35"/>
   </p:sldIdLst>
   <p:sldSz cx="12192000" cy="6858000"/>
   <p:notesSz cx="6858000" cy="9144000"/>
@@ -1760,7 +1767,7 @@
         <a:p>
           <a:pPr algn="l"/>
           <a:r>
-            <a:rPr lang="ru-RU" sz="2400" dirty="0">
+            <a:rPr lang="ru-RU" sz="2000" dirty="0">
               <a:solidFill>
                 <a:schemeClr val="tx1"/>
               </a:solidFill>
@@ -1803,7 +1810,7 @@
         <a:p>
           <a:pPr algn="l"/>
           <a:r>
-            <a:rPr lang="ru-RU" sz="2400" dirty="0">
+            <a:rPr lang="ru-RU" sz="2000" dirty="0">
               <a:solidFill>
                 <a:schemeClr val="tx1"/>
               </a:solidFill>
@@ -1811,19 +1818,42 @@
             <a:t>- Ошибка в логике</a:t>
           </a:r>
           <a:br>
-            <a:rPr lang="ru-RU" sz="2400" dirty="0">
+            <a:rPr lang="ru-RU" sz="2000" dirty="0">
               <a:solidFill>
                 <a:schemeClr val="tx1"/>
               </a:solidFill>
             </a:rPr>
           </a:br>
           <a:r>
-            <a:rPr lang="ru-RU" sz="2400" dirty="0">
+            <a:rPr lang="ru-RU" sz="2000" dirty="0">
               <a:solidFill>
                 <a:schemeClr val="tx1"/>
               </a:solidFill>
             </a:rPr>
             <a:t>- Нереализованное требование</a:t>
+          </a:r>
+          <a:br>
+            <a:rPr lang="en-US" sz="2000" dirty="0">
+              <a:solidFill>
+                <a:schemeClr val="tx1"/>
+              </a:solidFill>
+            </a:rPr>
+          </a:br>
+          <a:r>
+            <a:rPr lang="en-US" sz="2000" dirty="0">
+              <a:solidFill>
+                <a:schemeClr val="tx1"/>
+              </a:solidFill>
+            </a:rPr>
+            <a:t>- </a:t>
+          </a:r>
+          <a:r>
+            <a:rPr lang="ru-RU" sz="2000" dirty="0">
+              <a:solidFill>
+                <a:schemeClr val="tx1"/>
+              </a:solidFill>
+            </a:rPr>
+            <a:t>Проблема с безопасностью</a:t>
           </a:r>
         </a:p>
       </dgm:t>
@@ -1861,7 +1891,7 @@
         <a:p>
           <a:pPr algn="l"/>
           <a:r>
-            <a:rPr lang="ru-RU" sz="2400" dirty="0">
+            <a:rPr lang="ru-RU" sz="2000" dirty="0">
               <a:solidFill>
                 <a:schemeClr val="tx1"/>
               </a:solidFill>
@@ -1869,14 +1899,14 @@
             <a:t>- Читаемость</a:t>
           </a:r>
           <a:br>
-            <a:rPr lang="ru-RU" sz="2400" dirty="0">
+            <a:rPr lang="ru-RU" sz="2000" dirty="0">
               <a:solidFill>
                 <a:schemeClr val="tx1"/>
               </a:solidFill>
             </a:rPr>
           </a:br>
           <a:r>
-            <a:rPr lang="ru-RU" sz="2400" dirty="0">
+            <a:rPr lang="ru-RU" sz="2000" dirty="0">
               <a:solidFill>
                 <a:schemeClr val="tx1"/>
               </a:solidFill>
@@ -1884,7 +1914,7 @@
             <a:t>- </a:t>
           </a:r>
           <a:r>
-            <a:rPr lang="en-US" sz="2400" noProof="0" dirty="0">
+            <a:rPr lang="en-US" sz="2000" noProof="0" dirty="0">
               <a:solidFill>
                 <a:schemeClr val="tx1"/>
               </a:solidFill>
@@ -1892,14 +1922,14 @@
             <a:t>Over-engineering</a:t>
           </a:r>
           <a:br>
-            <a:rPr lang="en-US" sz="2400" dirty="0">
+            <a:rPr lang="en-US" sz="2000" dirty="0">
               <a:solidFill>
                 <a:schemeClr val="tx1"/>
               </a:solidFill>
             </a:rPr>
           </a:br>
           <a:r>
-            <a:rPr lang="en-US" sz="2400" dirty="0">
+            <a:rPr lang="en-US" sz="2000" dirty="0">
               <a:solidFill>
                 <a:schemeClr val="tx1"/>
               </a:solidFill>
@@ -1907,12 +1937,42 @@
             <a:t>- </a:t>
           </a:r>
           <a:r>
-            <a:rPr lang="ru-RU" sz="2400" dirty="0">
+            <a:rPr lang="ru-RU" sz="2000" dirty="0">
               <a:solidFill>
                 <a:schemeClr val="tx1"/>
               </a:solidFill>
             </a:rPr>
             <a:t>Архитектура</a:t>
+          </a:r>
+          <a:br>
+            <a:rPr lang="ru-RU" sz="2000" dirty="0">
+              <a:solidFill>
+                <a:schemeClr val="tx1"/>
+              </a:solidFill>
+            </a:rPr>
+          </a:br>
+          <a:r>
+            <a:rPr lang="ru-RU" sz="2000" dirty="0">
+              <a:solidFill>
+                <a:schemeClr val="tx1"/>
+              </a:solidFill>
+            </a:rPr>
+            <a:t>- Именование</a:t>
+          </a:r>
+          <a:br>
+            <a:rPr lang="ru-RU" sz="2000" dirty="0">
+              <a:solidFill>
+                <a:schemeClr val="tx1"/>
+              </a:solidFill>
+            </a:rPr>
+          </a:br>
+          <a:r>
+            <a:rPr lang="ru-RU" sz="2000" dirty="0">
+              <a:solidFill>
+                <a:schemeClr val="tx1"/>
+              </a:solidFill>
+            </a:rPr>
+            <a:t>- Дублирование кода</a:t>
           </a:r>
         </a:p>
       </dgm:t>
@@ -1950,7 +2010,7 @@
         <a:p>
           <a:pPr algn="l"/>
           <a:r>
-            <a:rPr lang="ru-RU" sz="2400" dirty="0">
+            <a:rPr lang="ru-RU" sz="2000" dirty="0">
               <a:solidFill>
                 <a:schemeClr val="tx1"/>
               </a:solidFill>
@@ -1958,7 +2018,7 @@
             <a:t>- </a:t>
           </a:r>
           <a:r>
-            <a:rPr lang="en-US" sz="2400" dirty="0">
+            <a:rPr lang="en-US" sz="2000" dirty="0">
               <a:solidFill>
                 <a:schemeClr val="tx1"/>
               </a:solidFill>
@@ -1966,7 +2026,7 @@
             <a:t>«</a:t>
           </a:r>
           <a:r>
-            <a:rPr lang="ru-RU" sz="2400" dirty="0">
+            <a:rPr lang="ru-RU" sz="2000" dirty="0">
               <a:solidFill>
                 <a:schemeClr val="tx1"/>
               </a:solidFill>
@@ -1974,7 +2034,7 @@
             <a:t>Я бы сделал по другому</a:t>
           </a:r>
           <a:r>
-            <a:rPr lang="en-US" sz="2400" dirty="0">
+            <a:rPr lang="en-US" sz="2000" dirty="0">
               <a:solidFill>
                 <a:schemeClr val="tx1"/>
               </a:solidFill>
@@ -1982,19 +2042,34 @@
             <a:t>»</a:t>
           </a:r>
           <a:br>
-            <a:rPr lang="en-US" sz="2400" dirty="0">
+            <a:rPr lang="en-US" sz="2000" dirty="0">
               <a:solidFill>
                 <a:schemeClr val="tx1"/>
               </a:solidFill>
             </a:rPr>
           </a:br>
           <a:r>
-            <a:rPr lang="ru-RU" sz="2400" dirty="0">
+            <a:rPr lang="ru-RU" sz="2000" dirty="0">
               <a:solidFill>
                 <a:schemeClr val="tx1"/>
               </a:solidFill>
             </a:rPr>
             <a:t>- Стилистика</a:t>
+          </a:r>
+          <a:br>
+            <a:rPr lang="ru-RU" sz="2000" dirty="0">
+              <a:solidFill>
+                <a:schemeClr val="tx1"/>
+              </a:solidFill>
+            </a:rPr>
+          </a:br>
+          <a:r>
+            <a:rPr lang="ru-RU" sz="2000" dirty="0">
+              <a:solidFill>
+                <a:schemeClr val="tx1"/>
+              </a:solidFill>
+            </a:rPr>
+            <a:t>- Комментарии</a:t>
           </a:r>
         </a:p>
       </dgm:t>
@@ -2036,7 +2111,7 @@
       <dgm:spPr/>
     </dgm:pt>
     <dgm:pt modelId="{47654749-5B5F-B644-A9E7-2428772A2080}" type="pres">
-      <dgm:prSet presAssocID="{42B9A829-B693-BD42-9D6C-0AC50FEE5FF9}" presName="rect1" presStyleLbl="node1" presStyleIdx="0" presStyleCnt="4" custScaleX="158730" custScaleY="86841" custLinFactNeighborX="-30673" custLinFactNeighborY="728">
+      <dgm:prSet presAssocID="{42B9A829-B693-BD42-9D6C-0AC50FEE5FF9}" presName="rect1" presStyleLbl="node1" presStyleIdx="0" presStyleCnt="4" custScaleX="135219" custScaleY="86841" custLinFactNeighborX="-27709" custLinFactNeighborY="728">
         <dgm:presLayoutVars>
           <dgm:chMax val="0"/>
           <dgm:chPref val="0"/>
@@ -2046,7 +2121,7 @@
       <dgm:spPr/>
     </dgm:pt>
     <dgm:pt modelId="{E302F2E9-AD44-4641-92AF-2DD7A720790D}" type="pres">
-      <dgm:prSet presAssocID="{42B9A829-B693-BD42-9D6C-0AC50FEE5FF9}" presName="rect2" presStyleLbl="node1" presStyleIdx="1" presStyleCnt="4" custScaleX="203541" custScaleY="88019" custLinFactNeighborX="52628" custLinFactNeighborY="1662">
+      <dgm:prSet presAssocID="{42B9A829-B693-BD42-9D6C-0AC50FEE5FF9}" presName="rect2" presStyleLbl="node1" presStyleIdx="1" presStyleCnt="4" custScaleX="203541" custScaleY="88019" custLinFactNeighborX="52628" custLinFactNeighborY="5120">
         <dgm:presLayoutVars>
           <dgm:chMax val="0"/>
           <dgm:chPref val="0"/>
@@ -2056,7 +2131,7 @@
       <dgm:spPr/>
     </dgm:pt>
     <dgm:pt modelId="{8F67B508-4E15-4B4C-A3A1-9BA594F4C761}" type="pres">
-      <dgm:prSet presAssocID="{42B9A829-B693-BD42-9D6C-0AC50FEE5FF9}" presName="rect3" presStyleLbl="node1" presStyleIdx="2" presStyleCnt="4" custScaleX="156861" custScaleY="87527" custLinFactNeighborX="-35089" custLinFactNeighborY="-1889">
+      <dgm:prSet presAssocID="{42B9A829-B693-BD42-9D6C-0AC50FEE5FF9}" presName="rect3" presStyleLbl="node1" presStyleIdx="2" presStyleCnt="4" custScaleX="140378" custScaleY="87527" custLinFactNeighborX="-27185" custLinFactNeighborY="-1889">
         <dgm:presLayoutVars>
           <dgm:chMax val="0"/>
           <dgm:chPref val="0"/>
@@ -2096,7 +2171,7 @@
   <dgm:whole/>
   <dgm:extLst>
     <a:ext uri="http://schemas.microsoft.com/office/drawing/2008/diagram">
-      <dsp:dataModelExt xmlns:dsp="http://schemas.microsoft.com/office/drawing/2008/diagram" relId="rId7" minVer="http://schemas.openxmlformats.org/drawingml/2006/diagram"/>
+      <dsp:dataModelExt xmlns:dsp="http://schemas.microsoft.com/office/drawing/2008/diagram" relId="rId8" minVer="http://schemas.openxmlformats.org/drawingml/2006/diagram"/>
     </a:ext>
   </dgm:extLst>
 </dgm:dataModel>
@@ -2117,7 +2192,7 @@
       </dsp:nvSpPr>
       <dsp:spPr>
         <a:xfrm>
-          <a:off x="2497411" y="0"/>
+          <a:off x="2405057" y="0"/>
           <a:ext cx="5032375" cy="5032375"/>
         </a:xfrm>
         <a:prstGeom prst="quadArrow">
@@ -2161,8 +2236,8 @@
       </dsp:nvSpPr>
       <dsp:spPr>
         <a:xfrm>
-          <a:off x="1615980" y="474200"/>
-          <a:ext cx="3195155" cy="1748065"/>
+          <a:off x="1819922" y="474200"/>
+          <a:ext cx="2721890" cy="1748065"/>
         </a:xfrm>
         <a:prstGeom prst="roundRect">
           <a:avLst/>
@@ -2197,12 +2272,12 @@
         </a:fontRef>
       </dsp:style>
       <dsp:txBody>
-        <a:bodyPr spcFirstLastPara="0" vert="horz" wrap="square" lIns="91440" tIns="91440" rIns="91440" bIns="91440" numCol="1" spcCol="1270" anchor="ctr" anchorCtr="0">
+        <a:bodyPr spcFirstLastPara="0" vert="horz" wrap="square" lIns="76200" tIns="76200" rIns="76200" bIns="76200" numCol="1" spcCol="1270" anchor="ctr" anchorCtr="0">
           <a:noAutofit/>
         </a:bodyPr>
         <a:lstStyle/>
         <a:p>
-          <a:pPr marL="0" lvl="0" indent="0" algn="l" defTabSz="1066800">
+          <a:pPr marL="0" lvl="0" indent="0" algn="l" defTabSz="889000">
             <a:lnSpc>
               <a:spcPct val="90000"/>
             </a:lnSpc>
@@ -2215,7 +2290,7 @@
             <a:buNone/>
           </a:pPr>
           <a:r>
-            <a:rPr lang="ru-RU" sz="2400" kern="1200" dirty="0">
+            <a:rPr lang="ru-RU" sz="2000" kern="1200" dirty="0">
               <a:solidFill>
                 <a:schemeClr val="tx1"/>
               </a:solidFill>
@@ -2223,7 +2298,7 @@
             <a:t>- </a:t>
           </a:r>
           <a:r>
-            <a:rPr lang="en-US" sz="2400" kern="1200" dirty="0">
+            <a:rPr lang="en-US" sz="2000" kern="1200" dirty="0">
               <a:solidFill>
                 <a:schemeClr val="tx1"/>
               </a:solidFill>
@@ -2231,7 +2306,7 @@
             <a:t>«</a:t>
           </a:r>
           <a:r>
-            <a:rPr lang="ru-RU" sz="2400" kern="1200" dirty="0">
+            <a:rPr lang="ru-RU" sz="2000" kern="1200" dirty="0">
               <a:solidFill>
                 <a:schemeClr val="tx1"/>
               </a:solidFill>
@@ -2239,7 +2314,7 @@
             <a:t>Я бы сделал по другому</a:t>
           </a:r>
           <a:r>
-            <a:rPr lang="en-US" sz="2400" kern="1200" dirty="0">
+            <a:rPr lang="en-US" sz="2000" kern="1200" dirty="0">
               <a:solidFill>
                 <a:schemeClr val="tx1"/>
               </a:solidFill>
@@ -2247,25 +2322,40 @@
             <a:t>»</a:t>
           </a:r>
           <a:br>
-            <a:rPr lang="en-US" sz="2400" kern="1200" dirty="0">
+            <a:rPr lang="en-US" sz="2000" kern="1200" dirty="0">
               <a:solidFill>
                 <a:schemeClr val="tx1"/>
               </a:solidFill>
             </a:rPr>
           </a:br>
           <a:r>
-            <a:rPr lang="ru-RU" sz="2400" kern="1200" dirty="0">
+            <a:rPr lang="ru-RU" sz="2000" kern="1200" dirty="0">
               <a:solidFill>
                 <a:schemeClr val="tx1"/>
               </a:solidFill>
             </a:rPr>
             <a:t>- Стилистика</a:t>
           </a:r>
+          <a:br>
+            <a:rPr lang="ru-RU" sz="2000" kern="1200" dirty="0">
+              <a:solidFill>
+                <a:schemeClr val="tx1"/>
+              </a:solidFill>
+            </a:rPr>
+          </a:br>
+          <a:r>
+            <a:rPr lang="ru-RU" sz="2000" kern="1200" dirty="0">
+              <a:solidFill>
+                <a:schemeClr val="tx1"/>
+              </a:solidFill>
+            </a:rPr>
+            <a:t>- Комментарии</a:t>
+          </a:r>
         </a:p>
       </dsp:txBody>
       <dsp:txXfrm>
-        <a:off x="1701313" y="559533"/>
-        <a:ext cx="3024489" cy="1577399"/>
+        <a:off x="1905255" y="559533"/>
+        <a:ext cx="2551224" cy="1577399"/>
       </dsp:txXfrm>
     </dsp:sp>
     <dsp:sp modelId="{E302F2E9-AD44-4641-92AF-2DD7A720790D}">
@@ -2275,7 +2365,7 @@
       </dsp:nvSpPr>
       <dsp:spPr>
         <a:xfrm>
-          <a:off x="5206993" y="481145"/>
+          <a:off x="5114638" y="550753"/>
           <a:ext cx="4097178" cy="1771778"/>
         </a:xfrm>
         <a:prstGeom prst="roundRect">
@@ -2311,12 +2401,12 @@
         </a:fontRef>
       </dsp:style>
       <dsp:txBody>
-        <a:bodyPr spcFirstLastPara="0" vert="horz" wrap="square" lIns="91440" tIns="91440" rIns="91440" bIns="91440" numCol="1" spcCol="1270" anchor="ctr" anchorCtr="0">
+        <a:bodyPr spcFirstLastPara="0" vert="horz" wrap="square" lIns="76200" tIns="76200" rIns="76200" bIns="76200" numCol="1" spcCol="1270" anchor="ctr" anchorCtr="0">
           <a:noAutofit/>
         </a:bodyPr>
         <a:lstStyle/>
         <a:p>
-          <a:pPr marL="0" lvl="0" indent="0" algn="l" defTabSz="1066800">
+          <a:pPr marL="0" lvl="0" indent="0" algn="l" defTabSz="889000">
             <a:lnSpc>
               <a:spcPct val="90000"/>
             </a:lnSpc>
@@ -2329,7 +2419,7 @@
             <a:buNone/>
           </a:pPr>
           <a:r>
-            <a:rPr lang="ru-RU" sz="2400" kern="1200" dirty="0">
+            <a:rPr lang="ru-RU" sz="2000" kern="1200" dirty="0">
               <a:solidFill>
                 <a:schemeClr val="tx1"/>
               </a:solidFill>
@@ -2337,14 +2427,14 @@
             <a:t>- Читаемость</a:t>
           </a:r>
           <a:br>
-            <a:rPr lang="ru-RU" sz="2400" kern="1200" dirty="0">
+            <a:rPr lang="ru-RU" sz="2000" kern="1200" dirty="0">
               <a:solidFill>
                 <a:schemeClr val="tx1"/>
               </a:solidFill>
             </a:rPr>
           </a:br>
           <a:r>
-            <a:rPr lang="ru-RU" sz="2400" kern="1200" dirty="0">
+            <a:rPr lang="ru-RU" sz="2000" kern="1200" dirty="0">
               <a:solidFill>
                 <a:schemeClr val="tx1"/>
               </a:solidFill>
@@ -2352,7 +2442,7 @@
             <a:t>- </a:t>
           </a:r>
           <a:r>
-            <a:rPr lang="en-US" sz="2400" kern="1200" noProof="0" dirty="0">
+            <a:rPr lang="en-US" sz="2000" kern="1200" noProof="0" dirty="0">
               <a:solidFill>
                 <a:schemeClr val="tx1"/>
               </a:solidFill>
@@ -2360,14 +2450,14 @@
             <a:t>Over-engineering</a:t>
           </a:r>
           <a:br>
-            <a:rPr lang="en-US" sz="2400" kern="1200" dirty="0">
+            <a:rPr lang="en-US" sz="2000" kern="1200" dirty="0">
               <a:solidFill>
                 <a:schemeClr val="tx1"/>
               </a:solidFill>
             </a:rPr>
           </a:br>
           <a:r>
-            <a:rPr lang="en-US" sz="2400" kern="1200" dirty="0">
+            <a:rPr lang="en-US" sz="2000" kern="1200" dirty="0">
               <a:solidFill>
                 <a:schemeClr val="tx1"/>
               </a:solidFill>
@@ -2375,17 +2465,47 @@
             <a:t>- </a:t>
           </a:r>
           <a:r>
-            <a:rPr lang="ru-RU" sz="2400" kern="1200" dirty="0">
+            <a:rPr lang="ru-RU" sz="2000" kern="1200" dirty="0">
               <a:solidFill>
                 <a:schemeClr val="tx1"/>
               </a:solidFill>
             </a:rPr>
             <a:t>Архитектура</a:t>
           </a:r>
+          <a:br>
+            <a:rPr lang="ru-RU" sz="2000" kern="1200" dirty="0">
+              <a:solidFill>
+                <a:schemeClr val="tx1"/>
+              </a:solidFill>
+            </a:rPr>
+          </a:br>
+          <a:r>
+            <a:rPr lang="ru-RU" sz="2000" kern="1200" dirty="0">
+              <a:solidFill>
+                <a:schemeClr val="tx1"/>
+              </a:solidFill>
+            </a:rPr>
+            <a:t>- Именование</a:t>
+          </a:r>
+          <a:br>
+            <a:rPr lang="ru-RU" sz="2000" kern="1200" dirty="0">
+              <a:solidFill>
+                <a:schemeClr val="tx1"/>
+              </a:solidFill>
+            </a:rPr>
+          </a:br>
+          <a:r>
+            <a:rPr lang="ru-RU" sz="2000" kern="1200" dirty="0">
+              <a:solidFill>
+                <a:schemeClr val="tx1"/>
+              </a:solidFill>
+            </a:rPr>
+            <a:t>- Дублирование кода</a:t>
+          </a:r>
         </a:p>
       </dsp:txBody>
       <dsp:txXfrm>
-        <a:off x="5293484" y="567636"/>
+        <a:off x="5201129" y="637244"/>
         <a:ext cx="3924196" cy="1598796"/>
       </dsp:txXfrm>
     </dsp:sp>
@@ -2396,8 +2516,8 @@
       </dsp:nvSpPr>
       <dsp:spPr>
         <a:xfrm>
-          <a:off x="1545900" y="2779833"/>
-          <a:ext cx="3157533" cy="1761874"/>
+          <a:off x="1778546" y="2779833"/>
+          <a:ext cx="2825738" cy="1761874"/>
         </a:xfrm>
         <a:prstGeom prst="roundRect">
           <a:avLst/>
@@ -2432,12 +2552,12 @@
         </a:fontRef>
       </dsp:style>
       <dsp:txBody>
-        <a:bodyPr spcFirstLastPara="0" vert="horz" wrap="square" lIns="91440" tIns="91440" rIns="91440" bIns="91440" numCol="1" spcCol="1270" anchor="ctr" anchorCtr="0">
+        <a:bodyPr spcFirstLastPara="0" vert="horz" wrap="square" lIns="76200" tIns="76200" rIns="76200" bIns="76200" numCol="1" spcCol="1270" anchor="ctr" anchorCtr="0">
           <a:noAutofit/>
         </a:bodyPr>
         <a:lstStyle/>
         <a:p>
-          <a:pPr marL="0" lvl="0" indent="0" algn="l" defTabSz="1066800">
+          <a:pPr marL="0" lvl="0" indent="0" algn="l" defTabSz="889000">
             <a:lnSpc>
               <a:spcPct val="90000"/>
             </a:lnSpc>
@@ -2450,7 +2570,7 @@
             <a:buNone/>
           </a:pPr>
           <a:r>
-            <a:rPr lang="ru-RU" sz="2400" kern="1200" dirty="0">
+            <a:rPr lang="ru-RU" sz="2000" kern="1200" dirty="0">
               <a:solidFill>
                 <a:schemeClr val="tx1"/>
               </a:solidFill>
@@ -2460,8 +2580,8 @@
         </a:p>
       </dsp:txBody>
       <dsp:txXfrm>
-        <a:off x="1631908" y="2865841"/>
-        <a:ext cx="2985517" cy="1589858"/>
+        <a:off x="1864554" y="2865841"/>
+        <a:ext cx="2653722" cy="1589858"/>
       </dsp:txXfrm>
     </dsp:sp>
     <dsp:sp modelId="{D4EB0082-2F2E-5B4C-8273-4FF501A0AAC8}">
@@ -2471,7 +2591,7 @@
       </dsp:nvSpPr>
       <dsp:spPr>
         <a:xfrm>
-          <a:off x="5169602" y="2790985"/>
+          <a:off x="5077248" y="2790985"/>
           <a:ext cx="4171959" cy="1739571"/>
         </a:xfrm>
         <a:prstGeom prst="roundRect">
@@ -2507,12 +2627,12 @@
         </a:fontRef>
       </dsp:style>
       <dsp:txBody>
-        <a:bodyPr spcFirstLastPara="0" vert="horz" wrap="square" lIns="91440" tIns="91440" rIns="91440" bIns="91440" numCol="1" spcCol="1270" anchor="ctr" anchorCtr="0">
+        <a:bodyPr spcFirstLastPara="0" vert="horz" wrap="square" lIns="76200" tIns="76200" rIns="76200" bIns="76200" numCol="1" spcCol="1270" anchor="ctr" anchorCtr="0">
           <a:noAutofit/>
         </a:bodyPr>
         <a:lstStyle/>
         <a:p>
-          <a:pPr marL="0" lvl="0" indent="0" algn="l" defTabSz="1066800">
+          <a:pPr marL="0" lvl="0" indent="0" algn="l" defTabSz="889000">
             <a:lnSpc>
               <a:spcPct val="90000"/>
             </a:lnSpc>
@@ -2525,7 +2645,7 @@
             <a:buNone/>
           </a:pPr>
           <a:r>
-            <a:rPr lang="ru-RU" sz="2400" kern="1200" dirty="0">
+            <a:rPr lang="ru-RU" sz="2000" kern="1200" dirty="0">
               <a:solidFill>
                 <a:schemeClr val="tx1"/>
               </a:solidFill>
@@ -2533,24 +2653,47 @@
             <a:t>- Ошибка в логике</a:t>
           </a:r>
           <a:br>
-            <a:rPr lang="ru-RU" sz="2400" kern="1200" dirty="0">
+            <a:rPr lang="ru-RU" sz="2000" kern="1200" dirty="0">
               <a:solidFill>
                 <a:schemeClr val="tx1"/>
               </a:solidFill>
             </a:rPr>
           </a:br>
           <a:r>
-            <a:rPr lang="ru-RU" sz="2400" kern="1200" dirty="0">
+            <a:rPr lang="ru-RU" sz="2000" kern="1200" dirty="0">
               <a:solidFill>
                 <a:schemeClr val="tx1"/>
               </a:solidFill>
             </a:rPr>
             <a:t>- Нереализованное требование</a:t>
           </a:r>
+          <a:br>
+            <a:rPr lang="en-US" sz="2000" kern="1200" dirty="0">
+              <a:solidFill>
+                <a:schemeClr val="tx1"/>
+              </a:solidFill>
+            </a:rPr>
+          </a:br>
+          <a:r>
+            <a:rPr lang="en-US" sz="2000" kern="1200" dirty="0">
+              <a:solidFill>
+                <a:schemeClr val="tx1"/>
+              </a:solidFill>
+            </a:rPr>
+            <a:t>- </a:t>
+          </a:r>
+          <a:r>
+            <a:rPr lang="ru-RU" sz="2000" kern="1200" dirty="0">
+              <a:solidFill>
+                <a:schemeClr val="tx1"/>
+              </a:solidFill>
+            </a:rPr>
+            <a:t>Проблема с безопасностью</a:t>
+          </a:r>
         </a:p>
       </dsp:txBody>
       <dsp:txXfrm>
-        <a:off x="5254521" y="2875904"/>
+        <a:off x="5162167" y="2875904"/>
         <a:ext cx="4002121" cy="1569733"/>
       </dsp:txXfrm>
     </dsp:sp>
@@ -3890,7 +4033,7 @@
           <a:p>
             <a:fld id="{A776913D-A4F5-F444-9971-553A5E7763A0}" type="datetimeFigureOut">
               <a:rPr lang="ru-RU" smtClean="0"/>
-              <a:t>08.10.2023</a:t>
+              <a:t>10.10.2023</a:t>
             </a:fld>
             <a:endParaRPr lang="ru-RU"/>
           </a:p>
@@ -4231,7 +4374,7 @@
           <a:p>
             <a:fld id="{77669088-726E-B347-BDED-3A10A6F76EA6}" type="slidenum">
               <a:rPr lang="ru-RU" smtClean="0"/>
-              <a:t>17</a:t>
+              <a:t>20</a:t>
             </a:fld>
             <a:endParaRPr lang="ru-RU"/>
           </a:p>
@@ -4397,7 +4540,7 @@
           <a:p>
             <a:fld id="{F59E3287-5037-7C4F-A23B-1B38E54AB8A2}" type="datetimeFigureOut">
               <a:rPr lang="ru-RU" smtClean="0"/>
-              <a:t>08.10.2023</a:t>
+              <a:t>10.10.2023</a:t>
             </a:fld>
             <a:endParaRPr lang="ru-RU"/>
           </a:p>
@@ -4595,7 +4738,7 @@
           <a:p>
             <a:fld id="{F59E3287-5037-7C4F-A23B-1B38E54AB8A2}" type="datetimeFigureOut">
               <a:rPr lang="ru-RU" smtClean="0"/>
-              <a:t>08.10.2023</a:t>
+              <a:t>10.10.2023</a:t>
             </a:fld>
             <a:endParaRPr lang="ru-RU"/>
           </a:p>
@@ -4803,7 +4946,7 @@
           <a:p>
             <a:fld id="{F59E3287-5037-7C4F-A23B-1B38E54AB8A2}" type="datetimeFigureOut">
               <a:rPr lang="ru-RU" smtClean="0"/>
-              <a:t>08.10.2023</a:t>
+              <a:t>10.10.2023</a:t>
             </a:fld>
             <a:endParaRPr lang="ru-RU"/>
           </a:p>
@@ -5657,7 +5800,7 @@
           <a:p>
             <a:fld id="{F59E3287-5037-7C4F-A23B-1B38E54AB8A2}" type="datetimeFigureOut">
               <a:rPr lang="ru-RU" smtClean="0"/>
-              <a:t>08.10.2023</a:t>
+              <a:t>10.10.2023</a:t>
             </a:fld>
             <a:endParaRPr lang="ru-RU"/>
           </a:p>
@@ -5932,7 +6075,7 @@
           <a:p>
             <a:fld id="{F59E3287-5037-7C4F-A23B-1B38E54AB8A2}" type="datetimeFigureOut">
               <a:rPr lang="ru-RU" smtClean="0"/>
-              <a:t>08.10.2023</a:t>
+              <a:t>10.10.2023</a:t>
             </a:fld>
             <a:endParaRPr lang="ru-RU"/>
           </a:p>
@@ -6197,7 +6340,7 @@
           <a:p>
             <a:fld id="{F59E3287-5037-7C4F-A23B-1B38E54AB8A2}" type="datetimeFigureOut">
               <a:rPr lang="ru-RU" smtClean="0"/>
-              <a:t>08.10.2023</a:t>
+              <a:t>10.10.2023</a:t>
             </a:fld>
             <a:endParaRPr lang="ru-RU"/>
           </a:p>
@@ -6609,7 +6752,7 @@
           <a:p>
             <a:fld id="{F59E3287-5037-7C4F-A23B-1B38E54AB8A2}" type="datetimeFigureOut">
               <a:rPr lang="ru-RU" smtClean="0"/>
-              <a:t>08.10.2023</a:t>
+              <a:t>10.10.2023</a:t>
             </a:fld>
             <a:endParaRPr lang="ru-RU"/>
           </a:p>
@@ -6750,7 +6893,7 @@
           <a:p>
             <a:fld id="{F59E3287-5037-7C4F-A23B-1B38E54AB8A2}" type="datetimeFigureOut">
               <a:rPr lang="ru-RU" smtClean="0"/>
-              <a:t>08.10.2023</a:t>
+              <a:t>10.10.2023</a:t>
             </a:fld>
             <a:endParaRPr lang="ru-RU"/>
           </a:p>
@@ -6863,7 +7006,7 @@
           <a:p>
             <a:fld id="{F59E3287-5037-7C4F-A23B-1B38E54AB8A2}" type="datetimeFigureOut">
               <a:rPr lang="ru-RU" smtClean="0"/>
-              <a:t>08.10.2023</a:t>
+              <a:t>10.10.2023</a:t>
             </a:fld>
             <a:endParaRPr lang="ru-RU"/>
           </a:p>
@@ -7174,7 +7317,7 @@
           <a:p>
             <a:fld id="{F59E3287-5037-7C4F-A23B-1B38E54AB8A2}" type="datetimeFigureOut">
               <a:rPr lang="ru-RU" smtClean="0"/>
-              <a:t>08.10.2023</a:t>
+              <a:t>10.10.2023</a:t>
             </a:fld>
             <a:endParaRPr lang="ru-RU"/>
           </a:p>
@@ -7462,7 +7605,7 @@
           <a:p>
             <a:fld id="{F59E3287-5037-7C4F-A23B-1B38E54AB8A2}" type="datetimeFigureOut">
               <a:rPr lang="ru-RU" smtClean="0"/>
-              <a:t>08.10.2023</a:t>
+              <a:t>10.10.2023</a:t>
             </a:fld>
             <a:endParaRPr lang="ru-RU"/>
           </a:p>
@@ -7703,7 +7846,7 @@
           <a:p>
             <a:fld id="{F59E3287-5037-7C4F-A23B-1B38E54AB8A2}" type="datetimeFigureOut">
               <a:rPr lang="ru-RU" smtClean="0"/>
-              <a:t>08.10.2023</a:t>
+              <a:t>10.10.2023</a:t>
             </a:fld>
             <a:endParaRPr lang="ru-RU"/>
           </a:p>
@@ -8141,8 +8284,8 @@
         </p:nvSpPr>
         <p:spPr>
           <a:xfrm>
-            <a:off x="1178312" y="1559023"/>
-            <a:ext cx="10161820" cy="1800672"/>
+            <a:off x="7107914" y="2528664"/>
+            <a:ext cx="5055238" cy="1800672"/>
           </a:xfrm>
         </p:spPr>
         <p:txBody>
@@ -8195,7 +8338,7 @@
         </p:nvSpPr>
         <p:spPr>
           <a:xfrm>
-            <a:off x="4653363" y="6397332"/>
+            <a:off x="8165189" y="5960010"/>
             <a:ext cx="2940689" cy="461963"/>
           </a:xfrm>
         </p:spPr>
@@ -8328,55 +8471,13 @@
         </p:blipFill>
         <p:spPr bwMode="auto">
           <a:xfrm>
-            <a:off x="0" y="3375775"/>
-            <a:ext cx="4775200" cy="3499600"/>
+            <a:off x="-1" y="1627682"/>
+            <a:ext cx="7136763" cy="5230318"/>
           </a:xfrm>
           <a:prstGeom prst="rect">
             <a:avLst/>
           </a:prstGeom>
           <a:noFill/>
-          <a:ln>
-            <a:noFill/>
-          </a:ln>
-        </p:spPr>
-      </p:pic>
-      <p:pic>
-        <p:nvPicPr>
-          <p:cNvPr id="7" name="Picture 6" descr="Рефакторь это. Наша команда перманентно пополняется, и… | by KODE | appkode  | Medium">
-            <a:extLst>
-              <a:ext uri="{FF2B5EF4-FFF2-40B4-BE49-F238E27FC236}">
-                <a16:creationId xmlns:a16="http://schemas.microsoft.com/office/drawing/2014/main" id="{85CA91DC-89DE-F712-800D-5A4379F4138F}"/>
-              </a:ext>
-            </a:extLst>
-          </p:cNvPr>
-          <p:cNvPicPr>
-            <a:picLocks noChangeAspect="1" noChangeArrowheads="1"/>
-          </p:cNvPicPr>
-          <p:nvPr/>
-        </p:nvPicPr>
-        <p:blipFill>
-          <a:blip r:embed="rId5">
-            <a:extLst>
-              <a:ext uri="{28A0092B-C50C-407E-A947-70E740481C1C}">
-                <a14:useLocalDpi xmlns:a14="http://schemas.microsoft.com/office/drawing/2010/main" val="0"/>
-              </a:ext>
-            </a:extLst>
-          </a:blip>
-          <a:stretch>
-            <a:fillRect/>
-          </a:stretch>
-        </p:blipFill>
-        <p:spPr bwMode="auto">
-          <a:xfrm>
-            <a:off x="7641997" y="3429000"/>
-            <a:ext cx="4550004" cy="3458003"/>
-          </a:xfrm>
-          <a:prstGeom prst="rect">
-            <a:avLst/>
-          </a:prstGeom>
-          <a:solidFill>
-            <a:srgbClr val="FFFFFF"/>
-          </a:solidFill>
           <a:ln>
             <a:noFill/>
           </a:ln>
@@ -8396,6 +8497,417 @@
 </file>
 
 <file path=ppt/slides/slide10.xml><?xml version="1.0" encoding="utf-8"?>
+<p:sld xmlns:a="http://schemas.openxmlformats.org/drawingml/2006/main" xmlns:r="http://schemas.openxmlformats.org/officeDocument/2006/relationships" xmlns:p="http://schemas.openxmlformats.org/presentationml/2006/main">
+  <p:cSld>
+    <p:spTree>
+      <p:nvGrpSpPr>
+        <p:cNvPr id="1" name=""/>
+        <p:cNvGrpSpPr/>
+        <p:nvPr/>
+      </p:nvGrpSpPr>
+      <p:grpSpPr>
+        <a:xfrm>
+          <a:off x="0" y="0"/>
+          <a:ext cx="0" cy="0"/>
+          <a:chOff x="0" y="0"/>
+          <a:chExt cx="0" cy="0"/>
+        </a:xfrm>
+      </p:grpSpPr>
+      <p:sp>
+        <p:nvSpPr>
+          <p:cNvPr id="2" name="Заголовок 1">
+            <a:extLst>
+              <a:ext uri="{FF2B5EF4-FFF2-40B4-BE49-F238E27FC236}">
+                <a16:creationId xmlns:a16="http://schemas.microsoft.com/office/drawing/2014/main" id="{DEF89290-FA85-CEFE-C45C-1EF1AB70E406}"/>
+              </a:ext>
+            </a:extLst>
+          </p:cNvPr>
+          <p:cNvSpPr>
+            <a:spLocks noGrp="1"/>
+          </p:cNvSpPr>
+          <p:nvPr>
+            <p:ph type="title"/>
+          </p:nvPr>
+        </p:nvSpPr>
+        <p:spPr>
+          <a:xfrm>
+            <a:off x="838200" y="318946"/>
+            <a:ext cx="10515600" cy="835602"/>
+          </a:xfrm>
+        </p:spPr>
+        <p:txBody>
+          <a:bodyPr/>
+          <a:lstStyle/>
+          <a:p>
+            <a:r>
+              <a:rPr lang="ru-RU" dirty="0"/>
+              <a:t>Кто проводит ревью?</a:t>
+            </a:r>
+          </a:p>
+        </p:txBody>
+      </p:sp>
+      <p:sp>
+        <p:nvSpPr>
+          <p:cNvPr id="3" name="Объект 2">
+            <a:extLst>
+              <a:ext uri="{FF2B5EF4-FFF2-40B4-BE49-F238E27FC236}">
+                <a16:creationId xmlns:a16="http://schemas.microsoft.com/office/drawing/2014/main" id="{1C0927F9-F8F0-F255-A851-E36844A572A6}"/>
+              </a:ext>
+            </a:extLst>
+          </p:cNvPr>
+          <p:cNvSpPr>
+            <a:spLocks noGrp="1"/>
+          </p:cNvSpPr>
+          <p:nvPr>
+            <p:ph idx="1"/>
+          </p:nvPr>
+        </p:nvSpPr>
+        <p:spPr>
+          <a:xfrm>
+            <a:off x="838200" y="1200728"/>
+            <a:ext cx="10515600" cy="5421745"/>
+          </a:xfrm>
+        </p:spPr>
+        <p:txBody>
+          <a:bodyPr>
+            <a:normAutofit fontScale="85000" lnSpcReduction="20000"/>
+          </a:bodyPr>
+          <a:lstStyle/>
+          <a:p>
+            <a:r>
+              <a:rPr lang="ru-RU" dirty="0"/>
+              <a:t>Ведущие разработчики (тех. лиды)</a:t>
+            </a:r>
+          </a:p>
+          <a:p>
+            <a:pPr lvl="1" eaLnBrk="0" hangingPunct="0">
+              <a:lnSpc>
+                <a:spcPct val="120000"/>
+              </a:lnSpc>
+              <a:spcBef>
+                <a:spcPts val="0"/>
+              </a:spcBef>
+              <a:defRPr/>
+            </a:pPr>
+            <a:r>
+              <a:rPr lang="ru-RU" dirty="0">
+                <a:solidFill>
+                  <a:schemeClr val="accent6">
+                    <a:lumMod val="50000"/>
+                  </a:schemeClr>
+                </a:solidFill>
+              </a:rPr>
+              <a:t>Одинаковые требования / Единообразие кода</a:t>
+            </a:r>
+          </a:p>
+          <a:p>
+            <a:pPr lvl="1" eaLnBrk="0" hangingPunct="0">
+              <a:lnSpc>
+                <a:spcPct val="120000"/>
+              </a:lnSpc>
+              <a:spcBef>
+                <a:spcPts val="0"/>
+              </a:spcBef>
+              <a:defRPr/>
+            </a:pPr>
+            <a:r>
+              <a:rPr lang="ru-RU" dirty="0">
+                <a:solidFill>
+                  <a:schemeClr val="accent6">
+                    <a:lumMod val="50000"/>
+                  </a:schemeClr>
+                </a:solidFill>
+              </a:rPr>
+              <a:t>Гуру делится опытом</a:t>
+            </a:r>
+          </a:p>
+          <a:p>
+            <a:pPr lvl="1" eaLnBrk="0" hangingPunct="0">
+              <a:lnSpc>
+                <a:spcPct val="120000"/>
+              </a:lnSpc>
+              <a:spcBef>
+                <a:spcPts val="0"/>
+              </a:spcBef>
+              <a:defRPr/>
+            </a:pPr>
+            <a:r>
+              <a:rPr lang="ru-RU" dirty="0">
+                <a:solidFill>
+                  <a:schemeClr val="accent6">
+                    <a:lumMod val="50000"/>
+                  </a:schemeClr>
+                </a:solidFill>
+              </a:rPr>
+              <a:t>Более качественные рекомендации</a:t>
+            </a:r>
+          </a:p>
+          <a:p>
+            <a:pPr lvl="1">
+              <a:lnSpc>
+                <a:spcPct val="120000"/>
+              </a:lnSpc>
+              <a:spcBef>
+                <a:spcPts val="0"/>
+              </a:spcBef>
+            </a:pPr>
+            <a:r>
+              <a:rPr lang="ru-RU" dirty="0">
+                <a:solidFill>
+                  <a:srgbClr val="C00000"/>
+                </a:solidFill>
+              </a:rPr>
+              <a:t>Люди перегружаются работой</a:t>
+            </a:r>
+          </a:p>
+          <a:p>
+            <a:pPr lvl="1">
+              <a:lnSpc>
+                <a:spcPct val="120000"/>
+              </a:lnSpc>
+              <a:spcBef>
+                <a:spcPts val="0"/>
+              </a:spcBef>
+            </a:pPr>
+            <a:r>
+              <a:rPr lang="ru-RU" dirty="0">
+                <a:solidFill>
+                  <a:srgbClr val="C00000"/>
+                </a:solidFill>
+              </a:rPr>
+              <a:t>Не происходит обучения новичков на коде более опытных</a:t>
+            </a:r>
+          </a:p>
+          <a:p>
+            <a:pPr lvl="1">
+              <a:lnSpc>
+                <a:spcPct val="120000"/>
+              </a:lnSpc>
+              <a:spcBef>
+                <a:spcPts val="0"/>
+              </a:spcBef>
+            </a:pPr>
+            <a:r>
+              <a:rPr lang="ru-RU" dirty="0">
+                <a:solidFill>
+                  <a:srgbClr val="C00000"/>
+                </a:solidFill>
+              </a:rPr>
+              <a:t>Только выборочная проверка (т.к. мало времени)</a:t>
+            </a:r>
+          </a:p>
+          <a:p>
+            <a:pPr lvl="1">
+              <a:lnSpc>
+                <a:spcPct val="120000"/>
+              </a:lnSpc>
+              <a:spcBef>
+                <a:spcPts val="0"/>
+              </a:spcBef>
+            </a:pPr>
+            <a:r>
+              <a:rPr lang="ru-RU" dirty="0">
+                <a:solidFill>
+                  <a:srgbClr val="C00000"/>
+                </a:solidFill>
+              </a:rPr>
+              <a:t>Скорее всего долго ждать (т.к. опытные разработчики перегружены работой)</a:t>
+            </a:r>
+          </a:p>
+          <a:p>
+            <a:pPr lvl="1">
+              <a:lnSpc>
+                <a:spcPct val="120000"/>
+              </a:lnSpc>
+              <a:spcBef>
+                <a:spcPts val="0"/>
+              </a:spcBef>
+            </a:pPr>
+            <a:r>
+              <a:rPr lang="ru-RU" dirty="0">
+                <a:solidFill>
+                  <a:srgbClr val="C00000"/>
+                </a:solidFill>
+              </a:rPr>
+              <a:t>Более важные задачи в приоритете, на ревью зачастую не хватает времени</a:t>
+            </a:r>
+          </a:p>
+          <a:p>
+            <a:r>
+              <a:rPr lang="ru-RU" dirty="0"/>
+              <a:t>Ответственные за данный модуль / компонент</a:t>
+            </a:r>
+          </a:p>
+          <a:p>
+            <a:pPr lvl="1">
+              <a:lnSpc>
+                <a:spcPct val="120000"/>
+              </a:lnSpc>
+              <a:spcBef>
+                <a:spcPts val="0"/>
+              </a:spcBef>
+            </a:pPr>
+            <a:r>
+              <a:rPr lang="ru-RU" dirty="0">
+                <a:solidFill>
+                  <a:schemeClr val="accent6">
+                    <a:lumMod val="50000"/>
+                  </a:schemeClr>
+                </a:solidFill>
+              </a:rPr>
+              <a:t>Единообразный код / подходы в модуле</a:t>
+            </a:r>
+          </a:p>
+          <a:p>
+            <a:pPr lvl="1">
+              <a:lnSpc>
+                <a:spcPct val="120000"/>
+              </a:lnSpc>
+              <a:spcBef>
+                <a:spcPts val="0"/>
+              </a:spcBef>
+            </a:pPr>
+            <a:r>
+              <a:rPr lang="ru-RU" dirty="0">
+                <a:solidFill>
+                  <a:schemeClr val="accent6">
+                    <a:lumMod val="50000"/>
+                  </a:schemeClr>
+                </a:solidFill>
+              </a:rPr>
+              <a:t>Мейнтейнер хорошо понимает свой код / модули и за него болеет</a:t>
+            </a:r>
+          </a:p>
+          <a:p>
+            <a:pPr lvl="1">
+              <a:lnSpc>
+                <a:spcPct val="120000"/>
+              </a:lnSpc>
+              <a:spcBef>
+                <a:spcPts val="0"/>
+              </a:spcBef>
+            </a:pPr>
+            <a:r>
+              <a:rPr lang="ru-RU" dirty="0">
+                <a:solidFill>
+                  <a:srgbClr val="C00000"/>
+                </a:solidFill>
+              </a:rPr>
+              <a:t>А как же </a:t>
+            </a:r>
+            <a:r>
+              <a:rPr lang="en-US" dirty="0">
+                <a:solidFill>
+                  <a:srgbClr val="C00000"/>
+                </a:solidFill>
+              </a:rPr>
+              <a:t>«</a:t>
+            </a:r>
+            <a:r>
+              <a:rPr lang="ru-RU" dirty="0">
+                <a:solidFill>
+                  <a:srgbClr val="C00000"/>
+                </a:solidFill>
+              </a:rPr>
+              <a:t>совместное владение кодом</a:t>
+            </a:r>
+            <a:r>
+              <a:rPr lang="en-US" dirty="0">
+                <a:solidFill>
+                  <a:srgbClr val="C00000"/>
+                </a:solidFill>
+              </a:rPr>
+              <a:t>»?</a:t>
+            </a:r>
+            <a:endParaRPr lang="ru-RU" dirty="0">
+              <a:solidFill>
+                <a:srgbClr val="C00000"/>
+              </a:solidFill>
+            </a:endParaRPr>
+          </a:p>
+          <a:p>
+            <a:r>
+              <a:rPr lang="ru-RU" b="1" dirty="0"/>
+              <a:t>Любые разработчики</a:t>
+            </a:r>
+          </a:p>
+          <a:p>
+            <a:pPr lvl="1">
+              <a:lnSpc>
+                <a:spcPct val="120000"/>
+              </a:lnSpc>
+              <a:spcBef>
+                <a:spcPts val="0"/>
+              </a:spcBef>
+            </a:pPr>
+            <a:r>
+              <a:rPr lang="ru-RU" dirty="0">
+                <a:solidFill>
+                  <a:schemeClr val="accent6">
+                    <a:lumMod val="50000"/>
+                  </a:schemeClr>
+                </a:solidFill>
+              </a:rPr>
+              <a:t>Совместное владение кодом</a:t>
+            </a:r>
+          </a:p>
+          <a:p>
+            <a:pPr lvl="1">
+              <a:lnSpc>
+                <a:spcPct val="120000"/>
+              </a:lnSpc>
+              <a:spcBef>
+                <a:spcPts val="0"/>
+              </a:spcBef>
+            </a:pPr>
+            <a:r>
+              <a:rPr lang="ru-RU" dirty="0">
+                <a:solidFill>
+                  <a:schemeClr val="accent6">
+                    <a:lumMod val="50000"/>
+                  </a:schemeClr>
+                </a:solidFill>
+              </a:rPr>
+              <a:t>Взаимо-обучение, обмен опытом, люди лучше понимают систему целиком</a:t>
+            </a:r>
+          </a:p>
+          <a:p>
+            <a:pPr lvl="1">
+              <a:lnSpc>
+                <a:spcPct val="120000"/>
+              </a:lnSpc>
+              <a:spcBef>
+                <a:spcPts val="0"/>
+              </a:spcBef>
+            </a:pPr>
+            <a:r>
+              <a:rPr lang="ru-RU" dirty="0">
+                <a:solidFill>
+                  <a:srgbClr val="C00000"/>
+                </a:solidFill>
+              </a:rPr>
+              <a:t>Не всегда глубокое / качественное ревью</a:t>
+            </a:r>
+          </a:p>
+          <a:p>
+            <a:endParaRPr lang="ru-RU" dirty="0"/>
+          </a:p>
+        </p:txBody>
+      </p:sp>
+    </p:spTree>
+    <p:extLst>
+      <p:ext uri="{BB962C8B-B14F-4D97-AF65-F5344CB8AC3E}">
+        <p14:creationId xmlns:p14="http://schemas.microsoft.com/office/powerpoint/2010/main" val="2447616303"/>
+      </p:ext>
+    </p:extLst>
+  </p:cSld>
+  <p:clrMapOvr>
+    <a:masterClrMapping/>
+  </p:clrMapOvr>
+</p:sld>
+</file>
+
+<file path=ppt/slides/slide11.xml><?xml version="1.0" encoding="utf-8"?>
 <p:sld xmlns:a="http://schemas.openxmlformats.org/drawingml/2006/main" xmlns:r="http://schemas.openxmlformats.org/officeDocument/2006/relationships" xmlns:p="http://schemas.openxmlformats.org/presentationml/2006/main">
   <p:cSld>
     <p:spTree>
@@ -8463,13 +8975,13 @@
         </p:nvSpPr>
         <p:spPr>
           <a:xfrm>
-            <a:off x="838199" y="1025911"/>
-            <a:ext cx="11112795" cy="5832089"/>
+            <a:off x="838199" y="1025912"/>
+            <a:ext cx="11112795" cy="5470582"/>
           </a:xfrm>
         </p:spPr>
         <p:txBody>
           <a:bodyPr>
-            <a:normAutofit fontScale="77500" lnSpcReduction="20000"/>
+            <a:normAutofit fontScale="85000" lnSpcReduction="20000"/>
           </a:bodyPr>
           <a:lstStyle/>
           <a:p>
@@ -8581,7 +9093,7 @@
             </a:pPr>
             <a:r>
               <a:rPr lang="ru-RU" dirty="0"/>
-              <a:t>Регулярные небольшие коммиты</a:t>
+              <a:t>Автоматизируем всё что можно</a:t>
             </a:r>
           </a:p>
           <a:p>
@@ -8595,7 +9107,7 @@
             </a:pPr>
             <a:r>
               <a:rPr lang="ru-RU" dirty="0"/>
-              <a:t>Атомарные коммиты, не смешиваем различные виды активностей (рефакторинг + новый код) в один коммит</a:t>
+              <a:t>Не пытаемся подменить человеком статический анализатор</a:t>
             </a:r>
           </a:p>
           <a:p>
@@ -8609,7 +9121,7 @@
             </a:pPr>
             <a:r>
               <a:rPr lang="ru-RU" dirty="0"/>
-              <a:t>Автоматизируем всё что можно</a:t>
+              <a:t>Ревью — это советы, а не приказы</a:t>
             </a:r>
           </a:p>
           <a:p>
@@ -8623,7 +9135,7 @@
             </a:pPr>
             <a:r>
               <a:rPr lang="ru-RU" dirty="0"/>
-              <a:t>Не пытаемся подменить человеком статический анализатор</a:t>
+              <a:t>Конечные решения всегда принимает автор кода!</a:t>
             </a:r>
           </a:p>
           <a:p>
@@ -8637,7 +9149,7 @@
             </a:pPr>
             <a:r>
               <a:rPr lang="ru-RU" dirty="0"/>
-              <a:t>Ревью — это советы, а не приказы</a:t>
+              <a:t>Ревью проходит код, а не автор!</a:t>
             </a:r>
           </a:p>
           <a:p>
@@ -8651,34 +9163,6 @@
             </a:pPr>
             <a:r>
               <a:rPr lang="ru-RU" dirty="0"/>
-              <a:t>Конечные решения всегда принимает автор кода!</a:t>
-            </a:r>
-          </a:p>
-          <a:p>
-            <a:pPr>
-              <a:lnSpc>
-                <a:spcPct val="120000"/>
-              </a:lnSpc>
-              <a:spcBef>
-                <a:spcPts val="400"/>
-              </a:spcBef>
-            </a:pPr>
-            <a:r>
-              <a:rPr lang="ru-RU" dirty="0"/>
-              <a:t>Ревью проходит код, а не автор!</a:t>
-            </a:r>
-          </a:p>
-          <a:p>
-            <a:pPr lvl="1">
-              <a:lnSpc>
-                <a:spcPct val="120000"/>
-              </a:lnSpc>
-              <a:spcBef>
-                <a:spcPts val="0"/>
-              </a:spcBef>
-            </a:pPr>
-            <a:r>
-              <a:rPr lang="ru-RU" dirty="0"/>
               <a:t>Никакого перехода на личности!</a:t>
             </a:r>
           </a:p>
@@ -8698,41 +9182,6 @@
           </a:p>
         </p:txBody>
       </p:sp>
-      <p:pic>
-        <p:nvPicPr>
-          <p:cNvPr id="4" name="Снимок экрана 2019-09-26 в 9.55.34.png" descr="Снимок экрана 2019-09-26 в 9.55.34.png">
-            <a:extLst>
-              <a:ext uri="{FF2B5EF4-FFF2-40B4-BE49-F238E27FC236}">
-                <a16:creationId xmlns:a16="http://schemas.microsoft.com/office/drawing/2014/main" id="{6FBE66DC-2E39-884C-AB7E-4907D77E4CCF}"/>
-              </a:ext>
-            </a:extLst>
-          </p:cNvPr>
-          <p:cNvPicPr>
-            <a:picLocks noChangeAspect="1"/>
-          </p:cNvPicPr>
-          <p:nvPr/>
-        </p:nvPicPr>
-        <p:blipFill rotWithShape="1">
-          <a:blip r:embed="rId2"/>
-          <a:srcRect r="28504" b="35860"/>
-          <a:stretch/>
-        </p:blipFill>
-        <p:spPr>
-          <a:xfrm>
-            <a:off x="8709103" y="0"/>
-            <a:ext cx="3482898" cy="2026476"/>
-          </a:xfrm>
-          <a:prstGeom prst="rect">
-            <a:avLst/>
-          </a:prstGeom>
-          <a:ln w="12700">
-            <a:solidFill>
-              <a:schemeClr val="accent1"/>
-            </a:solidFill>
-            <a:miter lim="400000"/>
-          </a:ln>
-        </p:spPr>
-      </p:pic>
     </p:spTree>
     <p:extLst>
       <p:ext uri="{BB962C8B-B14F-4D97-AF65-F5344CB8AC3E}">
@@ -8746,845 +9195,7 @@
 </p:sld>
 </file>
 
-<file path=ppt/slides/slide11.xml><?xml version="1.0" encoding="utf-8"?>
-<p:sld xmlns:a="http://schemas.openxmlformats.org/drawingml/2006/main" xmlns:r="http://schemas.openxmlformats.org/officeDocument/2006/relationships" xmlns:p="http://schemas.openxmlformats.org/presentationml/2006/main">
-  <p:cSld>
-    <p:spTree>
-      <p:nvGrpSpPr>
-        <p:cNvPr id="1" name=""/>
-        <p:cNvGrpSpPr/>
-        <p:nvPr/>
-      </p:nvGrpSpPr>
-      <p:grpSpPr>
-        <a:xfrm>
-          <a:off x="0" y="0"/>
-          <a:ext cx="0" cy="0"/>
-          <a:chOff x="0" y="0"/>
-          <a:chExt cx="0" cy="0"/>
-        </a:xfrm>
-      </p:grpSpPr>
-      <p:sp>
-        <p:nvSpPr>
-          <p:cNvPr id="2" name="Заголовок 1">
-            <a:extLst>
-              <a:ext uri="{FF2B5EF4-FFF2-40B4-BE49-F238E27FC236}">
-                <a16:creationId xmlns:a16="http://schemas.microsoft.com/office/drawing/2014/main" id="{660D38B2-D737-EA1D-419F-3BFCA5D9950E}"/>
-              </a:ext>
-            </a:extLst>
-          </p:cNvPr>
-          <p:cNvSpPr>
-            <a:spLocks noGrp="1"/>
-          </p:cNvSpPr>
-          <p:nvPr>
-            <p:ph type="title"/>
-          </p:nvPr>
-        </p:nvSpPr>
-        <p:spPr>
-          <a:xfrm>
-            <a:off x="838200" y="365125"/>
-            <a:ext cx="10515600" cy="1062231"/>
-          </a:xfrm>
-        </p:spPr>
-        <p:txBody>
-          <a:bodyPr>
-            <a:normAutofit/>
-          </a:bodyPr>
-          <a:lstStyle/>
-          <a:p>
-            <a:r>
-              <a:rPr lang="ru-RU" dirty="0"/>
-              <a:t>Уровни на которых анализируется код</a:t>
-            </a:r>
-          </a:p>
-        </p:txBody>
-      </p:sp>
-      <p:sp>
-        <p:nvSpPr>
-          <p:cNvPr id="3" name="Объект 2">
-            <a:extLst>
-              <a:ext uri="{FF2B5EF4-FFF2-40B4-BE49-F238E27FC236}">
-                <a16:creationId xmlns:a16="http://schemas.microsoft.com/office/drawing/2014/main" id="{65CA4BB3-44E0-A98E-B29D-CB1B71325AB3}"/>
-              </a:ext>
-            </a:extLst>
-          </p:cNvPr>
-          <p:cNvSpPr>
-            <a:spLocks noGrp="1"/>
-          </p:cNvSpPr>
-          <p:nvPr>
-            <p:ph idx="1"/>
-          </p:nvPr>
-        </p:nvSpPr>
-        <p:spPr>
-          <a:xfrm>
-            <a:off x="838200" y="1427356"/>
-            <a:ext cx="10515600" cy="5218771"/>
-          </a:xfrm>
-        </p:spPr>
-        <p:txBody>
-          <a:bodyPr>
-            <a:normAutofit fontScale="85000" lnSpcReduction="10000"/>
-          </a:bodyPr>
-          <a:lstStyle/>
-          <a:p>
-            <a:pPr marL="0" indent="0">
-              <a:lnSpc>
-                <a:spcPct val="110000"/>
-              </a:lnSpc>
-              <a:buNone/>
-            </a:pPr>
-            <a:r>
-              <a:rPr lang="ru-RU" dirty="0"/>
-              <a:t>Код можно анализировать на различном уровне глубины / сложности:</a:t>
-            </a:r>
-          </a:p>
-          <a:p>
-            <a:pPr marL="360000" indent="-360000">
-              <a:lnSpc>
-                <a:spcPct val="110000"/>
-              </a:lnSpc>
-              <a:buFont typeface="+mj-lt"/>
-              <a:buAutoNum type="arabicPeriod"/>
-            </a:pPr>
-            <a:r>
-              <a:rPr lang="ru-RU" dirty="0"/>
-              <a:t>Стилистические замечания (пробелы, отступы и т.п.)</a:t>
-            </a:r>
-          </a:p>
-          <a:p>
-            <a:pPr lvl="1">
-              <a:lnSpc>
-                <a:spcPct val="110000"/>
-              </a:lnSpc>
-            </a:pPr>
-            <a:r>
-              <a:rPr lang="ru-RU" dirty="0"/>
-              <a:t>Лучше доверить статическим анализаторам</a:t>
-            </a:r>
-          </a:p>
-          <a:p>
-            <a:pPr marL="360000" indent="-360000">
-              <a:lnSpc>
-                <a:spcPct val="110000"/>
-              </a:lnSpc>
-              <a:buFont typeface="+mj-lt"/>
-              <a:buAutoNum type="arabicPeriod"/>
-            </a:pPr>
-            <a:r>
-              <a:rPr lang="ru-RU" dirty="0"/>
-              <a:t>Именования модулей / классов / методов / функций / переменных / файлов</a:t>
-            </a:r>
-          </a:p>
-          <a:p>
-            <a:pPr marL="360000" indent="-360000">
-              <a:lnSpc>
-                <a:spcPct val="110000"/>
-              </a:lnSpc>
-              <a:buFont typeface="+mj-lt"/>
-              <a:buAutoNum type="arabicPeriod"/>
-            </a:pPr>
-            <a:r>
-              <a:rPr lang="ru-RU" dirty="0"/>
-              <a:t>Расположение кода / правильная декомпозиция кода</a:t>
-            </a:r>
-          </a:p>
-          <a:p>
-            <a:pPr lvl="1">
-              <a:lnSpc>
-                <a:spcPct val="110000"/>
-              </a:lnSpc>
-            </a:pPr>
-            <a:r>
-              <a:rPr lang="ru-RU" dirty="0"/>
-              <a:t>Расположен ли код в нужном нужном классе / нужном модуле / нужном файле / папке</a:t>
-            </a:r>
-          </a:p>
-          <a:p>
-            <a:pPr marL="360000" indent="-360000">
-              <a:lnSpc>
-                <a:spcPct val="110000"/>
-              </a:lnSpc>
-              <a:buFont typeface="+mj-lt"/>
-              <a:buAutoNum type="arabicPeriod"/>
-            </a:pPr>
-            <a:r>
-              <a:rPr lang="ru-RU" dirty="0"/>
-              <a:t>А нужен ли вообще этот код?</a:t>
-            </a:r>
-          </a:p>
-          <a:p>
-            <a:pPr lvl="1">
-              <a:lnSpc>
-                <a:spcPct val="110000"/>
-              </a:lnSpc>
-            </a:pPr>
-            <a:r>
-              <a:rPr lang="ru-RU" dirty="0"/>
-              <a:t>Может быть такой код уже есть в проекте</a:t>
-            </a:r>
-          </a:p>
-          <a:p>
-            <a:pPr lvl="1">
-              <a:lnSpc>
-                <a:spcPct val="110000"/>
-              </a:lnSpc>
-            </a:pPr>
-            <a:r>
-              <a:rPr lang="ru-RU" dirty="0"/>
-              <a:t>Можно применить готовую библиотеку</a:t>
-            </a:r>
-          </a:p>
-          <a:p>
-            <a:pPr marL="360000" indent="-360000">
-              <a:lnSpc>
-                <a:spcPct val="110000"/>
-              </a:lnSpc>
-              <a:buFont typeface="+mj-lt"/>
-              <a:buAutoNum type="arabicPeriod"/>
-            </a:pPr>
-            <a:r>
-              <a:rPr lang="ru-RU" dirty="0"/>
-              <a:t>Алгоритмы / подходы / архитектура / </a:t>
-            </a:r>
-            <a:r>
-              <a:rPr lang="en-US" dirty="0"/>
-              <a:t>code design</a:t>
-            </a:r>
-            <a:endParaRPr lang="ru-RU" dirty="0"/>
-          </a:p>
-          <a:p>
-            <a:pPr marL="0" indent="0">
-              <a:lnSpc>
-                <a:spcPct val="110000"/>
-              </a:lnSpc>
-              <a:spcBef>
-                <a:spcPts val="2000"/>
-              </a:spcBef>
-              <a:buNone/>
-            </a:pPr>
-            <a:r>
-              <a:rPr lang="ru-RU" dirty="0"/>
-              <a:t>В идеале — </a:t>
-            </a:r>
-            <a:r>
-              <a:rPr lang="ru-RU" b="1" dirty="0">
-                <a:solidFill>
-                  <a:schemeClr val="accent6">
-                    <a:lumMod val="50000"/>
-                  </a:schemeClr>
-                </a:solidFill>
-              </a:rPr>
-              <a:t>двигаться от сложного к простому</a:t>
-            </a:r>
-            <a:r>
-              <a:rPr lang="ru-RU" dirty="0"/>
-              <a:t>!</a:t>
-            </a:r>
-          </a:p>
-        </p:txBody>
-      </p:sp>
-    </p:spTree>
-    <p:extLst>
-      <p:ext uri="{BB962C8B-B14F-4D97-AF65-F5344CB8AC3E}">
-        <p14:creationId xmlns:p14="http://schemas.microsoft.com/office/powerpoint/2010/main" val="2375831297"/>
-      </p:ext>
-    </p:extLst>
-  </p:cSld>
-  <p:clrMapOvr>
-    <a:masterClrMapping/>
-  </p:clrMapOvr>
-</p:sld>
-</file>
-
 <file path=ppt/slides/slide12.xml><?xml version="1.0" encoding="utf-8"?>
-<p:sld xmlns:a="http://schemas.openxmlformats.org/drawingml/2006/main" xmlns:r="http://schemas.openxmlformats.org/officeDocument/2006/relationships" xmlns:p="http://schemas.openxmlformats.org/presentationml/2006/main">
-  <p:cSld>
-    <p:spTree>
-      <p:nvGrpSpPr>
-        <p:cNvPr id="1" name=""/>
-        <p:cNvGrpSpPr/>
-        <p:nvPr/>
-      </p:nvGrpSpPr>
-      <p:grpSpPr>
-        <a:xfrm>
-          <a:off x="0" y="0"/>
-          <a:ext cx="0" cy="0"/>
-          <a:chOff x="0" y="0"/>
-          <a:chExt cx="0" cy="0"/>
-        </a:xfrm>
-      </p:grpSpPr>
-      <p:sp>
-        <p:nvSpPr>
-          <p:cNvPr id="2" name="Заголовок 1">
-            <a:extLst>
-              <a:ext uri="{FF2B5EF4-FFF2-40B4-BE49-F238E27FC236}">
-                <a16:creationId xmlns:a16="http://schemas.microsoft.com/office/drawing/2014/main" id="{88B27B1D-C4D9-F869-4C5C-D13DBD0044F4}"/>
-              </a:ext>
-            </a:extLst>
-          </p:cNvPr>
-          <p:cNvSpPr>
-            <a:spLocks noGrp="1"/>
-          </p:cNvSpPr>
-          <p:nvPr>
-            <p:ph type="title"/>
-          </p:nvPr>
-        </p:nvSpPr>
-        <p:spPr>
-          <a:xfrm>
-            <a:off x="838200" y="365126"/>
-            <a:ext cx="10515600" cy="1073382"/>
-          </a:xfrm>
-        </p:spPr>
-        <p:txBody>
-          <a:bodyPr/>
-          <a:lstStyle/>
-          <a:p>
-            <a:r>
-              <a:rPr lang="ru-RU" dirty="0"/>
-              <a:t>Что не надо делать?</a:t>
-            </a:r>
-          </a:p>
-        </p:txBody>
-      </p:sp>
-      <p:sp>
-        <p:nvSpPr>
-          <p:cNvPr id="3" name="Объект 2">
-            <a:extLst>
-              <a:ext uri="{FF2B5EF4-FFF2-40B4-BE49-F238E27FC236}">
-                <a16:creationId xmlns:a16="http://schemas.microsoft.com/office/drawing/2014/main" id="{B3308DF9-3E51-2886-2941-27118E5EC7D4}"/>
-              </a:ext>
-            </a:extLst>
-          </p:cNvPr>
-          <p:cNvSpPr>
-            <a:spLocks noGrp="1"/>
-          </p:cNvSpPr>
-          <p:nvPr>
-            <p:ph idx="1"/>
-          </p:nvPr>
-        </p:nvSpPr>
-        <p:spPr>
-          <a:xfrm>
-            <a:off x="838200" y="1524541"/>
-            <a:ext cx="10515600" cy="4968333"/>
-          </a:xfrm>
-        </p:spPr>
-        <p:txBody>
-          <a:bodyPr>
-            <a:normAutofit fontScale="92500" lnSpcReduction="20000"/>
-          </a:bodyPr>
-          <a:lstStyle/>
-          <a:p>
-            <a:r>
-              <a:rPr lang="ru-RU" dirty="0"/>
-              <a:t>Не придумывать проблем (не высасывать из пальца)</a:t>
-            </a:r>
-          </a:p>
-          <a:p>
-            <a:r>
-              <a:rPr lang="ru-RU" dirty="0"/>
-              <a:t>Не запускать и не тестить код</a:t>
-            </a:r>
-          </a:p>
-          <a:p>
-            <a:pPr lvl="1">
-              <a:lnSpc>
-                <a:spcPct val="120000"/>
-              </a:lnSpc>
-              <a:spcBef>
-                <a:spcPts val="0"/>
-              </a:spcBef>
-            </a:pPr>
-            <a:r>
-              <a:rPr lang="ru-RU" dirty="0"/>
-              <a:t>Отнимает время, может не завестись, за это отвечают автотесты / отдел тестирования</a:t>
-            </a:r>
-          </a:p>
-          <a:p>
-            <a:r>
-              <a:rPr lang="ru-RU" dirty="0"/>
-              <a:t>Не выполнять статический анализ</a:t>
-            </a:r>
-          </a:p>
-          <a:p>
-            <a:r>
-              <a:rPr lang="ru-RU" dirty="0"/>
-              <a:t>Не перекладывать ответственность</a:t>
-            </a:r>
-          </a:p>
-          <a:p>
-            <a:pPr lvl="1">
-              <a:lnSpc>
-                <a:spcPct val="120000"/>
-              </a:lnSpc>
-              <a:spcBef>
-                <a:spcPts val="0"/>
-              </a:spcBef>
-            </a:pPr>
-            <a:r>
-              <a:rPr lang="ru-RU" dirty="0"/>
-              <a:t>За код несёт ответственность разработчик!</a:t>
-            </a:r>
-          </a:p>
-          <a:p>
-            <a:pPr lvl="1">
-              <a:lnSpc>
-                <a:spcPct val="120000"/>
-              </a:lnSpc>
-              <a:spcBef>
-                <a:spcPts val="0"/>
-              </a:spcBef>
-            </a:pPr>
-            <a:r>
-              <a:rPr lang="ru-RU" dirty="0"/>
-              <a:t>Ревью — это </a:t>
-            </a:r>
-            <a:r>
-              <a:rPr lang="en-US" dirty="0"/>
-              <a:t>«</a:t>
-            </a:r>
-            <a:r>
-              <a:rPr lang="ru-RU" dirty="0"/>
-              <a:t>дружеский совет</a:t>
-            </a:r>
-            <a:r>
-              <a:rPr lang="en-US" dirty="0"/>
-              <a:t>»</a:t>
-            </a:r>
-          </a:p>
-          <a:p>
-            <a:r>
-              <a:rPr lang="ru-RU" dirty="0"/>
-              <a:t>Не вступать в дискуссии</a:t>
-            </a:r>
-          </a:p>
-          <a:p>
-            <a:pPr lvl="1">
-              <a:lnSpc>
-                <a:spcPct val="120000"/>
-              </a:lnSpc>
-              <a:spcBef>
-                <a:spcPts val="0"/>
-              </a:spcBef>
-            </a:pPr>
-            <a:r>
-              <a:rPr lang="ru-RU" dirty="0"/>
-              <a:t>Не нужна война в комментариях</a:t>
-            </a:r>
-          </a:p>
-          <a:p>
-            <a:pPr lvl="1">
-              <a:lnSpc>
-                <a:spcPct val="120000"/>
-              </a:lnSpc>
-              <a:spcBef>
-                <a:spcPts val="0"/>
-              </a:spcBef>
-            </a:pPr>
-            <a:r>
-              <a:rPr lang="ru-RU" dirty="0"/>
-              <a:t>Можно только что-то уточнить, но не спорить!</a:t>
-            </a:r>
-          </a:p>
-          <a:p>
-            <a:r>
-              <a:rPr lang="ru-RU" dirty="0"/>
-              <a:t>Не перегружать опытных сотрудников (</a:t>
-            </a:r>
-            <a:r>
-              <a:rPr lang="ru-RU" dirty="0" err="1"/>
-              <a:t>тим</a:t>
-            </a:r>
-            <a:r>
-              <a:rPr lang="ru-RU" dirty="0"/>
-              <a:t>/тех-лидов)</a:t>
-            </a:r>
-          </a:p>
-          <a:p>
-            <a:r>
-              <a:rPr lang="ru-RU" dirty="0"/>
-              <a:t>Не переходить на личности (токсичность атмосферы)</a:t>
-            </a:r>
-          </a:p>
-        </p:txBody>
-      </p:sp>
-    </p:spTree>
-    <p:extLst>
-      <p:ext uri="{BB962C8B-B14F-4D97-AF65-F5344CB8AC3E}">
-        <p14:creationId xmlns:p14="http://schemas.microsoft.com/office/powerpoint/2010/main" val="3089336602"/>
-      </p:ext>
-    </p:extLst>
-  </p:cSld>
-  <p:clrMapOvr>
-    <a:masterClrMapping/>
-  </p:clrMapOvr>
-</p:sld>
-</file>
-
-<file path=ppt/slides/slide13.xml><?xml version="1.0" encoding="utf-8"?>
-<p:sld xmlns:a="http://schemas.openxmlformats.org/drawingml/2006/main" xmlns:r="http://schemas.openxmlformats.org/officeDocument/2006/relationships" xmlns:p="http://schemas.openxmlformats.org/presentationml/2006/main">
-  <p:cSld>
-    <p:spTree>
-      <p:nvGrpSpPr>
-        <p:cNvPr id="1" name=""/>
-        <p:cNvGrpSpPr/>
-        <p:nvPr/>
-      </p:nvGrpSpPr>
-      <p:grpSpPr>
-        <a:xfrm>
-          <a:off x="0" y="0"/>
-          <a:ext cx="0" cy="0"/>
-          <a:chOff x="0" y="0"/>
-          <a:chExt cx="0" cy="0"/>
-        </a:xfrm>
-      </p:grpSpPr>
-      <p:sp>
-        <p:nvSpPr>
-          <p:cNvPr id="2" name="Заголовок 1">
-            <a:extLst>
-              <a:ext uri="{FF2B5EF4-FFF2-40B4-BE49-F238E27FC236}">
-                <a16:creationId xmlns:a16="http://schemas.microsoft.com/office/drawing/2014/main" id="{BDCA7434-0E2C-D066-E087-235DF683D19D}"/>
-              </a:ext>
-            </a:extLst>
-          </p:cNvPr>
-          <p:cNvSpPr>
-            <a:spLocks noGrp="1"/>
-          </p:cNvSpPr>
-          <p:nvPr>
-            <p:ph type="title"/>
-          </p:nvPr>
-        </p:nvSpPr>
-        <p:spPr>
-          <a:xfrm>
-            <a:off x="838200" y="365125"/>
-            <a:ext cx="10515600" cy="894963"/>
-          </a:xfrm>
-        </p:spPr>
-        <p:txBody>
-          <a:bodyPr/>
-          <a:lstStyle/>
-          <a:p>
-            <a:r>
-              <a:rPr lang="ru-RU" dirty="0"/>
-              <a:t>Формулировки дефектов / комментариев</a:t>
-            </a:r>
-          </a:p>
-        </p:txBody>
-      </p:sp>
-      <p:sp>
-        <p:nvSpPr>
-          <p:cNvPr id="3" name="Объект 2">
-            <a:extLst>
-              <a:ext uri="{FF2B5EF4-FFF2-40B4-BE49-F238E27FC236}">
-                <a16:creationId xmlns:a16="http://schemas.microsoft.com/office/drawing/2014/main" id="{775DAEF5-8640-09A5-B512-0004CC23E97E}"/>
-              </a:ext>
-            </a:extLst>
-          </p:cNvPr>
-          <p:cNvSpPr>
-            <a:spLocks noGrp="1"/>
-          </p:cNvSpPr>
-          <p:nvPr>
-            <p:ph idx="1"/>
-          </p:nvPr>
-        </p:nvSpPr>
-        <p:spPr>
-          <a:xfrm>
-            <a:off x="334537" y="1390727"/>
-            <a:ext cx="5687121" cy="5199644"/>
-          </a:xfrm>
-        </p:spPr>
-        <p:txBody>
-          <a:bodyPr>
-            <a:normAutofit/>
-          </a:bodyPr>
-          <a:lstStyle/>
-          <a:p>
-            <a:pPr marL="0" indent="0">
-              <a:lnSpc>
-                <a:spcPct val="100000"/>
-              </a:lnSpc>
-              <a:buNone/>
-            </a:pPr>
-            <a:r>
-              <a:rPr lang="ru-RU" sz="2000" dirty="0"/>
-              <a:t>Используем </a:t>
-            </a:r>
-            <a:r>
-              <a:rPr lang="ru-RU" sz="2000" b="1" dirty="0"/>
-              <a:t>уважительные формулировки,</a:t>
-            </a:r>
-            <a:r>
-              <a:rPr lang="ru-RU" sz="2000" dirty="0"/>
-              <a:t> не переходим на личности,</a:t>
-            </a:r>
-            <a:br>
-              <a:rPr lang="ru-RU" sz="2000" dirty="0"/>
-            </a:br>
-            <a:r>
-              <a:rPr lang="ru-RU" sz="2000" b="1" dirty="0"/>
-              <a:t>не используем оскорбительных формулировок</a:t>
-            </a:r>
-            <a:r>
-              <a:rPr lang="ru-RU" sz="2000" dirty="0"/>
-              <a:t>, чтобы </a:t>
-            </a:r>
-            <a:r>
-              <a:rPr lang="ru-RU" sz="2000" b="1" dirty="0"/>
-              <a:t>не демотивировать разработчиков</a:t>
-            </a:r>
-            <a:r>
-              <a:rPr lang="ru-RU" sz="2000" dirty="0"/>
-              <a:t> и избежать конфликтов.</a:t>
-            </a:r>
-          </a:p>
-          <a:p>
-            <a:pPr>
-              <a:lnSpc>
-                <a:spcPct val="100000"/>
-              </a:lnSpc>
-            </a:pPr>
-            <a:r>
-              <a:rPr lang="ru-RU" sz="2000" dirty="0"/>
-              <a:t>Нет повелительному наклонению!</a:t>
-            </a:r>
-          </a:p>
-          <a:p>
-            <a:pPr lvl="1">
-              <a:lnSpc>
-                <a:spcPct val="100000"/>
-              </a:lnSpc>
-              <a:spcBef>
-                <a:spcPts val="0"/>
-              </a:spcBef>
-            </a:pPr>
-            <a:r>
-              <a:rPr lang="ru-RU" sz="1600" dirty="0">
-                <a:solidFill>
-                  <a:srgbClr val="C00000"/>
-                </a:solidFill>
-              </a:rPr>
-              <a:t>Сделай, исправь</a:t>
-            </a:r>
-          </a:p>
-          <a:p>
-            <a:pPr lvl="1">
-              <a:lnSpc>
-                <a:spcPct val="100000"/>
-              </a:lnSpc>
-              <a:spcBef>
-                <a:spcPts val="0"/>
-              </a:spcBef>
-            </a:pPr>
-            <a:r>
-              <a:rPr lang="ru-RU" sz="1600" dirty="0">
-                <a:solidFill>
-                  <a:srgbClr val="C00000"/>
-                </a:solidFill>
-              </a:rPr>
-              <a:t>Так не делай, делай так</a:t>
-            </a:r>
-          </a:p>
-          <a:p>
-            <a:pPr lvl="1">
-              <a:lnSpc>
-                <a:spcPct val="100000"/>
-              </a:lnSpc>
-              <a:spcBef>
-                <a:spcPts val="0"/>
-              </a:spcBef>
-            </a:pPr>
-            <a:r>
-              <a:rPr lang="ru-RU" sz="1600" dirty="0">
-                <a:solidFill>
-                  <a:srgbClr val="C00000"/>
-                </a:solidFill>
-              </a:rPr>
-              <a:t>Должен, обязан</a:t>
-            </a:r>
-          </a:p>
-          <a:p>
-            <a:pPr lvl="1">
-              <a:lnSpc>
-                <a:spcPct val="100000"/>
-              </a:lnSpc>
-              <a:spcBef>
-                <a:spcPts val="0"/>
-              </a:spcBef>
-            </a:pPr>
-            <a:r>
-              <a:rPr lang="ru-RU" sz="1600" dirty="0">
-                <a:solidFill>
-                  <a:schemeClr val="accent6">
-                    <a:lumMod val="50000"/>
-                  </a:schemeClr>
-                </a:solidFill>
-              </a:rPr>
-              <a:t>По стандартам этот код выглядит так</a:t>
-            </a:r>
-          </a:p>
-          <a:p>
-            <a:pPr lvl="1">
-              <a:lnSpc>
-                <a:spcPct val="100000"/>
-              </a:lnSpc>
-              <a:spcBef>
-                <a:spcPts val="0"/>
-              </a:spcBef>
-            </a:pPr>
-            <a:r>
-              <a:rPr lang="ru-RU" sz="1600" dirty="0">
-                <a:solidFill>
-                  <a:schemeClr val="accent6">
-                    <a:lumMod val="50000"/>
-                  </a:schemeClr>
-                </a:solidFill>
-              </a:rPr>
-              <a:t>Обычно используется такая конструкция</a:t>
-            </a:r>
-          </a:p>
-          <a:p>
-            <a:pPr lvl="1">
-              <a:lnSpc>
-                <a:spcPct val="100000"/>
-              </a:lnSpc>
-              <a:spcBef>
-                <a:spcPts val="0"/>
-              </a:spcBef>
-            </a:pPr>
-            <a:r>
-              <a:rPr lang="ru-RU" sz="1600" dirty="0">
-                <a:solidFill>
-                  <a:schemeClr val="accent6">
-                    <a:lumMod val="50000"/>
-                  </a:schemeClr>
-                </a:solidFill>
-              </a:rPr>
-              <a:t>В проекте принято делать так</a:t>
-            </a:r>
-          </a:p>
-          <a:p>
-            <a:pPr>
-              <a:lnSpc>
-                <a:spcPct val="100000"/>
-              </a:lnSpc>
-              <a:spcBef>
-                <a:spcPts val="0"/>
-              </a:spcBef>
-            </a:pPr>
-            <a:r>
-              <a:rPr lang="ru-RU" sz="2000" dirty="0"/>
-              <a:t>Слова: </a:t>
-            </a:r>
-            <a:r>
-              <a:rPr lang="ru-RU" sz="2000" dirty="0">
-                <a:solidFill>
-                  <a:schemeClr val="accent6">
-                    <a:lumMod val="50000"/>
-                  </a:schemeClr>
-                </a:solidFill>
-              </a:rPr>
-              <a:t>кажется, думаю, я бы сделал так</a:t>
-            </a:r>
-          </a:p>
-          <a:p>
-            <a:pPr>
-              <a:lnSpc>
-                <a:spcPct val="100000"/>
-              </a:lnSpc>
-              <a:spcBef>
-                <a:spcPts val="0"/>
-              </a:spcBef>
-            </a:pPr>
-            <a:r>
-              <a:rPr lang="ru-RU" sz="2000" dirty="0"/>
-              <a:t>Аргументируйте позицию</a:t>
-            </a:r>
-          </a:p>
-          <a:p>
-            <a:pPr lvl="1">
-              <a:lnSpc>
-                <a:spcPct val="100000"/>
-              </a:lnSpc>
-              <a:spcBef>
-                <a:spcPts val="0"/>
-              </a:spcBef>
-            </a:pPr>
-            <a:r>
-              <a:rPr lang="ru-RU" sz="1600" dirty="0"/>
-              <a:t>Ссылки на статьи</a:t>
-            </a:r>
-          </a:p>
-          <a:p>
-            <a:pPr>
-              <a:lnSpc>
-                <a:spcPct val="100000"/>
-              </a:lnSpc>
-              <a:spcBef>
-                <a:spcPts val="0"/>
-              </a:spcBef>
-            </a:pPr>
-            <a:r>
-              <a:rPr lang="ru-RU" sz="2000" dirty="0"/>
-              <a:t>Критикуя — предлагай!</a:t>
-            </a:r>
-          </a:p>
-          <a:p>
-            <a:pPr lvl="1">
-              <a:lnSpc>
-                <a:spcPct val="100000"/>
-              </a:lnSpc>
-              <a:spcBef>
-                <a:spcPts val="0"/>
-              </a:spcBef>
-            </a:pPr>
-            <a:r>
-              <a:rPr lang="ru-RU" sz="1600" dirty="0"/>
-              <a:t>Приводите примеры правильного кода</a:t>
-            </a:r>
-          </a:p>
-        </p:txBody>
-      </p:sp>
-      <p:pic>
-        <p:nvPicPr>
-          <p:cNvPr id="5" name="Рисунок 4">
-            <a:extLst>
-              <a:ext uri="{FF2B5EF4-FFF2-40B4-BE49-F238E27FC236}">
-                <a16:creationId xmlns:a16="http://schemas.microsoft.com/office/drawing/2014/main" id="{D41C2B3E-D6CA-0368-A859-B8FCD42DEEF8}"/>
-              </a:ext>
-            </a:extLst>
-          </p:cNvPr>
-          <p:cNvPicPr>
-            <a:picLocks noChangeAspect="1"/>
-          </p:cNvPicPr>
-          <p:nvPr/>
-        </p:nvPicPr>
-        <p:blipFill rotWithShape="1">
-          <a:blip r:embed="rId2"/>
-          <a:srcRect l="17406"/>
-          <a:stretch/>
-        </p:blipFill>
-        <p:spPr>
-          <a:xfrm>
-            <a:off x="6021658" y="1766745"/>
-            <a:ext cx="6170341" cy="3324509"/>
-          </a:xfrm>
-          <a:prstGeom prst="rect">
-            <a:avLst/>
-          </a:prstGeom>
-        </p:spPr>
-      </p:pic>
-    </p:spTree>
-    <p:extLst>
-      <p:ext uri="{BB962C8B-B14F-4D97-AF65-F5344CB8AC3E}">
-        <p14:creationId xmlns:p14="http://schemas.microsoft.com/office/powerpoint/2010/main" val="1808713200"/>
-      </p:ext>
-    </p:extLst>
-  </p:cSld>
-  <p:clrMapOvr>
-    <a:masterClrMapping/>
-  </p:clrMapOvr>
-</p:sld>
-</file>
-
-<file path=ppt/slides/slide14.xml><?xml version="1.0" encoding="utf-8"?>
 <p:sld xmlns:a="http://schemas.openxmlformats.org/drawingml/2006/main" xmlns:r="http://schemas.openxmlformats.org/officeDocument/2006/relationships" xmlns:p="http://schemas.openxmlformats.org/presentationml/2006/main">
   <p:cSld>
     <p:spTree>
@@ -9818,7 +9429,7 @@
     </p:spTree>
     <p:extLst>
       <p:ext uri="{BB962C8B-B14F-4D97-AF65-F5344CB8AC3E}">
-        <p14:creationId xmlns:p14="http://schemas.microsoft.com/office/powerpoint/2010/main" val="20907520"/>
+        <p14:creationId xmlns:p14="http://schemas.microsoft.com/office/powerpoint/2010/main" val="3650330269"/>
       </p:ext>
     </p:extLst>
   </p:cSld>
@@ -9828,7 +9439,7 @@
 </p:sld>
 </file>
 
-<file path=ppt/slides/slide15.xml><?xml version="1.0" encoding="utf-8"?>
+<file path=ppt/slides/slide13.xml><?xml version="1.0" encoding="utf-8"?>
 <p:sld xmlns:a="http://schemas.openxmlformats.org/drawingml/2006/main" xmlns:r="http://schemas.openxmlformats.org/officeDocument/2006/relationships" xmlns:p="http://schemas.openxmlformats.org/presentationml/2006/main">
   <p:cSld>
     <p:spTree>
@@ -10033,6 +9644,11 @@
         </p:txBody>
       </p:sp>
     </p:spTree>
+    <p:extLst>
+      <p:ext uri="{BB962C8B-B14F-4D97-AF65-F5344CB8AC3E}">
+        <p14:creationId xmlns:p14="http://schemas.microsoft.com/office/powerpoint/2010/main" val="3536193824"/>
+      </p:ext>
+    </p:extLst>
   </p:cSld>
   <p:clrMapOvr>
     <a:masterClrMapping/>
@@ -10040,7 +9656,7 @@
 </p:sld>
 </file>
 
-<file path=ppt/slides/slide16.xml><?xml version="1.0" encoding="utf-8"?>
+<file path=ppt/slides/slide14.xml><?xml version="1.0" encoding="utf-8"?>
 <p:sld xmlns:a="http://schemas.openxmlformats.org/drawingml/2006/main" xmlns:r="http://schemas.openxmlformats.org/officeDocument/2006/relationships" xmlns:p="http://schemas.openxmlformats.org/presentationml/2006/main">
   <p:cSld>
     <p:spTree>
@@ -10110,8 +9726,8 @@
         </p:nvSpPr>
         <p:spPr>
           <a:xfrm>
-            <a:off x="838200" y="1446936"/>
-            <a:ext cx="6398941" cy="5278823"/>
+            <a:off x="838200" y="1372507"/>
+            <a:ext cx="6556513" cy="5485493"/>
           </a:xfrm>
           <a:prstGeom prst="rect">
             <a:avLst/>
@@ -10145,7 +9761,7 @@
           <a:p>
             <a:pPr marL="278149" indent="-278149" defTabSz="365568">
               <a:lnSpc>
-                <a:spcPct val="100000"/>
+                <a:spcPct val="77000"/>
               </a:lnSpc>
               <a:spcBef>
                 <a:spcPts val="1500"/>
@@ -10153,14 +9769,14 @@
               <a:defRPr sz="4005"/>
             </a:pPr>
             <a:r>
-              <a:rPr lang="ru-RU" sz="2400" dirty="0"/>
+              <a:rPr lang="ru-RU" sz="2200" dirty="0"/>
               <a:t>Функциональные изменения</a:t>
             </a:r>
             <a:br>
-              <a:rPr lang="en-US" sz="2400" dirty="0"/>
+              <a:rPr lang="en-US" sz="2200" dirty="0"/>
             </a:br>
             <a:r>
-              <a:rPr lang="ru-RU" sz="2400" b="1" dirty="0">
+              <a:rPr lang="ru-RU" sz="2200" b="1" dirty="0">
                 <a:solidFill>
                   <a:srgbClr val="00B0F0"/>
                 </a:solidFill>
@@ -10168,17 +9784,17 @@
               <a:t>+</a:t>
             </a:r>
             <a:br>
-              <a:rPr lang="en-US" sz="2400" dirty="0"/>
+              <a:rPr lang="en-US" sz="2200" dirty="0"/>
             </a:br>
             <a:r>
-              <a:rPr lang="ru-RU" sz="2400" dirty="0"/>
+              <a:rPr lang="ru-RU" sz="2200" dirty="0"/>
               <a:t>рефакторинг</a:t>
             </a:r>
           </a:p>
           <a:p>
             <a:pPr marL="278149" indent="-278149" defTabSz="365568">
               <a:lnSpc>
-                <a:spcPct val="100000"/>
+                <a:spcPct val="77000"/>
               </a:lnSpc>
               <a:spcBef>
                 <a:spcPts val="1500"/>
@@ -10186,14 +9802,14 @@
               <a:defRPr sz="4005"/>
             </a:pPr>
             <a:r>
-              <a:rPr lang="ru-RU" sz="2400" dirty="0"/>
+              <a:rPr lang="ru-RU" sz="2200" dirty="0"/>
               <a:t>Переименование / перемещение класса</a:t>
             </a:r>
             <a:br>
-              <a:rPr lang="ru-RU" sz="2400" dirty="0"/>
+              <a:rPr lang="ru-RU" sz="2200" dirty="0"/>
             </a:br>
             <a:r>
-              <a:rPr lang="ru-RU" sz="2400" b="1" dirty="0">
+              <a:rPr lang="ru-RU" sz="2200" b="1" dirty="0">
                 <a:solidFill>
                   <a:srgbClr val="00B0F0"/>
                 </a:solidFill>
@@ -10201,17 +9817,17 @@
               <a:t>+</a:t>
             </a:r>
             <a:br>
-              <a:rPr lang="en-US" sz="2400" dirty="0"/>
+              <a:rPr lang="en-US" sz="2200" dirty="0"/>
             </a:br>
             <a:r>
-              <a:rPr lang="ru-RU" sz="2400" dirty="0"/>
+              <a:rPr lang="ru-RU" sz="2200" dirty="0"/>
               <a:t>его рефакторинг</a:t>
             </a:r>
           </a:p>
           <a:p>
             <a:pPr marL="278149" indent="-278149" defTabSz="365568">
               <a:lnSpc>
-                <a:spcPct val="100000"/>
+                <a:spcPct val="77000"/>
               </a:lnSpc>
               <a:spcBef>
                 <a:spcPts val="1500"/>
@@ -10219,14 +9835,14 @@
               <a:defRPr sz="4005"/>
             </a:pPr>
             <a:r>
-              <a:rPr lang="ru-RU" sz="2400" dirty="0"/>
+              <a:rPr lang="ru-RU" sz="2200" dirty="0"/>
               <a:t>Машинные изменения</a:t>
             </a:r>
             <a:br>
-              <a:rPr lang="en-US" sz="2400" dirty="0"/>
+              <a:rPr lang="en-US" sz="2200" dirty="0"/>
             </a:br>
             <a:r>
-              <a:rPr lang="ru-RU" sz="2400" b="1" dirty="0">
+              <a:rPr lang="ru-RU" sz="2200" b="1" dirty="0">
                 <a:solidFill>
                   <a:srgbClr val="00B0F0"/>
                 </a:solidFill>
@@ -10234,10 +9850,10 @@
               <a:t>+</a:t>
             </a:r>
             <a:br>
-              <a:rPr lang="en-US" sz="2400" dirty="0"/>
+              <a:rPr lang="en-US" sz="2200" dirty="0"/>
             </a:br>
             <a:r>
-              <a:rPr lang="ru-RU" sz="2400" dirty="0"/>
+              <a:rPr lang="ru-RU" sz="2200" dirty="0"/>
               <a:t>человеческие изменения</a:t>
             </a:r>
           </a:p>
@@ -10253,8 +9869,54 @@
               <a:defRPr sz="4005"/>
             </a:pPr>
             <a:r>
-              <a:rPr lang="ru-RU" sz="2600" b="1" dirty="0"/>
-              <a:t>Используем Атомарные коммиты!</a:t>
+              <a:rPr lang="ru-RU" sz="2200" dirty="0"/>
+              <a:t>Поэтому:</a:t>
+            </a:r>
+          </a:p>
+          <a:p>
+            <a:pPr defTabSz="365568">
+              <a:lnSpc>
+                <a:spcPct val="100000"/>
+              </a:lnSpc>
+              <a:spcBef>
+                <a:spcPts val="500"/>
+              </a:spcBef>
+              <a:defRPr sz="4005"/>
+            </a:pPr>
+            <a:r>
+              <a:rPr lang="ru-RU" sz="2000" b="1" dirty="0"/>
+              <a:t>Используем Атомарные коммиты</a:t>
+            </a:r>
+            <a:r>
+              <a:rPr lang="ru-RU" sz="2000" dirty="0"/>
+              <a:t>!</a:t>
+            </a:r>
+          </a:p>
+          <a:p>
+            <a:pPr defTabSz="365568">
+              <a:lnSpc>
+                <a:spcPct val="100000"/>
+              </a:lnSpc>
+              <a:spcBef>
+                <a:spcPts val="500"/>
+              </a:spcBef>
+              <a:defRPr sz="4005"/>
+            </a:pPr>
+            <a:r>
+              <a:rPr lang="ru-RU" sz="2000" dirty="0"/>
+              <a:t>Либо делаем </a:t>
+            </a:r>
+            <a:r>
+              <a:rPr lang="en" sz="2000" dirty="0"/>
+              <a:t>rebase </a:t>
+            </a:r>
+            <a:r>
+              <a:rPr lang="ru-RU" sz="2000" dirty="0"/>
+              <a:t>ветки. Обычная практика — коммитить в ветке, как хочется, перед ревью сделать </a:t>
+            </a:r>
+            <a:r>
+              <a:rPr lang="en-US" sz="2000" dirty="0"/>
+              <a:t>rebase</a:t>
             </a:r>
           </a:p>
         </p:txBody>
@@ -10281,8 +9943,8 @@
         </p:blipFill>
         <p:spPr>
           <a:xfrm>
-            <a:off x="7324028" y="3638020"/>
-            <a:ext cx="4867972" cy="2832053"/>
+            <a:off x="7545610" y="3766930"/>
+            <a:ext cx="4646390" cy="2703143"/>
           </a:xfrm>
           <a:prstGeom prst="rect">
             <a:avLst/>
@@ -10303,7 +9965,7 @@
         </p:nvSpPr>
         <p:spPr>
           <a:xfrm>
-            <a:off x="7813963" y="3219980"/>
+            <a:off x="7545610" y="3397598"/>
             <a:ext cx="2927927" cy="369332"/>
           </a:xfrm>
           <a:prstGeom prst="rect">
@@ -10338,6 +10000,531 @@
         </p:txBody>
       </p:sp>
     </p:spTree>
+    <p:extLst>
+      <p:ext uri="{BB962C8B-B14F-4D97-AF65-F5344CB8AC3E}">
+        <p14:creationId xmlns:p14="http://schemas.microsoft.com/office/powerpoint/2010/main" val="1452868192"/>
+      </p:ext>
+    </p:extLst>
+  </p:cSld>
+  <p:clrMapOvr>
+    <a:masterClrMapping/>
+  </p:clrMapOvr>
+</p:sld>
+</file>
+
+<file path=ppt/slides/slide15.xml><?xml version="1.0" encoding="utf-8"?>
+<p:sld xmlns:a="http://schemas.openxmlformats.org/drawingml/2006/main" xmlns:r="http://schemas.openxmlformats.org/officeDocument/2006/relationships" xmlns:p="http://schemas.openxmlformats.org/presentationml/2006/main">
+  <p:cSld>
+    <p:spTree>
+      <p:nvGrpSpPr>
+        <p:cNvPr id="1" name=""/>
+        <p:cNvGrpSpPr/>
+        <p:nvPr/>
+      </p:nvGrpSpPr>
+      <p:grpSpPr>
+        <a:xfrm>
+          <a:off x="0" y="0"/>
+          <a:ext cx="0" cy="0"/>
+          <a:chOff x="0" y="0"/>
+          <a:chExt cx="0" cy="0"/>
+        </a:xfrm>
+      </p:grpSpPr>
+      <p:sp>
+        <p:nvSpPr>
+          <p:cNvPr id="2" name="Заголовок 1">
+            <a:extLst>
+              <a:ext uri="{FF2B5EF4-FFF2-40B4-BE49-F238E27FC236}">
+                <a16:creationId xmlns:a16="http://schemas.microsoft.com/office/drawing/2014/main" id="{660D38B2-D737-EA1D-419F-3BFCA5D9950E}"/>
+              </a:ext>
+            </a:extLst>
+          </p:cNvPr>
+          <p:cNvSpPr>
+            <a:spLocks noGrp="1"/>
+          </p:cNvSpPr>
+          <p:nvPr>
+            <p:ph type="title"/>
+          </p:nvPr>
+        </p:nvSpPr>
+        <p:spPr>
+          <a:xfrm>
+            <a:off x="838200" y="365125"/>
+            <a:ext cx="10515600" cy="1062231"/>
+          </a:xfrm>
+        </p:spPr>
+        <p:txBody>
+          <a:bodyPr>
+            <a:normAutofit/>
+          </a:bodyPr>
+          <a:lstStyle/>
+          <a:p>
+            <a:r>
+              <a:rPr lang="ru-RU" dirty="0"/>
+              <a:t>Уровни на которых анализируется код</a:t>
+            </a:r>
+          </a:p>
+        </p:txBody>
+      </p:sp>
+      <p:sp>
+        <p:nvSpPr>
+          <p:cNvPr id="3" name="Объект 2">
+            <a:extLst>
+              <a:ext uri="{FF2B5EF4-FFF2-40B4-BE49-F238E27FC236}">
+                <a16:creationId xmlns:a16="http://schemas.microsoft.com/office/drawing/2014/main" id="{65CA4BB3-44E0-A98E-B29D-CB1B71325AB3}"/>
+              </a:ext>
+            </a:extLst>
+          </p:cNvPr>
+          <p:cNvSpPr>
+            <a:spLocks noGrp="1"/>
+          </p:cNvSpPr>
+          <p:nvPr>
+            <p:ph idx="1"/>
+          </p:nvPr>
+        </p:nvSpPr>
+        <p:spPr>
+          <a:xfrm>
+            <a:off x="838200" y="1427356"/>
+            <a:ext cx="10515600" cy="5218771"/>
+          </a:xfrm>
+        </p:spPr>
+        <p:txBody>
+          <a:bodyPr>
+            <a:normAutofit fontScale="85000" lnSpcReduction="10000"/>
+          </a:bodyPr>
+          <a:lstStyle/>
+          <a:p>
+            <a:pPr marL="0" indent="0">
+              <a:lnSpc>
+                <a:spcPct val="110000"/>
+              </a:lnSpc>
+              <a:buNone/>
+            </a:pPr>
+            <a:r>
+              <a:rPr lang="ru-RU" dirty="0"/>
+              <a:t>Код можно анализировать на различном уровне глубины / сложности:</a:t>
+            </a:r>
+          </a:p>
+          <a:p>
+            <a:pPr marL="360000" indent="-360000">
+              <a:lnSpc>
+                <a:spcPct val="110000"/>
+              </a:lnSpc>
+              <a:buFont typeface="+mj-lt"/>
+              <a:buAutoNum type="arabicPeriod"/>
+            </a:pPr>
+            <a:r>
+              <a:rPr lang="ru-RU" dirty="0"/>
+              <a:t>Стилистические замечания (пробелы, отступы и т.п.)</a:t>
+            </a:r>
+          </a:p>
+          <a:p>
+            <a:pPr lvl="1">
+              <a:lnSpc>
+                <a:spcPct val="110000"/>
+              </a:lnSpc>
+            </a:pPr>
+            <a:r>
+              <a:rPr lang="ru-RU" dirty="0"/>
+              <a:t>Лучше доверить статическим анализаторам</a:t>
+            </a:r>
+          </a:p>
+          <a:p>
+            <a:pPr marL="360000" indent="-360000">
+              <a:lnSpc>
+                <a:spcPct val="110000"/>
+              </a:lnSpc>
+              <a:buFont typeface="+mj-lt"/>
+              <a:buAutoNum type="arabicPeriod"/>
+            </a:pPr>
+            <a:r>
+              <a:rPr lang="ru-RU" dirty="0"/>
+              <a:t>Именования модулей / классов / методов / функций / переменных / файлов</a:t>
+            </a:r>
+          </a:p>
+          <a:p>
+            <a:pPr marL="360000" indent="-360000">
+              <a:lnSpc>
+                <a:spcPct val="110000"/>
+              </a:lnSpc>
+              <a:buFont typeface="+mj-lt"/>
+              <a:buAutoNum type="arabicPeriod"/>
+            </a:pPr>
+            <a:r>
+              <a:rPr lang="ru-RU" dirty="0"/>
+              <a:t>Расположение кода / правильная декомпозиция кода</a:t>
+            </a:r>
+          </a:p>
+          <a:p>
+            <a:pPr lvl="1">
+              <a:lnSpc>
+                <a:spcPct val="110000"/>
+              </a:lnSpc>
+            </a:pPr>
+            <a:r>
+              <a:rPr lang="ru-RU" dirty="0"/>
+              <a:t>Расположен ли код в нужном нужном классе / нужном модуле / нужном файле / папке</a:t>
+            </a:r>
+          </a:p>
+          <a:p>
+            <a:pPr marL="360000" indent="-360000">
+              <a:lnSpc>
+                <a:spcPct val="110000"/>
+              </a:lnSpc>
+              <a:buFont typeface="+mj-lt"/>
+              <a:buAutoNum type="arabicPeriod"/>
+            </a:pPr>
+            <a:r>
+              <a:rPr lang="ru-RU" dirty="0"/>
+              <a:t>А нужен ли вообще этот код?</a:t>
+            </a:r>
+          </a:p>
+          <a:p>
+            <a:pPr lvl="1">
+              <a:lnSpc>
+                <a:spcPct val="110000"/>
+              </a:lnSpc>
+            </a:pPr>
+            <a:r>
+              <a:rPr lang="ru-RU" dirty="0"/>
+              <a:t>Может быть такой код уже есть в проекте</a:t>
+            </a:r>
+          </a:p>
+          <a:p>
+            <a:pPr lvl="1">
+              <a:lnSpc>
+                <a:spcPct val="110000"/>
+              </a:lnSpc>
+            </a:pPr>
+            <a:r>
+              <a:rPr lang="ru-RU" dirty="0"/>
+              <a:t>Можно применить готовую библиотеку</a:t>
+            </a:r>
+          </a:p>
+          <a:p>
+            <a:pPr marL="360000" indent="-360000">
+              <a:lnSpc>
+                <a:spcPct val="110000"/>
+              </a:lnSpc>
+              <a:buFont typeface="+mj-lt"/>
+              <a:buAutoNum type="arabicPeriod"/>
+            </a:pPr>
+            <a:r>
+              <a:rPr lang="ru-RU" dirty="0"/>
+              <a:t>Алгоритмы / подходы / архитектура / </a:t>
+            </a:r>
+            <a:r>
+              <a:rPr lang="en-US" dirty="0"/>
+              <a:t>code design</a:t>
+            </a:r>
+            <a:endParaRPr lang="ru-RU" dirty="0"/>
+          </a:p>
+          <a:p>
+            <a:pPr marL="0" indent="0">
+              <a:lnSpc>
+                <a:spcPct val="110000"/>
+              </a:lnSpc>
+              <a:spcBef>
+                <a:spcPts val="2000"/>
+              </a:spcBef>
+              <a:buNone/>
+            </a:pPr>
+            <a:r>
+              <a:rPr lang="ru-RU" dirty="0"/>
+              <a:t>В идеале — </a:t>
+            </a:r>
+            <a:r>
+              <a:rPr lang="ru-RU" b="1" dirty="0">
+                <a:solidFill>
+                  <a:schemeClr val="accent6">
+                    <a:lumMod val="50000"/>
+                  </a:schemeClr>
+                </a:solidFill>
+              </a:rPr>
+              <a:t>двигаться от сложного к простому</a:t>
+            </a:r>
+            <a:r>
+              <a:rPr lang="ru-RU" dirty="0"/>
+              <a:t>!</a:t>
+            </a:r>
+          </a:p>
+        </p:txBody>
+      </p:sp>
+    </p:spTree>
+    <p:extLst>
+      <p:ext uri="{BB962C8B-B14F-4D97-AF65-F5344CB8AC3E}">
+        <p14:creationId xmlns:p14="http://schemas.microsoft.com/office/powerpoint/2010/main" val="2375831297"/>
+      </p:ext>
+    </p:extLst>
+  </p:cSld>
+  <p:clrMapOvr>
+    <a:masterClrMapping/>
+  </p:clrMapOvr>
+</p:sld>
+</file>
+
+<file path=ppt/slides/slide16.xml><?xml version="1.0" encoding="utf-8"?>
+<p:sld xmlns:a="http://schemas.openxmlformats.org/drawingml/2006/main" xmlns:r="http://schemas.openxmlformats.org/officeDocument/2006/relationships" xmlns:p="http://schemas.openxmlformats.org/presentationml/2006/main">
+  <p:cSld>
+    <p:spTree>
+      <p:nvGrpSpPr>
+        <p:cNvPr id="1" name=""/>
+        <p:cNvGrpSpPr/>
+        <p:nvPr/>
+      </p:nvGrpSpPr>
+      <p:grpSpPr>
+        <a:xfrm>
+          <a:off x="0" y="0"/>
+          <a:ext cx="0" cy="0"/>
+          <a:chOff x="0" y="0"/>
+          <a:chExt cx="0" cy="0"/>
+        </a:xfrm>
+      </p:grpSpPr>
+      <p:sp>
+        <p:nvSpPr>
+          <p:cNvPr id="2" name="Заголовок 1">
+            <a:extLst>
+              <a:ext uri="{FF2B5EF4-FFF2-40B4-BE49-F238E27FC236}">
+                <a16:creationId xmlns:a16="http://schemas.microsoft.com/office/drawing/2014/main" id="{88B27B1D-C4D9-F869-4C5C-D13DBD0044F4}"/>
+              </a:ext>
+            </a:extLst>
+          </p:cNvPr>
+          <p:cNvSpPr>
+            <a:spLocks noGrp="1"/>
+          </p:cNvSpPr>
+          <p:nvPr>
+            <p:ph type="title"/>
+          </p:nvPr>
+        </p:nvSpPr>
+        <p:spPr>
+          <a:xfrm>
+            <a:off x="838200" y="365126"/>
+            <a:ext cx="10515600" cy="1073382"/>
+          </a:xfrm>
+        </p:spPr>
+        <p:txBody>
+          <a:bodyPr/>
+          <a:lstStyle/>
+          <a:p>
+            <a:r>
+              <a:rPr lang="ru-RU" dirty="0"/>
+              <a:t>Что не надо делать?</a:t>
+            </a:r>
+          </a:p>
+        </p:txBody>
+      </p:sp>
+      <p:sp>
+        <p:nvSpPr>
+          <p:cNvPr id="3" name="Объект 2">
+            <a:extLst>
+              <a:ext uri="{FF2B5EF4-FFF2-40B4-BE49-F238E27FC236}">
+                <a16:creationId xmlns:a16="http://schemas.microsoft.com/office/drawing/2014/main" id="{B3308DF9-3E51-2886-2941-27118E5EC7D4}"/>
+              </a:ext>
+            </a:extLst>
+          </p:cNvPr>
+          <p:cNvSpPr>
+            <a:spLocks noGrp="1"/>
+          </p:cNvSpPr>
+          <p:nvPr>
+            <p:ph idx="1"/>
+          </p:nvPr>
+        </p:nvSpPr>
+        <p:spPr>
+          <a:xfrm>
+            <a:off x="838200" y="1524541"/>
+            <a:ext cx="10515600" cy="4968333"/>
+          </a:xfrm>
+        </p:spPr>
+        <p:txBody>
+          <a:bodyPr>
+            <a:normAutofit fontScale="85000" lnSpcReduction="10000"/>
+          </a:bodyPr>
+          <a:lstStyle/>
+          <a:p>
+            <a:r>
+              <a:rPr lang="ru-RU" dirty="0"/>
+              <a:t>Не придумывать проблем (не высасывать из пальца)</a:t>
+            </a:r>
+          </a:p>
+          <a:p>
+            <a:r>
+              <a:rPr lang="ru-RU" dirty="0"/>
+              <a:t>Не запускать и не тестить код</a:t>
+            </a:r>
+          </a:p>
+          <a:p>
+            <a:pPr lvl="1">
+              <a:lnSpc>
+                <a:spcPct val="120000"/>
+              </a:lnSpc>
+              <a:spcBef>
+                <a:spcPts val="0"/>
+              </a:spcBef>
+            </a:pPr>
+            <a:r>
+              <a:rPr lang="ru-RU" dirty="0"/>
+              <a:t>Отнимает время, может не завестись, за это отвечают автотесты / отдел тестирования</a:t>
+            </a:r>
+          </a:p>
+          <a:p>
+            <a:r>
+              <a:rPr lang="ru-RU" dirty="0"/>
+              <a:t>Не выполнять статический анализ</a:t>
+            </a:r>
+          </a:p>
+          <a:p>
+            <a:r>
+              <a:rPr lang="ru-RU" dirty="0"/>
+              <a:t>Не перекладывать ответственность</a:t>
+            </a:r>
+          </a:p>
+          <a:p>
+            <a:pPr lvl="1">
+              <a:lnSpc>
+                <a:spcPct val="120000"/>
+              </a:lnSpc>
+              <a:spcBef>
+                <a:spcPts val="0"/>
+              </a:spcBef>
+            </a:pPr>
+            <a:r>
+              <a:rPr lang="ru-RU" dirty="0"/>
+              <a:t>За код несёт ответственность разработчик!</a:t>
+            </a:r>
+          </a:p>
+          <a:p>
+            <a:pPr lvl="1">
+              <a:lnSpc>
+                <a:spcPct val="120000"/>
+              </a:lnSpc>
+              <a:spcBef>
+                <a:spcPts val="0"/>
+              </a:spcBef>
+            </a:pPr>
+            <a:r>
+              <a:rPr lang="ru-RU" dirty="0"/>
+              <a:t>Ревью — это </a:t>
+            </a:r>
+            <a:r>
+              <a:rPr lang="en-US" dirty="0"/>
+              <a:t>«</a:t>
+            </a:r>
+            <a:r>
+              <a:rPr lang="ru-RU" dirty="0"/>
+              <a:t>дружеский совет</a:t>
+            </a:r>
+            <a:r>
+              <a:rPr lang="en-US" dirty="0"/>
+              <a:t>»</a:t>
+            </a:r>
+          </a:p>
+          <a:p>
+            <a:r>
+              <a:rPr lang="ru-RU" dirty="0"/>
+              <a:t>Не вступать в </a:t>
+            </a:r>
+            <a:r>
+              <a:rPr lang="ru-RU" u="sng" dirty="0"/>
+              <a:t>деструктивные</a:t>
+            </a:r>
+            <a:r>
+              <a:rPr lang="ru-RU" dirty="0"/>
+              <a:t> дискуссии</a:t>
+            </a:r>
+          </a:p>
+          <a:p>
+            <a:pPr lvl="1">
+              <a:lnSpc>
+                <a:spcPct val="120000"/>
+              </a:lnSpc>
+              <a:spcBef>
+                <a:spcPts val="0"/>
+              </a:spcBef>
+            </a:pPr>
+            <a:r>
+              <a:rPr lang="ru-RU" dirty="0"/>
+              <a:t>Вместо войны в комментариях — отдельное </a:t>
+            </a:r>
+            <a:r>
+              <a:rPr lang="ru-RU" b="1" dirty="0"/>
+              <a:t>обсуждение голосом</a:t>
+            </a:r>
+          </a:p>
+          <a:p>
+            <a:pPr lvl="1">
+              <a:lnSpc>
+                <a:spcPct val="120000"/>
+              </a:lnSpc>
+              <a:spcBef>
+                <a:spcPts val="0"/>
+              </a:spcBef>
+            </a:pPr>
+            <a:r>
+              <a:rPr lang="ru-RU" dirty="0"/>
+              <a:t>Можно только что-то уточнить, но не спорить!</a:t>
+            </a:r>
+          </a:p>
+          <a:p>
+            <a:r>
+              <a:rPr lang="ru-RU" dirty="0"/>
+              <a:t>Не полагаться в ревью исключительно на опытных сотрудников (</a:t>
+            </a:r>
+            <a:r>
+              <a:rPr lang="ru-RU" dirty="0" err="1"/>
+              <a:t>тим</a:t>
+            </a:r>
+            <a:r>
+              <a:rPr lang="ru-RU" dirty="0"/>
+              <a:t>/тех-лидов)</a:t>
+            </a:r>
+          </a:p>
+          <a:p>
+            <a:r>
+              <a:rPr lang="ru-RU" dirty="0"/>
+              <a:t>Не переходить на личности (токсичность атмосферы)</a:t>
+            </a:r>
+          </a:p>
+        </p:txBody>
+      </p:sp>
+      <p:pic>
+        <p:nvPicPr>
+          <p:cNvPr id="4" name="Снимок экрана 2019-09-26 в 9.55.34.png" descr="Снимок экрана 2019-09-26 в 9.55.34.png">
+            <a:extLst>
+              <a:ext uri="{FF2B5EF4-FFF2-40B4-BE49-F238E27FC236}">
+                <a16:creationId xmlns:a16="http://schemas.microsoft.com/office/drawing/2014/main" id="{79E08FDB-EF6C-996F-BB02-440DCE67E55B}"/>
+              </a:ext>
+            </a:extLst>
+          </p:cNvPr>
+          <p:cNvPicPr>
+            <a:picLocks noChangeAspect="1"/>
+          </p:cNvPicPr>
+          <p:nvPr/>
+        </p:nvPicPr>
+        <p:blipFill rotWithShape="1">
+          <a:blip r:embed="rId2"/>
+          <a:srcRect r="28504" b="35860"/>
+          <a:stretch/>
+        </p:blipFill>
+        <p:spPr>
+          <a:xfrm>
+            <a:off x="8709103" y="0"/>
+            <a:ext cx="3482898" cy="2026476"/>
+          </a:xfrm>
+          <a:prstGeom prst="rect">
+            <a:avLst/>
+          </a:prstGeom>
+          <a:ln w="12700">
+            <a:solidFill>
+              <a:schemeClr val="accent1"/>
+            </a:solidFill>
+            <a:miter lim="400000"/>
+          </a:ln>
+        </p:spPr>
+      </p:pic>
+    </p:spTree>
+    <p:extLst>
+      <p:ext uri="{BB962C8B-B14F-4D97-AF65-F5344CB8AC3E}">
+        <p14:creationId xmlns:p14="http://schemas.microsoft.com/office/powerpoint/2010/main" val="3089336602"/>
+      </p:ext>
+    </p:extLst>
   </p:cSld>
   <p:clrMapOvr>
     <a:masterClrMapping/>
@@ -10367,7 +10554,7 @@
           <p:cNvPr id="2" name="Заголовок 1">
             <a:extLst>
               <a:ext uri="{FF2B5EF4-FFF2-40B4-BE49-F238E27FC236}">
-                <a16:creationId xmlns:a16="http://schemas.microsoft.com/office/drawing/2014/main" id="{EDB52A51-419E-F7F4-A81C-1877EF30B6D5}"/>
+                <a16:creationId xmlns:a16="http://schemas.microsoft.com/office/drawing/2014/main" id="{9E11359D-C124-BF97-F5EA-4DCF46A1BBF1}"/>
               </a:ext>
             </a:extLst>
           </p:cNvPr>
@@ -10380,404 +10567,368 @@
         </p:nvSpPr>
         <p:spPr>
           <a:xfrm>
-            <a:off x="838200" y="365125"/>
-            <a:ext cx="10515600" cy="853285"/>
+            <a:off x="838200" y="248165"/>
+            <a:ext cx="10623698" cy="815088"/>
           </a:xfrm>
         </p:spPr>
         <p:txBody>
-          <a:bodyPr/>
-          <a:lstStyle/>
-          <a:p>
-            <a:r>
-              <a:rPr lang="ru-RU" dirty="0"/>
-              <a:t>Классификация замечаний</a:t>
-            </a:r>
-          </a:p>
-        </p:txBody>
-      </p:sp>
-      <p:graphicFrame>
-        <p:nvGraphicFramePr>
-          <p:cNvPr id="4" name="Объект 3">
-            <a:extLst>
-              <a:ext uri="{FF2B5EF4-FFF2-40B4-BE49-F238E27FC236}">
-                <a16:creationId xmlns:a16="http://schemas.microsoft.com/office/drawing/2014/main" id="{85408436-8549-13C7-F6EA-CDEBD6270DA0}"/>
-              </a:ext>
-            </a:extLst>
-          </p:cNvPr>
-          <p:cNvGraphicFramePr>
-            <a:graphicFrameLocks noGrp="1"/>
-          </p:cNvGraphicFramePr>
-          <p:nvPr>
-            <p:ph idx="1"/>
-            <p:extLst>
-              <p:ext uri="{D42A27DB-BD31-4B8C-83A1-F6EECF244321}">
-                <p14:modId xmlns:p14="http://schemas.microsoft.com/office/powerpoint/2010/main" val="3739023000"/>
-              </p:ext>
-            </p:extLst>
-          </p:nvPr>
-        </p:nvGraphicFramePr>
-        <p:xfrm>
-          <a:off x="1567869" y="1825624"/>
-          <a:ext cx="10515600" cy="5032375"/>
-        </p:xfrm>
-        <a:graphic>
-          <a:graphicData uri="http://schemas.openxmlformats.org/drawingml/2006/diagram">
-            <dgm:relIds xmlns:dgm="http://schemas.openxmlformats.org/drawingml/2006/diagram" xmlns:r="http://schemas.openxmlformats.org/officeDocument/2006/relationships" r:dm="rId3" r:lo="rId4" r:qs="rId5" r:cs="rId6"/>
-          </a:graphicData>
-        </a:graphic>
-      </p:graphicFrame>
-      <p:sp>
-        <p:nvSpPr>
-          <p:cNvPr id="5" name="TextBox 4">
-            <a:extLst>
-              <a:ext uri="{FF2B5EF4-FFF2-40B4-BE49-F238E27FC236}">
-                <a16:creationId xmlns:a16="http://schemas.microsoft.com/office/drawing/2014/main" id="{0550C149-9854-D8D9-BC1D-80B6FDC6E22A}"/>
-              </a:ext>
-            </a:extLst>
-          </p:cNvPr>
-          <p:cNvSpPr txBox="1"/>
-          <p:nvPr/>
-        </p:nvSpPr>
-        <p:spPr>
-          <a:xfrm>
-            <a:off x="5813669" y="1388824"/>
-            <a:ext cx="1728439" cy="369332"/>
-          </a:xfrm>
-          <a:prstGeom prst="rect">
-            <a:avLst/>
-          </a:prstGeom>
-          <a:noFill/>
-        </p:spPr>
-        <p:txBody>
-          <a:bodyPr wrap="square" rtlCol="0">
-            <a:spAutoFit/>
+          <a:bodyPr>
+            <a:normAutofit fontScale="90000"/>
           </a:bodyPr>
           <a:lstStyle/>
           <a:p>
             <a:r>
               <a:rPr lang="ru-RU" dirty="0"/>
-              <a:t>Конфликтность</a:t>
+              <a:t>Стратегии реакции на комментарии ревьюеров</a:t>
             </a:r>
           </a:p>
         </p:txBody>
       </p:sp>
       <p:sp>
         <p:nvSpPr>
-          <p:cNvPr id="6" name="TextBox 5">
+          <p:cNvPr id="3" name="Объект 2">
             <a:extLst>
               <a:ext uri="{FF2B5EF4-FFF2-40B4-BE49-F238E27FC236}">
-                <a16:creationId xmlns:a16="http://schemas.microsoft.com/office/drawing/2014/main" id="{2091C661-5AFF-0636-288F-D4448B33F1AB}"/>
+                <a16:creationId xmlns:a16="http://schemas.microsoft.com/office/drawing/2014/main" id="{89FE701E-D9CE-B5EF-8078-A170CE987D16}"/>
               </a:ext>
             </a:extLst>
           </p:cNvPr>
-          <p:cNvSpPr txBox="1"/>
-          <p:nvPr/>
+          <p:cNvSpPr>
+            <a:spLocks noGrp="1"/>
+          </p:cNvSpPr>
+          <p:nvPr>
+            <p:ph idx="1"/>
+          </p:nvPr>
         </p:nvSpPr>
         <p:spPr>
           <a:xfrm>
-            <a:off x="9258493" y="4157145"/>
-            <a:ext cx="1728439" cy="369332"/>
+            <a:off x="838200" y="1063253"/>
+            <a:ext cx="10515600" cy="5656523"/>
           </a:xfrm>
-          <a:prstGeom prst="rect">
-            <a:avLst/>
-          </a:prstGeom>
-          <a:noFill/>
         </p:spPr>
         <p:txBody>
-          <a:bodyPr wrap="square" rtlCol="0">
-            <a:spAutoFit/>
+          <a:bodyPr>
+            <a:normAutofit fontScale="70000" lnSpcReduction="20000"/>
           </a:bodyPr>
           <a:lstStyle/>
           <a:p>
-            <a:r>
-              <a:rPr lang="ru-RU" dirty="0"/>
-              <a:t>Важность</a:t>
-            </a:r>
-          </a:p>
-        </p:txBody>
-      </p:sp>
-      <p:sp>
-        <p:nvSpPr>
-          <p:cNvPr id="7" name="TextBox 6">
-            <a:extLst>
-              <a:ext uri="{FF2B5EF4-FFF2-40B4-BE49-F238E27FC236}">
-                <a16:creationId xmlns:a16="http://schemas.microsoft.com/office/drawing/2014/main" id="{0C18E5F0-8A44-8F13-E1C7-6C4057521E2B}"/>
-              </a:ext>
-            </a:extLst>
-          </p:cNvPr>
-          <p:cNvSpPr txBox="1"/>
-          <p:nvPr/>
-        </p:nvSpPr>
-        <p:spPr>
-          <a:xfrm flipV="1">
-            <a:off x="9386732" y="2112151"/>
-            <a:ext cx="531542" cy="400110"/>
-          </a:xfrm>
-          <a:prstGeom prst="rect">
-            <a:avLst/>
-          </a:prstGeom>
-          <a:noFill/>
-        </p:spPr>
-        <p:txBody>
-          <a:bodyPr wrap="square" rtlCol="0">
-            <a:spAutoFit/>
-          </a:bodyPr>
-          <a:lstStyle/>
-          <a:p>
-            <a:r>
-              <a:rPr lang="ru-RU" sz="2000" b="1" dirty="0">
+            <a:pPr marL="0" indent="0">
+              <a:lnSpc>
+                <a:spcPct val="120000"/>
+              </a:lnSpc>
+              <a:buNone/>
+            </a:pPr>
+            <a:r>
+              <a:rPr lang="ru-RU" sz="3200" dirty="0"/>
+              <a:t>После того как ревьювер откомментировал код, у автора есть две стратегии как действовать дальше:</a:t>
+            </a:r>
+          </a:p>
+          <a:p>
+            <a:pPr marL="360000" indent="-360000">
+              <a:lnSpc>
+                <a:spcPct val="120000"/>
+              </a:lnSpc>
+              <a:buFont typeface="+mj-lt"/>
+              <a:buAutoNum type="alphaUcPeriod"/>
+            </a:pPr>
+            <a:r>
+              <a:rPr lang="ru-RU" sz="3200" dirty="0"/>
+              <a:t>Воспринимаем ревью как </a:t>
+            </a:r>
+            <a:r>
+              <a:rPr lang="en-US" sz="3200" dirty="0"/>
+              <a:t>«</a:t>
+            </a:r>
+            <a:r>
+              <a:rPr lang="ru-RU" sz="3200" dirty="0"/>
+              <a:t>дружеский совет</a:t>
+            </a:r>
+            <a:r>
+              <a:rPr lang="en-US" sz="3200" dirty="0"/>
+              <a:t>»</a:t>
+            </a:r>
+          </a:p>
+          <a:p>
+            <a:pPr lvl="1">
+              <a:lnSpc>
+                <a:spcPct val="120000"/>
+              </a:lnSpc>
+              <a:spcBef>
+                <a:spcPts val="0"/>
+              </a:spcBef>
+            </a:pPr>
+            <a:r>
+              <a:rPr lang="ru-RU" sz="2600" dirty="0"/>
+              <a:t>Если с какими-то пунктами комментариев не согласны — просто игнорируем их</a:t>
+            </a:r>
+          </a:p>
+          <a:p>
+            <a:pPr lvl="1">
+              <a:lnSpc>
+                <a:spcPct val="120000"/>
+              </a:lnSpc>
+              <a:spcBef>
+                <a:spcPts val="0"/>
+              </a:spcBef>
+            </a:pPr>
+            <a:r>
+              <a:rPr lang="ru-RU" sz="2600" dirty="0">
                 <a:solidFill>
-                  <a:srgbClr val="0070C0"/>
+                  <a:schemeClr val="accent6">
+                    <a:lumMod val="50000"/>
+                  </a:schemeClr>
                 </a:solidFill>
               </a:rPr>
-              <a:t>I</a:t>
-            </a:r>
-          </a:p>
-        </p:txBody>
-      </p:sp>
-      <p:sp>
-        <p:nvSpPr>
-          <p:cNvPr id="8" name="TextBox 7">
-            <a:extLst>
-              <a:ext uri="{FF2B5EF4-FFF2-40B4-BE49-F238E27FC236}">
-                <a16:creationId xmlns:a16="http://schemas.microsoft.com/office/drawing/2014/main" id="{2D278C55-B703-0886-F640-3D872F1FA6AA}"/>
-              </a:ext>
-            </a:extLst>
-          </p:cNvPr>
-          <p:cNvSpPr txBox="1"/>
-          <p:nvPr/>
-        </p:nvSpPr>
-        <p:spPr>
-          <a:xfrm flipV="1">
-            <a:off x="3049122" y="2066881"/>
-            <a:ext cx="713678" cy="400110"/>
-          </a:xfrm>
-          <a:prstGeom prst="rect">
-            <a:avLst/>
-          </a:prstGeom>
-          <a:noFill/>
-        </p:spPr>
-        <p:txBody>
-          <a:bodyPr wrap="square" rtlCol="0">
-            <a:spAutoFit/>
-          </a:bodyPr>
-          <a:lstStyle/>
-          <a:p>
-            <a:r>
-              <a:rPr lang="ru-RU" sz="2000" b="1" dirty="0">
+              <a:t>Меньше конфликтов</a:t>
+            </a:r>
+          </a:p>
+          <a:p>
+            <a:pPr lvl="1">
+              <a:lnSpc>
+                <a:spcPct val="120000"/>
+              </a:lnSpc>
+              <a:spcBef>
+                <a:spcPts val="0"/>
+              </a:spcBef>
+            </a:pPr>
+            <a:r>
+              <a:rPr lang="ru-RU" sz="2600" dirty="0">
                 <a:solidFill>
-                  <a:srgbClr val="0070C0"/>
+                  <a:srgbClr val="C00000"/>
                 </a:solidFill>
               </a:rPr>
-              <a:t>I</a:t>
-            </a:r>
-            <a:r>
-              <a:rPr lang="en-US" sz="2000" b="1" dirty="0">
+              <a:t>Отчасти обесценивается труд ревьювера</a:t>
+            </a:r>
+          </a:p>
+          <a:p>
+            <a:pPr lvl="1">
+              <a:lnSpc>
+                <a:spcPct val="120000"/>
+              </a:lnSpc>
+              <a:spcBef>
+                <a:spcPts val="0"/>
+              </a:spcBef>
+            </a:pPr>
+            <a:r>
+              <a:rPr lang="ru-RU" sz="2600" dirty="0">
                 <a:solidFill>
-                  <a:srgbClr val="0070C0"/>
+                  <a:srgbClr val="C00000"/>
                 </a:solidFill>
               </a:rPr>
-              <a:t>I</a:t>
-            </a:r>
-            <a:endParaRPr lang="ru-RU" sz="2000" b="1" dirty="0">
+              <a:t>Неудачные решения могут остаться не решёнными</a:t>
+            </a:r>
+          </a:p>
+          <a:p>
+            <a:pPr marL="360000" indent="-360000">
+              <a:lnSpc>
+                <a:spcPct val="120000"/>
+              </a:lnSpc>
+              <a:buFont typeface="+mj-lt"/>
+              <a:buAutoNum type="alphaUcPeriod"/>
+            </a:pPr>
+            <a:r>
+              <a:rPr lang="ru-RU" sz="3200" dirty="0"/>
+              <a:t>Не можем просто проигнорировать</a:t>
+            </a:r>
+            <a:r>
+              <a:rPr lang="en-US" sz="3200" dirty="0"/>
+              <a:t> — </a:t>
+            </a:r>
+            <a:r>
+              <a:rPr lang="ru-RU" sz="3200" dirty="0"/>
+              <a:t>должны прийти к консенсусу</a:t>
+            </a:r>
+            <a:endParaRPr lang="ru-RU" sz="2600" dirty="0"/>
+          </a:p>
+          <a:p>
+            <a:pPr lvl="1">
+              <a:lnSpc>
+                <a:spcPct val="120000"/>
+              </a:lnSpc>
+              <a:spcBef>
+                <a:spcPts val="0"/>
+              </a:spcBef>
+            </a:pPr>
+            <a:r>
+              <a:rPr lang="ru-RU" sz="2600" dirty="0"/>
+              <a:t>Выносим дискуссии из комментариев в обсуждение голосом</a:t>
+            </a:r>
+          </a:p>
+          <a:p>
+            <a:pPr lvl="1">
+              <a:lnSpc>
+                <a:spcPct val="120000"/>
+              </a:lnSpc>
+              <a:spcBef>
+                <a:spcPts val="0"/>
+              </a:spcBef>
+            </a:pPr>
+            <a:r>
+              <a:rPr lang="ru-RU" sz="2600" dirty="0">
+                <a:solidFill>
+                  <a:schemeClr val="accent6">
+                    <a:lumMod val="50000"/>
+                  </a:schemeClr>
+                </a:solidFill>
+              </a:rPr>
+              <a:t>Потенциально можно прийти к более качественному решению</a:t>
+            </a:r>
+          </a:p>
+          <a:p>
+            <a:pPr lvl="1">
+              <a:lnSpc>
+                <a:spcPct val="120000"/>
+              </a:lnSpc>
+              <a:spcBef>
+                <a:spcPts val="0"/>
+              </a:spcBef>
+            </a:pPr>
+            <a:r>
+              <a:rPr lang="ru-RU" sz="2600" dirty="0">
+                <a:solidFill>
+                  <a:srgbClr val="C00000"/>
+                </a:solidFill>
+              </a:rPr>
+              <a:t>Много времени</a:t>
+            </a:r>
+          </a:p>
+          <a:p>
+            <a:pPr lvl="1">
+              <a:lnSpc>
+                <a:spcPct val="120000"/>
+              </a:lnSpc>
+              <a:spcBef>
+                <a:spcPts val="0"/>
+              </a:spcBef>
+            </a:pPr>
+            <a:r>
+              <a:rPr lang="ru-RU" sz="2600" dirty="0">
+                <a:solidFill>
+                  <a:srgbClr val="C00000"/>
+                </a:solidFill>
+              </a:rPr>
+              <a:t>Потенциальный источник конфликтов</a:t>
+            </a:r>
+          </a:p>
+          <a:p>
+            <a:pPr marL="0" indent="0">
+              <a:lnSpc>
+                <a:spcPct val="120000"/>
+              </a:lnSpc>
+              <a:buNone/>
+            </a:pPr>
+            <a:r>
+              <a:rPr lang="ru-RU" sz="3200" dirty="0">
+                <a:solidFill>
+                  <a:schemeClr val="accent5">
+                    <a:lumMod val="50000"/>
+                  </a:schemeClr>
+                </a:solidFill>
+              </a:rPr>
+              <a:t>Что делать, чтобы избежать негативных сценариев / уменьшить трения:</a:t>
+            </a:r>
+          </a:p>
+          <a:p>
+            <a:pPr>
+              <a:lnSpc>
+                <a:spcPct val="120000"/>
+              </a:lnSpc>
+              <a:spcBef>
+                <a:spcPts val="300"/>
+              </a:spcBef>
+            </a:pPr>
+            <a:r>
+              <a:rPr lang="ru-RU" sz="2900" dirty="0">
+                <a:solidFill>
+                  <a:schemeClr val="accent6">
+                    <a:lumMod val="50000"/>
+                  </a:schemeClr>
+                </a:solidFill>
+              </a:rPr>
+              <a:t>Некритичные придирки, которые можно спокойно проигнорировать, специально отмечаем ("</a:t>
+            </a:r>
+            <a:r>
+              <a:rPr lang="en" sz="2900" dirty="0">
+                <a:solidFill>
+                  <a:schemeClr val="accent6">
+                    <a:lumMod val="50000"/>
+                  </a:schemeClr>
+                </a:solidFill>
+              </a:rPr>
+              <a:t>nit:" </a:t>
+            </a:r>
+            <a:r>
+              <a:rPr lang="ru-RU" sz="2900" dirty="0">
+                <a:solidFill>
+                  <a:schemeClr val="accent6">
+                    <a:lumMod val="50000"/>
+                  </a:schemeClr>
+                </a:solidFill>
+              </a:rPr>
+              <a:t>от англ. </a:t>
+            </a:r>
+            <a:r>
+              <a:rPr lang="en" sz="2900" dirty="0">
+                <a:solidFill>
+                  <a:schemeClr val="accent6">
+                    <a:lumMod val="50000"/>
+                  </a:schemeClr>
+                </a:solidFill>
+              </a:rPr>
+              <a:t>nitpick (</a:t>
+            </a:r>
+            <a:r>
+              <a:rPr lang="ru-RU" sz="2900" dirty="0">
+                <a:solidFill>
+                  <a:schemeClr val="accent6">
+                    <a:lumMod val="50000"/>
+                  </a:schemeClr>
+                </a:solidFill>
+              </a:rPr>
+              <a:t>придирка))</a:t>
+            </a:r>
+          </a:p>
+          <a:p>
+            <a:pPr>
+              <a:lnSpc>
+                <a:spcPct val="120000"/>
+              </a:lnSpc>
+              <a:spcBef>
+                <a:spcPts val="300"/>
+              </a:spcBef>
+            </a:pPr>
+            <a:r>
+              <a:rPr lang="ru-RU" sz="2900" dirty="0">
+                <a:solidFill>
+                  <a:schemeClr val="accent6">
+                    <a:lumMod val="50000"/>
+                  </a:schemeClr>
+                </a:solidFill>
+              </a:rPr>
+              <a:t>В случае разногласий по каким-либо идеологическим вопросам — обсуждаем всей командой и результат фиксируем в каких-либо документах / стандартах</a:t>
+            </a:r>
+          </a:p>
+          <a:p>
+            <a:endParaRPr lang="ru-RU" dirty="0">
               <a:solidFill>
-                <a:srgbClr val="0070C0"/>
+                <a:schemeClr val="accent5">
+                  <a:lumMod val="50000"/>
+                </a:schemeClr>
               </a:solidFill>
             </a:endParaRPr>
           </a:p>
-        </p:txBody>
-      </p:sp>
-      <p:sp>
-        <p:nvSpPr>
-          <p:cNvPr id="9" name="TextBox 8">
-            <a:extLst>
-              <a:ext uri="{FF2B5EF4-FFF2-40B4-BE49-F238E27FC236}">
-                <a16:creationId xmlns:a16="http://schemas.microsoft.com/office/drawing/2014/main" id="{74BFCFAF-346F-36F1-7996-6D00F45D3B6A}"/>
-              </a:ext>
-            </a:extLst>
-          </p:cNvPr>
-          <p:cNvSpPr txBox="1"/>
-          <p:nvPr/>
-        </p:nvSpPr>
-        <p:spPr>
-          <a:xfrm rot="10800000" flipV="1">
-            <a:off x="9572586" y="6092765"/>
-            <a:ext cx="713678" cy="400110"/>
-          </a:xfrm>
-          <a:prstGeom prst="rect">
-            <a:avLst/>
-          </a:prstGeom>
-          <a:noFill/>
-        </p:spPr>
-        <p:txBody>
-          <a:bodyPr wrap="square" rtlCol="0">
-            <a:spAutoFit/>
-          </a:bodyPr>
-          <a:lstStyle/>
-          <a:p>
-            <a:r>
-              <a:rPr lang="en-US" sz="2000" b="1" dirty="0">
-                <a:solidFill>
-                  <a:srgbClr val="0070C0"/>
-                </a:solidFill>
-              </a:rPr>
-              <a:t>IV</a:t>
-            </a:r>
-            <a:endParaRPr lang="ru-RU" sz="2000" b="1" dirty="0">
-              <a:solidFill>
-                <a:srgbClr val="0070C0"/>
-              </a:solidFill>
-            </a:endParaRPr>
-          </a:p>
-        </p:txBody>
-      </p:sp>
-      <p:sp>
-        <p:nvSpPr>
-          <p:cNvPr id="10" name="TextBox 9">
-            <a:extLst>
-              <a:ext uri="{FF2B5EF4-FFF2-40B4-BE49-F238E27FC236}">
-                <a16:creationId xmlns:a16="http://schemas.microsoft.com/office/drawing/2014/main" id="{20005EF0-2F29-79BC-E7CA-2B8E9DEFAEC5}"/>
-              </a:ext>
-            </a:extLst>
-          </p:cNvPr>
-          <p:cNvSpPr txBox="1"/>
-          <p:nvPr/>
-        </p:nvSpPr>
-        <p:spPr>
-          <a:xfrm flipV="1">
-            <a:off x="3049122" y="6092765"/>
-            <a:ext cx="713678" cy="400110"/>
-          </a:xfrm>
-          <a:prstGeom prst="rect">
-            <a:avLst/>
-          </a:prstGeom>
-          <a:noFill/>
-        </p:spPr>
-        <p:txBody>
-          <a:bodyPr wrap="square" rtlCol="0">
-            <a:spAutoFit/>
-          </a:bodyPr>
-          <a:lstStyle/>
-          <a:p>
-            <a:r>
-              <a:rPr lang="ru-RU" sz="2000" b="1" dirty="0">
-                <a:solidFill>
-                  <a:srgbClr val="0070C0"/>
-                </a:solidFill>
-              </a:rPr>
-              <a:t>I</a:t>
-            </a:r>
-            <a:r>
-              <a:rPr lang="en-US" sz="2000" b="1" dirty="0">
-                <a:solidFill>
-                  <a:srgbClr val="0070C0"/>
-                </a:solidFill>
-              </a:rPr>
-              <a:t>II</a:t>
-            </a:r>
-            <a:endParaRPr lang="ru-RU" sz="2000" b="1" dirty="0">
-              <a:solidFill>
-                <a:srgbClr val="0070C0"/>
-              </a:solidFill>
-            </a:endParaRPr>
-          </a:p>
-        </p:txBody>
-      </p:sp>
-      <p:sp>
-        <p:nvSpPr>
-          <p:cNvPr id="15" name="Выгнутая влево стрелка 14">
-            <a:extLst>
-              <a:ext uri="{FF2B5EF4-FFF2-40B4-BE49-F238E27FC236}">
-                <a16:creationId xmlns:a16="http://schemas.microsoft.com/office/drawing/2014/main" id="{803C8BB3-C270-348F-1DB9-6F9D7DEAE92A}"/>
-              </a:ext>
-            </a:extLst>
-          </p:cNvPr>
-          <p:cNvSpPr/>
-          <p:nvPr/>
-        </p:nvSpPr>
-        <p:spPr>
-          <a:xfrm>
-            <a:off x="1978605" y="2859669"/>
-            <a:ext cx="1070517" cy="3062682"/>
-          </a:xfrm>
-          <a:prstGeom prst="curvedRightArrow">
-            <a:avLst/>
-          </a:prstGeom>
-        </p:spPr>
-        <p:style>
-          <a:lnRef idx="2">
-            <a:schemeClr val="accent1">
-              <a:shade val="15000"/>
-            </a:schemeClr>
-          </a:lnRef>
-          <a:fillRef idx="1">
-            <a:schemeClr val="accent1"/>
-          </a:fillRef>
-          <a:effectRef idx="0">
-            <a:schemeClr val="accent1"/>
-          </a:effectRef>
-          <a:fontRef idx="minor">
-            <a:schemeClr val="lt1"/>
-          </a:fontRef>
-        </p:style>
-        <p:txBody>
-          <a:bodyPr rtlCol="0" anchor="ctr"/>
-          <a:lstStyle/>
-          <a:p>
-            <a:pPr algn="ctr"/>
-            <a:endParaRPr lang="ru-RU">
-              <a:solidFill>
-                <a:schemeClr val="tx1"/>
-              </a:solidFill>
-            </a:endParaRPr>
-          </a:p>
-        </p:txBody>
-      </p:sp>
-      <p:sp>
-        <p:nvSpPr>
-          <p:cNvPr id="3" name="TextBox 2">
-            <a:extLst>
-              <a:ext uri="{FF2B5EF4-FFF2-40B4-BE49-F238E27FC236}">
-                <a16:creationId xmlns:a16="http://schemas.microsoft.com/office/drawing/2014/main" id="{47D01813-91CB-64E8-68FF-DF0BEDCFEAEE}"/>
-              </a:ext>
-            </a:extLst>
-          </p:cNvPr>
-          <p:cNvSpPr txBox="1"/>
-          <p:nvPr/>
-        </p:nvSpPr>
-        <p:spPr>
-          <a:xfrm>
-            <a:off x="313891" y="3418481"/>
-            <a:ext cx="1921164" cy="1477328"/>
-          </a:xfrm>
-          <a:prstGeom prst="rect">
-            <a:avLst/>
-          </a:prstGeom>
-          <a:noFill/>
-        </p:spPr>
-        <p:txBody>
-          <a:bodyPr wrap="square" rtlCol="0">
-            <a:spAutoFit/>
-          </a:bodyPr>
-          <a:lstStyle/>
-          <a:p>
-            <a:r>
-              <a:rPr lang="ru-RU" dirty="0"/>
-              <a:t>Договариваемся о стандартах кодирования.</a:t>
-            </a:r>
-          </a:p>
-          <a:p>
-            <a:r>
-              <a:rPr lang="ru-RU" dirty="0"/>
-              <a:t>Избегаем вкусовщины!</a:t>
-            </a:r>
+          <a:p>
+            <a:pPr marL="0" indent="0">
+              <a:buNone/>
+            </a:pPr>
+            <a:endParaRPr lang="ru-RU" dirty="0"/>
           </a:p>
         </p:txBody>
       </p:sp>
     </p:spTree>
     <p:extLst>
       <p:ext uri="{BB962C8B-B14F-4D97-AF65-F5344CB8AC3E}">
-        <p14:creationId xmlns:p14="http://schemas.microsoft.com/office/powerpoint/2010/main" val="1720778505"/>
+        <p14:creationId xmlns:p14="http://schemas.microsoft.com/office/powerpoint/2010/main" val="4038361670"/>
       </p:ext>
     </p:extLst>
   </p:cSld>
@@ -10809,7 +10960,7 @@
           <p:cNvPr id="2" name="Заголовок 1">
             <a:extLst>
               <a:ext uri="{FF2B5EF4-FFF2-40B4-BE49-F238E27FC236}">
-                <a16:creationId xmlns:a16="http://schemas.microsoft.com/office/drawing/2014/main" id="{D26DDAFE-01DB-CE17-1B2B-5D5E3BC126A5}"/>
+                <a16:creationId xmlns:a16="http://schemas.microsoft.com/office/drawing/2014/main" id="{5F9D75FA-CB93-CE21-037A-25948AB12802}"/>
               </a:ext>
             </a:extLst>
           </p:cNvPr>
@@ -10822,8 +10973,8 @@
         </p:nvSpPr>
         <p:spPr>
           <a:xfrm>
-            <a:off x="838200" y="195002"/>
-            <a:ext cx="10515600" cy="839207"/>
+            <a:off x="838200" y="365125"/>
+            <a:ext cx="10515600" cy="752475"/>
           </a:xfrm>
         </p:spPr>
         <p:txBody>
@@ -10832,7 +10983,15 @@
           <a:p>
             <a:r>
               <a:rPr lang="ru-RU" dirty="0"/>
-              <a:t>Не надо из плохого кода делать идеальный</a:t>
+              <a:t>Стратегия </a:t>
+            </a:r>
+            <a:r>
+              <a:rPr lang="en-US" dirty="0"/>
+              <a:t>B: </a:t>
+            </a:r>
+            <a:r>
+              <a:rPr lang="ru-RU" dirty="0"/>
+              <a:t>Как отвечать ревьюеру</a:t>
             </a:r>
           </a:p>
         </p:txBody>
@@ -10842,7 +11001,7 @@
           <p:cNvPr id="3" name="Объект 2">
             <a:extLst>
               <a:ext uri="{FF2B5EF4-FFF2-40B4-BE49-F238E27FC236}">
-                <a16:creationId xmlns:a16="http://schemas.microsoft.com/office/drawing/2014/main" id="{4CF151A4-69BF-7E36-7577-4791403718E8}"/>
+                <a16:creationId xmlns:a16="http://schemas.microsoft.com/office/drawing/2014/main" id="{2EACF74C-4C2D-5C76-D45B-56C2BD282EC7}"/>
               </a:ext>
             </a:extLst>
           </p:cNvPr>
@@ -10855,8 +11014,8 @@
         </p:nvSpPr>
         <p:spPr>
           <a:xfrm>
-            <a:off x="838199" y="1116419"/>
-            <a:ext cx="10926337" cy="2922362"/>
+            <a:off x="838200" y="1158240"/>
+            <a:ext cx="10515600" cy="2766695"/>
           </a:xfrm>
         </p:spPr>
         <p:txBody>
@@ -10865,139 +11024,90 @@
           </a:bodyPr>
           <a:lstStyle/>
           <a:p>
-            <a:pPr marL="0" indent="0">
-              <a:lnSpc>
-                <a:spcPct val="120000"/>
-              </a:lnSpc>
-              <a:buNone/>
-            </a:pPr>
-            <a:r>
-              <a:rPr lang="ru-RU" b="0" i="0" dirty="0">
+            <a:pPr>
+              <a:lnSpc>
+                <a:spcPct val="110000"/>
+              </a:lnSpc>
+            </a:pPr>
+            <a:r>
+              <a:rPr lang="ru-RU" dirty="0"/>
+              <a:t>Поправил — ответь в тред</a:t>
+            </a:r>
+          </a:p>
+          <a:p>
+            <a:pPr>
+              <a:lnSpc>
+                <a:spcPct val="110000"/>
+              </a:lnSpc>
+            </a:pPr>
+            <a:r>
+              <a:rPr lang="ru-RU" dirty="0"/>
+              <a:t>Если изменение очевидное — ответь с флажком </a:t>
+            </a:r>
+            <a:r>
+              <a:rPr lang="en-US" dirty="0"/>
+              <a:t>resolve</a:t>
+            </a:r>
+          </a:p>
+          <a:p>
+            <a:pPr>
+              <a:lnSpc>
+                <a:spcPct val="110000"/>
+              </a:lnSpc>
+            </a:pPr>
+            <a:r>
+              <a:rPr lang="ru-RU" dirty="0"/>
+              <a:t>Если требуется обсуждение — обсудите голосом, зафиксируйте решение в треде</a:t>
+            </a:r>
+          </a:p>
+          <a:p>
+            <a:pPr lvl="1">
+              <a:lnSpc>
+                <a:spcPct val="110000"/>
+              </a:lnSpc>
+            </a:pPr>
+            <a:r>
+              <a:rPr lang="ru-RU" dirty="0">
                 <a:solidFill>
-                  <a:srgbClr val="333333"/>
+                  <a:schemeClr val="accent5">
+                    <a:lumMod val="50000"/>
+                  </a:schemeClr>
                 </a:solidFill>
-                <a:effectLst/>
-                <a:latin typeface="-apple-system"/>
               </a:rPr>
-              <a:t>На практике можно встретить различные крайности при рассмотрении </a:t>
-            </a:r>
-            <a:r>
-              <a:rPr lang="en" b="0" i="0" dirty="0">
-                <a:solidFill>
-                  <a:srgbClr val="333333"/>
-                </a:solidFill>
-                <a:effectLst/>
-                <a:latin typeface="-apple-system"/>
-              </a:rPr>
-              <a:t>MR.</a:t>
-            </a:r>
-            <a:br>
-              <a:rPr lang="ru-RU" b="0" i="0" dirty="0">
-                <a:solidFill>
-                  <a:srgbClr val="333333"/>
-                </a:solidFill>
-                <a:effectLst/>
-                <a:latin typeface="-apple-system"/>
-              </a:rPr>
-            </a:br>
-            <a:r>
-              <a:rPr lang="ru-RU" b="0" i="0" dirty="0">
-                <a:solidFill>
-                  <a:srgbClr val="333333"/>
-                </a:solidFill>
-                <a:effectLst/>
-                <a:latin typeface="-apple-system"/>
-              </a:rPr>
-              <a:t>Кто-то поверхностно смотрит логику и жмёт "апрув".</a:t>
-            </a:r>
-            <a:br>
-              <a:rPr lang="ru-RU" dirty="0"/>
-            </a:br>
-            <a:r>
-              <a:rPr lang="ru-RU" b="0" i="0" dirty="0">
-                <a:solidFill>
-                  <a:srgbClr val="333333"/>
-                </a:solidFill>
-                <a:effectLst/>
-                <a:latin typeface="-apple-system"/>
-              </a:rPr>
-              <a:t>Кто-то всей командой задалбывает замечаниями, пока всё до мелочей не будет исправлено:</a:t>
+              <a:t>Текст скрывает половину эмоций; например, сказанное в шутливо-дружественном тоне в текстовом виде может казаться жестким наездом. Поэтому, в случае недопонимания общаться только лично!</a:t>
             </a:r>
           </a:p>
           <a:p>
             <a:pPr>
               <a:lnSpc>
-                <a:spcPct val="120000"/>
-              </a:lnSpc>
-              <a:spcBef>
-                <a:spcPts val="500"/>
-              </a:spcBef>
-            </a:pPr>
-            <a:r>
-              <a:rPr lang="ru-RU" dirty="0"/>
-              <a:t>Это отнимает очень много времени </a:t>
-            </a:r>
-          </a:p>
-          <a:p>
-            <a:pPr>
-              <a:lnSpc>
-                <a:spcPct val="120000"/>
-              </a:lnSpc>
-              <a:spcBef>
-                <a:spcPts val="500"/>
-              </a:spcBef>
-            </a:pPr>
-            <a:r>
-              <a:rPr lang="ru-RU" dirty="0"/>
-              <a:t>Слишком демотивирует разработчика</a:t>
-            </a:r>
-          </a:p>
-          <a:p>
-            <a:pPr>
-              <a:lnSpc>
-                <a:spcPct val="120000"/>
-              </a:lnSpc>
-              <a:spcBef>
-                <a:spcPts val="500"/>
-              </a:spcBef>
-            </a:pPr>
-            <a:r>
-              <a:rPr lang="ru-RU" dirty="0"/>
-              <a:t>За большим валом малозначительных замечаний могут затеряться действительно важные (разработчик может их проигнорировать)</a:t>
-            </a:r>
-          </a:p>
-          <a:p>
-            <a:pPr>
-              <a:lnSpc>
-                <a:spcPct val="120000"/>
-              </a:lnSpc>
-              <a:spcBef>
-                <a:spcPts val="500"/>
-              </a:spcBef>
-            </a:pPr>
-            <a:r>
-              <a:rPr lang="en-US" dirty="0"/>
-              <a:t>«Good Enough»</a:t>
-            </a:r>
-            <a:r>
-              <a:rPr lang="ru-RU" dirty="0"/>
-              <a:t> в противовес перфекционизму</a:t>
-            </a:r>
-          </a:p>
-          <a:p>
-            <a:pPr marL="0" indent="0">
-              <a:buNone/>
-            </a:pPr>
-            <a:endParaRPr lang="ru-RU" dirty="0"/>
+                <a:spcPct val="110000"/>
+              </a:lnSpc>
+            </a:pPr>
+            <a:r>
+              <a:rPr lang="ru-RU" dirty="0"/>
+              <a:t>Если не согласны — аргументируйте</a:t>
+            </a:r>
+            <a:endParaRPr lang="en-US" dirty="0"/>
+          </a:p>
+          <a:p>
+            <a:pPr lvl="1">
+              <a:lnSpc>
+                <a:spcPct val="110000"/>
+              </a:lnSpc>
+            </a:pPr>
+            <a:r>
+              <a:rPr lang="ru-RU" sz="2400" dirty="0"/>
+              <a:t>Стараемся аргументированно доказать свою позицию (ссылки на статьи, выступления на конференциях и т.п.</a:t>
+            </a:r>
           </a:p>
         </p:txBody>
       </p:sp>
       <p:pic>
         <p:nvPicPr>
-          <p:cNvPr id="5" name="Рисунок 4">
+          <p:cNvPr id="9" name="Рисунок 8">
             <a:extLst>
               <a:ext uri="{FF2B5EF4-FFF2-40B4-BE49-F238E27FC236}">
-                <a16:creationId xmlns:a16="http://schemas.microsoft.com/office/drawing/2014/main" id="{451D3443-5A9A-A841-D15B-C2EB8845D34E}"/>
+                <a16:creationId xmlns:a16="http://schemas.microsoft.com/office/drawing/2014/main" id="{93A5E2FB-5923-7DB2-68D9-05D2146C87CC}"/>
               </a:ext>
             </a:extLst>
           </p:cNvPr>
@@ -11014,126 +11124,18 @@
         </p:blipFill>
         <p:spPr>
           <a:xfrm>
-            <a:off x="6648075" y="4167964"/>
-            <a:ext cx="5543924" cy="2232837"/>
+            <a:off x="4836160" y="3759410"/>
+            <a:ext cx="7355840" cy="3098589"/>
           </a:xfrm>
           <a:prstGeom prst="rect">
             <a:avLst/>
           </a:prstGeom>
         </p:spPr>
       </p:pic>
-      <p:sp>
-        <p:nvSpPr>
-          <p:cNvPr id="6" name="TextBox 5">
-            <a:extLst>
-              <a:ext uri="{FF2B5EF4-FFF2-40B4-BE49-F238E27FC236}">
-                <a16:creationId xmlns:a16="http://schemas.microsoft.com/office/drawing/2014/main" id="{FA87C8B3-2AE2-CC56-57EB-64B3A173C314}"/>
-              </a:ext>
-            </a:extLst>
-          </p:cNvPr>
-          <p:cNvSpPr txBox="1"/>
-          <p:nvPr/>
-        </p:nvSpPr>
-        <p:spPr>
-          <a:xfrm>
-            <a:off x="80092" y="4070680"/>
-            <a:ext cx="6537251" cy="2436564"/>
-          </a:xfrm>
-          <a:prstGeom prst="rect">
-            <a:avLst/>
-          </a:prstGeom>
-          <a:solidFill>
-            <a:schemeClr val="accent5">
-              <a:lumMod val="20000"/>
-              <a:lumOff val="80000"/>
-            </a:schemeClr>
-          </a:solidFill>
-        </p:spPr>
-        <p:txBody>
-          <a:bodyPr wrap="square" rtlCol="0">
-            <a:spAutoFit/>
-          </a:bodyPr>
-          <a:lstStyle/>
-          <a:p>
-            <a:r>
-              <a:rPr lang="ru-RU" b="1" dirty="0"/>
-              <a:t>Подход </a:t>
-            </a:r>
-            <a:r>
-              <a:rPr lang="en-US" b="1" dirty="0"/>
-              <a:t>Google:</a:t>
-            </a:r>
-            <a:r>
-              <a:rPr lang="ru-RU" dirty="0"/>
-              <a:t> </a:t>
-            </a:r>
-            <a:r>
-              <a:rPr lang="en" dirty="0"/>
-              <a:t>MR </a:t>
-            </a:r>
-            <a:r>
-              <a:rPr lang="ru-RU" dirty="0"/>
-              <a:t>не должен быть идеальным, но он должен улучшать кодовую базу. Т.</a:t>
-            </a:r>
-            <a:r>
-              <a:rPr lang="en-US" dirty="0"/>
-              <a:t> </a:t>
-            </a:r>
-            <a:r>
-              <a:rPr lang="ru-RU" dirty="0"/>
-              <a:t>е</a:t>
-            </a:r>
-            <a:r>
-              <a:rPr lang="en-US" dirty="0"/>
-              <a:t>.</a:t>
-            </a:r>
-            <a:r>
-              <a:rPr lang="ru-RU" dirty="0"/>
-              <a:t> с каждым привносимым изменением код должен становиться лучше и лучше. И если </a:t>
-            </a:r>
-            <a:r>
-              <a:rPr lang="en" dirty="0"/>
-              <a:t>MR </a:t>
-            </a:r>
-            <a:r>
-              <a:rPr lang="ru-RU" dirty="0"/>
-              <a:t>добавляет много хорошего, то не надо придираться к мелочам; выгоднее, чтобы это улучшение попало в код побыстрее.</a:t>
-            </a:r>
-            <a:endParaRPr lang="en-US" dirty="0"/>
-          </a:p>
-          <a:p>
-            <a:pPr>
-              <a:spcBef>
-                <a:spcPts val="1000"/>
-              </a:spcBef>
-            </a:pPr>
-            <a:r>
-              <a:rPr lang="ru-RU" dirty="0"/>
-              <a:t>Никакой </a:t>
-            </a:r>
-            <a:r>
-              <a:rPr lang="en" dirty="0"/>
-              <a:t>MR </a:t>
-            </a:r>
-            <a:r>
-              <a:rPr lang="ru-RU" dirty="0"/>
-              <a:t>не должен делать код хуже. Единственное исключение — это если </a:t>
-            </a:r>
-            <a:r>
-              <a:rPr lang="en" dirty="0"/>
-              <a:t>MR </a:t>
-            </a:r>
-            <a:r>
-              <a:rPr lang="ru-RU" dirty="0"/>
-              <a:t>является срочным фиксом чего-нибудь.</a:t>
-            </a:r>
-          </a:p>
-        </p:txBody>
-      </p:sp>
     </p:spTree>
     <p:extLst>
       <p:ext uri="{BB962C8B-B14F-4D97-AF65-F5344CB8AC3E}">
-        <p14:creationId xmlns:p14="http://schemas.microsoft.com/office/powerpoint/2010/main" val="2905495158"/>
+        <p14:creationId xmlns:p14="http://schemas.microsoft.com/office/powerpoint/2010/main" val="2110756113"/>
       </p:ext>
     </p:extLst>
   </p:cSld>
@@ -11162,8 +11164,14 @@
       </p:grpSpPr>
       <p:sp>
         <p:nvSpPr>
-          <p:cNvPr id="256" name="Чек-лист"/>
-          <p:cNvSpPr txBox="1">
+          <p:cNvPr id="2" name="Заголовок 1">
+            <a:extLst>
+              <a:ext uri="{FF2B5EF4-FFF2-40B4-BE49-F238E27FC236}">
+                <a16:creationId xmlns:a16="http://schemas.microsoft.com/office/drawing/2014/main" id="{BDCA7434-0E2C-D066-E087-235DF683D19D}"/>
+              </a:ext>
+            </a:extLst>
+          </p:cNvPr>
+          <p:cNvSpPr>
             <a:spLocks noGrp="1"/>
           </p:cNvSpPr>
           <p:nvPr>
@@ -11172,35 +11180,31 @@
         </p:nvSpPr>
         <p:spPr>
           <a:xfrm>
-            <a:off x="838200" y="365126"/>
-            <a:ext cx="10515600" cy="928416"/>
+            <a:off x="763858" y="395605"/>
+            <a:ext cx="10515600" cy="894963"/>
           </a:xfrm>
-          <a:prstGeom prst="rect">
-            <a:avLst/>
-          </a:prstGeom>
         </p:spPr>
         <p:txBody>
           <a:bodyPr/>
-          <a:lstStyle>
-            <a:lvl1pPr algn="l"/>
-          </a:lstStyle>
-          <a:p>
-            <a:r>
-              <a:rPr lang="ru-RU" dirty="0"/>
-              <a:t>Оформление </a:t>
-            </a:r>
-            <a:r>
-              <a:rPr lang="en-US" dirty="0"/>
-              <a:t>merge request</a:t>
-            </a:r>
-            <a:endParaRPr lang="ru-RU" dirty="0"/>
+          <a:lstStyle/>
+          <a:p>
+            <a:r>
+              <a:rPr lang="ru-RU" dirty="0"/>
+              <a:t>Формулировки дефектов / комментариев</a:t>
+            </a:r>
           </a:p>
         </p:txBody>
       </p:sp>
       <p:sp>
         <p:nvSpPr>
-          <p:cNvPr id="255" name="Не создаём огромных pull-request’ов…"/>
-          <p:cNvSpPr txBox="1">
+          <p:cNvPr id="3" name="Объект 2">
+            <a:extLst>
+              <a:ext uri="{FF2B5EF4-FFF2-40B4-BE49-F238E27FC236}">
+                <a16:creationId xmlns:a16="http://schemas.microsoft.com/office/drawing/2014/main" id="{775DAEF5-8640-09A5-B512-0004CC23E97E}"/>
+              </a:ext>
+            </a:extLst>
+          </p:cNvPr>
+          <p:cNvSpPr>
             <a:spLocks noGrp="1"/>
           </p:cNvSpPr>
           <p:nvPr>
@@ -11209,87 +11213,326 @@
         </p:nvSpPr>
         <p:spPr>
           <a:xfrm>
-            <a:off x="838200" y="1594624"/>
-            <a:ext cx="10515600" cy="4582339"/>
+            <a:off x="690137" y="1290568"/>
+            <a:ext cx="6125552" cy="5445512"/>
+          </a:xfrm>
+        </p:spPr>
+        <p:txBody>
+          <a:bodyPr>
+            <a:normAutofit/>
+          </a:bodyPr>
+          <a:lstStyle/>
+          <a:p>
+            <a:pPr marL="0" indent="0">
+              <a:lnSpc>
+                <a:spcPct val="100000"/>
+              </a:lnSpc>
+              <a:buNone/>
+            </a:pPr>
+            <a:r>
+              <a:rPr lang="ru-RU" sz="2000" dirty="0"/>
+              <a:t>Используем </a:t>
+            </a:r>
+            <a:r>
+              <a:rPr lang="ru-RU" sz="2000" b="1" dirty="0">
+                <a:solidFill>
+                  <a:schemeClr val="accent6">
+                    <a:lumMod val="50000"/>
+                  </a:schemeClr>
+                </a:solidFill>
+              </a:rPr>
+              <a:t>уважительные формулировки</a:t>
+            </a:r>
+            <a:r>
+              <a:rPr lang="ru-RU" sz="2000" b="1" dirty="0"/>
+              <a:t>,</a:t>
+            </a:r>
+            <a:r>
+              <a:rPr lang="ru-RU" sz="2000" dirty="0"/>
+              <a:t> не переходим на личности,</a:t>
+            </a:r>
+            <a:br>
+              <a:rPr lang="ru-RU" sz="2000" dirty="0"/>
+            </a:br>
+            <a:r>
+              <a:rPr lang="ru-RU" sz="2000" b="1" dirty="0"/>
+              <a:t>не используем </a:t>
+            </a:r>
+            <a:r>
+              <a:rPr lang="ru-RU" sz="2000" b="1" dirty="0">
+                <a:solidFill>
+                  <a:srgbClr val="C00000"/>
+                </a:solidFill>
+              </a:rPr>
+              <a:t>оскорбительных формулировок</a:t>
+            </a:r>
+            <a:r>
+              <a:rPr lang="ru-RU" sz="2000" dirty="0"/>
+              <a:t>, чтобы </a:t>
+            </a:r>
+            <a:r>
+              <a:rPr lang="ru-RU" sz="2000" b="1" dirty="0"/>
+              <a:t>не </a:t>
+            </a:r>
+            <a:r>
+              <a:rPr lang="ru-RU" sz="2000" b="1" dirty="0">
+                <a:solidFill>
+                  <a:srgbClr val="C00000"/>
+                </a:solidFill>
+              </a:rPr>
+              <a:t>демотивировать</a:t>
+            </a:r>
+            <a:r>
+              <a:rPr lang="ru-RU" sz="2000" b="1" dirty="0"/>
+              <a:t> разработчиков</a:t>
+            </a:r>
+            <a:r>
+              <a:rPr lang="ru-RU" sz="2000" dirty="0"/>
+              <a:t> и избежать конфликтов.</a:t>
+            </a:r>
+          </a:p>
+          <a:p>
+            <a:pPr>
+              <a:lnSpc>
+                <a:spcPct val="100000"/>
+              </a:lnSpc>
+            </a:pPr>
+            <a:r>
+              <a:rPr lang="ru-RU" sz="2000" dirty="0"/>
+              <a:t>Нет повелительному наклонению!</a:t>
+            </a:r>
+          </a:p>
+          <a:p>
+            <a:pPr lvl="1">
+              <a:lnSpc>
+                <a:spcPct val="100000"/>
+              </a:lnSpc>
+              <a:spcBef>
+                <a:spcPts val="0"/>
+              </a:spcBef>
+            </a:pPr>
+            <a:r>
+              <a:rPr lang="ru-RU" sz="1800" dirty="0">
+                <a:solidFill>
+                  <a:srgbClr val="C00000"/>
+                </a:solidFill>
+              </a:rPr>
+              <a:t>Сделай, исправь</a:t>
+            </a:r>
+          </a:p>
+          <a:p>
+            <a:pPr lvl="1">
+              <a:lnSpc>
+                <a:spcPct val="100000"/>
+              </a:lnSpc>
+              <a:spcBef>
+                <a:spcPts val="0"/>
+              </a:spcBef>
+            </a:pPr>
+            <a:r>
+              <a:rPr lang="ru-RU" sz="1800" dirty="0">
+                <a:solidFill>
+                  <a:srgbClr val="C00000"/>
+                </a:solidFill>
+              </a:rPr>
+              <a:t>Так не делай, делай так</a:t>
+            </a:r>
+          </a:p>
+          <a:p>
+            <a:pPr lvl="1">
+              <a:lnSpc>
+                <a:spcPct val="100000"/>
+              </a:lnSpc>
+              <a:spcBef>
+                <a:spcPts val="0"/>
+              </a:spcBef>
+            </a:pPr>
+            <a:r>
+              <a:rPr lang="ru-RU" sz="1800" dirty="0">
+                <a:solidFill>
+                  <a:srgbClr val="C00000"/>
+                </a:solidFill>
+              </a:rPr>
+              <a:t>Должен, обязан</a:t>
+            </a:r>
+          </a:p>
+          <a:p>
+            <a:pPr lvl="1">
+              <a:lnSpc>
+                <a:spcPct val="100000"/>
+              </a:lnSpc>
+              <a:spcBef>
+                <a:spcPts val="0"/>
+              </a:spcBef>
+            </a:pPr>
+            <a:r>
+              <a:rPr lang="ru-RU" sz="1800" dirty="0">
+                <a:solidFill>
+                  <a:schemeClr val="accent6">
+                    <a:lumMod val="50000"/>
+                  </a:schemeClr>
+                </a:solidFill>
+              </a:rPr>
+              <a:t>По стандартам этот код выглядит так</a:t>
+            </a:r>
+          </a:p>
+          <a:p>
+            <a:pPr lvl="1">
+              <a:lnSpc>
+                <a:spcPct val="100000"/>
+              </a:lnSpc>
+              <a:spcBef>
+                <a:spcPts val="0"/>
+              </a:spcBef>
+            </a:pPr>
+            <a:r>
+              <a:rPr lang="ru-RU" sz="1800" dirty="0">
+                <a:solidFill>
+                  <a:schemeClr val="accent6">
+                    <a:lumMod val="50000"/>
+                  </a:schemeClr>
+                </a:solidFill>
+              </a:rPr>
+              <a:t>Обычно используется такая конструкция</a:t>
+            </a:r>
+          </a:p>
+          <a:p>
+            <a:pPr lvl="1">
+              <a:lnSpc>
+                <a:spcPct val="100000"/>
+              </a:lnSpc>
+              <a:spcBef>
+                <a:spcPts val="0"/>
+              </a:spcBef>
+            </a:pPr>
+            <a:r>
+              <a:rPr lang="ru-RU" sz="1800" dirty="0">
+                <a:solidFill>
+                  <a:schemeClr val="accent6">
+                    <a:lumMod val="50000"/>
+                  </a:schemeClr>
+                </a:solidFill>
+              </a:rPr>
+              <a:t>В проекте принято делать так</a:t>
+            </a:r>
+          </a:p>
+          <a:p>
+            <a:pPr>
+              <a:lnSpc>
+                <a:spcPct val="100000"/>
+              </a:lnSpc>
+              <a:spcBef>
+                <a:spcPts val="0"/>
+              </a:spcBef>
+            </a:pPr>
+            <a:r>
+              <a:rPr lang="ru-RU" sz="2000" dirty="0"/>
+              <a:t>Слова: </a:t>
+            </a:r>
+            <a:r>
+              <a:rPr lang="ru-RU" sz="2000" dirty="0">
+                <a:solidFill>
+                  <a:schemeClr val="accent6">
+                    <a:lumMod val="50000"/>
+                  </a:schemeClr>
+                </a:solidFill>
+              </a:rPr>
+              <a:t>кажется, думаю, я бы сделал так</a:t>
+            </a:r>
+          </a:p>
+          <a:p>
+            <a:pPr>
+              <a:lnSpc>
+                <a:spcPct val="100000"/>
+              </a:lnSpc>
+              <a:spcBef>
+                <a:spcPts val="0"/>
+              </a:spcBef>
+            </a:pPr>
+            <a:r>
+              <a:rPr lang="ru-RU" sz="2000" dirty="0"/>
+              <a:t>Аргументируйте позицию</a:t>
+            </a:r>
+          </a:p>
+          <a:p>
+            <a:pPr lvl="1">
+              <a:lnSpc>
+                <a:spcPct val="100000"/>
+              </a:lnSpc>
+              <a:spcBef>
+                <a:spcPts val="0"/>
+              </a:spcBef>
+            </a:pPr>
+            <a:r>
+              <a:rPr lang="ru-RU" sz="1800" dirty="0"/>
+              <a:t>Ссылки на статьи</a:t>
+            </a:r>
+          </a:p>
+          <a:p>
+            <a:pPr>
+              <a:lnSpc>
+                <a:spcPct val="100000"/>
+              </a:lnSpc>
+              <a:spcBef>
+                <a:spcPts val="0"/>
+              </a:spcBef>
+            </a:pPr>
+            <a:r>
+              <a:rPr lang="ru-RU" sz="2000" dirty="0"/>
+              <a:t>Критикуя — предлагай!</a:t>
+            </a:r>
+          </a:p>
+          <a:p>
+            <a:pPr lvl="1">
+              <a:lnSpc>
+                <a:spcPct val="100000"/>
+              </a:lnSpc>
+              <a:spcBef>
+                <a:spcPts val="0"/>
+              </a:spcBef>
+            </a:pPr>
+            <a:r>
+              <a:rPr lang="ru-RU" sz="1800" dirty="0"/>
+              <a:t>Приводите примеры правильного кода</a:t>
+            </a:r>
+          </a:p>
+        </p:txBody>
+      </p:sp>
+      <p:pic>
+        <p:nvPicPr>
+          <p:cNvPr id="5" name="Рисунок 4">
+            <a:extLst>
+              <a:ext uri="{FF2B5EF4-FFF2-40B4-BE49-F238E27FC236}">
+                <a16:creationId xmlns:a16="http://schemas.microsoft.com/office/drawing/2014/main" id="{D41C2B3E-D6CA-0368-A859-B8FCD42DEEF8}"/>
+              </a:ext>
+            </a:extLst>
+          </p:cNvPr>
+          <p:cNvPicPr>
+            <a:picLocks noChangeAspect="1"/>
+          </p:cNvPicPr>
+          <p:nvPr/>
+        </p:nvPicPr>
+        <p:blipFill rotWithShape="1">
+          <a:blip r:embed="rId2"/>
+          <a:srcRect l="17406"/>
+          <a:stretch/>
+        </p:blipFill>
+        <p:spPr>
+          <a:xfrm>
+            <a:off x="6815689" y="2194560"/>
+            <a:ext cx="5376310" cy="2896694"/>
           </a:xfrm>
           <a:prstGeom prst="rect">
             <a:avLst/>
           </a:prstGeom>
         </p:spPr>
-        <p:txBody>
-          <a:bodyPr anchor="t">
-            <a:normAutofit/>
-          </a:bodyPr>
-          <a:lstStyle/>
-          <a:p>
-            <a:pPr marL="312528" indent="-312528">
-              <a:defRPr sz="4500"/>
-            </a:pPr>
-            <a:r>
-              <a:rPr lang="ru-RU" sz="3200" dirty="0"/>
-              <a:t>Относительно небольшие коммиты / </a:t>
-            </a:r>
-            <a:r>
-              <a:rPr lang="en-US" sz="3200" dirty="0"/>
-              <a:t>MR</a:t>
-            </a:r>
-          </a:p>
-          <a:p>
-            <a:pPr marL="312528" indent="-312528">
-              <a:defRPr sz="4500"/>
-            </a:pPr>
-            <a:r>
-              <a:rPr lang="ru-RU" sz="3200" dirty="0"/>
-              <a:t>В названии </a:t>
-            </a:r>
-            <a:r>
-              <a:rPr lang="en-US" sz="3200" dirty="0"/>
-              <a:t>MR — </a:t>
-            </a:r>
-            <a:r>
-              <a:rPr lang="ru-RU" sz="3200" dirty="0"/>
-              <a:t>номер задачи</a:t>
-            </a:r>
-          </a:p>
-          <a:p>
-            <a:pPr marL="312528" indent="-312528">
-              <a:defRPr sz="4500"/>
-            </a:pPr>
-            <a:r>
-              <a:rPr lang="ru-RU" sz="3200" dirty="0"/>
-              <a:t>Понятное описание что сделано</a:t>
-            </a:r>
-          </a:p>
-          <a:p>
-            <a:pPr marL="312528" indent="-312528">
-              <a:defRPr sz="4500"/>
-            </a:pPr>
-            <a:r>
-              <a:rPr lang="ru-RU" sz="3200" dirty="0"/>
-              <a:t>Проверяем свой код перед созданием </a:t>
-            </a:r>
-            <a:r>
-              <a:rPr lang="en-US" sz="3200" dirty="0"/>
-              <a:t>pull-request</a:t>
-            </a:r>
-            <a:r>
-              <a:rPr lang="ru-RU" sz="3200" dirty="0"/>
-              <a:t>’а</a:t>
-            </a:r>
-            <a:endParaRPr lang="en-US" sz="3200" dirty="0"/>
-          </a:p>
-          <a:p>
-            <a:pPr marL="312528" indent="-312528">
-              <a:defRPr sz="4500"/>
-            </a:pPr>
-            <a:r>
-              <a:rPr lang="ru-RU" sz="3200" dirty="0"/>
-              <a:t>Прогоняем код через статические анализаторы перед отдачей на ревью</a:t>
-            </a:r>
-          </a:p>
-        </p:txBody>
-      </p:sp>
+      </p:pic>
     </p:spTree>
+    <p:extLst>
+      <p:ext uri="{BB962C8B-B14F-4D97-AF65-F5344CB8AC3E}">
+        <p14:creationId xmlns:p14="http://schemas.microsoft.com/office/powerpoint/2010/main" val="1808713200"/>
+      </p:ext>
+    </p:extLst>
   </p:cSld>
   <p:clrMapOvr>
     <a:masterClrMapping/>
@@ -11575,12 +11818,41 @@
           <a:chExt cx="0" cy="0"/>
         </a:xfrm>
       </p:grpSpPr>
+      <p:pic>
+        <p:nvPicPr>
+          <p:cNvPr id="12" name="Рисунок 11">
+            <a:extLst>
+              <a:ext uri="{FF2B5EF4-FFF2-40B4-BE49-F238E27FC236}">
+                <a16:creationId xmlns:a16="http://schemas.microsoft.com/office/drawing/2014/main" id="{A9ED0BFA-FD02-9F9E-6988-78A8B20B5363}"/>
+              </a:ext>
+            </a:extLst>
+          </p:cNvPr>
+          <p:cNvPicPr>
+            <a:picLocks noChangeAspect="1"/>
+          </p:cNvPicPr>
+          <p:nvPr/>
+        </p:nvPicPr>
+        <p:blipFill rotWithShape="1">
+          <a:blip r:embed="rId3"/>
+          <a:srcRect l="1999" t="3278" r="3771" b="6146"/>
+          <a:stretch/>
+        </p:blipFill>
+        <p:spPr>
+          <a:xfrm>
+            <a:off x="7382782" y="3992"/>
+            <a:ext cx="4786826" cy="3450927"/>
+          </a:xfrm>
+          <a:prstGeom prst="rect">
+            <a:avLst/>
+          </a:prstGeom>
+        </p:spPr>
+      </p:pic>
       <p:sp>
         <p:nvSpPr>
           <p:cNvPr id="2" name="Заголовок 1">
             <a:extLst>
               <a:ext uri="{FF2B5EF4-FFF2-40B4-BE49-F238E27FC236}">
-                <a16:creationId xmlns:a16="http://schemas.microsoft.com/office/drawing/2014/main" id="{5F9D75FA-CB93-CE21-037A-25948AB12802}"/>
+                <a16:creationId xmlns:a16="http://schemas.microsoft.com/office/drawing/2014/main" id="{EDB52A51-419E-F7F4-A81C-1877EF30B6D5}"/>
               </a:ext>
             </a:extLst>
           </p:cNvPr>
@@ -11591,14 +11863,461 @@
             <p:ph type="title"/>
           </p:nvPr>
         </p:nvSpPr>
-        <p:spPr/>
+        <p:spPr>
+          <a:xfrm>
+            <a:off x="838200" y="365125"/>
+            <a:ext cx="10515600" cy="853285"/>
+          </a:xfrm>
+        </p:spPr>
         <p:txBody>
           <a:bodyPr/>
           <a:lstStyle/>
           <a:p>
             <a:r>
               <a:rPr lang="ru-RU" dirty="0"/>
-              <a:t>Как отвечать ревьюеру</a:t>
+              <a:t>Классификация замечаний</a:t>
+            </a:r>
+          </a:p>
+        </p:txBody>
+      </p:sp>
+      <p:sp>
+        <p:nvSpPr>
+          <p:cNvPr id="5" name="TextBox 4">
+            <a:extLst>
+              <a:ext uri="{FF2B5EF4-FFF2-40B4-BE49-F238E27FC236}">
+                <a16:creationId xmlns:a16="http://schemas.microsoft.com/office/drawing/2014/main" id="{0550C149-9854-D8D9-BC1D-80B6FDC6E22A}"/>
+              </a:ext>
+            </a:extLst>
+          </p:cNvPr>
+          <p:cNvSpPr txBox="1"/>
+          <p:nvPr/>
+        </p:nvSpPr>
+        <p:spPr>
+          <a:xfrm>
+            <a:off x="5813669" y="1388824"/>
+            <a:ext cx="1728439" cy="369332"/>
+          </a:xfrm>
+          <a:prstGeom prst="rect">
+            <a:avLst/>
+          </a:prstGeom>
+          <a:noFill/>
+        </p:spPr>
+        <p:txBody>
+          <a:bodyPr wrap="square" rtlCol="0">
+            <a:spAutoFit/>
+          </a:bodyPr>
+          <a:lstStyle/>
+          <a:p>
+            <a:r>
+              <a:rPr lang="ru-RU" dirty="0"/>
+              <a:t>Конфликтность</a:t>
+            </a:r>
+          </a:p>
+        </p:txBody>
+      </p:sp>
+      <p:sp>
+        <p:nvSpPr>
+          <p:cNvPr id="6" name="TextBox 5">
+            <a:extLst>
+              <a:ext uri="{FF2B5EF4-FFF2-40B4-BE49-F238E27FC236}">
+                <a16:creationId xmlns:a16="http://schemas.microsoft.com/office/drawing/2014/main" id="{2091C661-5AFF-0636-288F-D4448B33F1AB}"/>
+              </a:ext>
+            </a:extLst>
+          </p:cNvPr>
+          <p:cNvSpPr txBox="1"/>
+          <p:nvPr/>
+        </p:nvSpPr>
+        <p:spPr>
+          <a:xfrm>
+            <a:off x="9258493" y="4157145"/>
+            <a:ext cx="1728439" cy="369332"/>
+          </a:xfrm>
+          <a:prstGeom prst="rect">
+            <a:avLst/>
+          </a:prstGeom>
+          <a:noFill/>
+        </p:spPr>
+        <p:txBody>
+          <a:bodyPr wrap="square" rtlCol="0">
+            <a:spAutoFit/>
+          </a:bodyPr>
+          <a:lstStyle/>
+          <a:p>
+            <a:r>
+              <a:rPr lang="ru-RU" dirty="0"/>
+              <a:t>Важность</a:t>
+            </a:r>
+          </a:p>
+        </p:txBody>
+      </p:sp>
+      <p:sp>
+        <p:nvSpPr>
+          <p:cNvPr id="7" name="TextBox 6">
+            <a:extLst>
+              <a:ext uri="{FF2B5EF4-FFF2-40B4-BE49-F238E27FC236}">
+                <a16:creationId xmlns:a16="http://schemas.microsoft.com/office/drawing/2014/main" id="{0C18E5F0-8A44-8F13-E1C7-6C4057521E2B}"/>
+              </a:ext>
+            </a:extLst>
+          </p:cNvPr>
+          <p:cNvSpPr txBox="1"/>
+          <p:nvPr/>
+        </p:nvSpPr>
+        <p:spPr>
+          <a:xfrm flipV="1">
+            <a:off x="6971525" y="1946657"/>
+            <a:ext cx="531542" cy="400110"/>
+          </a:xfrm>
+          <a:prstGeom prst="rect">
+            <a:avLst/>
+          </a:prstGeom>
+          <a:noFill/>
+        </p:spPr>
+        <p:txBody>
+          <a:bodyPr wrap="square" rtlCol="0">
+            <a:spAutoFit/>
+          </a:bodyPr>
+          <a:lstStyle/>
+          <a:p>
+            <a:r>
+              <a:rPr lang="ru-RU" sz="2000" b="1" dirty="0">
+                <a:solidFill>
+                  <a:srgbClr val="0070C0"/>
+                </a:solidFill>
+              </a:rPr>
+              <a:t>I</a:t>
+            </a:r>
+          </a:p>
+        </p:txBody>
+      </p:sp>
+      <p:sp>
+        <p:nvSpPr>
+          <p:cNvPr id="8" name="TextBox 7">
+            <a:extLst>
+              <a:ext uri="{FF2B5EF4-FFF2-40B4-BE49-F238E27FC236}">
+                <a16:creationId xmlns:a16="http://schemas.microsoft.com/office/drawing/2014/main" id="{2D278C55-B703-0886-F640-3D872F1FA6AA}"/>
+              </a:ext>
+            </a:extLst>
+          </p:cNvPr>
+          <p:cNvSpPr txBox="1"/>
+          <p:nvPr/>
+        </p:nvSpPr>
+        <p:spPr>
+          <a:xfrm flipV="1">
+            <a:off x="3049122" y="1967491"/>
+            <a:ext cx="713678" cy="400110"/>
+          </a:xfrm>
+          <a:prstGeom prst="rect">
+            <a:avLst/>
+          </a:prstGeom>
+          <a:noFill/>
+        </p:spPr>
+        <p:txBody>
+          <a:bodyPr wrap="square" rtlCol="0">
+            <a:spAutoFit/>
+          </a:bodyPr>
+          <a:lstStyle/>
+          <a:p>
+            <a:r>
+              <a:rPr lang="ru-RU" sz="2000" b="1" dirty="0">
+                <a:solidFill>
+                  <a:srgbClr val="0070C0"/>
+                </a:solidFill>
+              </a:rPr>
+              <a:t>I</a:t>
+            </a:r>
+            <a:r>
+              <a:rPr lang="en-US" sz="2000" b="1" dirty="0">
+                <a:solidFill>
+                  <a:srgbClr val="0070C0"/>
+                </a:solidFill>
+              </a:rPr>
+              <a:t>I</a:t>
+            </a:r>
+            <a:endParaRPr lang="ru-RU" sz="2000" b="1" dirty="0">
+              <a:solidFill>
+                <a:srgbClr val="0070C0"/>
+              </a:solidFill>
+            </a:endParaRPr>
+          </a:p>
+        </p:txBody>
+      </p:sp>
+      <p:sp>
+        <p:nvSpPr>
+          <p:cNvPr id="9" name="TextBox 8">
+            <a:extLst>
+              <a:ext uri="{FF2B5EF4-FFF2-40B4-BE49-F238E27FC236}">
+                <a16:creationId xmlns:a16="http://schemas.microsoft.com/office/drawing/2014/main" id="{74BFCFAF-346F-36F1-7996-6D00F45D3B6A}"/>
+              </a:ext>
+            </a:extLst>
+          </p:cNvPr>
+          <p:cNvSpPr txBox="1"/>
+          <p:nvPr/>
+        </p:nvSpPr>
+        <p:spPr>
+          <a:xfrm rot="10800000" flipV="1">
+            <a:off x="7992484" y="6368439"/>
+            <a:ext cx="455997" cy="400110"/>
+          </a:xfrm>
+          <a:prstGeom prst="rect">
+            <a:avLst/>
+          </a:prstGeom>
+          <a:noFill/>
+        </p:spPr>
+        <p:txBody>
+          <a:bodyPr wrap="square" rtlCol="0">
+            <a:spAutoFit/>
+          </a:bodyPr>
+          <a:lstStyle/>
+          <a:p>
+            <a:r>
+              <a:rPr lang="en-US" sz="2000" b="1" dirty="0">
+                <a:solidFill>
+                  <a:srgbClr val="0070C0"/>
+                </a:solidFill>
+              </a:rPr>
+              <a:t>IV</a:t>
+            </a:r>
+            <a:endParaRPr lang="ru-RU" sz="2000" b="1" dirty="0">
+              <a:solidFill>
+                <a:srgbClr val="0070C0"/>
+              </a:solidFill>
+            </a:endParaRPr>
+          </a:p>
+        </p:txBody>
+      </p:sp>
+      <p:sp>
+        <p:nvSpPr>
+          <p:cNvPr id="10" name="TextBox 9">
+            <a:extLst>
+              <a:ext uri="{FF2B5EF4-FFF2-40B4-BE49-F238E27FC236}">
+                <a16:creationId xmlns:a16="http://schemas.microsoft.com/office/drawing/2014/main" id="{20005EF0-2F29-79BC-E7CA-2B8E9DEFAEC5}"/>
+              </a:ext>
+            </a:extLst>
+          </p:cNvPr>
+          <p:cNvSpPr txBox="1"/>
+          <p:nvPr/>
+        </p:nvSpPr>
+        <p:spPr>
+          <a:xfrm flipV="1">
+            <a:off x="3088878" y="6341241"/>
+            <a:ext cx="713678" cy="400110"/>
+          </a:xfrm>
+          <a:prstGeom prst="rect">
+            <a:avLst/>
+          </a:prstGeom>
+          <a:noFill/>
+        </p:spPr>
+        <p:txBody>
+          <a:bodyPr wrap="square" rtlCol="0">
+            <a:spAutoFit/>
+          </a:bodyPr>
+          <a:lstStyle/>
+          <a:p>
+            <a:r>
+              <a:rPr lang="ru-RU" sz="2000" b="1" dirty="0">
+                <a:solidFill>
+                  <a:srgbClr val="0070C0"/>
+                </a:solidFill>
+              </a:rPr>
+              <a:t>I</a:t>
+            </a:r>
+            <a:r>
+              <a:rPr lang="en-US" sz="2000" b="1" dirty="0">
+                <a:solidFill>
+                  <a:srgbClr val="0070C0"/>
+                </a:solidFill>
+              </a:rPr>
+              <a:t>II</a:t>
+            </a:r>
+            <a:endParaRPr lang="ru-RU" sz="2000" b="1" dirty="0">
+              <a:solidFill>
+                <a:srgbClr val="0070C0"/>
+              </a:solidFill>
+            </a:endParaRPr>
+          </a:p>
+        </p:txBody>
+      </p:sp>
+      <p:sp>
+        <p:nvSpPr>
+          <p:cNvPr id="15" name="Выгнутая влево стрелка 14">
+            <a:extLst>
+              <a:ext uri="{FF2B5EF4-FFF2-40B4-BE49-F238E27FC236}">
+                <a16:creationId xmlns:a16="http://schemas.microsoft.com/office/drawing/2014/main" id="{803C8BB3-C270-348F-1DB9-6F9D7DEAE92A}"/>
+              </a:ext>
+            </a:extLst>
+          </p:cNvPr>
+          <p:cNvSpPr/>
+          <p:nvPr/>
+        </p:nvSpPr>
+        <p:spPr>
+          <a:xfrm>
+            <a:off x="1978605" y="2859669"/>
+            <a:ext cx="1070517" cy="3062682"/>
+          </a:xfrm>
+          <a:prstGeom prst="curvedRightArrow">
+            <a:avLst/>
+          </a:prstGeom>
+        </p:spPr>
+        <p:style>
+          <a:lnRef idx="2">
+            <a:schemeClr val="accent1">
+              <a:shade val="15000"/>
+            </a:schemeClr>
+          </a:lnRef>
+          <a:fillRef idx="1">
+            <a:schemeClr val="accent1"/>
+          </a:fillRef>
+          <a:effectRef idx="0">
+            <a:schemeClr val="accent1"/>
+          </a:effectRef>
+          <a:fontRef idx="minor">
+            <a:schemeClr val="lt1"/>
+          </a:fontRef>
+        </p:style>
+        <p:txBody>
+          <a:bodyPr rtlCol="0" anchor="ctr"/>
+          <a:lstStyle/>
+          <a:p>
+            <a:pPr algn="ctr"/>
+            <a:endParaRPr lang="ru-RU">
+              <a:solidFill>
+                <a:schemeClr val="tx1"/>
+              </a:solidFill>
+            </a:endParaRPr>
+          </a:p>
+        </p:txBody>
+      </p:sp>
+      <p:sp>
+        <p:nvSpPr>
+          <p:cNvPr id="3" name="TextBox 2">
+            <a:extLst>
+              <a:ext uri="{FF2B5EF4-FFF2-40B4-BE49-F238E27FC236}">
+                <a16:creationId xmlns:a16="http://schemas.microsoft.com/office/drawing/2014/main" id="{47D01813-91CB-64E8-68FF-DF0BEDCFEAEE}"/>
+              </a:ext>
+            </a:extLst>
+          </p:cNvPr>
+          <p:cNvSpPr txBox="1"/>
+          <p:nvPr/>
+        </p:nvSpPr>
+        <p:spPr>
+          <a:xfrm>
+            <a:off x="294013" y="3418481"/>
+            <a:ext cx="1921164" cy="1477328"/>
+          </a:xfrm>
+          <a:prstGeom prst="rect">
+            <a:avLst/>
+          </a:prstGeom>
+          <a:noFill/>
+        </p:spPr>
+        <p:txBody>
+          <a:bodyPr wrap="square" rtlCol="0">
+            <a:spAutoFit/>
+          </a:bodyPr>
+          <a:lstStyle/>
+          <a:p>
+            <a:r>
+              <a:rPr lang="ru-RU" dirty="0"/>
+              <a:t>Договариваемся о стандартах кодирования.</a:t>
+            </a:r>
+          </a:p>
+          <a:p>
+            <a:r>
+              <a:rPr lang="ru-RU" dirty="0"/>
+              <a:t>Избегаем вкусовщины!</a:t>
+            </a:r>
+          </a:p>
+        </p:txBody>
+      </p:sp>
+      <p:graphicFrame>
+        <p:nvGraphicFramePr>
+          <p:cNvPr id="4" name="Объект 3">
+            <a:extLst>
+              <a:ext uri="{FF2B5EF4-FFF2-40B4-BE49-F238E27FC236}">
+                <a16:creationId xmlns:a16="http://schemas.microsoft.com/office/drawing/2014/main" id="{85408436-8549-13C7-F6EA-CDEBD6270DA0}"/>
+              </a:ext>
+            </a:extLst>
+          </p:cNvPr>
+          <p:cNvGraphicFramePr>
+            <a:graphicFrameLocks noGrp="1"/>
+          </p:cNvGraphicFramePr>
+          <p:nvPr>
+            <p:ph idx="1"/>
+            <p:extLst>
+              <p:ext uri="{D42A27DB-BD31-4B8C-83A1-F6EECF244321}">
+                <p14:modId xmlns:p14="http://schemas.microsoft.com/office/powerpoint/2010/main" val="2535481318"/>
+              </p:ext>
+            </p:extLst>
+          </p:nvPr>
+        </p:nvGraphicFramePr>
+        <p:xfrm>
+          <a:off x="1567869" y="1825624"/>
+          <a:ext cx="10515600" cy="5032375"/>
+        </p:xfrm>
+        <a:graphic>
+          <a:graphicData uri="http://schemas.openxmlformats.org/drawingml/2006/diagram">
+            <dgm:relIds xmlns:dgm="http://schemas.openxmlformats.org/drawingml/2006/diagram" xmlns:r="http://schemas.openxmlformats.org/officeDocument/2006/relationships" r:dm="rId4" r:lo="rId5" r:qs="rId6" r:cs="rId7"/>
+          </a:graphicData>
+        </a:graphic>
+      </p:graphicFrame>
+    </p:spTree>
+    <p:extLst>
+      <p:ext uri="{BB962C8B-B14F-4D97-AF65-F5344CB8AC3E}">
+        <p14:creationId xmlns:p14="http://schemas.microsoft.com/office/powerpoint/2010/main" val="1720778505"/>
+      </p:ext>
+    </p:extLst>
+  </p:cSld>
+  <p:clrMapOvr>
+    <a:masterClrMapping/>
+  </p:clrMapOvr>
+</p:sld>
+</file>
+
+<file path=ppt/slides/slide21.xml><?xml version="1.0" encoding="utf-8"?>
+<p:sld xmlns:a="http://schemas.openxmlformats.org/drawingml/2006/main" xmlns:r="http://schemas.openxmlformats.org/officeDocument/2006/relationships" xmlns:p="http://schemas.openxmlformats.org/presentationml/2006/main">
+  <p:cSld>
+    <p:spTree>
+      <p:nvGrpSpPr>
+        <p:cNvPr id="1" name=""/>
+        <p:cNvGrpSpPr/>
+        <p:nvPr/>
+      </p:nvGrpSpPr>
+      <p:grpSpPr>
+        <a:xfrm>
+          <a:off x="0" y="0"/>
+          <a:ext cx="0" cy="0"/>
+          <a:chOff x="0" y="0"/>
+          <a:chExt cx="0" cy="0"/>
+        </a:xfrm>
+      </p:grpSpPr>
+      <p:sp>
+        <p:nvSpPr>
+          <p:cNvPr id="2" name="Заголовок 1">
+            <a:extLst>
+              <a:ext uri="{FF2B5EF4-FFF2-40B4-BE49-F238E27FC236}">
+                <a16:creationId xmlns:a16="http://schemas.microsoft.com/office/drawing/2014/main" id="{D26DDAFE-01DB-CE17-1B2B-5D5E3BC126A5}"/>
+              </a:ext>
+            </a:extLst>
+          </p:cNvPr>
+          <p:cNvSpPr>
+            <a:spLocks noGrp="1"/>
+          </p:cNvSpPr>
+          <p:nvPr>
+            <p:ph type="title"/>
+          </p:nvPr>
+        </p:nvSpPr>
+        <p:spPr>
+          <a:xfrm>
+            <a:off x="838200" y="195002"/>
+            <a:ext cx="10515600" cy="839207"/>
+          </a:xfrm>
+        </p:spPr>
+        <p:txBody>
+          <a:bodyPr/>
+          <a:lstStyle/>
+          <a:p>
+            <a:r>
+              <a:rPr lang="ru-RU" dirty="0"/>
+              <a:t>Не надо из плохого кода делать идеальный</a:t>
             </a:r>
           </a:p>
         </p:txBody>
@@ -11608,7 +12327,7 @@
           <p:cNvPr id="3" name="Объект 2">
             <a:extLst>
               <a:ext uri="{FF2B5EF4-FFF2-40B4-BE49-F238E27FC236}">
-                <a16:creationId xmlns:a16="http://schemas.microsoft.com/office/drawing/2014/main" id="{2EACF74C-4C2D-5C76-D45B-56C2BD282EC7}"/>
+                <a16:creationId xmlns:a16="http://schemas.microsoft.com/office/drawing/2014/main" id="{4CF151A4-69BF-7E36-7577-4791403718E8}"/>
               </a:ext>
             </a:extLst>
           </p:cNvPr>
@@ -11619,36 +12338,281 @@
             <p:ph idx="1"/>
           </p:nvPr>
         </p:nvSpPr>
-        <p:spPr/>
+        <p:spPr>
+          <a:xfrm>
+            <a:off x="838199" y="1116419"/>
+            <a:ext cx="10926337" cy="2922362"/>
+          </a:xfrm>
+        </p:spPr>
         <p:txBody>
-          <a:bodyPr/>
+          <a:bodyPr>
+            <a:normAutofit fontScale="70000" lnSpcReduction="20000"/>
+          </a:bodyPr>
           <a:lstStyle/>
           <a:p>
-            <a:r>
-              <a:rPr lang="ru-RU" dirty="0"/>
-              <a:t>Поправил — ответь в тред</a:t>
-            </a:r>
-          </a:p>
-          <a:p>
-            <a:r>
-              <a:rPr lang="ru-RU" dirty="0"/>
-              <a:t>Если изменение очевидное — ответь с флажком </a:t>
+            <a:pPr marL="0" indent="0">
+              <a:lnSpc>
+                <a:spcPct val="120000"/>
+              </a:lnSpc>
+              <a:buNone/>
+            </a:pPr>
+            <a:r>
+              <a:rPr lang="ru-RU" dirty="0"/>
+              <a:t>На практике можно встретить различные крайности при рассмотрении </a:t>
+            </a:r>
+            <a:r>
+              <a:rPr lang="en" dirty="0"/>
+              <a:t>MR:</a:t>
+            </a:r>
+            <a:endParaRPr lang="en-US" dirty="0"/>
+          </a:p>
+          <a:p>
+            <a:pPr>
+              <a:lnSpc>
+                <a:spcPct val="120000"/>
+              </a:lnSpc>
+              <a:spcBef>
+                <a:spcPts val="700"/>
+              </a:spcBef>
+            </a:pPr>
+            <a:r>
+              <a:rPr lang="ru-RU" dirty="0"/>
+              <a:t>Кто-то поверхностно смотрит логику и жмёт </a:t>
             </a:r>
             <a:r>
               <a:rPr lang="en-US" dirty="0"/>
-              <a:t>resolve</a:t>
-            </a:r>
-          </a:p>
-          <a:p>
-            <a:r>
-              <a:rPr lang="ru-RU" dirty="0"/>
-              <a:t>Если требуется обсуждение — обсудите голосом, зафиксируйте решение в треде</a:t>
-            </a:r>
-          </a:p>
-          <a:p>
-            <a:r>
-              <a:rPr lang="ru-RU" dirty="0"/>
-              <a:t>Если не согласны — аргументируйте</a:t>
+              <a:t>«</a:t>
+            </a:r>
+            <a:r>
+              <a:rPr lang="ru-RU" dirty="0"/>
+              <a:t>апрув</a:t>
+            </a:r>
+            <a:r>
+              <a:rPr lang="en-US" dirty="0"/>
+              <a:t>»</a:t>
+            </a:r>
+            <a:r>
+              <a:rPr lang="ru-RU" dirty="0"/>
+              <a:t>.</a:t>
+            </a:r>
+            <a:endParaRPr lang="en-US" dirty="0"/>
+          </a:p>
+          <a:p>
+            <a:pPr>
+              <a:lnSpc>
+                <a:spcPct val="120000"/>
+              </a:lnSpc>
+              <a:spcBef>
+                <a:spcPts val="700"/>
+              </a:spcBef>
+            </a:pPr>
+            <a:r>
+              <a:rPr lang="ru-RU" dirty="0"/>
+              <a:t>Кто-то всей командой задалбывает замечаниями, пока всё до мелочей не будет исправлено:</a:t>
+            </a:r>
+          </a:p>
+          <a:p>
+            <a:pPr lvl="1">
+              <a:lnSpc>
+                <a:spcPct val="120000"/>
+              </a:lnSpc>
+              <a:spcBef>
+                <a:spcPts val="300"/>
+              </a:spcBef>
+            </a:pPr>
+            <a:r>
+              <a:rPr lang="ru-RU" sz="2600" dirty="0"/>
+              <a:t>Это отнимает очень много времени </a:t>
+            </a:r>
+          </a:p>
+          <a:p>
+            <a:pPr lvl="1">
+              <a:lnSpc>
+                <a:spcPct val="120000"/>
+              </a:lnSpc>
+              <a:spcBef>
+                <a:spcPts val="300"/>
+              </a:spcBef>
+            </a:pPr>
+            <a:r>
+              <a:rPr lang="ru-RU" sz="2600" dirty="0"/>
+              <a:t>Слишком демотивирует разработчика</a:t>
+            </a:r>
+          </a:p>
+          <a:p>
+            <a:pPr lvl="1">
+              <a:lnSpc>
+                <a:spcPct val="120000"/>
+              </a:lnSpc>
+              <a:spcBef>
+                <a:spcPts val="300"/>
+              </a:spcBef>
+            </a:pPr>
+            <a:r>
+              <a:rPr lang="ru-RU" sz="2600" dirty="0"/>
+              <a:t>За большим валом малозначительных замечаний могут затеряться действительно важные (разработчик может их проигнорировать)</a:t>
+            </a:r>
+          </a:p>
+          <a:p>
+            <a:pPr lvl="1">
+              <a:lnSpc>
+                <a:spcPct val="120000"/>
+              </a:lnSpc>
+              <a:spcBef>
+                <a:spcPts val="300"/>
+              </a:spcBef>
+            </a:pPr>
+            <a:r>
+              <a:rPr lang="en-US" sz="2600" dirty="0"/>
+              <a:t>«Good Enough»</a:t>
+            </a:r>
+            <a:r>
+              <a:rPr lang="ru-RU" sz="2600" dirty="0"/>
+              <a:t> в противовес перфекционизму</a:t>
+            </a:r>
+          </a:p>
+          <a:p>
+            <a:pPr marL="0" indent="0">
+              <a:buNone/>
+            </a:pPr>
+            <a:endParaRPr lang="ru-RU" dirty="0"/>
+          </a:p>
+        </p:txBody>
+      </p:sp>
+      <p:pic>
+        <p:nvPicPr>
+          <p:cNvPr id="5" name="Рисунок 4">
+            <a:extLst>
+              <a:ext uri="{FF2B5EF4-FFF2-40B4-BE49-F238E27FC236}">
+                <a16:creationId xmlns:a16="http://schemas.microsoft.com/office/drawing/2014/main" id="{451D3443-5A9A-A841-D15B-C2EB8845D34E}"/>
+              </a:ext>
+            </a:extLst>
+          </p:cNvPr>
+          <p:cNvPicPr>
+            <a:picLocks noChangeAspect="1"/>
+          </p:cNvPicPr>
+          <p:nvPr/>
+        </p:nvPicPr>
+        <p:blipFill>
+          <a:blip r:embed="rId2"/>
+          <a:stretch>
+            <a:fillRect/>
+          </a:stretch>
+        </p:blipFill>
+        <p:spPr>
+          <a:xfrm>
+            <a:off x="6648075" y="4167964"/>
+            <a:ext cx="5543924" cy="2232837"/>
+          </a:xfrm>
+          <a:prstGeom prst="rect">
+            <a:avLst/>
+          </a:prstGeom>
+        </p:spPr>
+      </p:pic>
+      <p:sp>
+        <p:nvSpPr>
+          <p:cNvPr id="6" name="TextBox 5">
+            <a:extLst>
+              <a:ext uri="{FF2B5EF4-FFF2-40B4-BE49-F238E27FC236}">
+                <a16:creationId xmlns:a16="http://schemas.microsoft.com/office/drawing/2014/main" id="{FA87C8B3-2AE2-CC56-57EB-64B3A173C314}"/>
+              </a:ext>
+            </a:extLst>
+          </p:cNvPr>
+          <p:cNvSpPr txBox="1"/>
+          <p:nvPr/>
+        </p:nvSpPr>
+        <p:spPr>
+          <a:xfrm>
+            <a:off x="139726" y="4070680"/>
+            <a:ext cx="6537251" cy="2436564"/>
+          </a:xfrm>
+          <a:prstGeom prst="rect">
+            <a:avLst/>
+          </a:prstGeom>
+          <a:solidFill>
+            <a:schemeClr val="accent5">
+              <a:lumMod val="20000"/>
+              <a:lumOff val="80000"/>
+            </a:schemeClr>
+          </a:solidFill>
+        </p:spPr>
+        <p:txBody>
+          <a:bodyPr wrap="square" rtlCol="0">
+            <a:spAutoFit/>
+          </a:bodyPr>
+          <a:lstStyle/>
+          <a:p>
+            <a:r>
+              <a:rPr lang="ru-RU" b="1" dirty="0"/>
+              <a:t>Подход </a:t>
+            </a:r>
+            <a:r>
+              <a:rPr lang="en-US" b="1" dirty="0"/>
+              <a:t>Google:</a:t>
+            </a:r>
+            <a:r>
+              <a:rPr lang="ru-RU" dirty="0"/>
+              <a:t> </a:t>
+            </a:r>
+            <a:r>
+              <a:rPr lang="en" dirty="0"/>
+              <a:t>MR </a:t>
+            </a:r>
+            <a:r>
+              <a:rPr lang="ru-RU" dirty="0"/>
+              <a:t>не должен быть идеальным, но он должен улучшать кодовую базу. Т.</a:t>
+            </a:r>
+            <a:r>
+              <a:rPr lang="en-US" dirty="0"/>
+              <a:t> </a:t>
+            </a:r>
+            <a:r>
+              <a:rPr lang="ru-RU" dirty="0"/>
+              <a:t>е</a:t>
+            </a:r>
+            <a:r>
+              <a:rPr lang="en-US" dirty="0"/>
+              <a:t>.</a:t>
+            </a:r>
+            <a:r>
+              <a:rPr lang="ru-RU" dirty="0"/>
+              <a:t> с каждым привносимым изменением код должен становиться лучше и лучше. И если </a:t>
+            </a:r>
+            <a:r>
+              <a:rPr lang="en" dirty="0"/>
+              <a:t>MR </a:t>
+            </a:r>
+            <a:r>
+              <a:rPr lang="ru-RU" dirty="0"/>
+              <a:t>добавляет много хорошего, то не надо придираться к мелочам; выгоднее, чтобы это улучшение попало в код побыстрее.</a:t>
+            </a:r>
+            <a:endParaRPr lang="en-US" dirty="0"/>
+          </a:p>
+          <a:p>
+            <a:pPr>
+              <a:spcBef>
+                <a:spcPts val="1000"/>
+              </a:spcBef>
+            </a:pPr>
+            <a:r>
+              <a:rPr lang="ru-RU" dirty="0"/>
+              <a:t>Никакой </a:t>
+            </a:r>
+            <a:r>
+              <a:rPr lang="en" dirty="0"/>
+              <a:t>MR </a:t>
+            </a:r>
+            <a:r>
+              <a:rPr lang="ru-RU" dirty="0"/>
+              <a:t>не должен делать код хуже. Единственное исключение — это если </a:t>
+            </a:r>
+            <a:r>
+              <a:rPr lang="en" dirty="0"/>
+              <a:t>MR </a:t>
+            </a:r>
+            <a:r>
+              <a:rPr lang="ru-RU" dirty="0"/>
+              <a:t>является срочным фиксом чего-нибудь.</a:t>
             </a:r>
           </a:p>
         </p:txBody>
@@ -11656,7 +12620,7 @@
     </p:spTree>
     <p:extLst>
       <p:ext uri="{BB962C8B-B14F-4D97-AF65-F5344CB8AC3E}">
-        <p14:creationId xmlns:p14="http://schemas.microsoft.com/office/powerpoint/2010/main" val="1279199168"/>
+        <p14:creationId xmlns:p14="http://schemas.microsoft.com/office/powerpoint/2010/main" val="2905495158"/>
       </p:ext>
     </p:extLst>
   </p:cSld>
@@ -11666,7 +12630,700 @@
 </p:sld>
 </file>
 
-<file path=ppt/slides/slide21.xml><?xml version="1.0" encoding="utf-8"?>
+<file path=ppt/slides/slide22.xml><?xml version="1.0" encoding="utf-8"?>
+<p:sld xmlns:a="http://schemas.openxmlformats.org/drawingml/2006/main" xmlns:r="http://schemas.openxmlformats.org/officeDocument/2006/relationships" xmlns:p="http://schemas.openxmlformats.org/presentationml/2006/main">
+  <p:cSld>
+    <p:spTree>
+      <p:nvGrpSpPr>
+        <p:cNvPr id="1" name=""/>
+        <p:cNvGrpSpPr/>
+        <p:nvPr/>
+      </p:nvGrpSpPr>
+      <p:grpSpPr>
+        <a:xfrm>
+          <a:off x="0" y="0"/>
+          <a:ext cx="0" cy="0"/>
+          <a:chOff x="0" y="0"/>
+          <a:chExt cx="0" cy="0"/>
+        </a:xfrm>
+      </p:grpSpPr>
+      <p:sp>
+        <p:nvSpPr>
+          <p:cNvPr id="2" name="Заголовок 1">
+            <a:extLst>
+              <a:ext uri="{FF2B5EF4-FFF2-40B4-BE49-F238E27FC236}">
+                <a16:creationId xmlns:a16="http://schemas.microsoft.com/office/drawing/2014/main" id="{3C116F9E-130A-7879-3C84-BB4314F269C5}"/>
+              </a:ext>
+            </a:extLst>
+          </p:cNvPr>
+          <p:cNvSpPr>
+            <a:spLocks noGrp="1"/>
+          </p:cNvSpPr>
+          <p:nvPr>
+            <p:ph type="title"/>
+          </p:nvPr>
+        </p:nvSpPr>
+        <p:spPr>
+          <a:xfrm>
+            <a:off x="838200" y="335309"/>
+            <a:ext cx="10515600" cy="1036292"/>
+          </a:xfrm>
+        </p:spPr>
+        <p:txBody>
+          <a:bodyPr/>
+          <a:lstStyle/>
+          <a:p>
+            <a:r>
+              <a:rPr lang="ru-RU" dirty="0"/>
+              <a:t>Насколько большим должен быть </a:t>
+            </a:r>
+            <a:r>
+              <a:rPr lang="en-US" dirty="0"/>
+              <a:t>MR?</a:t>
+            </a:r>
+            <a:endParaRPr lang="ru-RU" dirty="0"/>
+          </a:p>
+        </p:txBody>
+      </p:sp>
+      <p:sp>
+        <p:nvSpPr>
+          <p:cNvPr id="3" name="Объект 2">
+            <a:extLst>
+              <a:ext uri="{FF2B5EF4-FFF2-40B4-BE49-F238E27FC236}">
+                <a16:creationId xmlns:a16="http://schemas.microsoft.com/office/drawing/2014/main" id="{F5EB82B4-D6AE-7ACF-C292-30B7059A5EFB}"/>
+              </a:ext>
+            </a:extLst>
+          </p:cNvPr>
+          <p:cNvSpPr>
+            <a:spLocks noGrp="1"/>
+          </p:cNvSpPr>
+          <p:nvPr>
+            <p:ph idx="1"/>
+          </p:nvPr>
+        </p:nvSpPr>
+        <p:spPr>
+          <a:xfrm>
+            <a:off x="838200" y="1321904"/>
+            <a:ext cx="10515600" cy="5170970"/>
+          </a:xfrm>
+        </p:spPr>
+        <p:txBody>
+          <a:bodyPr>
+            <a:noAutofit/>
+          </a:bodyPr>
+          <a:lstStyle/>
+          <a:p>
+            <a:pPr marL="252000" indent="-252000">
+              <a:lnSpc>
+                <a:spcPct val="100000"/>
+              </a:lnSpc>
+              <a:defRPr sz="4500"/>
+            </a:pPr>
+            <a:r>
+              <a:rPr lang="ru-RU" sz="2400" dirty="0"/>
+              <a:t>Небольшие коммиты / небольшие </a:t>
+            </a:r>
+            <a:r>
+              <a:rPr lang="en-US" sz="2400" dirty="0"/>
+              <a:t>MR</a:t>
+            </a:r>
+            <a:endParaRPr lang="ru-RU" sz="2400" dirty="0"/>
+          </a:p>
+          <a:p>
+            <a:pPr marL="709200" lvl="1" indent="-252000">
+              <a:lnSpc>
+                <a:spcPct val="100000"/>
+              </a:lnSpc>
+              <a:spcBef>
+                <a:spcPts val="300"/>
+              </a:spcBef>
+            </a:pPr>
+            <a:r>
+              <a:rPr lang="ru-RU" sz="1800" dirty="0"/>
+              <a:t>Маленький </a:t>
+            </a:r>
+            <a:r>
+              <a:rPr lang="en" sz="1800" dirty="0"/>
+              <a:t>MR </a:t>
+            </a:r>
+            <a:r>
+              <a:rPr lang="ru-RU" sz="1800" dirty="0"/>
+              <a:t>можно быстро проверить</a:t>
+            </a:r>
+          </a:p>
+          <a:p>
+            <a:pPr marL="709200" lvl="1" indent="-252000">
+              <a:lnSpc>
+                <a:spcPct val="100000"/>
+              </a:lnSpc>
+              <a:spcBef>
+                <a:spcPts val="300"/>
+              </a:spcBef>
+            </a:pPr>
+            <a:r>
+              <a:rPr lang="ru-RU" sz="1800" dirty="0"/>
+              <a:t>Проверка будет более осмысленной</a:t>
+            </a:r>
+            <a:r>
+              <a:rPr lang="en-US" sz="1800" dirty="0"/>
+              <a:t> / </a:t>
+            </a:r>
+            <a:r>
+              <a:rPr lang="ru-RU" sz="1800" dirty="0"/>
+              <a:t>Меньше вероятность упустить баг</a:t>
+            </a:r>
+          </a:p>
+          <a:p>
+            <a:pPr marL="709200" lvl="1" indent="-252000">
+              <a:lnSpc>
+                <a:spcPct val="100000"/>
+              </a:lnSpc>
+              <a:spcBef>
+                <a:spcPts val="300"/>
+              </a:spcBef>
+            </a:pPr>
+            <a:r>
+              <a:rPr lang="ru-RU" sz="1800" dirty="0"/>
+              <a:t>Не так обидно, если весь </a:t>
+            </a:r>
+            <a:r>
+              <a:rPr lang="en" sz="1800" dirty="0"/>
+              <a:t>MR </a:t>
+            </a:r>
+            <a:r>
+              <a:rPr lang="ru-RU" sz="1800" dirty="0"/>
+              <a:t>будет отклонен.</a:t>
+            </a:r>
+          </a:p>
+          <a:p>
+            <a:pPr marL="709200" lvl="1" indent="-252000">
+              <a:lnSpc>
+                <a:spcPct val="100000"/>
+              </a:lnSpc>
+              <a:spcBef>
+                <a:spcPts val="300"/>
+              </a:spcBef>
+            </a:pPr>
+            <a:r>
+              <a:rPr lang="ru-RU" sz="1800" dirty="0"/>
+              <a:t>Проще вливать изменения, меньше конфликтов</a:t>
+            </a:r>
+          </a:p>
+          <a:p>
+            <a:pPr marL="709200" lvl="1" indent="-252000">
+              <a:lnSpc>
+                <a:spcPct val="100000"/>
+              </a:lnSpc>
+              <a:spcBef>
+                <a:spcPts val="300"/>
+              </a:spcBef>
+            </a:pPr>
+            <a:r>
+              <a:rPr lang="ru-RU" sz="1800" dirty="0"/>
+              <a:t>Легче добиться хорошего качества кода</a:t>
+            </a:r>
+          </a:p>
+          <a:p>
+            <a:pPr marL="709200" lvl="1" indent="-252000">
+              <a:lnSpc>
+                <a:spcPct val="100000"/>
+              </a:lnSpc>
+              <a:spcBef>
+                <a:spcPts val="300"/>
+              </a:spcBef>
+            </a:pPr>
+            <a:r>
+              <a:rPr lang="ru-RU" sz="1800" dirty="0"/>
+              <a:t>Чем больше изменений за раз, тем сложнее откатывать код при такой необходимости</a:t>
+            </a:r>
+            <a:endParaRPr lang="en-US" sz="1800" dirty="0"/>
+          </a:p>
+          <a:p>
+            <a:pPr marL="252000" indent="-252000">
+              <a:lnSpc>
+                <a:spcPct val="100000"/>
+              </a:lnSpc>
+              <a:spcBef>
+                <a:spcPts val="700"/>
+              </a:spcBef>
+            </a:pPr>
+            <a:r>
+              <a:rPr lang="ru-RU" sz="2400" dirty="0"/>
+              <a:t>Не смешиваем разные типы изменений в </a:t>
+            </a:r>
+            <a:r>
+              <a:rPr lang="en-US" sz="2400" dirty="0"/>
+              <a:t>MR</a:t>
+            </a:r>
+          </a:p>
+          <a:p>
+            <a:pPr marL="709200" lvl="1" indent="-252000">
+              <a:lnSpc>
+                <a:spcPct val="100000"/>
+              </a:lnSpc>
+              <a:spcBef>
+                <a:spcPts val="300"/>
+              </a:spcBef>
+            </a:pPr>
+            <a:r>
+              <a:rPr lang="ru-RU" sz="1800" dirty="0"/>
+              <a:t>Выделяйте рефакторинг в отдельный </a:t>
+            </a:r>
+            <a:r>
+              <a:rPr lang="en" sz="1800" dirty="0"/>
+              <a:t>MR</a:t>
+            </a:r>
+            <a:endParaRPr lang="en-US" sz="1800" dirty="0"/>
+          </a:p>
+          <a:p>
+            <a:pPr marL="252000" indent="-252000" algn="l">
+              <a:lnSpc>
+                <a:spcPct val="100000"/>
+              </a:lnSpc>
+            </a:pPr>
+            <a:r>
+              <a:rPr lang="en" sz="2400" dirty="0"/>
+              <a:t>MR </a:t>
+            </a:r>
+            <a:r>
+              <a:rPr lang="ru-RU" sz="2400" dirty="0"/>
+              <a:t>должен быть маленьким, но самодостаточным</a:t>
+            </a:r>
+          </a:p>
+          <a:p>
+            <a:pPr marL="709200" lvl="1" indent="-252000">
+              <a:lnSpc>
+                <a:spcPct val="100000"/>
+              </a:lnSpc>
+              <a:spcBef>
+                <a:spcPts val="300"/>
+              </a:spcBef>
+            </a:pPr>
+            <a:r>
+              <a:rPr lang="ru-RU" sz="1800" dirty="0"/>
+              <a:t>Всё, что необходимо ревьюверу для понимания </a:t>
+            </a:r>
+            <a:r>
+              <a:rPr lang="en" sz="1800" dirty="0"/>
+              <a:t>MR, </a:t>
+            </a:r>
+            <a:r>
+              <a:rPr lang="ru-RU" sz="1800" dirty="0"/>
+              <a:t>должно быть в этом </a:t>
+            </a:r>
+            <a:r>
+              <a:rPr lang="en" sz="1800" dirty="0"/>
+              <a:t>MR</a:t>
+            </a:r>
+          </a:p>
+          <a:p>
+            <a:pPr marL="709200" lvl="1" indent="-252000">
+              <a:lnSpc>
+                <a:spcPct val="100000"/>
+              </a:lnSpc>
+              <a:spcBef>
+                <a:spcPts val="300"/>
+              </a:spcBef>
+            </a:pPr>
+            <a:r>
+              <a:rPr lang="ru-RU" sz="1800" dirty="0"/>
+              <a:t>После вливания кода система должна функционировать нормально.</a:t>
+            </a:r>
+          </a:p>
+          <a:p>
+            <a:pPr marL="709200" lvl="1" indent="-252000">
+              <a:lnSpc>
+                <a:spcPct val="100000"/>
+              </a:lnSpc>
+              <a:spcBef>
+                <a:spcPts val="300"/>
+              </a:spcBef>
+            </a:pPr>
+            <a:r>
+              <a:rPr lang="en" sz="1800" dirty="0"/>
+              <a:t>MR </a:t>
+            </a:r>
+            <a:r>
+              <a:rPr lang="ru-RU" sz="1800" dirty="0"/>
+              <a:t>не должен быть настолько маленьким, чтобы трудно было понять как он будет использоваться, к каким последствиям приведет.</a:t>
+            </a:r>
+          </a:p>
+          <a:p>
+            <a:pPr marL="709200" lvl="1" indent="-252000">
+              <a:lnSpc>
+                <a:spcPct val="100000"/>
+              </a:lnSpc>
+              <a:spcBef>
+                <a:spcPts val="300"/>
+              </a:spcBef>
+            </a:pPr>
+            <a:r>
+              <a:rPr lang="ru-RU" sz="1800" dirty="0"/>
+              <a:t>Покрывайте код тестами, причем тесты должны быть в этом же </a:t>
+            </a:r>
+            <a:r>
+              <a:rPr lang="en" sz="1800" dirty="0"/>
+              <a:t>MR</a:t>
+            </a:r>
+          </a:p>
+        </p:txBody>
+      </p:sp>
+    </p:spTree>
+    <p:extLst>
+      <p:ext uri="{BB962C8B-B14F-4D97-AF65-F5344CB8AC3E}">
+        <p14:creationId xmlns:p14="http://schemas.microsoft.com/office/powerpoint/2010/main" val="1042581164"/>
+      </p:ext>
+    </p:extLst>
+  </p:cSld>
+  <p:clrMapOvr>
+    <a:masterClrMapping/>
+  </p:clrMapOvr>
+</p:sld>
+</file>
+
+<file path=ppt/slides/slide23.xml><?xml version="1.0" encoding="utf-8"?>
+<p:sld xmlns:a="http://schemas.openxmlformats.org/drawingml/2006/main" xmlns:r="http://schemas.openxmlformats.org/officeDocument/2006/relationships" xmlns:p="http://schemas.openxmlformats.org/presentationml/2006/main">
+  <p:cSld>
+    <p:spTree>
+      <p:nvGrpSpPr>
+        <p:cNvPr id="1" name=""/>
+        <p:cNvGrpSpPr/>
+        <p:nvPr/>
+      </p:nvGrpSpPr>
+      <p:grpSpPr>
+        <a:xfrm>
+          <a:off x="0" y="0"/>
+          <a:ext cx="0" cy="0"/>
+          <a:chOff x="0" y="0"/>
+          <a:chExt cx="0" cy="0"/>
+        </a:xfrm>
+      </p:grpSpPr>
+      <p:sp>
+        <p:nvSpPr>
+          <p:cNvPr id="256" name="Чек-лист"/>
+          <p:cNvSpPr txBox="1">
+            <a:spLocks noGrp="1"/>
+          </p:cNvSpPr>
+          <p:nvPr>
+            <p:ph type="title"/>
+          </p:nvPr>
+        </p:nvSpPr>
+        <p:spPr>
+          <a:xfrm>
+            <a:off x="838200" y="146466"/>
+            <a:ext cx="10515600" cy="1085986"/>
+          </a:xfrm>
+          <a:prstGeom prst="rect">
+            <a:avLst/>
+          </a:prstGeom>
+        </p:spPr>
+        <p:txBody>
+          <a:bodyPr>
+            <a:normAutofit/>
+          </a:bodyPr>
+          <a:lstStyle>
+            <a:lvl1pPr algn="l"/>
+          </a:lstStyle>
+          <a:p>
+            <a:r>
+              <a:rPr lang="ru-RU" dirty="0"/>
+              <a:t>Подготовка / оформление </a:t>
+            </a:r>
+            <a:r>
+              <a:rPr lang="en-US" dirty="0"/>
+              <a:t>MR</a:t>
+            </a:r>
+            <a:r>
+              <a:rPr lang="ru-RU" dirty="0"/>
+              <a:t> / </a:t>
+            </a:r>
+            <a:r>
+              <a:rPr lang="en-US" dirty="0"/>
+              <a:t>pull request</a:t>
+            </a:r>
+            <a:endParaRPr lang="ru-RU" dirty="0"/>
+          </a:p>
+        </p:txBody>
+      </p:sp>
+      <p:sp>
+        <p:nvSpPr>
+          <p:cNvPr id="255" name="Не создаём огромных pull-request’ов…"/>
+          <p:cNvSpPr txBox="1">
+            <a:spLocks noGrp="1"/>
+          </p:cNvSpPr>
+          <p:nvPr>
+            <p:ph idx="1"/>
+          </p:nvPr>
+        </p:nvSpPr>
+        <p:spPr>
+          <a:xfrm>
+            <a:off x="838200" y="1480929"/>
+            <a:ext cx="11118574" cy="5230605"/>
+          </a:xfrm>
+          <a:prstGeom prst="rect">
+            <a:avLst/>
+          </a:prstGeom>
+        </p:spPr>
+        <p:txBody>
+          <a:bodyPr anchor="t">
+            <a:normAutofit/>
+          </a:bodyPr>
+          <a:lstStyle/>
+          <a:p>
+            <a:pPr marL="312528" indent="-312528">
+              <a:lnSpc>
+                <a:spcPct val="110000"/>
+              </a:lnSpc>
+              <a:spcBef>
+                <a:spcPts val="700"/>
+              </a:spcBef>
+              <a:defRPr sz="4500"/>
+            </a:pPr>
+            <a:r>
+              <a:rPr lang="ru-RU" sz="2400" dirty="0"/>
+              <a:t>В названии </a:t>
+            </a:r>
+            <a:r>
+              <a:rPr lang="en-US" sz="2400" dirty="0"/>
+              <a:t>/ </a:t>
+            </a:r>
+            <a:r>
+              <a:rPr lang="ru-RU" sz="2400" dirty="0"/>
+              <a:t>описании </a:t>
+            </a:r>
+            <a:r>
+              <a:rPr lang="en-US" sz="2400" dirty="0"/>
+              <a:t>MR</a:t>
+            </a:r>
+            <a:r>
+              <a:rPr lang="ru-RU" sz="2400" dirty="0"/>
+              <a:t>:</a:t>
+            </a:r>
+          </a:p>
+          <a:p>
+            <a:pPr marL="769728" lvl="1" indent="-312528">
+              <a:lnSpc>
+                <a:spcPct val="110000"/>
+              </a:lnSpc>
+              <a:spcBef>
+                <a:spcPts val="0"/>
+              </a:spcBef>
+              <a:defRPr sz="4500"/>
+            </a:pPr>
+            <a:r>
+              <a:rPr lang="ru-RU" sz="2000" dirty="0"/>
+              <a:t>номер задачи</a:t>
+            </a:r>
+            <a:endParaRPr lang="en-US" sz="2000" dirty="0"/>
+          </a:p>
+          <a:p>
+            <a:pPr marL="769728" lvl="1" indent="-312528">
+              <a:lnSpc>
+                <a:spcPct val="110000"/>
+              </a:lnSpc>
+              <a:spcBef>
+                <a:spcPts val="0"/>
+              </a:spcBef>
+              <a:defRPr sz="4500"/>
+            </a:pPr>
+            <a:r>
+              <a:rPr lang="ru-RU" sz="2000" dirty="0"/>
+              <a:t>понятное описание что сделано в </a:t>
+            </a:r>
+            <a:r>
+              <a:rPr lang="en" sz="2000" dirty="0"/>
+              <a:t>MR</a:t>
+            </a:r>
+            <a:r>
+              <a:rPr lang="ru-RU" sz="2000" dirty="0"/>
+              <a:t> (императивный стиль </a:t>
+            </a:r>
+            <a:r>
+              <a:rPr lang="en-US" sz="2000" dirty="0"/>
+              <a:t>«</a:t>
+            </a:r>
+            <a:r>
+              <a:rPr lang="en" sz="2000" dirty="0"/>
+              <a:t>Delete blablabla»</a:t>
+            </a:r>
+            <a:r>
+              <a:rPr lang="ru-RU" sz="2000" dirty="0"/>
+              <a:t>)</a:t>
+            </a:r>
+            <a:endParaRPr lang="en-US" sz="2000" dirty="0"/>
+          </a:p>
+          <a:p>
+            <a:pPr marL="769728" lvl="1" indent="-312528">
+              <a:lnSpc>
+                <a:spcPct val="110000"/>
+              </a:lnSpc>
+              <a:spcBef>
+                <a:spcPts val="0"/>
+              </a:spcBef>
+              <a:defRPr sz="4500"/>
+            </a:pPr>
+            <a:r>
+              <a:rPr lang="ru-RU" sz="2000" dirty="0"/>
+              <a:t>описание проблемы</a:t>
+            </a:r>
+          </a:p>
+          <a:p>
+            <a:pPr marL="769728" lvl="1" indent="-312528">
+              <a:lnSpc>
+                <a:spcPct val="110000"/>
+              </a:lnSpc>
+              <a:spcBef>
+                <a:spcPts val="0"/>
+              </a:spcBef>
+              <a:defRPr sz="4500"/>
+            </a:pPr>
+            <a:r>
+              <a:rPr lang="ru-RU" sz="2000" dirty="0"/>
+              <a:t>ссылки на необходимые документы (если необходимо), задачи в </a:t>
+            </a:r>
+            <a:r>
+              <a:rPr lang="en-US" sz="2000" dirty="0"/>
+              <a:t>task tracker</a:t>
+            </a:r>
+            <a:endParaRPr lang="ru-RU" sz="2000" dirty="0"/>
+          </a:p>
+          <a:p>
+            <a:pPr marL="769728" lvl="1" indent="-312528">
+              <a:lnSpc>
+                <a:spcPct val="110000"/>
+              </a:lnSpc>
+              <a:spcBef>
+                <a:spcPts val="0"/>
+              </a:spcBef>
+              <a:defRPr sz="4500"/>
+            </a:pPr>
+            <a:r>
+              <a:rPr lang="ru-RU" sz="2000" dirty="0">
+                <a:solidFill>
+                  <a:srgbClr val="C00000"/>
+                </a:solidFill>
+              </a:rPr>
+              <a:t>описание типа </a:t>
+            </a:r>
+            <a:r>
+              <a:rPr lang="en-US" sz="2000" dirty="0">
+                <a:solidFill>
+                  <a:srgbClr val="C00000"/>
+                </a:solidFill>
+              </a:rPr>
+              <a:t>«</a:t>
+            </a:r>
+            <a:r>
+              <a:rPr lang="en" sz="2000" dirty="0">
+                <a:solidFill>
+                  <a:srgbClr val="C00000"/>
+                </a:solidFill>
+              </a:rPr>
+              <a:t>Fix bug» </a:t>
+            </a:r>
+            <a:r>
+              <a:rPr lang="ru-RU" sz="2000" dirty="0">
+                <a:solidFill>
+                  <a:srgbClr val="C00000"/>
+                </a:solidFill>
+              </a:rPr>
+              <a:t>считается неадекватным</a:t>
+            </a:r>
+            <a:endParaRPr lang="ru-RU" dirty="0"/>
+          </a:p>
+          <a:p>
+            <a:pPr marL="312528" indent="-312528">
+              <a:lnSpc>
+                <a:spcPct val="110000"/>
+              </a:lnSpc>
+              <a:spcBef>
+                <a:spcPts val="700"/>
+              </a:spcBef>
+              <a:defRPr sz="4500"/>
+            </a:pPr>
+            <a:r>
+              <a:rPr lang="ru-RU" sz="2400" dirty="0"/>
+              <a:t>Проверяем свой код перед созданием </a:t>
+            </a:r>
+            <a:r>
+              <a:rPr lang="en-US" sz="2400" dirty="0"/>
+              <a:t>pull-request</a:t>
+            </a:r>
+            <a:r>
+              <a:rPr lang="ru-RU" sz="2400" dirty="0"/>
+              <a:t>’а</a:t>
+            </a:r>
+            <a:endParaRPr lang="en-US" sz="2400" dirty="0"/>
+          </a:p>
+          <a:p>
+            <a:pPr marL="312528" indent="-312528">
+              <a:lnSpc>
+                <a:spcPct val="110000"/>
+              </a:lnSpc>
+              <a:spcBef>
+                <a:spcPts val="700"/>
+              </a:spcBef>
+              <a:defRPr sz="4500"/>
+            </a:pPr>
+            <a:r>
+              <a:rPr lang="ru-RU" sz="2400" dirty="0"/>
+              <a:t>Прогоняем код через статические анализаторы перед отдачей на ревью</a:t>
+            </a:r>
+          </a:p>
+          <a:p>
+            <a:pPr marL="312528" indent="-312528">
+              <a:lnSpc>
+                <a:spcPct val="110000"/>
+              </a:lnSpc>
+              <a:spcBef>
+                <a:spcPts val="700"/>
+              </a:spcBef>
+              <a:defRPr sz="4500"/>
+            </a:pPr>
+            <a:r>
+              <a:rPr lang="ru-RU" sz="2400" dirty="0"/>
+              <a:t>Сделать </a:t>
+            </a:r>
+            <a:r>
+              <a:rPr lang="en" sz="2400" dirty="0"/>
+              <a:t>rebase </a:t>
+            </a:r>
+            <a:r>
+              <a:rPr lang="ru-RU" sz="2400" dirty="0"/>
+              <a:t>коммитов в ветке</a:t>
+            </a:r>
+          </a:p>
+          <a:p>
+            <a:pPr marL="769728" lvl="1" indent="-312528">
+              <a:lnSpc>
+                <a:spcPct val="110000"/>
+              </a:lnSpc>
+              <a:spcBef>
+                <a:spcPts val="0"/>
+              </a:spcBef>
+              <a:defRPr sz="4500"/>
+            </a:pPr>
+            <a:r>
+              <a:rPr lang="ru-RU" sz="2000" dirty="0"/>
+              <a:t>Чтобы был максимально актуальный код и уменьшить конфликты при </a:t>
+            </a:r>
+            <a:r>
+              <a:rPr lang="en-US" sz="2000" dirty="0"/>
+              <a:t>merge</a:t>
+            </a:r>
+            <a:endParaRPr lang="ru-RU" sz="1800" dirty="0"/>
+          </a:p>
+        </p:txBody>
+      </p:sp>
+    </p:spTree>
+  </p:cSld>
+  <p:clrMapOvr>
+    <a:masterClrMapping/>
+  </p:clrMapOvr>
+</p:sld>
+</file>
+
+<file path=ppt/slides/slide24.xml><?xml version="1.0" encoding="utf-8"?>
 <p:sld xmlns:a="http://schemas.openxmlformats.org/drawingml/2006/main" xmlns:r="http://schemas.openxmlformats.org/officeDocument/2006/relationships" xmlns:p="http://schemas.openxmlformats.org/presentationml/2006/main">
   <p:cSld>
     <p:spTree>
@@ -11765,15 +13422,6 @@
               <a:rPr lang="ru-RU" sz="2000" dirty="0"/>
               <a:t>лучше доверить им функции модераторов.</a:t>
             </a:r>
-          </a:p>
-          <a:p>
-            <a:pPr marL="0" indent="0">
-              <a:lnSpc>
-                <a:spcPct val="100000"/>
-              </a:lnSpc>
-              <a:buNone/>
-            </a:pPr>
-            <a:endParaRPr lang="ru-RU" sz="2000" dirty="0"/>
           </a:p>
           <a:p>
             <a:pPr marL="0" indent="0">
@@ -11887,7 +13535,7 @@
 </p:sld>
 </file>
 
-<file path=ppt/slides/slide22.xml><?xml version="1.0" encoding="utf-8"?>
+<file path=ppt/slides/slide25.xml><?xml version="1.0" encoding="utf-8"?>
 <p:sld xmlns:a="http://schemas.openxmlformats.org/drawingml/2006/main" xmlns:r="http://schemas.openxmlformats.org/officeDocument/2006/relationships" xmlns:p="http://schemas.openxmlformats.org/presentationml/2006/main">
   <p:cSld>
     <p:spTree>
@@ -12204,7 +13852,7 @@
 </p:sld>
 </file>
 
-<file path=ppt/slides/slide23.xml><?xml version="1.0" encoding="utf-8"?>
+<file path=ppt/slides/slide26.xml><?xml version="1.0" encoding="utf-8"?>
 <p:sld xmlns:a="http://schemas.openxmlformats.org/drawingml/2006/main" xmlns:r="http://schemas.openxmlformats.org/officeDocument/2006/relationships" xmlns:p="http://schemas.openxmlformats.org/presentationml/2006/main">
   <p:cSld>
     <p:spTree>
@@ -12488,7 +14136,7 @@
 </p:sld>
 </file>
 
-<file path=ppt/slides/slide24.xml><?xml version="1.0" encoding="utf-8"?>
+<file path=ppt/slides/slide27.xml><?xml version="1.0" encoding="utf-8"?>
 <p:sld xmlns:a="http://schemas.openxmlformats.org/drawingml/2006/main" xmlns:r="http://schemas.openxmlformats.org/officeDocument/2006/relationships" xmlns:p="http://schemas.openxmlformats.org/presentationml/2006/main">
   <p:cSld>
     <p:spTree>
@@ -12855,7 +14503,7 @@
 </p:sld>
 </file>
 
-<file path=ppt/slides/slide25.xml><?xml version="1.0" encoding="utf-8"?>
+<file path=ppt/slides/slide28.xml><?xml version="1.0" encoding="utf-8"?>
 <p:sld xmlns:a="http://schemas.openxmlformats.org/drawingml/2006/main" xmlns:r="http://schemas.openxmlformats.org/officeDocument/2006/relationships" xmlns:p="http://schemas.openxmlformats.org/presentationml/2006/main">
   <p:cSld>
     <p:spTree>
@@ -12992,120 +14640,89 @@
               <a:buChar char="•"/>
             </a:pPr>
             <a:r>
-              <a:rPr lang="ru-RU" sz="2000" b="0" i="0" dirty="0">
-                <a:solidFill>
-                  <a:srgbClr val="333333"/>
-                </a:solidFill>
-                <a:effectLst/>
-                <a:latin typeface="-apple-system"/>
-              </a:rPr>
-              <a:t>Нужно быть вежливым, не переходить на личности. Обсуждать код, а не кодера.</a:t>
-            </a:r>
-          </a:p>
-          <a:p>
-            <a:pPr algn="l">
-              <a:lnSpc>
-                <a:spcPct val="100000"/>
-              </a:lnSpc>
-              <a:buFont typeface="Arial" panose="020B0604020202020204" pitchFamily="34" charset="0"/>
-              <a:buChar char="•"/>
-            </a:pPr>
-            <a:r>
-              <a:rPr lang="ru-RU" sz="2000" b="0" i="0" dirty="0">
-                <a:solidFill>
-                  <a:srgbClr val="333333"/>
-                </a:solidFill>
-                <a:effectLst/>
-                <a:latin typeface="-apple-system"/>
-              </a:rPr>
-              <a:t>Не просто </a:t>
-            </a:r>
-            <a:r>
-              <a:rPr lang="ru-RU" sz="2000" b="0" i="0" dirty="0">
-                <a:solidFill>
-                  <a:srgbClr val="C00000"/>
-                </a:solidFill>
-                <a:effectLst/>
-                <a:latin typeface="-apple-system"/>
-              </a:rPr>
-              <a:t>выдавать директивы к исправлениям</a:t>
-            </a:r>
-            <a:r>
-              <a:rPr lang="ru-RU" sz="2000" b="0" i="0" dirty="0">
-                <a:solidFill>
-                  <a:srgbClr val="333333"/>
-                </a:solidFill>
-                <a:effectLst/>
-                <a:latin typeface="-apple-system"/>
-              </a:rPr>
-              <a:t>,</a:t>
-            </a:r>
-            <a:br>
-              <a:rPr lang="ru-RU" sz="2000" b="0" i="0" dirty="0">
-                <a:solidFill>
-                  <a:srgbClr val="333333"/>
-                </a:solidFill>
-                <a:effectLst/>
-                <a:latin typeface="-apple-system"/>
-              </a:rPr>
-            </a:br>
-            <a:r>
-              <a:rPr lang="ru-RU" sz="2000" b="0" i="0" dirty="0">
-                <a:solidFill>
-                  <a:srgbClr val="333333"/>
-                </a:solidFill>
-                <a:effectLst/>
-                <a:latin typeface="-apple-system"/>
-              </a:rPr>
-              <a:t>а </a:t>
-            </a:r>
-            <a:r>
-              <a:rPr lang="ru-RU" sz="2000" b="1" i="0" dirty="0">
+              <a:rPr lang="ru-RU" sz="2000" dirty="0"/>
+              <a:t>Нужно быть </a:t>
+            </a:r>
+            <a:r>
+              <a:rPr lang="ru-RU" sz="2000" b="1" dirty="0">
                 <a:solidFill>
                   <a:schemeClr val="accent6">
                     <a:lumMod val="50000"/>
                   </a:schemeClr>
                 </a:solidFill>
-                <a:effectLst/>
-                <a:latin typeface="-apple-system"/>
               </a:rPr>
-              <a:t>объяснять</a:t>
-            </a:r>
-            <a:r>
-              <a:rPr lang="ru-RU" sz="2000" b="0" i="0" dirty="0">
-                <a:solidFill>
-                  <a:srgbClr val="333333"/>
-                </a:solidFill>
-                <a:effectLst/>
-                <a:latin typeface="-apple-system"/>
-              </a:rPr>
-              <a:t>, почему нужно исправить.</a:t>
-            </a:r>
-          </a:p>
-          <a:p>
-            <a:pPr algn="l">
-              <a:lnSpc>
-                <a:spcPct val="100000"/>
-              </a:lnSpc>
-              <a:buFont typeface="Arial" panose="020B0604020202020204" pitchFamily="34" charset="0"/>
-              <a:buChar char="•"/>
-            </a:pPr>
-            <a:r>
-              <a:rPr lang="ru-RU" sz="2000" b="0" i="0" dirty="0">
-                <a:solidFill>
-                  <a:srgbClr val="333333"/>
-                </a:solidFill>
-                <a:effectLst/>
-                <a:latin typeface="-apple-system"/>
-              </a:rPr>
-              <a:t>Соблюдать баланс:</a:t>
-            </a:r>
-            <a:endParaRPr lang="ru-RU" sz="2000" dirty="0">
+              <a:t>вежливым</a:t>
+            </a:r>
+            <a:r>
+              <a:rPr lang="ru-RU" sz="2000" dirty="0"/>
+              <a:t>, не переходить на личности. Обсуждать код, а не кодера.</a:t>
+            </a:r>
+            <a:endParaRPr lang="ru-RU" sz="2000" b="0" i="0" dirty="0">
               <a:solidFill>
                 <a:srgbClr val="333333"/>
               </a:solidFill>
+              <a:effectLst/>
               <a:latin typeface="-apple-system"/>
             </a:endParaRPr>
+          </a:p>
+          <a:p>
+            <a:pPr algn="l">
+              <a:lnSpc>
+                <a:spcPct val="100000"/>
+              </a:lnSpc>
+              <a:buFont typeface="Arial" panose="020B0604020202020204" pitchFamily="34" charset="0"/>
+              <a:buChar char="•"/>
+            </a:pPr>
+            <a:r>
+              <a:rPr lang="ru-RU" sz="2000" dirty="0"/>
+              <a:t>Не просто </a:t>
+            </a:r>
+            <a:r>
+              <a:rPr lang="ru-RU" sz="2000" dirty="0">
+                <a:solidFill>
+                  <a:srgbClr val="C00000"/>
+                </a:solidFill>
+              </a:rPr>
+              <a:t>выдавать директивы к исправлениям</a:t>
+            </a:r>
+            <a:r>
+              <a:rPr lang="ru-RU" sz="2000" dirty="0"/>
+              <a:t>, а </a:t>
+            </a:r>
+            <a:r>
+              <a:rPr lang="ru-RU" sz="2000" b="1" dirty="0">
+                <a:solidFill>
+                  <a:schemeClr val="accent6">
+                    <a:lumMod val="50000"/>
+                  </a:schemeClr>
+                </a:solidFill>
+              </a:rPr>
+              <a:t>объяснять</a:t>
+            </a:r>
+            <a:r>
+              <a:rPr lang="ru-RU" sz="2000" dirty="0"/>
+              <a:t>, почему нужно исправить.</a:t>
+            </a:r>
+            <a:endParaRPr lang="ru-RU" sz="2000" b="0" i="0" dirty="0">
+              <a:solidFill>
+                <a:srgbClr val="333333"/>
+              </a:solidFill>
+              <a:effectLst/>
+              <a:latin typeface="-apple-system"/>
+            </a:endParaRPr>
+          </a:p>
+          <a:p>
+            <a:pPr algn="l">
+              <a:lnSpc>
+                <a:spcPct val="100000"/>
+              </a:lnSpc>
+              <a:buFont typeface="Arial" panose="020B0604020202020204" pitchFamily="34" charset="0"/>
+              <a:buChar char="•"/>
+            </a:pPr>
+            <a:r>
+              <a:rPr lang="ru-RU" sz="2000" dirty="0"/>
+              <a:t>Соблюдать баланс:</a:t>
+            </a:r>
           </a:p>
           <a:p>
             <a:pPr lvl="1">
@@ -13117,8 +14734,32 @@
               </a:spcBef>
             </a:pPr>
             <a:r>
+              <a:rPr lang="ru-RU" sz="2000" u="sng" dirty="0"/>
+              <a:t>обозначить проблему</a:t>
+            </a:r>
+            <a:r>
               <a:rPr lang="ru-RU" sz="2000" dirty="0"/>
-              <a:t>обозначить проблему и подтолкнуть разработчика, чтобы он сам понял, как лучше ее решить — развивает разработчика + меньше конфликтов (стратегическая выгода);</a:t>
+              <a:t> и подтолкнуть разработчика, </a:t>
+            </a:r>
+            <a:r>
+              <a:rPr lang="ru-RU" sz="2000" u="sng" dirty="0"/>
+              <a:t>чтобы он сам понял, как лучше ее решить</a:t>
+            </a:r>
+            <a:r>
+              <a:rPr lang="ru-RU" sz="2000" dirty="0"/>
+              <a:t> — развивает разработчика + меньше конфликтов (</a:t>
+            </a:r>
+            <a:r>
+              <a:rPr lang="ru-RU" sz="2000" dirty="0">
+                <a:solidFill>
+                  <a:srgbClr val="0070C0"/>
+                </a:solidFill>
+              </a:rPr>
+              <a:t>стратегическая выгода</a:t>
+            </a:r>
+            <a:r>
+              <a:rPr lang="ru-RU" sz="2000" dirty="0"/>
+              <a:t>);</a:t>
             </a:r>
           </a:p>
           <a:p>
@@ -13132,15 +14773,31 @@
             </a:pPr>
             <a:r>
               <a:rPr lang="ru-RU" sz="2000" dirty="0"/>
-              <a:t>сразу выдать готовое решение — ускоряет </a:t>
+              <a:t>сразу </a:t>
+            </a:r>
+            <a:r>
+              <a:rPr lang="ru-RU" sz="2000" u="sng" dirty="0"/>
+              <a:t>выдать готовое решение</a:t>
+            </a:r>
+            <a:r>
+              <a:rPr lang="ru-RU" sz="2000" dirty="0"/>
+              <a:t> — ускоряет </a:t>
             </a:r>
             <a:r>
               <a:rPr lang="en" sz="2000" dirty="0"/>
               <a:t>MR (</a:t>
             </a:r>
             <a:r>
+              <a:rPr lang="ru-RU" sz="2000" dirty="0">
+                <a:solidFill>
+                  <a:srgbClr val="0070C0"/>
+                </a:solidFill>
+              </a:rPr>
+              <a:t>тактическая выгода</a:t>
+            </a:r>
+            <a:r>
               <a:rPr lang="ru-RU" sz="2000" dirty="0"/>
-              <a:t>тактическая выгода).</a:t>
+              <a:t>).</a:t>
             </a:r>
             <a:endParaRPr lang="ru-RU" sz="1600" b="0" i="0" dirty="0">
               <a:solidFill>
@@ -13161,24 +14818,24 @@
             <a:r>
               <a:rPr lang="ru-RU" sz="2000" dirty="0">
                 <a:solidFill>
-                  <a:srgbClr val="0070C0"/>
+                  <a:srgbClr val="002060"/>
                 </a:solidFill>
               </a:rPr>
-              <a:t>Если ревьювер не понял</a:t>
+              <a:t>Если вас просят объяснить какой-то момент в коде</a:t>
             </a:r>
             <a:r>
               <a:rPr lang="ru-RU" sz="2000" dirty="0"/>
-              <a:t> какой-то момент в коде и просит автора объяснить, что к чему, то </a:t>
-            </a:r>
-            <a:r>
-              <a:rPr lang="ru-RU" sz="2000" dirty="0">
+              <a:t>, подумайте, нельзя ли </a:t>
+            </a:r>
+            <a:r>
+              <a:rPr lang="ru-RU" sz="2000" b="1" dirty="0">
                 <a:solidFill>
                   <a:schemeClr val="accent6">
                     <a:lumMod val="50000"/>
                   </a:schemeClr>
                 </a:solidFill>
               </a:rPr>
-              <a:t>лучшим ответом будет изменение кода</a:t>
+              <a:t>поправить код так, чтобы он был понятен без объяснений</a:t>
             </a:r>
             <a:r>
               <a:rPr lang="ru-RU" sz="2000" dirty="0"/>
@@ -13189,16 +14846,8 @@
             </a:br>
             <a:r>
               <a:rPr lang="ru-RU" sz="2000" dirty="0"/>
-              <a:t>Так, чтобы было по коду все было понятно без вопросов.</a:t>
-            </a:r>
-          </a:p>
-          <a:p>
-            <a:pPr>
-              <a:lnSpc>
-                <a:spcPct val="100000"/>
-              </a:lnSpc>
-            </a:pPr>
-            <a:endParaRPr lang="ru-RU" sz="2000" dirty="0"/>
+              <a:t>Потому что, если один не понял, то и другие могут не понять.</a:t>
+            </a:r>
           </a:p>
         </p:txBody>
       </p:sp>
@@ -13215,7 +14864,7 @@
 </p:sld>
 </file>
 
-<file path=ppt/slides/slide26.xml><?xml version="1.0" encoding="utf-8"?>
+<file path=ppt/slides/slide29.xml><?xml version="1.0" encoding="utf-8"?>
 <p:sld xmlns:a="http://schemas.openxmlformats.org/drawingml/2006/main" xmlns:r="http://schemas.openxmlformats.org/officeDocument/2006/relationships" xmlns:p="http://schemas.openxmlformats.org/presentationml/2006/main">
   <p:cSld>
     <p:spTree>
@@ -13237,7 +14886,7 @@
           <p:cNvPr id="2" name="Заголовок 1">
             <a:extLst>
               <a:ext uri="{FF2B5EF4-FFF2-40B4-BE49-F238E27FC236}">
-                <a16:creationId xmlns:a16="http://schemas.microsoft.com/office/drawing/2014/main" id="{13A9B023-1100-AD29-6FFA-15BC8080A29D}"/>
+                <a16:creationId xmlns:a16="http://schemas.microsoft.com/office/drawing/2014/main" id="{D29EDB1A-4C5D-D3B1-1079-31201F2AFCB4}"/>
               </a:ext>
             </a:extLst>
           </p:cNvPr>
@@ -13248,24 +14897,87 @@
             <p:ph type="title"/>
           </p:nvPr>
         </p:nvSpPr>
-        <p:spPr/>
+        <p:spPr>
+          <a:xfrm>
+            <a:off x="838200" y="285614"/>
+            <a:ext cx="10515600" cy="956778"/>
+          </a:xfrm>
+        </p:spPr>
         <p:txBody>
           <a:bodyPr/>
           <a:lstStyle/>
           <a:p>
             <a:r>
               <a:rPr lang="ru-RU" dirty="0"/>
-              <a:t>Резюме</a:t>
+              <a:t>Подход </a:t>
+            </a:r>
+            <a:r>
+              <a:rPr lang="en-US" dirty="0">
+                <a:solidFill>
+                  <a:srgbClr val="0070C0"/>
+                </a:solidFill>
+              </a:rPr>
+              <a:t>G</a:t>
+            </a:r>
+            <a:r>
+              <a:rPr lang="en-US" dirty="0">
+                <a:solidFill>
+                  <a:srgbClr val="C00000"/>
+                </a:solidFill>
+              </a:rPr>
+              <a:t>o</a:t>
+            </a:r>
+            <a:r>
+              <a:rPr lang="en-US" dirty="0">
+                <a:solidFill>
+                  <a:srgbClr val="FFC000"/>
+                </a:solidFill>
+              </a:rPr>
+              <a:t>o</a:t>
+            </a:r>
+            <a:r>
+              <a:rPr lang="en-US" dirty="0">
+                <a:solidFill>
+                  <a:srgbClr val="0070C0"/>
+                </a:solidFill>
+              </a:rPr>
+              <a:t>g</a:t>
+            </a:r>
+            <a:r>
+              <a:rPr lang="en-US" dirty="0">
+                <a:solidFill>
+                  <a:schemeClr val="accent6">
+                    <a:lumMod val="75000"/>
+                  </a:schemeClr>
+                </a:solidFill>
+              </a:rPr>
+              <a:t>l</a:t>
+            </a:r>
+            <a:r>
+              <a:rPr lang="en-US" dirty="0">
+                <a:solidFill>
+                  <a:srgbClr val="C00000"/>
+                </a:solidFill>
+              </a:rPr>
+              <a:t>e</a:t>
+            </a:r>
+            <a:r>
+              <a:rPr lang="en-US" dirty="0"/>
+              <a:t>: </a:t>
+            </a:r>
+            <a:r>
+              <a:rPr lang="ru-RU" dirty="0"/>
+              <a:t>ещё полезные практики</a:t>
             </a:r>
           </a:p>
         </p:txBody>
       </p:sp>
       <p:sp>
         <p:nvSpPr>
-          <p:cNvPr id="6" name="Объект 5">
+          <p:cNvPr id="3" name="Объект 2">
             <a:extLst>
               <a:ext uri="{FF2B5EF4-FFF2-40B4-BE49-F238E27FC236}">
-                <a16:creationId xmlns:a16="http://schemas.microsoft.com/office/drawing/2014/main" id="{1C2CE029-FA24-035A-B323-2DB9A68D97B3}"/>
+                <a16:creationId xmlns:a16="http://schemas.microsoft.com/office/drawing/2014/main" id="{2F909813-89C4-15CE-337E-800F320545C3}"/>
               </a:ext>
             </a:extLst>
           </p:cNvPr>
@@ -13278,100 +14990,93 @@
         </p:nvSpPr>
         <p:spPr>
           <a:xfrm>
-            <a:off x="838200" y="1572322"/>
-            <a:ext cx="10515600" cy="4604641"/>
+            <a:off x="838200" y="1470991"/>
+            <a:ext cx="10515600" cy="4939747"/>
           </a:xfrm>
         </p:spPr>
         <p:txBody>
           <a:bodyPr/>
           <a:lstStyle/>
           <a:p>
-            <a:pPr>
-              <a:lnSpc>
-                <a:spcPct val="100000"/>
-              </a:lnSpc>
-            </a:pPr>
-            <a:r>
-              <a:rPr lang="ru-RU" dirty="0"/>
-              <a:t>Фокусируемся на дефектах, для которых другие методы неэффективны</a:t>
-            </a:r>
-          </a:p>
-          <a:p>
-            <a:pPr lvl="1">
-              <a:lnSpc>
-                <a:spcPct val="100000"/>
-              </a:lnSpc>
-            </a:pPr>
-            <a:r>
-              <a:rPr lang="ru-RU" dirty="0"/>
-              <a:t>Не пытаемся подменить собой статический анализатор</a:t>
-            </a:r>
-          </a:p>
-          <a:p>
-            <a:pPr>
-              <a:lnSpc>
-                <a:spcPct val="100000"/>
-              </a:lnSpc>
-            </a:pPr>
-            <a:r>
-              <a:rPr lang="ru-RU" dirty="0"/>
-              <a:t>Ревьюим атомарные / небольшие коммиты</a:t>
-            </a:r>
-          </a:p>
-          <a:p>
-            <a:pPr>
-              <a:lnSpc>
-                <a:spcPct val="100000"/>
-              </a:lnSpc>
-            </a:pPr>
-            <a:r>
-              <a:rPr lang="ru-RU" dirty="0"/>
-              <a:t>Назначаем ревьюером мейнтейнера (модуля / подсистемы)</a:t>
-            </a:r>
-          </a:p>
-          <a:p>
-            <a:pPr>
-              <a:lnSpc>
-                <a:spcPct val="100000"/>
-              </a:lnSpc>
-            </a:pPr>
-            <a:r>
-              <a:rPr lang="ru-RU" dirty="0"/>
-              <a:t>Нет боксу по переписке (</a:t>
-            </a:r>
-            <a:r>
-              <a:rPr lang="en-US" dirty="0"/>
-              <a:t>«</a:t>
-            </a:r>
-            <a:r>
-              <a:rPr lang="ru-RU" dirty="0"/>
-              <a:t>срачу в комментах</a:t>
-            </a:r>
-            <a:r>
-              <a:rPr lang="en-US" dirty="0"/>
-              <a:t>»</a:t>
-            </a:r>
-            <a:r>
-              <a:rPr lang="ru-RU" dirty="0"/>
-              <a:t>)</a:t>
-            </a:r>
-            <a:endParaRPr lang="en-US" dirty="0"/>
-          </a:p>
-          <a:p>
-            <a:pPr>
-              <a:lnSpc>
-                <a:spcPct val="100000"/>
-              </a:lnSpc>
-            </a:pPr>
-            <a:r>
-              <a:rPr lang="ru-RU" dirty="0"/>
-              <a:t>Не делаем из плохого кода идеальный</a:t>
-            </a:r>
-          </a:p>
-          <a:p>
-            <a:endParaRPr lang="ru-RU" dirty="0"/>
-          </a:p>
-          <a:p>
+            <a:r>
+              <a:rPr lang="ru-RU" dirty="0"/>
+              <a:t>Если с вашим мнением не согласны — нужно разобраться детально.</a:t>
+            </a:r>
+          </a:p>
+          <a:p>
+            <a:pPr lvl="1"/>
+            <a:r>
+              <a:rPr lang="ru-RU" dirty="0"/>
+              <a:t>Возможно, вы чего-то не понимаете, запросите больше информации. Возможно наоборот. В любом случае, зачастую понимание приходит только после пары раундов объяснений с обеих сторон.</a:t>
+            </a:r>
+          </a:p>
+          <a:p>
+            <a:r>
+              <a:rPr lang="ru-RU" dirty="0"/>
+              <a:t>Автор </a:t>
+            </a:r>
+            <a:r>
+              <a:rPr lang="en" dirty="0"/>
+              <a:t>MR </a:t>
+            </a:r>
+            <a:r>
+              <a:rPr lang="ru-RU" dirty="0"/>
+              <a:t>должен сделать всё, чтобы </a:t>
+            </a:r>
+            <a:r>
+              <a:rPr lang="ru-RU" dirty="0">
+                <a:solidFill>
+                  <a:schemeClr val="accent6">
+                    <a:lumMod val="50000"/>
+                  </a:schemeClr>
+                </a:solidFill>
+              </a:rPr>
+              <a:t>облегчить задачу ревьюверу</a:t>
+            </a:r>
+            <a:r>
+              <a:rPr lang="ru-RU" dirty="0"/>
+              <a:t>; чтобы ревьювер понял:</a:t>
+            </a:r>
+          </a:p>
+          <a:p>
+            <a:pPr lvl="1"/>
+            <a:r>
+              <a:rPr lang="ru-RU" u="sng" dirty="0"/>
+              <a:t>для чего</a:t>
+            </a:r>
+            <a:r>
+              <a:rPr lang="ru-RU" dirty="0"/>
+              <a:t> был сделан код,</a:t>
+            </a:r>
+          </a:p>
+          <a:p>
+            <a:pPr lvl="1"/>
+            <a:r>
+              <a:rPr lang="ru-RU" u="sng" dirty="0"/>
+              <a:t>как</a:t>
+            </a:r>
+            <a:r>
+              <a:rPr lang="ru-RU" dirty="0"/>
+              <a:t> был сделан код,</a:t>
+            </a:r>
+          </a:p>
+          <a:p>
+            <a:pPr lvl="1"/>
+            <a:r>
+              <a:rPr lang="ru-RU" dirty="0"/>
+              <a:t>должен быть весь необходимый для понимания </a:t>
+            </a:r>
+            <a:r>
+              <a:rPr lang="ru-RU" u="sng" dirty="0"/>
+              <a:t>контекст</a:t>
+            </a:r>
+            <a:r>
+              <a:rPr lang="ru-RU" dirty="0"/>
+              <a:t> и т.д.</a:t>
+            </a:r>
+            <a:br>
+              <a:rPr lang="ru-RU" dirty="0"/>
+            </a:br>
             <a:endParaRPr lang="ru-RU" dirty="0"/>
           </a:p>
         </p:txBody>
@@ -13379,70 +15084,7 @@
     </p:spTree>
     <p:extLst>
       <p:ext uri="{BB962C8B-B14F-4D97-AF65-F5344CB8AC3E}">
-        <p14:creationId xmlns:p14="http://schemas.microsoft.com/office/powerpoint/2010/main" val="1710272072"/>
-      </p:ext>
-    </p:extLst>
-  </p:cSld>
-  <p:clrMapOvr>
-    <a:masterClrMapping/>
-  </p:clrMapOvr>
-</p:sld>
-</file>
-
-<file path=ppt/slides/slide27.xml><?xml version="1.0" encoding="utf-8"?>
-<p:sld xmlns:a="http://schemas.openxmlformats.org/drawingml/2006/main" xmlns:r="http://schemas.openxmlformats.org/officeDocument/2006/relationships" xmlns:p="http://schemas.openxmlformats.org/presentationml/2006/main">
-  <p:cSld>
-    <p:spTree>
-      <p:nvGrpSpPr>
-        <p:cNvPr id="1" name=""/>
-        <p:cNvGrpSpPr/>
-        <p:nvPr/>
-      </p:nvGrpSpPr>
-      <p:grpSpPr>
-        <a:xfrm>
-          <a:off x="0" y="0"/>
-          <a:ext cx="0" cy="0"/>
-          <a:chOff x="0" y="0"/>
-          <a:chExt cx="0" cy="0"/>
-        </a:xfrm>
-      </p:grpSpPr>
-      <p:pic>
-        <p:nvPicPr>
-          <p:cNvPr id="4" name="3eyts1.jpg" descr="3eyts1.jpg">
-            <a:extLst>
-              <a:ext uri="{FF2B5EF4-FFF2-40B4-BE49-F238E27FC236}">
-                <a16:creationId xmlns:a16="http://schemas.microsoft.com/office/drawing/2014/main" id="{C2E2FD84-EC55-79BC-87DD-58F157599A64}"/>
-              </a:ext>
-            </a:extLst>
-          </p:cNvPr>
-          <p:cNvPicPr>
-            <a:picLocks noChangeAspect="1"/>
-          </p:cNvPicPr>
-          <p:nvPr/>
-        </p:nvPicPr>
-        <p:blipFill>
-          <a:blip r:embed="rId2"/>
-          <a:stretch>
-            <a:fillRect/>
-          </a:stretch>
-        </p:blipFill>
-        <p:spPr>
-          <a:xfrm>
-            <a:off x="1708010" y="1128635"/>
-            <a:ext cx="8492594" cy="4616094"/>
-          </a:xfrm>
-          <a:prstGeom prst="rect">
-            <a:avLst/>
-          </a:prstGeom>
-          <a:ln w="12700">
-            <a:miter lim="400000"/>
-          </a:ln>
-        </p:spPr>
-      </p:pic>
-    </p:spTree>
-    <p:extLst>
-      <p:ext uri="{BB962C8B-B14F-4D97-AF65-F5344CB8AC3E}">
-        <p14:creationId xmlns:p14="http://schemas.microsoft.com/office/powerpoint/2010/main" val="3457053836"/>
+        <p14:creationId xmlns:p14="http://schemas.microsoft.com/office/powerpoint/2010/main" val="914044502"/>
       </p:ext>
     </p:extLst>
   </p:cSld>
@@ -13631,36 +15273,6 @@
       </p:sp>
       <p:sp>
         <p:nvSpPr>
-          <p:cNvPr id="5" name="Slide Number Placeholder 4">
-            <a:extLst>
-              <a:ext uri="{FF2B5EF4-FFF2-40B4-BE49-F238E27FC236}">
-                <a16:creationId xmlns:a16="http://schemas.microsoft.com/office/drawing/2014/main" id="{AFD7DA98-3252-4EC2-B899-D99D518FAD41}"/>
-              </a:ext>
-            </a:extLst>
-          </p:cNvPr>
-          <p:cNvSpPr>
-            <a:spLocks noGrp="1"/>
-          </p:cNvSpPr>
-          <p:nvPr>
-            <p:ph type="sldNum" sz="quarter" idx="12"/>
-          </p:nvPr>
-        </p:nvSpPr>
-        <p:spPr/>
-        <p:txBody>
-          <a:bodyPr/>
-          <a:lstStyle/>
-          <a:p>
-            <a:fld id="{3A707DD9-E92B-45E8-BE0A-E6B2EDF345EB}" type="slidenum">
-              <a:rPr lang="en-US" smtClean="0"/>
-              <a:pPr/>
-              <a:t>3</a:t>
-            </a:fld>
-            <a:endParaRPr lang="en-US" dirty="0"/>
-          </a:p>
-        </p:txBody>
-      </p:sp>
-      <p:sp>
-        <p:nvSpPr>
           <p:cNvPr id="6" name="Заголовок 1">
             <a:extLst>
               <a:ext uri="{FF2B5EF4-FFF2-40B4-BE49-F238E27FC236}">
@@ -13807,6 +15419,1502 @@
 </p:sld>
 </file>
 
+<file path=ppt/slides/slide30.xml><?xml version="1.0" encoding="utf-8"?>
+<p:sld xmlns:a="http://schemas.openxmlformats.org/drawingml/2006/main" xmlns:r="http://schemas.openxmlformats.org/officeDocument/2006/relationships" xmlns:p="http://schemas.openxmlformats.org/presentationml/2006/main">
+  <p:cSld>
+    <p:spTree>
+      <p:nvGrpSpPr>
+        <p:cNvPr id="1" name=""/>
+        <p:cNvGrpSpPr/>
+        <p:nvPr/>
+      </p:nvGrpSpPr>
+      <p:grpSpPr>
+        <a:xfrm>
+          <a:off x="0" y="0"/>
+          <a:ext cx="0" cy="0"/>
+          <a:chOff x="0" y="0"/>
+          <a:chExt cx="0" cy="0"/>
+        </a:xfrm>
+      </p:grpSpPr>
+      <p:sp>
+        <p:nvSpPr>
+          <p:cNvPr id="2" name="Заголовок 1">
+            <a:extLst>
+              <a:ext uri="{FF2B5EF4-FFF2-40B4-BE49-F238E27FC236}">
+                <a16:creationId xmlns:a16="http://schemas.microsoft.com/office/drawing/2014/main" id="{13A9B023-1100-AD29-6FFA-15BC8080A29D}"/>
+              </a:ext>
+            </a:extLst>
+          </p:cNvPr>
+          <p:cNvSpPr>
+            <a:spLocks noGrp="1"/>
+          </p:cNvSpPr>
+          <p:nvPr>
+            <p:ph type="title"/>
+          </p:nvPr>
+        </p:nvSpPr>
+        <p:spPr/>
+        <p:txBody>
+          <a:bodyPr/>
+          <a:lstStyle/>
+          <a:p>
+            <a:r>
+              <a:rPr lang="ru-RU" dirty="0"/>
+              <a:t>Резюме</a:t>
+            </a:r>
+          </a:p>
+        </p:txBody>
+      </p:sp>
+      <p:sp>
+        <p:nvSpPr>
+          <p:cNvPr id="6" name="Объект 5">
+            <a:extLst>
+              <a:ext uri="{FF2B5EF4-FFF2-40B4-BE49-F238E27FC236}">
+                <a16:creationId xmlns:a16="http://schemas.microsoft.com/office/drawing/2014/main" id="{1C2CE029-FA24-035A-B323-2DB9A68D97B3}"/>
+              </a:ext>
+            </a:extLst>
+          </p:cNvPr>
+          <p:cNvSpPr>
+            <a:spLocks noGrp="1"/>
+          </p:cNvSpPr>
+          <p:nvPr>
+            <p:ph idx="1"/>
+          </p:nvPr>
+        </p:nvSpPr>
+        <p:spPr>
+          <a:xfrm>
+            <a:off x="838200" y="1572322"/>
+            <a:ext cx="10515600" cy="4604641"/>
+          </a:xfrm>
+        </p:spPr>
+        <p:txBody>
+          <a:bodyPr/>
+          <a:lstStyle/>
+          <a:p>
+            <a:pPr>
+              <a:lnSpc>
+                <a:spcPct val="100000"/>
+              </a:lnSpc>
+            </a:pPr>
+            <a:r>
+              <a:rPr lang="ru-RU" dirty="0"/>
+              <a:t>Фокусируемся на дефектах, для которых другие методы неэффективны</a:t>
+            </a:r>
+          </a:p>
+          <a:p>
+            <a:pPr lvl="1">
+              <a:lnSpc>
+                <a:spcPct val="100000"/>
+              </a:lnSpc>
+            </a:pPr>
+            <a:r>
+              <a:rPr lang="ru-RU" dirty="0"/>
+              <a:t>Не пытаемся подменить собой статический анализатор</a:t>
+            </a:r>
+          </a:p>
+          <a:p>
+            <a:pPr>
+              <a:lnSpc>
+                <a:spcPct val="100000"/>
+              </a:lnSpc>
+            </a:pPr>
+            <a:r>
+              <a:rPr lang="ru-RU" dirty="0"/>
+              <a:t>Ревьюим атомарные / небольшие коммиты</a:t>
+            </a:r>
+          </a:p>
+          <a:p>
+            <a:pPr>
+              <a:lnSpc>
+                <a:spcPct val="100000"/>
+              </a:lnSpc>
+            </a:pPr>
+            <a:r>
+              <a:rPr lang="ru-RU" dirty="0"/>
+              <a:t>Назначаем ревьюером мейнтейнера (модуля / подсистемы)</a:t>
+            </a:r>
+          </a:p>
+          <a:p>
+            <a:pPr>
+              <a:lnSpc>
+                <a:spcPct val="100000"/>
+              </a:lnSpc>
+            </a:pPr>
+            <a:r>
+              <a:rPr lang="ru-RU" dirty="0"/>
+              <a:t>Нет боксу по переписке (</a:t>
+            </a:r>
+            <a:r>
+              <a:rPr lang="en-US" dirty="0"/>
+              <a:t>«</a:t>
+            </a:r>
+            <a:r>
+              <a:rPr lang="ru-RU" dirty="0"/>
+              <a:t>срачу в комментах</a:t>
+            </a:r>
+            <a:r>
+              <a:rPr lang="en-US" dirty="0"/>
+              <a:t>»</a:t>
+            </a:r>
+            <a:r>
+              <a:rPr lang="ru-RU" dirty="0"/>
+              <a:t>)</a:t>
+            </a:r>
+            <a:endParaRPr lang="en-US" dirty="0"/>
+          </a:p>
+          <a:p>
+            <a:pPr>
+              <a:lnSpc>
+                <a:spcPct val="100000"/>
+              </a:lnSpc>
+            </a:pPr>
+            <a:r>
+              <a:rPr lang="ru-RU" dirty="0"/>
+              <a:t>Не делаем из плохого кода идеальный</a:t>
+            </a:r>
+          </a:p>
+          <a:p>
+            <a:endParaRPr lang="ru-RU" dirty="0"/>
+          </a:p>
+          <a:p>
+            <a:endParaRPr lang="ru-RU" dirty="0"/>
+          </a:p>
+        </p:txBody>
+      </p:sp>
+    </p:spTree>
+    <p:extLst>
+      <p:ext uri="{BB962C8B-B14F-4D97-AF65-F5344CB8AC3E}">
+        <p14:creationId xmlns:p14="http://schemas.microsoft.com/office/powerpoint/2010/main" val="1710272072"/>
+      </p:ext>
+    </p:extLst>
+  </p:cSld>
+  <p:clrMapOvr>
+    <a:masterClrMapping/>
+  </p:clrMapOvr>
+</p:sld>
+</file>
+
+<file path=ppt/slides/slide31.xml><?xml version="1.0" encoding="utf-8"?>
+<p:sld xmlns:a="http://schemas.openxmlformats.org/drawingml/2006/main" xmlns:r="http://schemas.openxmlformats.org/officeDocument/2006/relationships" xmlns:p="http://schemas.openxmlformats.org/presentationml/2006/main">
+  <p:cSld>
+    <p:spTree>
+      <p:nvGrpSpPr>
+        <p:cNvPr id="1" name=""/>
+        <p:cNvGrpSpPr/>
+        <p:nvPr/>
+      </p:nvGrpSpPr>
+      <p:grpSpPr>
+        <a:xfrm>
+          <a:off x="0" y="0"/>
+          <a:ext cx="0" cy="0"/>
+          <a:chOff x="0" y="0"/>
+          <a:chExt cx="0" cy="0"/>
+        </a:xfrm>
+      </p:grpSpPr>
+      <p:sp>
+        <p:nvSpPr>
+          <p:cNvPr id="2" name="Заголовок 1">
+            <a:extLst>
+              <a:ext uri="{FF2B5EF4-FFF2-40B4-BE49-F238E27FC236}">
+                <a16:creationId xmlns:a16="http://schemas.microsoft.com/office/drawing/2014/main" id="{203B16BE-CD09-041C-B25C-D0B795A6BA86}"/>
+              </a:ext>
+            </a:extLst>
+          </p:cNvPr>
+          <p:cNvSpPr>
+            <a:spLocks noGrp="1"/>
+          </p:cNvSpPr>
+          <p:nvPr>
+            <p:ph type="title"/>
+          </p:nvPr>
+        </p:nvSpPr>
+        <p:spPr>
+          <a:xfrm>
+            <a:off x="838200" y="365126"/>
+            <a:ext cx="10515600" cy="738117"/>
+          </a:xfrm>
+        </p:spPr>
+        <p:txBody>
+          <a:bodyPr/>
+          <a:lstStyle/>
+          <a:p>
+            <a:r>
+              <a:rPr lang="ru-RU" dirty="0"/>
+              <a:t>Инструментарий для </a:t>
+            </a:r>
+            <a:r>
+              <a:rPr lang="en-US" dirty="0"/>
+              <a:t>Code Review</a:t>
+            </a:r>
+            <a:endParaRPr lang="ru-RU" dirty="0"/>
+          </a:p>
+        </p:txBody>
+      </p:sp>
+      <p:sp>
+        <p:nvSpPr>
+          <p:cNvPr id="3" name="Объект 2">
+            <a:extLst>
+              <a:ext uri="{FF2B5EF4-FFF2-40B4-BE49-F238E27FC236}">
+                <a16:creationId xmlns:a16="http://schemas.microsoft.com/office/drawing/2014/main" id="{BA89A98A-AE34-62C3-45A8-81B23537C819}"/>
+              </a:ext>
+            </a:extLst>
+          </p:cNvPr>
+          <p:cNvSpPr>
+            <a:spLocks noGrp="1"/>
+          </p:cNvSpPr>
+          <p:nvPr>
+            <p:ph idx="1"/>
+          </p:nvPr>
+        </p:nvSpPr>
+        <p:spPr>
+          <a:xfrm>
+            <a:off x="838200" y="1262270"/>
+            <a:ext cx="10515600" cy="5377069"/>
+          </a:xfrm>
+        </p:spPr>
+        <p:txBody>
+          <a:bodyPr>
+            <a:normAutofit fontScale="70000" lnSpcReduction="20000"/>
+          </a:bodyPr>
+          <a:lstStyle/>
+          <a:p>
+            <a:pPr marL="514350" indent="-514350">
+              <a:lnSpc>
+                <a:spcPct val="120000"/>
+              </a:lnSpc>
+              <a:buAutoNum type="arabicPeriod"/>
+            </a:pPr>
+            <a:r>
+              <a:rPr lang="en-US" dirty="0"/>
+              <a:t>Pure Man's Review:</a:t>
+            </a:r>
+            <a:br>
+              <a:rPr lang="en-US" dirty="0"/>
+            </a:br>
+            <a:r>
+              <a:rPr lang="ru-RU" dirty="0"/>
+              <a:t>Создаём комментарии в виде простого текста / любого документа, отправляем по </a:t>
+            </a:r>
+            <a:r>
+              <a:rPr lang="en-US" dirty="0"/>
+              <a:t>email / </a:t>
+            </a:r>
+            <a:r>
+              <a:rPr lang="ru-RU" dirty="0"/>
+              <a:t>в сообщении в мессенджере</a:t>
+            </a:r>
+          </a:p>
+          <a:p>
+            <a:pPr lvl="1">
+              <a:lnSpc>
+                <a:spcPct val="120000"/>
+              </a:lnSpc>
+              <a:spcBef>
+                <a:spcPts val="300"/>
+              </a:spcBef>
+            </a:pPr>
+            <a:r>
+              <a:rPr lang="ru-RU" dirty="0">
+                <a:solidFill>
+                  <a:schemeClr val="accent6">
+                    <a:lumMod val="50000"/>
+                  </a:schemeClr>
+                </a:solidFill>
+              </a:rPr>
+              <a:t>Пересылаем новые файлы или </a:t>
+            </a:r>
+            <a:r>
+              <a:rPr lang="en-US" dirty="0">
+                <a:solidFill>
+                  <a:schemeClr val="accent6">
+                    <a:lumMod val="50000"/>
+                  </a:schemeClr>
+                </a:solidFill>
+              </a:rPr>
+              <a:t>diff</a:t>
+            </a:r>
+            <a:r>
+              <a:rPr lang="ru-RU" dirty="0">
+                <a:solidFill>
+                  <a:schemeClr val="accent6">
+                    <a:lumMod val="50000"/>
+                  </a:schemeClr>
+                </a:solidFill>
+              </a:rPr>
+              <a:t> </a:t>
+            </a:r>
+            <a:r>
+              <a:rPr lang="en-US" dirty="0">
+                <a:solidFill>
+                  <a:schemeClr val="accent6">
+                    <a:lumMod val="50000"/>
+                  </a:schemeClr>
+                </a:solidFill>
+              </a:rPr>
+              <a:t>/ patch</a:t>
+            </a:r>
+            <a:r>
+              <a:rPr lang="ru-RU" dirty="0">
+                <a:solidFill>
+                  <a:schemeClr val="accent6">
+                    <a:lumMod val="50000"/>
+                  </a:schemeClr>
+                </a:solidFill>
+              </a:rPr>
+              <a:t> с изменениями</a:t>
+            </a:r>
+          </a:p>
+          <a:p>
+            <a:pPr lvl="1">
+              <a:lnSpc>
+                <a:spcPct val="120000"/>
+              </a:lnSpc>
+              <a:spcBef>
+                <a:spcPts val="300"/>
+              </a:spcBef>
+            </a:pPr>
+            <a:r>
+              <a:rPr lang="ru-RU" dirty="0">
+                <a:solidFill>
+                  <a:schemeClr val="accent5">
+                    <a:lumMod val="50000"/>
+                  </a:schemeClr>
+                </a:solidFill>
+              </a:rPr>
+              <a:t>Ревьювер смотрит, пишет комментарии в виде простого текста:</a:t>
+            </a:r>
+            <a:br>
+              <a:rPr lang="ru-RU" dirty="0">
+                <a:solidFill>
+                  <a:schemeClr val="accent5">
+                    <a:lumMod val="50000"/>
+                  </a:schemeClr>
+                </a:solidFill>
+              </a:rPr>
+            </a:br>
+            <a:r>
+              <a:rPr lang="ru-RU" dirty="0">
+                <a:solidFill>
+                  <a:schemeClr val="accent5">
+                    <a:lumMod val="50000"/>
+                  </a:schemeClr>
+                </a:solidFill>
+              </a:rPr>
+              <a:t>"Файл такой-то функция такая-то код такой-то — комментарий"</a:t>
+            </a:r>
+          </a:p>
+          <a:p>
+            <a:pPr lvl="1">
+              <a:lnSpc>
+                <a:spcPct val="120000"/>
+              </a:lnSpc>
+              <a:spcBef>
+                <a:spcPts val="300"/>
+              </a:spcBef>
+            </a:pPr>
+            <a:r>
+              <a:rPr lang="ru-RU" dirty="0">
+                <a:solidFill>
+                  <a:schemeClr val="accent5">
+                    <a:lumMod val="50000"/>
+                  </a:schemeClr>
+                </a:solidFill>
+              </a:rPr>
+              <a:t>Текст / документ с ревью пересылается автору любым удобным способом</a:t>
+            </a:r>
+          </a:p>
+          <a:p>
+            <a:pPr lvl="1">
+              <a:lnSpc>
+                <a:spcPct val="120000"/>
+              </a:lnSpc>
+              <a:spcBef>
+                <a:spcPts val="300"/>
+              </a:spcBef>
+            </a:pPr>
+            <a:r>
+              <a:rPr lang="ru-RU" dirty="0">
+                <a:solidFill>
+                  <a:schemeClr val="accent6">
+                    <a:lumMod val="50000"/>
+                  </a:schemeClr>
+                </a:solidFill>
+              </a:rPr>
+              <a:t>С учётом замечаний делаем финальный патч / версии файлов</a:t>
+            </a:r>
+          </a:p>
+          <a:p>
+            <a:pPr marL="514350" indent="-514350">
+              <a:lnSpc>
+                <a:spcPct val="120000"/>
+              </a:lnSpc>
+              <a:buAutoNum type="arabicPeriod"/>
+            </a:pPr>
+            <a:r>
+              <a:rPr lang="ru-RU" dirty="0"/>
+              <a:t>Используем систему управления версиями</a:t>
+            </a:r>
+            <a:r>
+              <a:rPr lang="en-US" dirty="0"/>
+              <a:t> + web-</a:t>
+            </a:r>
+            <a:r>
+              <a:rPr lang="ru-RU" dirty="0"/>
+              <a:t>платформы</a:t>
+            </a:r>
+            <a:r>
+              <a:rPr lang="en-US" dirty="0"/>
+              <a:t>:</a:t>
+            </a:r>
+            <a:br>
+              <a:rPr lang="en-US" dirty="0"/>
+            </a:br>
+            <a:r>
+              <a:rPr lang="ru-RU" dirty="0"/>
+              <a:t>Например, </a:t>
+            </a:r>
+            <a:r>
+              <a:rPr lang="en-US" dirty="0">
+                <a:latin typeface="Consolas" panose="020B0609020204030204" pitchFamily="49" charset="0"/>
+                <a:cs typeface="Consolas" panose="020B0609020204030204" pitchFamily="49" charset="0"/>
+              </a:rPr>
+              <a:t>git</a:t>
+            </a:r>
+            <a:r>
+              <a:rPr lang="ru-RU" dirty="0">
+                <a:latin typeface="Consolas" panose="020B0609020204030204" pitchFamily="49" charset="0"/>
+                <a:cs typeface="Consolas" panose="020B0609020204030204" pitchFamily="49" charset="0"/>
+              </a:rPr>
+              <a:t> + </a:t>
+            </a:r>
+            <a:r>
+              <a:rPr lang="en-US" dirty="0">
+                <a:latin typeface="Consolas" panose="020B0609020204030204" pitchFamily="49" charset="0"/>
+                <a:cs typeface="Consolas" panose="020B0609020204030204" pitchFamily="49" charset="0"/>
+              </a:rPr>
+              <a:t>[github / gitlab / bitbucket</a:t>
+            </a:r>
+            <a:r>
+              <a:rPr lang="ru-RU" dirty="0">
+                <a:latin typeface="Consolas" panose="020B0609020204030204" pitchFamily="49" charset="0"/>
+                <a:cs typeface="Consolas" panose="020B0609020204030204" pitchFamily="49" charset="0"/>
+              </a:rPr>
+              <a:t> и т.п.</a:t>
+            </a:r>
+            <a:r>
+              <a:rPr lang="en-US" dirty="0">
+                <a:latin typeface="Consolas" panose="020B0609020204030204" pitchFamily="49" charset="0"/>
+                <a:cs typeface="Consolas" panose="020B0609020204030204" pitchFamily="49" charset="0"/>
+              </a:rPr>
+              <a:t>]</a:t>
+            </a:r>
+            <a:endParaRPr lang="ru-RU" dirty="0">
+              <a:latin typeface="Consolas" panose="020B0609020204030204" pitchFamily="49" charset="0"/>
+              <a:cs typeface="Consolas" panose="020B0609020204030204" pitchFamily="49" charset="0"/>
+            </a:endParaRPr>
+          </a:p>
+          <a:p>
+            <a:pPr lvl="1">
+              <a:lnSpc>
+                <a:spcPct val="120000"/>
+              </a:lnSpc>
+              <a:spcBef>
+                <a:spcPts val="300"/>
+              </a:spcBef>
+            </a:pPr>
+            <a:r>
+              <a:rPr lang="ru-RU" dirty="0">
+                <a:solidFill>
+                  <a:schemeClr val="accent6">
+                    <a:lumMod val="50000"/>
+                  </a:schemeClr>
+                </a:solidFill>
+                <a:cs typeface="Consolas" panose="020B0609020204030204" pitchFamily="49" charset="0"/>
+              </a:rPr>
+              <a:t>Создаём ветку</a:t>
+            </a:r>
+          </a:p>
+          <a:p>
+            <a:pPr lvl="1">
+              <a:lnSpc>
+                <a:spcPct val="120000"/>
+              </a:lnSpc>
+              <a:spcBef>
+                <a:spcPts val="300"/>
+              </a:spcBef>
+            </a:pPr>
+            <a:r>
+              <a:rPr lang="ru-RU" dirty="0">
+                <a:solidFill>
+                  <a:schemeClr val="accent6">
+                    <a:lumMod val="50000"/>
+                  </a:schemeClr>
+                </a:solidFill>
+                <a:cs typeface="Consolas" panose="020B0609020204030204" pitchFamily="49" charset="0"/>
+              </a:rPr>
+              <a:t>Ведём разработку / делаем коммиты</a:t>
+            </a:r>
+            <a:r>
+              <a:rPr lang="en-US" dirty="0">
+                <a:solidFill>
+                  <a:schemeClr val="accent6">
+                    <a:lumMod val="50000"/>
+                  </a:schemeClr>
+                </a:solidFill>
+                <a:cs typeface="Consolas" panose="020B0609020204030204" pitchFamily="49" charset="0"/>
+              </a:rPr>
+              <a:t> </a:t>
+            </a:r>
+            <a:r>
+              <a:rPr lang="ru-RU" dirty="0">
+                <a:solidFill>
+                  <a:schemeClr val="accent6">
+                    <a:lumMod val="50000"/>
+                  </a:schemeClr>
+                </a:solidFill>
+                <a:cs typeface="Consolas" panose="020B0609020204030204" pitchFamily="49" charset="0"/>
+              </a:rPr>
+              <a:t>в ветку</a:t>
+            </a:r>
+          </a:p>
+          <a:p>
+            <a:pPr lvl="1">
+              <a:lnSpc>
+                <a:spcPct val="120000"/>
+              </a:lnSpc>
+              <a:spcBef>
+                <a:spcPts val="300"/>
+              </a:spcBef>
+            </a:pPr>
+            <a:r>
+              <a:rPr lang="ru-RU" dirty="0">
+                <a:solidFill>
+                  <a:schemeClr val="accent6">
+                    <a:lumMod val="50000"/>
+                  </a:schemeClr>
+                </a:solidFill>
+                <a:cs typeface="Consolas" panose="020B0609020204030204" pitchFamily="49" charset="0"/>
+              </a:rPr>
+              <a:t>Делаем </a:t>
+            </a:r>
+            <a:r>
+              <a:rPr lang="en-US" dirty="0">
+                <a:solidFill>
+                  <a:schemeClr val="accent6">
+                    <a:lumMod val="50000"/>
+                  </a:schemeClr>
+                </a:solidFill>
+                <a:cs typeface="Consolas" panose="020B0609020204030204" pitchFamily="49" charset="0"/>
+              </a:rPr>
+              <a:t>Merge Request</a:t>
+            </a:r>
+            <a:r>
+              <a:rPr lang="ru-RU" dirty="0">
+                <a:solidFill>
+                  <a:schemeClr val="accent6">
+                    <a:lumMod val="50000"/>
+                  </a:schemeClr>
+                </a:solidFill>
+                <a:cs typeface="Consolas" panose="020B0609020204030204" pitchFamily="49" charset="0"/>
+              </a:rPr>
+              <a:t> / </a:t>
+            </a:r>
+            <a:r>
+              <a:rPr lang="en-US" dirty="0">
+                <a:solidFill>
+                  <a:schemeClr val="accent6">
+                    <a:lumMod val="50000"/>
+                  </a:schemeClr>
+                </a:solidFill>
+                <a:cs typeface="Consolas" panose="020B0609020204030204" pitchFamily="49" charset="0"/>
+              </a:rPr>
+              <a:t>Pull Request</a:t>
+            </a:r>
+          </a:p>
+          <a:p>
+            <a:pPr lvl="1">
+              <a:lnSpc>
+                <a:spcPct val="120000"/>
+              </a:lnSpc>
+              <a:spcBef>
+                <a:spcPts val="300"/>
+              </a:spcBef>
+            </a:pPr>
+            <a:r>
+              <a:rPr lang="ru-RU" dirty="0">
+                <a:solidFill>
+                  <a:schemeClr val="accent5">
+                    <a:lumMod val="50000"/>
+                  </a:schemeClr>
+                </a:solidFill>
+                <a:cs typeface="Consolas" panose="020B0609020204030204" pitchFamily="49" charset="0"/>
+              </a:rPr>
+              <a:t>Ревьювер комментирует изменения</a:t>
+            </a:r>
+          </a:p>
+          <a:p>
+            <a:pPr lvl="1">
+              <a:lnSpc>
+                <a:spcPct val="120000"/>
+              </a:lnSpc>
+              <a:spcBef>
+                <a:spcPts val="300"/>
+              </a:spcBef>
+            </a:pPr>
+            <a:r>
+              <a:rPr lang="ru-RU" dirty="0">
+                <a:solidFill>
+                  <a:schemeClr val="accent6">
+                    <a:lumMod val="50000"/>
+                  </a:schemeClr>
+                </a:solidFill>
+                <a:cs typeface="Consolas" panose="020B0609020204030204" pitchFamily="49" charset="0"/>
+              </a:rPr>
+              <a:t>Вы вносите исправления</a:t>
+            </a:r>
+          </a:p>
+          <a:p>
+            <a:pPr lvl="1">
+              <a:lnSpc>
+                <a:spcPct val="120000"/>
+              </a:lnSpc>
+              <a:spcBef>
+                <a:spcPts val="300"/>
+              </a:spcBef>
+            </a:pPr>
+            <a:r>
+              <a:rPr lang="en-US" dirty="0">
+                <a:solidFill>
+                  <a:schemeClr val="accent5">
+                    <a:lumMod val="50000"/>
+                  </a:schemeClr>
+                </a:solidFill>
+                <a:cs typeface="Consolas" panose="020B0609020204030204" pitchFamily="49" charset="0"/>
+              </a:rPr>
+              <a:t>MR / PR </a:t>
+            </a:r>
+            <a:r>
+              <a:rPr lang="ru-RU" dirty="0">
+                <a:solidFill>
+                  <a:schemeClr val="accent5">
+                    <a:lumMod val="50000"/>
+                  </a:schemeClr>
+                </a:solidFill>
+                <a:cs typeface="Consolas" panose="020B0609020204030204" pitchFamily="49" charset="0"/>
+              </a:rPr>
+              <a:t>принимается</a:t>
+            </a:r>
+          </a:p>
+          <a:p>
+            <a:pPr lvl="1">
+              <a:lnSpc>
+                <a:spcPct val="120000"/>
+              </a:lnSpc>
+              <a:spcBef>
+                <a:spcPts val="300"/>
+              </a:spcBef>
+            </a:pPr>
+            <a:r>
+              <a:rPr lang="ru-RU" dirty="0">
+                <a:solidFill>
+                  <a:schemeClr val="accent6">
+                    <a:lumMod val="50000"/>
+                  </a:schemeClr>
+                </a:solidFill>
+                <a:cs typeface="Consolas" panose="020B0609020204030204" pitchFamily="49" charset="0"/>
+              </a:rPr>
+              <a:t>Ветка удаляется</a:t>
+            </a:r>
+          </a:p>
+        </p:txBody>
+      </p:sp>
+    </p:spTree>
+    <p:extLst>
+      <p:ext uri="{BB962C8B-B14F-4D97-AF65-F5344CB8AC3E}">
+        <p14:creationId xmlns:p14="http://schemas.microsoft.com/office/powerpoint/2010/main" val="2502028707"/>
+      </p:ext>
+    </p:extLst>
+  </p:cSld>
+  <p:clrMapOvr>
+    <a:masterClrMapping/>
+  </p:clrMapOvr>
+</p:sld>
+</file>
+
+<file path=ppt/slides/slide32.xml><?xml version="1.0" encoding="utf-8"?>
+<p:sld xmlns:a="http://schemas.openxmlformats.org/drawingml/2006/main" xmlns:r="http://schemas.openxmlformats.org/officeDocument/2006/relationships" xmlns:p="http://schemas.openxmlformats.org/presentationml/2006/main">
+  <p:cSld>
+    <p:spTree>
+      <p:nvGrpSpPr>
+        <p:cNvPr id="1" name=""/>
+        <p:cNvGrpSpPr/>
+        <p:nvPr/>
+      </p:nvGrpSpPr>
+      <p:grpSpPr>
+        <a:xfrm>
+          <a:off x="0" y="0"/>
+          <a:ext cx="0" cy="0"/>
+          <a:chOff x="0" y="0"/>
+          <a:chExt cx="0" cy="0"/>
+        </a:xfrm>
+      </p:grpSpPr>
+      <p:sp>
+        <p:nvSpPr>
+          <p:cNvPr id="2" name="Заголовок 1">
+            <a:extLst>
+              <a:ext uri="{FF2B5EF4-FFF2-40B4-BE49-F238E27FC236}">
+                <a16:creationId xmlns:a16="http://schemas.microsoft.com/office/drawing/2014/main" id="{7D256F1F-0BFF-7421-218C-4E156354A076}"/>
+              </a:ext>
+            </a:extLst>
+          </p:cNvPr>
+          <p:cNvSpPr>
+            <a:spLocks noGrp="1"/>
+          </p:cNvSpPr>
+          <p:nvPr>
+            <p:ph type="title"/>
+          </p:nvPr>
+        </p:nvSpPr>
+        <p:spPr>
+          <a:xfrm>
+            <a:off x="838200" y="365126"/>
+            <a:ext cx="10515600" cy="837510"/>
+          </a:xfrm>
+        </p:spPr>
+        <p:txBody>
+          <a:bodyPr/>
+          <a:lstStyle/>
+          <a:p>
+            <a:r>
+              <a:rPr lang="ru-RU" dirty="0"/>
+              <a:t>Как сделать </a:t>
+            </a:r>
+            <a:r>
+              <a:rPr lang="en-US" dirty="0"/>
+              <a:t>pull request </a:t>
+            </a:r>
+            <a:r>
+              <a:rPr lang="ru-RU" dirty="0"/>
+              <a:t>на </a:t>
+            </a:r>
+            <a:r>
+              <a:rPr lang="en-US" dirty="0"/>
+              <a:t>github?</a:t>
+            </a:r>
+            <a:endParaRPr lang="ru-RU" dirty="0"/>
+          </a:p>
+        </p:txBody>
+      </p:sp>
+      <p:pic>
+        <p:nvPicPr>
+          <p:cNvPr id="7" name="Рисунок 6">
+            <a:extLst>
+              <a:ext uri="{FF2B5EF4-FFF2-40B4-BE49-F238E27FC236}">
+                <a16:creationId xmlns:a16="http://schemas.microsoft.com/office/drawing/2014/main" id="{651B39BE-A2FC-C235-1B98-4DB04619A399}"/>
+              </a:ext>
+            </a:extLst>
+          </p:cNvPr>
+          <p:cNvPicPr>
+            <a:picLocks noChangeAspect="1"/>
+          </p:cNvPicPr>
+          <p:nvPr/>
+        </p:nvPicPr>
+        <p:blipFill rotWithShape="1">
+          <a:blip r:embed="rId2"/>
+          <a:srcRect l="1630"/>
+          <a:stretch/>
+        </p:blipFill>
+        <p:spPr>
+          <a:xfrm>
+            <a:off x="8359926" y="1252329"/>
+            <a:ext cx="3832074" cy="2749827"/>
+          </a:xfrm>
+          <a:prstGeom prst="rect">
+            <a:avLst/>
+          </a:prstGeom>
+          <a:ln w="15875">
+            <a:solidFill>
+              <a:schemeClr val="accent1"/>
+            </a:solidFill>
+          </a:ln>
+        </p:spPr>
+      </p:pic>
+      <p:sp>
+        <p:nvSpPr>
+          <p:cNvPr id="3" name="Объект 2">
+            <a:extLst>
+              <a:ext uri="{FF2B5EF4-FFF2-40B4-BE49-F238E27FC236}">
+                <a16:creationId xmlns:a16="http://schemas.microsoft.com/office/drawing/2014/main" id="{918BFC7B-7268-D2DA-A715-975E1841D543}"/>
+              </a:ext>
+            </a:extLst>
+          </p:cNvPr>
+          <p:cNvSpPr>
+            <a:spLocks noGrp="1"/>
+          </p:cNvSpPr>
+          <p:nvPr>
+            <p:ph idx="1"/>
+          </p:nvPr>
+        </p:nvSpPr>
+        <p:spPr>
+          <a:xfrm>
+            <a:off x="636104" y="1282148"/>
+            <a:ext cx="7779026" cy="5383695"/>
+          </a:xfrm>
+        </p:spPr>
+        <p:txBody>
+          <a:bodyPr>
+            <a:normAutofit/>
+          </a:bodyPr>
+          <a:lstStyle/>
+          <a:p>
+            <a:pPr marL="360000" indent="-360000" algn="l">
+              <a:lnSpc>
+                <a:spcPct val="100000"/>
+              </a:lnSpc>
+              <a:spcBef>
+                <a:spcPts val="500"/>
+              </a:spcBef>
+              <a:buFont typeface="+mj-lt"/>
+              <a:buAutoNum type="arabicPeriod"/>
+            </a:pPr>
+            <a:r>
+              <a:rPr lang="ru-RU" sz="2000" dirty="0">
+                <a:solidFill>
+                  <a:schemeClr val="accent5">
+                    <a:lumMod val="75000"/>
+                  </a:schemeClr>
+                </a:solidFill>
+              </a:rPr>
+              <a:t>Форкните проект.</a:t>
+            </a:r>
+          </a:p>
+          <a:p>
+            <a:pPr marL="360000" indent="-360000" algn="l">
+              <a:lnSpc>
+                <a:spcPct val="100000"/>
+              </a:lnSpc>
+              <a:spcBef>
+                <a:spcPts val="500"/>
+              </a:spcBef>
+              <a:buFont typeface="+mj-lt"/>
+              <a:buAutoNum type="arabicPeriod"/>
+            </a:pPr>
+            <a:r>
+              <a:rPr lang="ru-RU" sz="2000" dirty="0">
+                <a:solidFill>
+                  <a:schemeClr val="accent5">
+                    <a:lumMod val="75000"/>
+                  </a:schemeClr>
+                </a:solidFill>
+              </a:rPr>
+              <a:t>Склонируйте репозиторий.</a:t>
+            </a:r>
+          </a:p>
+          <a:p>
+            <a:pPr marL="360000" indent="-360000" algn="l">
+              <a:lnSpc>
+                <a:spcPct val="100000"/>
+              </a:lnSpc>
+              <a:spcBef>
+                <a:spcPts val="500"/>
+              </a:spcBef>
+              <a:buFont typeface="+mj-lt"/>
+              <a:buAutoNum type="arabicPeriod"/>
+            </a:pPr>
+            <a:r>
+              <a:rPr lang="ru-RU" sz="2000" dirty="0"/>
+              <a:t>Создайте ветку для своей работы.</a:t>
+            </a:r>
+          </a:p>
+          <a:p>
+            <a:pPr marL="360000" indent="-360000" algn="l">
+              <a:lnSpc>
+                <a:spcPct val="100000"/>
+              </a:lnSpc>
+              <a:spcBef>
+                <a:spcPts val="500"/>
+              </a:spcBef>
+              <a:buFont typeface="+mj-lt"/>
+              <a:buAutoNum type="arabicPeriod"/>
+            </a:pPr>
+            <a:r>
+              <a:rPr lang="ru-RU" sz="2000" dirty="0"/>
+              <a:t>Сделайте необходимые изменения в файлах — коде, документации, тестах. Закоммитьте их в только что созданную ветку.</a:t>
+            </a:r>
+          </a:p>
+          <a:p>
+            <a:pPr marL="360000" indent="-360000" algn="l">
+              <a:lnSpc>
+                <a:spcPct val="100000"/>
+              </a:lnSpc>
+              <a:spcBef>
+                <a:spcPts val="500"/>
+              </a:spcBef>
+              <a:buFont typeface="+mj-lt"/>
+              <a:buAutoNum type="arabicPeriod"/>
+            </a:pPr>
+            <a:r>
+              <a:rPr lang="ru-RU" sz="2000" dirty="0">
+                <a:solidFill>
+                  <a:schemeClr val="accent6">
+                    <a:lumMod val="50000"/>
+                  </a:schemeClr>
+                </a:solidFill>
+              </a:rPr>
+              <a:t>Убедитесь, что проект работает после ваших изменений.</a:t>
+            </a:r>
+          </a:p>
+          <a:p>
+            <a:pPr marL="360000" indent="-360000" algn="l">
+              <a:lnSpc>
+                <a:spcPct val="100000"/>
+              </a:lnSpc>
+              <a:spcBef>
+                <a:spcPts val="500"/>
+              </a:spcBef>
+              <a:buFont typeface="+mj-lt"/>
+              <a:buAutoNum type="arabicPeriod"/>
+            </a:pPr>
+            <a:r>
+              <a:rPr lang="ru-RU" sz="2000" dirty="0"/>
+              <a:t>Сделайте </a:t>
+            </a:r>
+            <a:r>
+              <a:rPr lang="en" sz="2000" dirty="0"/>
+              <a:t>Pull Request.</a:t>
+            </a:r>
+          </a:p>
+          <a:p>
+            <a:pPr marL="360000" indent="-360000" algn="l">
+              <a:lnSpc>
+                <a:spcPct val="100000"/>
+              </a:lnSpc>
+              <a:spcBef>
+                <a:spcPts val="500"/>
+              </a:spcBef>
+              <a:buFont typeface="+mj-lt"/>
+              <a:buAutoNum type="arabicPeriod"/>
+            </a:pPr>
+            <a:r>
+              <a:rPr lang="ru-RU" sz="2000" dirty="0"/>
+              <a:t>Ревьювер смотрит код, делает замечания.</a:t>
+            </a:r>
+            <a:endParaRPr lang="en-US" sz="2000" dirty="0"/>
+          </a:p>
+          <a:p>
+            <a:pPr lvl="1">
+              <a:lnSpc>
+                <a:spcPct val="100000"/>
+              </a:lnSpc>
+              <a:spcBef>
+                <a:spcPts val="200"/>
+              </a:spcBef>
+            </a:pPr>
+            <a:r>
+              <a:rPr lang="ru-RU" sz="1600" dirty="0"/>
+              <a:t>Определённое место в файле / коде</a:t>
+            </a:r>
+          </a:p>
+          <a:p>
+            <a:pPr lvl="1">
+              <a:lnSpc>
+                <a:spcPct val="100000"/>
+              </a:lnSpc>
+              <a:spcBef>
+                <a:spcPts val="200"/>
+              </a:spcBef>
+            </a:pPr>
+            <a:r>
+              <a:rPr lang="ru-RU" sz="1600" dirty="0"/>
+              <a:t>Файл</a:t>
+            </a:r>
+            <a:r>
+              <a:rPr lang="en-US" sz="1600" dirty="0"/>
+              <a:t> </a:t>
+            </a:r>
+            <a:r>
+              <a:rPr lang="ru-RU" sz="1600" dirty="0"/>
+              <a:t>в целом</a:t>
+            </a:r>
+          </a:p>
+          <a:p>
+            <a:pPr lvl="1">
+              <a:lnSpc>
+                <a:spcPct val="100000"/>
+              </a:lnSpc>
+              <a:spcBef>
+                <a:spcPts val="200"/>
+              </a:spcBef>
+            </a:pPr>
+            <a:r>
+              <a:rPr lang="en-US" sz="1600" dirty="0"/>
+              <a:t>MR / PR</a:t>
+            </a:r>
+            <a:r>
+              <a:rPr lang="ru-RU" sz="1600" dirty="0"/>
+              <a:t> в целом</a:t>
+            </a:r>
+            <a:endParaRPr lang="en-US" sz="1600" dirty="0"/>
+          </a:p>
+          <a:p>
+            <a:pPr marL="360000" indent="-360000" algn="l">
+              <a:lnSpc>
+                <a:spcPct val="110000"/>
+              </a:lnSpc>
+              <a:spcBef>
+                <a:spcPts val="500"/>
+              </a:spcBef>
+              <a:buFont typeface="+mj-lt"/>
+              <a:buAutoNum type="arabicPeriod"/>
+            </a:pPr>
+            <a:r>
+              <a:rPr lang="ru-RU" sz="2000" dirty="0"/>
+              <a:t>При необходимости, исправляем замечания, вносим изменения в </a:t>
+            </a:r>
+            <a:r>
+              <a:rPr lang="en-US" sz="2000" dirty="0"/>
+              <a:t>PR</a:t>
+            </a:r>
+            <a:endParaRPr lang="en" sz="2000" dirty="0"/>
+          </a:p>
+          <a:p>
+            <a:pPr marL="360000" indent="-360000" algn="l">
+              <a:lnSpc>
+                <a:spcPct val="110000"/>
+              </a:lnSpc>
+              <a:spcBef>
+                <a:spcPts val="500"/>
+              </a:spcBef>
+              <a:buFont typeface="+mj-lt"/>
+              <a:buAutoNum type="arabicPeriod"/>
+            </a:pPr>
+            <a:r>
+              <a:rPr lang="ru-RU" sz="2000" dirty="0"/>
+              <a:t>Когда все довольны, </a:t>
+            </a:r>
+            <a:r>
+              <a:rPr lang="en" sz="2000" dirty="0"/>
+              <a:t>Pull Request </a:t>
+            </a:r>
+            <a:r>
+              <a:rPr lang="ru-RU" sz="2000" dirty="0"/>
+              <a:t>принимают</a:t>
+            </a:r>
+          </a:p>
+        </p:txBody>
+      </p:sp>
+      <p:pic>
+        <p:nvPicPr>
+          <p:cNvPr id="9" name="Рисунок 8">
+            <a:extLst>
+              <a:ext uri="{FF2B5EF4-FFF2-40B4-BE49-F238E27FC236}">
+                <a16:creationId xmlns:a16="http://schemas.microsoft.com/office/drawing/2014/main" id="{DD0678FF-878C-1804-B3D2-3C8A2E452E72}"/>
+              </a:ext>
+            </a:extLst>
+          </p:cNvPr>
+          <p:cNvPicPr>
+            <a:picLocks noChangeAspect="1"/>
+          </p:cNvPicPr>
+          <p:nvPr/>
+        </p:nvPicPr>
+        <p:blipFill>
+          <a:blip r:embed="rId3"/>
+          <a:stretch>
+            <a:fillRect/>
+          </a:stretch>
+        </p:blipFill>
+        <p:spPr>
+          <a:xfrm>
+            <a:off x="8359926" y="4020843"/>
+            <a:ext cx="3832076" cy="2823905"/>
+          </a:xfrm>
+          <a:prstGeom prst="rect">
+            <a:avLst/>
+          </a:prstGeom>
+          <a:solidFill>
+            <a:schemeClr val="bg1"/>
+          </a:solidFill>
+          <a:ln w="15875">
+            <a:solidFill>
+              <a:schemeClr val="accent1"/>
+            </a:solidFill>
+          </a:ln>
+        </p:spPr>
+      </p:pic>
+    </p:spTree>
+    <p:extLst>
+      <p:ext uri="{BB962C8B-B14F-4D97-AF65-F5344CB8AC3E}">
+        <p14:creationId xmlns:p14="http://schemas.microsoft.com/office/powerpoint/2010/main" val="1701905145"/>
+      </p:ext>
+    </p:extLst>
+  </p:cSld>
+  <p:clrMapOvr>
+    <a:masterClrMapping/>
+  </p:clrMapOvr>
+</p:sld>
+</file>
+
+<file path=ppt/slides/slide33.xml><?xml version="1.0" encoding="utf-8"?>
+<p:sld xmlns:a="http://schemas.openxmlformats.org/drawingml/2006/main" xmlns:r="http://schemas.openxmlformats.org/officeDocument/2006/relationships" xmlns:p="http://schemas.openxmlformats.org/presentationml/2006/main">
+  <p:cSld>
+    <p:spTree>
+      <p:nvGrpSpPr>
+        <p:cNvPr id="1" name=""/>
+        <p:cNvGrpSpPr/>
+        <p:nvPr/>
+      </p:nvGrpSpPr>
+      <p:grpSpPr>
+        <a:xfrm>
+          <a:off x="0" y="0"/>
+          <a:ext cx="0" cy="0"/>
+          <a:chOff x="0" y="0"/>
+          <a:chExt cx="0" cy="0"/>
+        </a:xfrm>
+      </p:grpSpPr>
+      <p:sp>
+        <p:nvSpPr>
+          <p:cNvPr id="2" name="Заголовок 1">
+            <a:extLst>
+              <a:ext uri="{FF2B5EF4-FFF2-40B4-BE49-F238E27FC236}">
+                <a16:creationId xmlns:a16="http://schemas.microsoft.com/office/drawing/2014/main" id="{C01FC79F-798C-78A0-F4C9-D0914ECBCD28}"/>
+              </a:ext>
+            </a:extLst>
+          </p:cNvPr>
+          <p:cNvSpPr>
+            <a:spLocks noGrp="1"/>
+          </p:cNvSpPr>
+          <p:nvPr>
+            <p:ph type="title"/>
+          </p:nvPr>
+        </p:nvSpPr>
+        <p:spPr>
+          <a:xfrm>
+            <a:off x="838200" y="365126"/>
+            <a:ext cx="10515600" cy="996536"/>
+          </a:xfrm>
+        </p:spPr>
+        <p:txBody>
+          <a:bodyPr>
+            <a:normAutofit/>
+          </a:bodyPr>
+          <a:lstStyle/>
+          <a:p>
+            <a:r>
+              <a:rPr lang="ru-RU" sz="4000" dirty="0"/>
+              <a:t>Варианты выполнения практической работы</a:t>
+            </a:r>
+          </a:p>
+        </p:txBody>
+      </p:sp>
+      <p:sp>
+        <p:nvSpPr>
+          <p:cNvPr id="3" name="Объект 2">
+            <a:extLst>
+              <a:ext uri="{FF2B5EF4-FFF2-40B4-BE49-F238E27FC236}">
+                <a16:creationId xmlns:a16="http://schemas.microsoft.com/office/drawing/2014/main" id="{C1596F93-C31F-600F-2EA5-324A27EE50DA}"/>
+              </a:ext>
+            </a:extLst>
+          </p:cNvPr>
+          <p:cNvSpPr>
+            <a:spLocks noGrp="1"/>
+          </p:cNvSpPr>
+          <p:nvPr>
+            <p:ph idx="1"/>
+          </p:nvPr>
+        </p:nvSpPr>
+        <p:spPr>
+          <a:xfrm>
+            <a:off x="838200" y="1361660"/>
+            <a:ext cx="10515600" cy="5059017"/>
+          </a:xfrm>
+        </p:spPr>
+        <p:txBody>
+          <a:bodyPr>
+            <a:normAutofit fontScale="77500" lnSpcReduction="20000"/>
+          </a:bodyPr>
+          <a:lstStyle/>
+          <a:p>
+            <a:pPr marL="0" indent="0">
+              <a:lnSpc>
+                <a:spcPct val="110000"/>
+              </a:lnSpc>
+              <a:buNone/>
+            </a:pPr>
+            <a:r>
+              <a:rPr lang="ru-RU" dirty="0"/>
+              <a:t>В общем технически у нас 3 варианта, как студенты могут выполнить работу:</a:t>
+            </a:r>
+          </a:p>
+          <a:p>
+            <a:pPr>
+              <a:lnSpc>
+                <a:spcPct val="110000"/>
+              </a:lnSpc>
+            </a:pPr>
+            <a:r>
+              <a:rPr lang="ru-RU" dirty="0"/>
+              <a:t>Создать </a:t>
+            </a:r>
+            <a:r>
+              <a:rPr lang="en" dirty="0"/>
+              <a:t>review </a:t>
+            </a:r>
+            <a:r>
+              <a:rPr lang="ru-RU" dirty="0"/>
+              <a:t>в виде простого документа на любой код</a:t>
+            </a:r>
+          </a:p>
+          <a:p>
+            <a:pPr lvl="1">
+              <a:lnSpc>
+                <a:spcPct val="110000"/>
+              </a:lnSpc>
+            </a:pPr>
+            <a:r>
+              <a:rPr lang="ru-RU" dirty="0"/>
+              <a:t>Создать ревью в виде обычного документа</a:t>
+            </a:r>
+          </a:p>
+          <a:p>
+            <a:pPr lvl="1">
+              <a:lnSpc>
+                <a:spcPct val="110000"/>
+              </a:lnSpc>
+            </a:pPr>
+            <a:r>
+              <a:rPr lang="ru-RU" dirty="0"/>
+              <a:t>Переслать преподавателю любым способом: </a:t>
+            </a:r>
+            <a:r>
+              <a:rPr lang="en-US" dirty="0" err="1"/>
+              <a:t>tg</a:t>
+            </a:r>
+            <a:r>
+              <a:rPr lang="en-US" dirty="0"/>
+              <a:t> / email</a:t>
+            </a:r>
+            <a:endParaRPr lang="ru-RU" dirty="0"/>
+          </a:p>
+          <a:p>
+            <a:pPr>
+              <a:lnSpc>
+                <a:spcPct val="110000"/>
+              </a:lnSpc>
+            </a:pPr>
+            <a:r>
+              <a:rPr lang="ru-RU" dirty="0"/>
+              <a:t>Сделать в своём репо:</a:t>
+            </a:r>
+          </a:p>
+          <a:p>
+            <a:pPr lvl="1">
+              <a:lnSpc>
+                <a:spcPct val="110000"/>
+              </a:lnSpc>
+            </a:pPr>
+            <a:r>
+              <a:rPr lang="ru-RU" dirty="0"/>
+              <a:t>дать преподавателю доступ в своё репо</a:t>
+            </a:r>
+          </a:p>
+          <a:p>
+            <a:pPr lvl="1">
+              <a:lnSpc>
+                <a:spcPct val="110000"/>
+              </a:lnSpc>
+            </a:pPr>
+            <a:r>
+              <a:rPr lang="ru-RU" dirty="0"/>
+              <a:t>создать ветку</a:t>
+            </a:r>
+          </a:p>
+          <a:p>
+            <a:pPr lvl="1">
+              <a:lnSpc>
+                <a:spcPct val="110000"/>
+              </a:lnSpc>
+            </a:pPr>
+            <a:r>
+              <a:rPr lang="ru-RU" dirty="0"/>
+              <a:t>добавить код</a:t>
+            </a:r>
+          </a:p>
+          <a:p>
+            <a:pPr lvl="1">
+              <a:lnSpc>
+                <a:spcPct val="110000"/>
+              </a:lnSpc>
+            </a:pPr>
+            <a:r>
+              <a:rPr lang="ru-RU" dirty="0"/>
+              <a:t>сделать </a:t>
+            </a:r>
+            <a:r>
+              <a:rPr lang="en-US" dirty="0"/>
+              <a:t>PR</a:t>
+            </a:r>
+            <a:endParaRPr lang="ru-RU" dirty="0"/>
+          </a:p>
+          <a:p>
+            <a:pPr lvl="1">
+              <a:lnSpc>
+                <a:spcPct val="110000"/>
+              </a:lnSpc>
+            </a:pPr>
+            <a:r>
+              <a:rPr lang="ru-RU" dirty="0"/>
+              <a:t>сделать себе ревью</a:t>
+            </a:r>
+          </a:p>
+          <a:p>
+            <a:pPr>
+              <a:lnSpc>
+                <a:spcPct val="110000"/>
+              </a:lnSpc>
+            </a:pPr>
+            <a:r>
+              <a:rPr lang="ru-RU" dirty="0"/>
+              <a:t>Сделать в заранее подготовленном преподавателем репо</a:t>
+            </a:r>
+          </a:p>
+          <a:p>
+            <a:pPr lvl="1">
+              <a:lnSpc>
+                <a:spcPct val="120000"/>
+              </a:lnSpc>
+              <a:spcBef>
+                <a:spcPts val="300"/>
+              </a:spcBef>
+            </a:pPr>
+            <a:r>
+              <a:rPr lang="ru-RU" dirty="0"/>
+              <a:t>дать преподавателю свой никнейм на </a:t>
+            </a:r>
+            <a:r>
+              <a:rPr lang="en-US" dirty="0"/>
+              <a:t>github</a:t>
+            </a:r>
+            <a:endParaRPr lang="ru-RU" dirty="0"/>
+          </a:p>
+          <a:p>
+            <a:pPr lvl="1">
+              <a:lnSpc>
+                <a:spcPct val="120000"/>
+              </a:lnSpc>
+              <a:spcBef>
+                <a:spcPts val="300"/>
+              </a:spcBef>
+            </a:pPr>
+            <a:r>
+              <a:rPr lang="ru-RU" dirty="0"/>
+              <a:t>ждать, когда придет оповещение, что вам назначили ревью</a:t>
+            </a:r>
+          </a:p>
+          <a:p>
+            <a:pPr lvl="1">
+              <a:lnSpc>
+                <a:spcPct val="120000"/>
+              </a:lnSpc>
+              <a:spcBef>
+                <a:spcPts val="300"/>
+              </a:spcBef>
+            </a:pPr>
+            <a:r>
+              <a:rPr lang="ru-RU" dirty="0"/>
+              <a:t>провести ревью</a:t>
+            </a:r>
+          </a:p>
+          <a:p>
+            <a:pPr>
+              <a:lnSpc>
+                <a:spcPct val="110000"/>
+              </a:lnSpc>
+            </a:pPr>
+            <a:endParaRPr lang="ru-RU" dirty="0"/>
+          </a:p>
+          <a:p>
+            <a:pPr>
+              <a:lnSpc>
+                <a:spcPct val="110000"/>
+              </a:lnSpc>
+            </a:pPr>
+            <a:endParaRPr lang="ru-RU" dirty="0"/>
+          </a:p>
+        </p:txBody>
+      </p:sp>
+    </p:spTree>
+    <p:extLst>
+      <p:ext uri="{BB962C8B-B14F-4D97-AF65-F5344CB8AC3E}">
+        <p14:creationId xmlns:p14="http://schemas.microsoft.com/office/powerpoint/2010/main" val="3799058734"/>
+      </p:ext>
+    </p:extLst>
+  </p:cSld>
+  <p:clrMapOvr>
+    <a:masterClrMapping/>
+  </p:clrMapOvr>
+</p:sld>
+</file>
+
+<file path=ppt/slides/slide34.xml><?xml version="1.0" encoding="utf-8"?>
+<p:sld xmlns:a="http://schemas.openxmlformats.org/drawingml/2006/main" xmlns:r="http://schemas.openxmlformats.org/officeDocument/2006/relationships" xmlns:p="http://schemas.openxmlformats.org/presentationml/2006/main">
+  <p:cSld>
+    <p:spTree>
+      <p:nvGrpSpPr>
+        <p:cNvPr id="1" name=""/>
+        <p:cNvGrpSpPr/>
+        <p:nvPr/>
+      </p:nvGrpSpPr>
+      <p:grpSpPr>
+        <a:xfrm>
+          <a:off x="0" y="0"/>
+          <a:ext cx="0" cy="0"/>
+          <a:chOff x="0" y="0"/>
+          <a:chExt cx="0" cy="0"/>
+        </a:xfrm>
+      </p:grpSpPr>
+      <p:pic>
+        <p:nvPicPr>
+          <p:cNvPr id="4" name="3eyts1.jpg" descr="3eyts1.jpg">
+            <a:extLst>
+              <a:ext uri="{FF2B5EF4-FFF2-40B4-BE49-F238E27FC236}">
+                <a16:creationId xmlns:a16="http://schemas.microsoft.com/office/drawing/2014/main" id="{C2E2FD84-EC55-79BC-87DD-58F157599A64}"/>
+              </a:ext>
+            </a:extLst>
+          </p:cNvPr>
+          <p:cNvPicPr>
+            <a:picLocks noChangeAspect="1"/>
+          </p:cNvPicPr>
+          <p:nvPr/>
+        </p:nvPicPr>
+        <p:blipFill>
+          <a:blip r:embed="rId2"/>
+          <a:stretch>
+            <a:fillRect/>
+          </a:stretch>
+        </p:blipFill>
+        <p:spPr>
+          <a:xfrm>
+            <a:off x="1708010" y="1128635"/>
+            <a:ext cx="8492594" cy="4616094"/>
+          </a:xfrm>
+          <a:prstGeom prst="rect">
+            <a:avLst/>
+          </a:prstGeom>
+          <a:ln w="12700">
+            <a:miter lim="400000"/>
+          </a:ln>
+        </p:spPr>
+      </p:pic>
+    </p:spTree>
+    <p:extLst>
+      <p:ext uri="{BB962C8B-B14F-4D97-AF65-F5344CB8AC3E}">
+        <p14:creationId xmlns:p14="http://schemas.microsoft.com/office/powerpoint/2010/main" val="3457053836"/>
+      </p:ext>
+    </p:extLst>
+  </p:cSld>
+  <p:clrMapOvr>
+    <a:masterClrMapping/>
+  </p:clrMapOvr>
+</p:sld>
+</file>
+
 <file path=ppt/slides/slide4.xml><?xml version="1.0" encoding="utf-8"?>
 <p:sld xmlns:a="http://schemas.openxmlformats.org/drawingml/2006/main" xmlns:r="http://schemas.openxmlformats.org/officeDocument/2006/relationships" xmlns:p="http://schemas.openxmlformats.org/presentationml/2006/main">
   <p:cSld>
@@ -13884,8 +16992,8 @@
         </p:nvSpPr>
         <p:spPr>
           <a:xfrm>
-            <a:off x="838201" y="1825625"/>
-            <a:ext cx="5643282" cy="4351338"/>
+            <a:off x="838201" y="2013357"/>
+            <a:ext cx="5643282" cy="4163605"/>
           </a:xfrm>
         </p:spPr>
         <p:txBody>
@@ -13900,18 +17008,18 @@
               </a:lnSpc>
             </a:pPr>
             <a:r>
-              <a:rPr lang="ru-RU" sz="3200" b="1" dirty="0"/>
+              <a:rPr lang="ru-RU" b="1" dirty="0"/>
               <a:t>Статический анализ</a:t>
             </a:r>
             <a:r>
-              <a:rPr lang="en-US" sz="3200" b="1" dirty="0"/>
+              <a:rPr lang="en-US" b="1" dirty="0"/>
               <a:t> </a:t>
             </a:r>
             <a:r>
-              <a:rPr lang="ru-RU" sz="3200" b="1" dirty="0"/>
+              <a:rPr lang="ru-RU" b="1" dirty="0"/>
               <a:t>кода</a:t>
             </a:r>
-            <a:endParaRPr lang="en-US" sz="3200" b="1" dirty="0"/>
+            <a:endParaRPr lang="en-US" b="1" dirty="0"/>
           </a:p>
           <a:p>
             <a:pPr>
@@ -13920,15 +17028,15 @@
               </a:lnSpc>
             </a:pPr>
             <a:r>
-              <a:rPr lang="ru-RU" sz="3200" b="1" dirty="0"/>
+              <a:rPr lang="ru-RU" b="1" dirty="0"/>
               <a:t>Обзор кода (</a:t>
             </a:r>
             <a:r>
-              <a:rPr lang="en-US" sz="3200" b="1" dirty="0"/>
+              <a:rPr lang="en-US" b="1" dirty="0"/>
               <a:t>code review</a:t>
             </a:r>
             <a:r>
-              <a:rPr lang="ru-RU" sz="3200" b="1" dirty="0"/>
+              <a:rPr lang="ru-RU" b="1" dirty="0"/>
               <a:t>)</a:t>
             </a:r>
           </a:p>
@@ -13939,23 +17047,23 @@
               </a:lnSpc>
             </a:pPr>
             <a:r>
-              <a:rPr lang="ru-RU" sz="3200" dirty="0"/>
+              <a:rPr lang="ru-RU" b="1" dirty="0"/>
               <a:t>Юнит-тесты</a:t>
             </a:r>
             <a:r>
-              <a:rPr lang="en-US" sz="3200" dirty="0"/>
+              <a:rPr lang="en-US" b="1" dirty="0"/>
               <a:t> (</a:t>
             </a:r>
             <a:r>
-              <a:rPr lang="ru-RU" sz="3200" dirty="0"/>
+              <a:rPr lang="ru-RU" b="1" dirty="0"/>
               <a:t>или </a:t>
             </a:r>
             <a:r>
-              <a:rPr lang="en-US" sz="3200" dirty="0"/>
+              <a:rPr lang="en-US" b="1" dirty="0"/>
               <a:t>TDD</a:t>
             </a:r>
             <a:r>
-              <a:rPr lang="ru-RU" sz="3200" dirty="0"/>
+              <a:rPr lang="ru-RU" b="1" dirty="0"/>
               <a:t>)</a:t>
             </a:r>
           </a:p>
@@ -13966,8 +17074,8 @@
               </a:lnSpc>
             </a:pPr>
             <a:r>
-              <a:rPr lang="ru-RU" sz="3200" dirty="0"/>
-              <a:t>Тестирование новой функциональности самим разработчиком</a:t>
+              <a:rPr lang="ru-RU" dirty="0"/>
+              <a:t>Динамический анализ кода</a:t>
             </a:r>
           </a:p>
           <a:p>
@@ -13977,12 +17085,26 @@
               </a:lnSpc>
             </a:pPr>
             <a:r>
-              <a:rPr lang="ru-RU" sz="3200" dirty="0"/>
-              <a:t>Динамический анализ кода</a:t>
-            </a:r>
-          </a:p>
-          <a:p>
-            <a:endParaRPr lang="ru-RU" dirty="0"/>
+              <a:rPr lang="ru-RU" dirty="0"/>
+              <a:t>Парное программирование</a:t>
+            </a:r>
+          </a:p>
+          <a:p>
+            <a:pPr>
+              <a:lnSpc>
+                <a:spcPct val="100000"/>
+              </a:lnSpc>
+            </a:pPr>
+            <a:r>
+              <a:rPr lang="ru-RU" dirty="0"/>
+              <a:t>Тестирование</a:t>
+            </a:r>
+          </a:p>
+          <a:p>
+            <a:pPr marL="0" indent="0">
+              <a:buNone/>
+            </a:pPr>
+            <a:endParaRPr lang="ru-RU" sz="2400" dirty="0"/>
           </a:p>
         </p:txBody>
       </p:sp>
@@ -14017,7 +17139,7 @@
     </p:spTree>
     <p:extLst>
       <p:ext uri="{BB962C8B-B14F-4D97-AF65-F5344CB8AC3E}">
-        <p14:creationId xmlns:p14="http://schemas.microsoft.com/office/powerpoint/2010/main" val="3210899960"/>
+        <p14:creationId xmlns:p14="http://schemas.microsoft.com/office/powerpoint/2010/main" val="3883901642"/>
       </p:ext>
     </p:extLst>
   </p:cSld>
@@ -14252,12 +17374,12 @@
         <p:spPr>
           <a:xfrm>
             <a:off x="637479" y="1371600"/>
-            <a:ext cx="6897856" cy="5121274"/>
+            <a:ext cx="6306660" cy="4923183"/>
           </a:xfrm>
         </p:spPr>
         <p:txBody>
           <a:bodyPr>
-            <a:normAutofit fontScale="92500"/>
+            <a:normAutofit/>
           </a:bodyPr>
           <a:lstStyle/>
           <a:p>
@@ -14350,31 +17472,6 @@
             <a:r>
               <a:rPr lang="ru-RU" sz="2400" dirty="0"/>
               <a:t> — высокоуровневая ревизия решения до начала кодирования.</a:t>
-            </a:r>
-          </a:p>
-          <a:p>
-            <a:pPr marL="0" indent="0">
-              <a:lnSpc>
-                <a:spcPct val="110000"/>
-              </a:lnSpc>
-              <a:buNone/>
-            </a:pPr>
-            <a:endParaRPr lang="ru-RU" sz="2400" b="1" dirty="0"/>
-          </a:p>
-          <a:p>
-            <a:pPr marL="0" indent="0">
-              <a:lnSpc>
-                <a:spcPct val="110000"/>
-              </a:lnSpc>
-              <a:buNone/>
-            </a:pPr>
-            <a:r>
-              <a:rPr lang="ru-RU" sz="2400" b="1" dirty="0"/>
-              <a:t>Выгоднее находить недочёты и ошибки на ранних стадиях разработки</a:t>
-            </a:r>
-            <a:r>
-              <a:rPr lang="ru-RU" sz="2400" dirty="0"/>
-              <a:t>, а не при финальном тестировании или эксплуатации системы!</a:t>
             </a:r>
           </a:p>
         </p:txBody>
@@ -14394,15 +17491,30 @@
           <p:nvPr/>
         </p:nvPicPr>
         <p:blipFill>
-          <a:blip r:embed="rId2"/>
+          <a:blip r:embed="rId2">
+            <a:extLst>
+              <a:ext uri="{BEBA8EAE-BF5A-486C-A8C5-ECC9F3942E4B}">
+                <a14:imgProps xmlns:a14="http://schemas.microsoft.com/office/drawing/2010/main">
+                  <a14:imgLayer r:embed="rId3">
+                    <a14:imgEffect>
+                      <a14:colorTemperature colorTemp="9587"/>
+                    </a14:imgEffect>
+                    <a14:imgEffect>
+                      <a14:saturation sat="400000"/>
+                    </a14:imgEffect>
+                  </a14:imgLayer>
+                </a14:imgProps>
+              </a:ext>
+            </a:extLst>
+          </a:blip>
           <a:stretch>
             <a:fillRect/>
           </a:stretch>
         </p:blipFill>
         <p:spPr>
           <a:xfrm>
-            <a:off x="7535334" y="1717289"/>
-            <a:ext cx="4656666" cy="3657599"/>
+            <a:off x="6988435" y="1478750"/>
+            <a:ext cx="5203565" cy="4087163"/>
           </a:xfrm>
           <a:prstGeom prst="rect">
             <a:avLst/>
@@ -14495,7 +17607,7 @@
         <p:spPr>
           <a:xfrm>
             <a:off x="548268" y="1690688"/>
-            <a:ext cx="5629507" cy="4351338"/>
+            <a:ext cx="5780243" cy="4351338"/>
           </a:xfrm>
           <a:prstGeom prst="rect">
             <a:avLst/>
@@ -14539,7 +17651,7 @@
             </a:pPr>
             <a:r>
               <a:rPr lang="ru-RU" sz="3000" dirty="0"/>
-              <a:t>Шеринг знаний</a:t>
+              <a:t>Повышение качества</a:t>
             </a:r>
           </a:p>
           <a:p>
@@ -14558,6 +17670,15 @@
             <a:r>
               <a:rPr lang="ru-RU" sz="3000" dirty="0"/>
               <a:t>Обучение на коде коллег</a:t>
+            </a:r>
+          </a:p>
+          <a:p>
+            <a:pPr marL="312528" indent="-312528">
+              <a:defRPr sz="4500"/>
+            </a:pPr>
+            <a:r>
+              <a:rPr lang="ru-RU" sz="3000" dirty="0"/>
+              <a:t>Шеринг знаний</a:t>
             </a:r>
           </a:p>
         </p:txBody>
@@ -14622,7 +17743,7 @@
           <p:cNvPr id="2" name="Заголовок 1">
             <a:extLst>
               <a:ext uri="{FF2B5EF4-FFF2-40B4-BE49-F238E27FC236}">
-                <a16:creationId xmlns:a16="http://schemas.microsoft.com/office/drawing/2014/main" id="{1125D6FE-69AA-3B47-A7FB-4B7BC6DEF77F}"/>
+                <a16:creationId xmlns:a16="http://schemas.microsoft.com/office/drawing/2014/main" id="{57CB07DC-6BD9-0247-ACE2-7DED5C57B38E}"/>
               </a:ext>
             </a:extLst>
           </p:cNvPr>
@@ -14633,19 +17754,14 @@
             <p:ph type="title"/>
           </p:nvPr>
         </p:nvSpPr>
-        <p:spPr>
-          <a:xfrm>
-            <a:off x="838200" y="300471"/>
-            <a:ext cx="10515600" cy="973021"/>
-          </a:xfrm>
-        </p:spPr>
+        <p:spPr/>
         <p:txBody>
           <a:bodyPr/>
           <a:lstStyle/>
           <a:p>
             <a:r>
               <a:rPr lang="ru-RU" dirty="0"/>
-              <a:t>На что обращать внимание?</a:t>
+              <a:t>Что может подвергаться ревью?</a:t>
             </a:r>
           </a:p>
         </p:txBody>
@@ -14655,7 +17771,7 @@
           <p:cNvPr id="3" name="Объект 2">
             <a:extLst>
               <a:ext uri="{FF2B5EF4-FFF2-40B4-BE49-F238E27FC236}">
-                <a16:creationId xmlns:a16="http://schemas.microsoft.com/office/drawing/2014/main" id="{DF8972DC-3F7A-97F1-D564-6AFD82BFD928}"/>
+                <a16:creationId xmlns:a16="http://schemas.microsoft.com/office/drawing/2014/main" id="{F5CA72F9-CE1C-A067-EE34-797A32A50C8F}"/>
               </a:ext>
             </a:extLst>
           </p:cNvPr>
@@ -14668,187 +17784,89 @@
         </p:nvSpPr>
         <p:spPr>
           <a:xfrm>
-            <a:off x="838200" y="1370024"/>
-            <a:ext cx="10515600" cy="5224740"/>
+            <a:off x="838200" y="1785869"/>
+            <a:ext cx="10515600" cy="4707006"/>
           </a:xfrm>
         </p:spPr>
         <p:txBody>
           <a:bodyPr>
-            <a:normAutofit fontScale="85000" lnSpcReduction="20000"/>
+            <a:normAutofit fontScale="92500" lnSpcReduction="10000"/>
           </a:bodyPr>
           <a:lstStyle/>
           <a:p>
-            <a:r>
-              <a:rPr lang="ru-RU" b="1" dirty="0"/>
-              <a:t>Ошибки</a:t>
-            </a:r>
-            <a:r>
-              <a:rPr lang="ru-RU" dirty="0"/>
-              <a:t> в алгоритме </a:t>
-            </a:r>
-            <a:endParaRPr lang="ru-RU" b="1" dirty="0"/>
-          </a:p>
-          <a:p>
-            <a:r>
-              <a:rPr lang="ru-RU" b="1" dirty="0"/>
-              <a:t>Понятность</a:t>
-            </a:r>
-            <a:r>
-              <a:rPr lang="ru-RU" dirty="0"/>
-              <a:t> / читабельность кода</a:t>
-            </a:r>
-          </a:p>
-          <a:p>
-            <a:pPr lvl="1"/>
-            <a:r>
-              <a:rPr lang="ru-RU" dirty="0"/>
-              <a:t>В т.ч. соответствие принятым стандартам</a:t>
-            </a:r>
-          </a:p>
-          <a:p>
-            <a:r>
-              <a:rPr lang="ru-RU" b="1" dirty="0"/>
-              <a:t>Архитектура / дизайн</a:t>
-            </a:r>
-          </a:p>
-          <a:p>
-            <a:pPr lvl="1"/>
-            <a:r>
-              <a:rPr lang="ru-RU" dirty="0"/>
-              <a:t>Разделение на модули / классы / функции</a:t>
-            </a:r>
-          </a:p>
-          <a:p>
-            <a:pPr lvl="1"/>
-            <a:r>
-              <a:rPr lang="ru-RU" dirty="0"/>
-              <a:t>Сцепление / связность (</a:t>
-            </a:r>
-            <a:r>
-              <a:rPr lang="en" dirty="0"/>
-              <a:t>Cohesion </a:t>
-            </a:r>
-            <a:r>
-              <a:rPr lang="ru-RU" dirty="0"/>
-              <a:t>и </a:t>
-            </a:r>
-            <a:r>
-              <a:rPr lang="en" dirty="0"/>
-              <a:t>Coupling</a:t>
-            </a:r>
-            <a:r>
-              <a:rPr lang="ru-RU" dirty="0"/>
-              <a:t>)</a:t>
-            </a:r>
-          </a:p>
-          <a:p>
-            <a:r>
-              <a:rPr lang="ru-RU" b="1" dirty="0"/>
-              <a:t>Запахи</a:t>
-            </a:r>
-            <a:r>
-              <a:rPr lang="ru-RU" dirty="0"/>
-              <a:t> и плохие практики (см. Стандарты кодирования)</a:t>
-            </a:r>
-          </a:p>
-          <a:p>
-            <a:r>
-              <a:rPr lang="ru-RU" b="1" dirty="0"/>
-              <a:t>Алгоритмы</a:t>
-            </a:r>
-            <a:r>
-              <a:rPr lang="ru-RU" dirty="0"/>
-              <a:t> и </a:t>
-            </a:r>
-            <a:r>
-              <a:rPr lang="ru-RU" b="1" dirty="0"/>
-              <a:t>структуры данных</a:t>
-            </a:r>
-          </a:p>
-          <a:p>
-            <a:pPr lvl="1"/>
-            <a:r>
-              <a:rPr lang="ru-RU" dirty="0"/>
-              <a:t>Их корректность / эффективность / адекватность применения</a:t>
-            </a:r>
-          </a:p>
-          <a:p>
-            <a:pPr lvl="1"/>
-            <a:r>
-              <a:rPr lang="ru-RU" b="1" dirty="0"/>
-              <a:t>Утечки ресурсов</a:t>
-            </a:r>
-            <a:r>
-              <a:rPr lang="ru-RU" dirty="0"/>
-              <a:t>!</a:t>
-            </a:r>
-          </a:p>
-          <a:p>
-            <a:r>
-              <a:rPr lang="ru-RU" dirty="0"/>
-              <a:t>Потенциальные проблемы с </a:t>
-            </a:r>
-            <a:r>
-              <a:rPr lang="ru-RU" b="1" dirty="0"/>
-              <a:t>производительностью</a:t>
-            </a:r>
-          </a:p>
-          <a:p>
-            <a:r>
-              <a:rPr lang="ru-RU" dirty="0"/>
-              <a:t>Потенциальные проблемы с </a:t>
-            </a:r>
-            <a:r>
-              <a:rPr lang="ru-RU" b="1" dirty="0"/>
-              <a:t>безопасностью</a:t>
-            </a:r>
-            <a:r>
-              <a:rPr lang="ru-RU" dirty="0"/>
-              <a:t> / уязвимости</a:t>
-            </a:r>
-          </a:p>
-          <a:p>
-            <a:r>
-              <a:rPr lang="ru-RU" dirty="0"/>
-              <a:t>Наличие и достаточность </a:t>
-            </a:r>
-            <a:r>
-              <a:rPr lang="ru-RU" b="1" dirty="0"/>
-              <a:t>модульных тестов</a:t>
-            </a:r>
-          </a:p>
-          <a:p>
-            <a:r>
-              <a:rPr lang="ru-RU" dirty="0"/>
-              <a:t>Соответствие реализации и </a:t>
-            </a:r>
-            <a:r>
-              <a:rPr lang="ru-RU" b="1" dirty="0"/>
-              <a:t>ТЗ</a:t>
-            </a:r>
-          </a:p>
-          <a:p>
-            <a:r>
-              <a:rPr lang="ru-RU" dirty="0"/>
-              <a:t>Достаточность </a:t>
-            </a:r>
-            <a:r>
-              <a:rPr lang="ru-RU" b="1" dirty="0"/>
-              <a:t>логирования</a:t>
-            </a:r>
-          </a:p>
-          <a:p>
             <a:pPr marL="0" indent="0">
               <a:buNone/>
             </a:pPr>
-            <a:endParaRPr lang="ru-RU" dirty="0"/>
+            <a:r>
+              <a:rPr lang="ru-RU" dirty="0"/>
+              <a:t>Всё, что лежит в репозитории и не только:</a:t>
+            </a:r>
+          </a:p>
+          <a:p>
+            <a:r>
+              <a:rPr lang="ru-RU" dirty="0"/>
+              <a:t>Код</a:t>
+            </a:r>
+          </a:p>
+          <a:p>
+            <a:r>
+              <a:rPr lang="ru-RU" dirty="0"/>
+              <a:t>Тесты</a:t>
+            </a:r>
+          </a:p>
+          <a:p>
+            <a:r>
+              <a:rPr lang="ru-RU" dirty="0"/>
+              <a:t>Конфиги</a:t>
+            </a:r>
+          </a:p>
+          <a:p>
+            <a:r>
+              <a:rPr lang="ru-RU" dirty="0"/>
+              <a:t>Тексты / Локализация</a:t>
+            </a:r>
+          </a:p>
+          <a:p>
+            <a:r>
+              <a:rPr lang="ru-RU" dirty="0"/>
+              <a:t>Документы</a:t>
+            </a:r>
+          </a:p>
+          <a:p>
+            <a:r>
+              <a:rPr lang="en-US" dirty="0"/>
+              <a:t>Jupiter-</a:t>
+            </a:r>
+            <a:r>
+              <a:rPr lang="ru-RU" dirty="0"/>
+              <a:t>Блокноты</a:t>
+            </a:r>
+          </a:p>
+          <a:p>
+            <a:r>
+              <a:rPr lang="ru-RU" dirty="0"/>
+              <a:t>Дизайн</a:t>
+            </a:r>
+            <a:endParaRPr lang="en-US" dirty="0"/>
+          </a:p>
+          <a:p>
+            <a:r>
+              <a:rPr lang="ru-RU" dirty="0"/>
+              <a:t>Архитектура</a:t>
+            </a:r>
+          </a:p>
+          <a:p>
+            <a:r>
+              <a:rPr lang="ru-RU" dirty="0"/>
+              <a:t>….</a:t>
+            </a:r>
           </a:p>
         </p:txBody>
       </p:sp>
     </p:spTree>
     <p:extLst>
       <p:ext uri="{BB962C8B-B14F-4D97-AF65-F5344CB8AC3E}">
-        <p14:creationId xmlns:p14="http://schemas.microsoft.com/office/powerpoint/2010/main" val="1770633241"/>
+        <p14:creationId xmlns:p14="http://schemas.microsoft.com/office/powerpoint/2010/main" val="1333828976"/>
       </p:ext>
     </p:extLst>
   </p:cSld>
@@ -14880,7 +17898,7 @@
           <p:cNvPr id="2" name="Заголовок 1">
             <a:extLst>
               <a:ext uri="{FF2B5EF4-FFF2-40B4-BE49-F238E27FC236}">
-                <a16:creationId xmlns:a16="http://schemas.microsoft.com/office/drawing/2014/main" id="{DEF89290-FA85-CEFE-C45C-1EF1AB70E406}"/>
+                <a16:creationId xmlns:a16="http://schemas.microsoft.com/office/drawing/2014/main" id="{1125D6FE-69AA-3B47-A7FB-4B7BC6DEF77F}"/>
               </a:ext>
             </a:extLst>
           </p:cNvPr>
@@ -14893,8 +17911,8 @@
         </p:nvSpPr>
         <p:spPr>
           <a:xfrm>
-            <a:off x="838200" y="318946"/>
-            <a:ext cx="10515600" cy="835602"/>
+            <a:off x="838200" y="300471"/>
+            <a:ext cx="10515600" cy="973021"/>
           </a:xfrm>
         </p:spPr>
         <p:txBody>
@@ -14903,7 +17921,7 @@
           <a:p>
             <a:r>
               <a:rPr lang="ru-RU" dirty="0"/>
-              <a:t>Кто проводит ревью?</a:t>
+              <a:t>На что обращать внимание?</a:t>
             </a:r>
           </a:p>
         </p:txBody>
@@ -14913,7 +17931,7 @@
           <p:cNvPr id="3" name="Объект 2">
             <a:extLst>
               <a:ext uri="{FF2B5EF4-FFF2-40B4-BE49-F238E27FC236}">
-                <a16:creationId xmlns:a16="http://schemas.microsoft.com/office/drawing/2014/main" id="{1C0927F9-F8F0-F255-A851-E36844A572A6}"/>
+                <a16:creationId xmlns:a16="http://schemas.microsoft.com/office/drawing/2014/main" id="{DF8972DC-3F7A-97F1-D564-6AFD82BFD928}"/>
               </a:ext>
             </a:extLst>
           </p:cNvPr>
@@ -14926,8 +17944,8 @@
         </p:nvSpPr>
         <p:spPr>
           <a:xfrm>
-            <a:off x="838200" y="1200728"/>
-            <a:ext cx="10515600" cy="5421745"/>
+            <a:off x="838200" y="1370024"/>
+            <a:ext cx="10515600" cy="5224740"/>
           </a:xfrm>
         </p:spPr>
         <p:txBody>
@@ -14937,321 +17955,184 @@
           <a:lstStyle/>
           <a:p>
             <a:r>
-              <a:rPr lang="ru-RU" dirty="0"/>
-              <a:t>Ведущие разработчики (тех. лиды)</a:t>
-            </a:r>
-          </a:p>
-          <a:p>
-            <a:pPr lvl="1" eaLnBrk="0" hangingPunct="0">
-              <a:lnSpc>
-                <a:spcPct val="120000"/>
-              </a:lnSpc>
-              <a:spcBef>
-                <a:spcPts val="0"/>
-              </a:spcBef>
-              <a:defRPr/>
-            </a:pPr>
-            <a:r>
-              <a:rPr lang="ru-RU" dirty="0">
-                <a:solidFill>
-                  <a:schemeClr val="accent6">
-                    <a:lumMod val="50000"/>
-                  </a:schemeClr>
-                </a:solidFill>
-              </a:rPr>
-              <a:t>Одинаковые требования / Единообразие кода</a:t>
-            </a:r>
-          </a:p>
-          <a:p>
-            <a:pPr lvl="1" eaLnBrk="0" hangingPunct="0">
-              <a:lnSpc>
-                <a:spcPct val="120000"/>
-              </a:lnSpc>
-              <a:spcBef>
-                <a:spcPts val="0"/>
-              </a:spcBef>
-              <a:defRPr/>
-            </a:pPr>
-            <a:r>
-              <a:rPr lang="ru-RU" dirty="0">
-                <a:solidFill>
-                  <a:schemeClr val="accent6">
-                    <a:lumMod val="50000"/>
-                  </a:schemeClr>
-                </a:solidFill>
-              </a:rPr>
-              <a:t>Гуру делится опытом</a:t>
-            </a:r>
-          </a:p>
-          <a:p>
-            <a:pPr lvl="1" eaLnBrk="0" hangingPunct="0">
-              <a:lnSpc>
-                <a:spcPct val="120000"/>
-              </a:lnSpc>
-              <a:spcBef>
-                <a:spcPts val="0"/>
-              </a:spcBef>
-              <a:defRPr/>
-            </a:pPr>
-            <a:r>
-              <a:rPr lang="ru-RU" dirty="0">
-                <a:solidFill>
-                  <a:schemeClr val="accent6">
-                    <a:lumMod val="50000"/>
-                  </a:schemeClr>
-                </a:solidFill>
-              </a:rPr>
-              <a:t>Более качественные рекомендации</a:t>
-            </a:r>
-          </a:p>
-          <a:p>
-            <a:pPr lvl="1">
-              <a:lnSpc>
-                <a:spcPct val="120000"/>
-              </a:lnSpc>
-              <a:spcBef>
-                <a:spcPts val="0"/>
-              </a:spcBef>
-            </a:pPr>
-            <a:r>
-              <a:rPr lang="ru-RU" dirty="0">
-                <a:solidFill>
-                  <a:srgbClr val="C00000"/>
-                </a:solidFill>
-              </a:rPr>
-              <a:t>Люди перегружаются работой</a:t>
-            </a:r>
-          </a:p>
-          <a:p>
-            <a:pPr lvl="1">
-              <a:lnSpc>
-                <a:spcPct val="120000"/>
-              </a:lnSpc>
-              <a:spcBef>
-                <a:spcPts val="0"/>
-              </a:spcBef>
-            </a:pPr>
-            <a:r>
-              <a:rPr lang="ru-RU" dirty="0">
-                <a:solidFill>
-                  <a:srgbClr val="C00000"/>
-                </a:solidFill>
-              </a:rPr>
-              <a:t>Не происходит обучения новичков на коде более опытных</a:t>
-            </a:r>
-          </a:p>
-          <a:p>
-            <a:pPr lvl="1">
-              <a:lnSpc>
-                <a:spcPct val="120000"/>
-              </a:lnSpc>
-              <a:spcBef>
-                <a:spcPts val="0"/>
-              </a:spcBef>
-            </a:pPr>
-            <a:r>
-              <a:rPr lang="ru-RU" dirty="0">
-                <a:solidFill>
-                  <a:srgbClr val="C00000"/>
-                </a:solidFill>
-              </a:rPr>
-              <a:t>Только выборочная проверка (т.к. мало времени)</a:t>
-            </a:r>
-          </a:p>
-          <a:p>
-            <a:pPr lvl="1">
-              <a:lnSpc>
-                <a:spcPct val="120000"/>
-              </a:lnSpc>
-              <a:spcBef>
-                <a:spcPts val="0"/>
-              </a:spcBef>
-            </a:pPr>
-            <a:r>
-              <a:rPr lang="ru-RU" dirty="0">
-                <a:solidFill>
-                  <a:srgbClr val="C00000"/>
-                </a:solidFill>
-              </a:rPr>
-              <a:t>Скорее всего долго ждать (т.к. опытные разработчики перегружены работой)</a:t>
-            </a:r>
-          </a:p>
-          <a:p>
-            <a:pPr lvl="1">
-              <a:lnSpc>
-                <a:spcPct val="120000"/>
-              </a:lnSpc>
-              <a:spcBef>
-                <a:spcPts val="0"/>
-              </a:spcBef>
-            </a:pPr>
-            <a:r>
-              <a:rPr lang="ru-RU" dirty="0">
-                <a:solidFill>
-                  <a:srgbClr val="C00000"/>
-                </a:solidFill>
-              </a:rPr>
-              <a:t>Более важные задачи в приоритете, на ревью зачастую не хватает времени</a:t>
-            </a:r>
-          </a:p>
-          <a:p>
-            <a:r>
-              <a:rPr lang="ru-RU" dirty="0"/>
-              <a:t>Ответственные за данный модуль / компонент</a:t>
-            </a:r>
-          </a:p>
-          <a:p>
-            <a:pPr lvl="1">
-              <a:lnSpc>
-                <a:spcPct val="120000"/>
-              </a:lnSpc>
-              <a:spcBef>
-                <a:spcPts val="0"/>
-              </a:spcBef>
-            </a:pPr>
-            <a:r>
-              <a:rPr lang="ru-RU" dirty="0">
-                <a:solidFill>
-                  <a:schemeClr val="accent6">
-                    <a:lumMod val="50000"/>
-                  </a:schemeClr>
-                </a:solidFill>
-              </a:rPr>
-              <a:t>Единообразный код / подходы в модуле</a:t>
-            </a:r>
-          </a:p>
-          <a:p>
-            <a:pPr lvl="1">
-              <a:lnSpc>
-                <a:spcPct val="120000"/>
-              </a:lnSpc>
-              <a:spcBef>
-                <a:spcPts val="0"/>
-              </a:spcBef>
-            </a:pPr>
-            <a:r>
-              <a:rPr lang="ru-RU" dirty="0">
-                <a:solidFill>
-                  <a:schemeClr val="accent6">
-                    <a:lumMod val="50000"/>
-                  </a:schemeClr>
-                </a:solidFill>
-              </a:rPr>
-              <a:t>Мейнтейнер хорошо понимает свой код / модули и за него болеет</a:t>
-            </a:r>
-          </a:p>
-          <a:p>
-            <a:pPr lvl="1">
-              <a:lnSpc>
-                <a:spcPct val="120000"/>
-              </a:lnSpc>
-              <a:spcBef>
-                <a:spcPts val="0"/>
-              </a:spcBef>
-            </a:pPr>
-            <a:r>
-              <a:rPr lang="ru-RU" dirty="0">
-                <a:solidFill>
-                  <a:srgbClr val="C00000"/>
-                </a:solidFill>
-              </a:rPr>
-              <a:t>А как же </a:t>
-            </a:r>
-            <a:r>
-              <a:rPr lang="en-US" dirty="0">
-                <a:solidFill>
-                  <a:srgbClr val="C00000"/>
-                </a:solidFill>
-              </a:rPr>
+              <a:rPr lang="ru-RU" b="1" dirty="0"/>
+              <a:t>Ошибки</a:t>
+            </a:r>
+            <a:r>
+              <a:rPr lang="ru-RU" dirty="0"/>
+              <a:t> в алгоритме / логике / реализации требований</a:t>
+            </a:r>
+            <a:endParaRPr lang="ru-RU" b="1" dirty="0"/>
+          </a:p>
+          <a:p>
+            <a:r>
+              <a:rPr lang="ru-RU" b="1" dirty="0"/>
+              <a:t>Понятность</a:t>
+            </a:r>
+            <a:r>
+              <a:rPr lang="ru-RU" dirty="0"/>
+              <a:t> / читабельность кода</a:t>
+            </a:r>
+          </a:p>
+          <a:p>
+            <a:pPr lvl="1"/>
+            <a:r>
+              <a:rPr lang="ru-RU" dirty="0"/>
+              <a:t>В т.ч. соответствие принятым стандартам</a:t>
+            </a:r>
+          </a:p>
+          <a:p>
+            <a:r>
+              <a:rPr lang="ru-RU" b="1" dirty="0"/>
+              <a:t>Архитектура / дизайн</a:t>
+            </a:r>
+          </a:p>
+          <a:p>
+            <a:pPr lvl="1"/>
+            <a:r>
+              <a:rPr lang="ru-RU" dirty="0"/>
+              <a:t>Разделение на модули / классы / функции</a:t>
+            </a:r>
+          </a:p>
+          <a:p>
+            <a:pPr lvl="1"/>
+            <a:r>
+              <a:rPr lang="ru-RU" dirty="0"/>
+              <a:t>Сцепление / связность (</a:t>
+            </a:r>
+            <a:r>
+              <a:rPr lang="en" dirty="0"/>
+              <a:t>Cohesion </a:t>
+            </a:r>
+            <a:r>
+              <a:rPr lang="ru-RU" dirty="0"/>
+              <a:t>и </a:t>
+            </a:r>
+            <a:r>
+              <a:rPr lang="en" dirty="0"/>
+              <a:t>Coupling</a:t>
+            </a:r>
+            <a:r>
+              <a:rPr lang="ru-RU" dirty="0"/>
+              <a:t>)</a:t>
+            </a:r>
+          </a:p>
+          <a:p>
+            <a:r>
+              <a:rPr lang="ru-RU" b="1" dirty="0"/>
+              <a:t>Запахи кода </a:t>
+            </a:r>
+            <a:r>
+              <a:rPr lang="ru-RU" dirty="0"/>
+              <a:t>и плохие практики (см. лекцию </a:t>
+            </a:r>
+            <a:r>
+              <a:rPr lang="en-US" dirty="0"/>
               <a:t>«</a:t>
             </a:r>
             <a:r>
-              <a:rPr lang="ru-RU" dirty="0">
-                <a:solidFill>
-                  <a:srgbClr val="C00000"/>
-                </a:solidFill>
-              </a:rPr>
-              <a:t>совместное владение кодом</a:t>
-            </a:r>
-            <a:r>
-              <a:rPr lang="en-US" dirty="0">
-                <a:solidFill>
-                  <a:srgbClr val="C00000"/>
-                </a:solidFill>
-              </a:rPr>
-              <a:t>»?</a:t>
-            </a:r>
-            <a:endParaRPr lang="ru-RU" dirty="0">
-              <a:solidFill>
-                <a:srgbClr val="C00000"/>
-              </a:solidFill>
-            </a:endParaRPr>
+              <a:rPr lang="ru-RU" dirty="0"/>
+              <a:t>Стандарты кодирования</a:t>
+            </a:r>
+            <a:r>
+              <a:rPr lang="en-US" dirty="0"/>
+              <a:t>»</a:t>
+            </a:r>
+            <a:r>
+              <a:rPr lang="ru-RU" dirty="0"/>
+              <a:t>)</a:t>
+            </a:r>
           </a:p>
           <a:p>
             <a:r>
               <a:rPr lang="ru-RU" b="1" dirty="0"/>
-              <a:t>Любые разработчики</a:t>
-            </a:r>
-          </a:p>
-          <a:p>
-            <a:pPr lvl="1">
-              <a:lnSpc>
-                <a:spcPct val="120000"/>
-              </a:lnSpc>
-              <a:spcBef>
-                <a:spcPts val="0"/>
-              </a:spcBef>
-            </a:pPr>
-            <a:r>
-              <a:rPr lang="ru-RU" dirty="0">
-                <a:solidFill>
-                  <a:schemeClr val="accent6">
-                    <a:lumMod val="50000"/>
-                  </a:schemeClr>
-                </a:solidFill>
-              </a:rPr>
-              <a:t>Совместное владение кодом</a:t>
-            </a:r>
-          </a:p>
-          <a:p>
-            <a:pPr lvl="1">
-              <a:lnSpc>
-                <a:spcPct val="120000"/>
-              </a:lnSpc>
-              <a:spcBef>
-                <a:spcPts val="0"/>
-              </a:spcBef>
-            </a:pPr>
-            <a:r>
-              <a:rPr lang="ru-RU" dirty="0">
-                <a:solidFill>
-                  <a:schemeClr val="accent6">
-                    <a:lumMod val="50000"/>
-                  </a:schemeClr>
-                </a:solidFill>
-              </a:rPr>
-              <a:t>Взаимо-обучение, обмен опытом, люди лучше понимают систему целиком</a:t>
-            </a:r>
-          </a:p>
-          <a:p>
-            <a:pPr lvl="1">
-              <a:lnSpc>
-                <a:spcPct val="120000"/>
-              </a:lnSpc>
-              <a:spcBef>
-                <a:spcPts val="0"/>
-              </a:spcBef>
-            </a:pPr>
-            <a:r>
-              <a:rPr lang="ru-RU" dirty="0">
-                <a:solidFill>
-                  <a:srgbClr val="C00000"/>
-                </a:solidFill>
-              </a:rPr>
-              <a:t>Не всегда глубокое / качественное ревью</a:t>
-            </a:r>
-          </a:p>
-          <a:p>
+              <a:t>Алгоритмы</a:t>
+            </a:r>
+            <a:r>
+              <a:rPr lang="ru-RU" dirty="0"/>
+              <a:t> и </a:t>
+            </a:r>
+            <a:r>
+              <a:rPr lang="ru-RU" b="1" dirty="0"/>
+              <a:t>структуры данных</a:t>
+            </a:r>
+          </a:p>
+          <a:p>
+            <a:pPr lvl="1"/>
+            <a:r>
+              <a:rPr lang="ru-RU" dirty="0"/>
+              <a:t>Их корректность / эффективность / адекватность применения</a:t>
+            </a:r>
+          </a:p>
+          <a:p>
+            <a:pPr lvl="1"/>
+            <a:r>
+              <a:rPr lang="ru-RU" b="1" dirty="0"/>
+              <a:t>Утечки ресурсов</a:t>
+            </a:r>
+            <a:r>
+              <a:rPr lang="ru-RU" dirty="0"/>
+              <a:t>!</a:t>
+            </a:r>
+          </a:p>
+          <a:p>
+            <a:r>
+              <a:rPr lang="ru-RU" dirty="0"/>
+              <a:t>Потенциальные проблемы с </a:t>
+            </a:r>
+            <a:r>
+              <a:rPr lang="ru-RU" b="1" dirty="0"/>
+              <a:t>производительностью</a:t>
+            </a:r>
+          </a:p>
+          <a:p>
+            <a:r>
+              <a:rPr lang="ru-RU" dirty="0"/>
+              <a:t>Потенциальные проблемы с </a:t>
+            </a:r>
+            <a:r>
+              <a:rPr lang="ru-RU" b="1" dirty="0"/>
+              <a:t>безопасностью</a:t>
+            </a:r>
+            <a:r>
+              <a:rPr lang="ru-RU" dirty="0"/>
+              <a:t> / уязвимости</a:t>
+            </a:r>
+          </a:p>
+          <a:p>
+            <a:r>
+              <a:rPr lang="ru-RU" dirty="0"/>
+              <a:t>Наличие и достаточность </a:t>
+            </a:r>
+            <a:r>
+              <a:rPr lang="ru-RU" b="1" dirty="0"/>
+              <a:t>модульных тестов</a:t>
+            </a:r>
+          </a:p>
+          <a:p>
+            <a:r>
+              <a:rPr lang="ru-RU" dirty="0"/>
+              <a:t>Соответствие реализации и </a:t>
+            </a:r>
+            <a:r>
+              <a:rPr lang="ru-RU" b="1" dirty="0"/>
+              <a:t>ТЗ</a:t>
+            </a:r>
+          </a:p>
+          <a:p>
+            <a:r>
+              <a:rPr lang="ru-RU" dirty="0"/>
+              <a:t>Достаточность </a:t>
+            </a:r>
+            <a:r>
+              <a:rPr lang="ru-RU" b="1" dirty="0"/>
+              <a:t>логирования</a:t>
+            </a:r>
+          </a:p>
+          <a:p>
+            <a:pPr marL="0" indent="0">
+              <a:buNone/>
+            </a:pPr>
             <a:endParaRPr lang="ru-RU" dirty="0"/>
           </a:p>
         </p:txBody>
@@ -15259,7 +18140,7 @@
     </p:spTree>
     <p:extLst>
       <p:ext uri="{BB962C8B-B14F-4D97-AF65-F5344CB8AC3E}">
-        <p14:creationId xmlns:p14="http://schemas.microsoft.com/office/powerpoint/2010/main" val="2447616303"/>
+        <p14:creationId xmlns:p14="http://schemas.microsoft.com/office/powerpoint/2010/main" val="1770633241"/>
       </p:ext>
     </p:extLst>
   </p:cSld>
